--- a/tty-usb.pptx
+++ b/tty-usb.pptx
@@ -5,18 +5,21 @@
     <p:sldMasterId id="2147483648" r:id="rId1"/>
   </p:sldMasterIdLst>
   <p:notesMasterIdLst>
-    <p:notesMasterId r:id="rId11"/>
+    <p:notesMasterId r:id="rId14"/>
   </p:notesMasterIdLst>
   <p:sldIdLst>
     <p:sldId id="258" r:id="rId2"/>
-    <p:sldId id="257" r:id="rId3"/>
-    <p:sldId id="259" r:id="rId4"/>
-    <p:sldId id="260" r:id="rId5"/>
-    <p:sldId id="262" r:id="rId6"/>
-    <p:sldId id="261" r:id="rId7"/>
-    <p:sldId id="264" r:id="rId8"/>
-    <p:sldId id="263" r:id="rId9"/>
-    <p:sldId id="265" r:id="rId10"/>
+    <p:sldId id="268" r:id="rId3"/>
+    <p:sldId id="257" r:id="rId4"/>
+    <p:sldId id="259" r:id="rId5"/>
+    <p:sldId id="260" r:id="rId6"/>
+    <p:sldId id="262" r:id="rId7"/>
+    <p:sldId id="261" r:id="rId8"/>
+    <p:sldId id="264" r:id="rId9"/>
+    <p:sldId id="263" r:id="rId10"/>
+    <p:sldId id="265" r:id="rId11"/>
+    <p:sldId id="266" r:id="rId12"/>
+    <p:sldId id="267" r:id="rId13"/>
   </p:sldIdLst>
   <p:sldSz cx="12192000" cy="6858000"/>
   <p:notesSz cx="6858000" cy="9144000"/>
@@ -117,7 +120,7 @@
   </p:defaultTextStyle>
   <p:extLst>
     <p:ext uri="{EFAFB233-063F-42B5-8137-9DF3F51BA10A}">
-      <p15:sldGuideLst xmlns:p15="http://schemas.microsoft.com/office/powerpoint/2012/main" xmlns=""/>
+      <p15:sldGuideLst xmlns="" xmlns:p15="http://schemas.microsoft.com/office/powerpoint/2012/main"/>
     </p:ext>
   </p:extLst>
 </p:presentation>
@@ -205,7 +208,7 @@
           <a:p>
             <a:fld id="{AA4ACA9E-3111-AD4A-9E18-424074DC806E}" type="datetimeFigureOut">
               <a:rPr lang="en-US" smtClean="0"/>
-              <a:t>9/24/18</a:t>
+              <a:t>9/25/18</a:t>
             </a:fld>
             <a:endParaRPr lang="en-US"/>
           </a:p>
@@ -552,7 +555,7 @@
           <a:p>
             <a:fld id="{14FFAA02-00AD-7E46-9722-998A6348C4C8}" type="slidenum">
               <a:rPr lang="en-US" smtClean="0"/>
-              <a:t>3</a:t>
+              <a:t>4</a:t>
             </a:fld>
             <a:endParaRPr lang="en-US"/>
           </a:p>
@@ -644,7 +647,7 @@
           <a:p>
             <a:fld id="{14FFAA02-00AD-7E46-9722-998A6348C4C8}" type="slidenum">
               <a:rPr lang="en-US" smtClean="0"/>
-              <a:t>4</a:t>
+              <a:t>5</a:t>
             </a:fld>
             <a:endParaRPr lang="en-US"/>
           </a:p>
@@ -765,7 +768,7 @@
           <a:p>
             <a:fld id="{14FFAA02-00AD-7E46-9722-998A6348C4C8}" type="slidenum">
               <a:rPr lang="en-US" smtClean="0"/>
-              <a:t>5</a:t>
+              <a:t>6</a:t>
             </a:fld>
             <a:endParaRPr lang="en-US"/>
           </a:p>
@@ -907,7 +910,7 @@
           <a:p>
             <a:fld id="{14FFAA02-00AD-7E46-9722-998A6348C4C8}" type="slidenum">
               <a:rPr lang="en-US" smtClean="0"/>
-              <a:t>6</a:t>
+              <a:t>7</a:t>
             </a:fld>
             <a:endParaRPr lang="en-US"/>
           </a:p>
@@ -1057,7 +1060,7 @@
           <a:p>
             <a:fld id="{D91AE4C7-8FB2-A348-901D-5D98C2CBBBD4}" type="datetimeFigureOut">
               <a:rPr lang="en-US" smtClean="0"/>
-              <a:t>9/21/18</a:t>
+              <a:t>9/25/18</a:t>
             </a:fld>
             <a:endParaRPr lang="en-US"/>
           </a:p>
@@ -1227,7 +1230,7 @@
           <a:p>
             <a:fld id="{D91AE4C7-8FB2-A348-901D-5D98C2CBBBD4}" type="datetimeFigureOut">
               <a:rPr lang="en-US" smtClean="0"/>
-              <a:t>9/21/18</a:t>
+              <a:t>9/25/18</a:t>
             </a:fld>
             <a:endParaRPr lang="en-US"/>
           </a:p>
@@ -1407,7 +1410,7 @@
           <a:p>
             <a:fld id="{D91AE4C7-8FB2-A348-901D-5D98C2CBBBD4}" type="datetimeFigureOut">
               <a:rPr lang="en-US" smtClean="0"/>
-              <a:t>9/21/18</a:t>
+              <a:t>9/25/18</a:t>
             </a:fld>
             <a:endParaRPr lang="en-US"/>
           </a:p>
@@ -1577,7 +1580,7 @@
           <a:p>
             <a:fld id="{D91AE4C7-8FB2-A348-901D-5D98C2CBBBD4}" type="datetimeFigureOut">
               <a:rPr lang="en-US" smtClean="0"/>
-              <a:t>9/21/18</a:t>
+              <a:t>9/25/18</a:t>
             </a:fld>
             <a:endParaRPr lang="en-US"/>
           </a:p>
@@ -1823,7 +1826,7 @@
           <a:p>
             <a:fld id="{D91AE4C7-8FB2-A348-901D-5D98C2CBBBD4}" type="datetimeFigureOut">
               <a:rPr lang="en-US" smtClean="0"/>
-              <a:t>9/21/18</a:t>
+              <a:t>9/25/18</a:t>
             </a:fld>
             <a:endParaRPr lang="en-US"/>
           </a:p>
@@ -2055,7 +2058,7 @@
           <a:p>
             <a:fld id="{D91AE4C7-8FB2-A348-901D-5D98C2CBBBD4}" type="datetimeFigureOut">
               <a:rPr lang="en-US" smtClean="0"/>
-              <a:t>9/21/18</a:t>
+              <a:t>9/25/18</a:t>
             </a:fld>
             <a:endParaRPr lang="en-US"/>
           </a:p>
@@ -2422,7 +2425,7 @@
           <a:p>
             <a:fld id="{D91AE4C7-8FB2-A348-901D-5D98C2CBBBD4}" type="datetimeFigureOut">
               <a:rPr lang="en-US" smtClean="0"/>
-              <a:t>9/21/18</a:t>
+              <a:t>9/25/18</a:t>
             </a:fld>
             <a:endParaRPr lang="en-US"/>
           </a:p>
@@ -2540,7 +2543,7 @@
           <a:p>
             <a:fld id="{D91AE4C7-8FB2-A348-901D-5D98C2CBBBD4}" type="datetimeFigureOut">
               <a:rPr lang="en-US" smtClean="0"/>
-              <a:t>9/21/18</a:t>
+              <a:t>9/25/18</a:t>
             </a:fld>
             <a:endParaRPr lang="en-US"/>
           </a:p>
@@ -2635,7 +2638,7 @@
           <a:p>
             <a:fld id="{D91AE4C7-8FB2-A348-901D-5D98C2CBBBD4}" type="datetimeFigureOut">
               <a:rPr lang="en-US" smtClean="0"/>
-              <a:t>9/21/18</a:t>
+              <a:t>9/25/18</a:t>
             </a:fld>
             <a:endParaRPr lang="en-US"/>
           </a:p>
@@ -2912,7 +2915,7 @@
           <a:p>
             <a:fld id="{D91AE4C7-8FB2-A348-901D-5D98C2CBBBD4}" type="datetimeFigureOut">
               <a:rPr lang="en-US" smtClean="0"/>
-              <a:t>9/21/18</a:t>
+              <a:t>9/25/18</a:t>
             </a:fld>
             <a:endParaRPr lang="en-US"/>
           </a:p>
@@ -3165,7 +3168,7 @@
           <a:p>
             <a:fld id="{D91AE4C7-8FB2-A348-901D-5D98C2CBBBD4}" type="datetimeFigureOut">
               <a:rPr lang="en-US" smtClean="0"/>
-              <a:t>9/21/18</a:t>
+              <a:t>9/25/18</a:t>
             </a:fld>
             <a:endParaRPr lang="en-US"/>
           </a:p>
@@ -3378,7 +3381,7 @@
           <a:p>
             <a:fld id="{D91AE4C7-8FB2-A348-901D-5D98C2CBBBD4}" type="datetimeFigureOut">
               <a:rPr lang="en-US" smtClean="0"/>
-              <a:t>9/21/18</a:t>
+              <a:t>9/25/18</a:t>
             </a:fld>
             <a:endParaRPr lang="en-US"/>
           </a:p>
@@ -3919,3211 +3922,7 @@
 </p:sld>
 </file>
 
-<file path=ppt/slides/slide2.xml><?xml version="1.0" encoding="utf-8"?>
-<p:sld xmlns:a="http://schemas.openxmlformats.org/drawingml/2006/main" xmlns:r="http://schemas.openxmlformats.org/officeDocument/2006/relationships" xmlns:p="http://schemas.openxmlformats.org/presentationml/2006/main">
-  <p:cSld>
-    <p:spTree>
-      <p:nvGrpSpPr>
-        <p:cNvPr id="1" name=""/>
-        <p:cNvGrpSpPr/>
-        <p:nvPr/>
-      </p:nvGrpSpPr>
-      <p:grpSpPr>
-        <a:xfrm>
-          <a:off x="0" y="0"/>
-          <a:ext cx="0" cy="0"/>
-          <a:chOff x="0" y="0"/>
-          <a:chExt cx="0" cy="0"/>
-        </a:xfrm>
-      </p:grpSpPr>
-      <p:sp>
-        <p:nvSpPr>
-          <p:cNvPr id="43" name="Oval 42"/>
-          <p:cNvSpPr/>
-          <p:nvPr/>
-        </p:nvSpPr>
-        <p:spPr>
-          <a:xfrm>
-            <a:off x="3539276" y="5309857"/>
-            <a:ext cx="5623151" cy="1059515"/>
-          </a:xfrm>
-          <a:prstGeom prst="ellipse">
-            <a:avLst/>
-          </a:prstGeom>
-          <a:noFill/>
-          <a:ln w="38100" cmpd="sng">
-            <a:solidFill>
-              <a:schemeClr val="accent6"/>
-            </a:solidFill>
-          </a:ln>
-        </p:spPr>
-        <p:style>
-          <a:lnRef idx="1">
-            <a:schemeClr val="accent1"/>
-          </a:lnRef>
-          <a:fillRef idx="3">
-            <a:schemeClr val="accent1"/>
-          </a:fillRef>
-          <a:effectRef idx="2">
-            <a:schemeClr val="accent1"/>
-          </a:effectRef>
-          <a:fontRef idx="minor">
-            <a:schemeClr val="lt1"/>
-          </a:fontRef>
-        </p:style>
-        <p:txBody>
-          <a:bodyPr rtlCol="0" anchor="ctr"/>
-          <a:lstStyle/>
-          <a:p>
-            <a:pPr algn="ctr"/>
-            <a:endParaRPr lang="en-US"/>
-          </a:p>
-        </p:txBody>
-      </p:sp>
-      <p:sp>
-        <p:nvSpPr>
-          <p:cNvPr id="2" name="Oval 1"/>
-          <p:cNvSpPr/>
-          <p:nvPr/>
-        </p:nvSpPr>
-        <p:spPr>
-          <a:xfrm>
-            <a:off x="3539276" y="2384603"/>
-            <a:ext cx="5623151" cy="1059515"/>
-          </a:xfrm>
-          <a:prstGeom prst="ellipse">
-            <a:avLst/>
-          </a:prstGeom>
-          <a:noFill/>
-          <a:ln w="38100" cmpd="sng">
-            <a:solidFill>
-              <a:schemeClr val="accent6"/>
-            </a:solidFill>
-          </a:ln>
-        </p:spPr>
-        <p:style>
-          <a:lnRef idx="1">
-            <a:schemeClr val="accent1"/>
-          </a:lnRef>
-          <a:fillRef idx="3">
-            <a:schemeClr val="accent1"/>
-          </a:fillRef>
-          <a:effectRef idx="2">
-            <a:schemeClr val="accent1"/>
-          </a:effectRef>
-          <a:fontRef idx="minor">
-            <a:schemeClr val="lt1"/>
-          </a:fontRef>
-        </p:style>
-        <p:txBody>
-          <a:bodyPr rtlCol="0" anchor="ctr"/>
-          <a:lstStyle/>
-          <a:p>
-            <a:pPr algn="ctr"/>
-            <a:endParaRPr lang="en-US"/>
-          </a:p>
-        </p:txBody>
-      </p:sp>
-      <p:sp>
-        <p:nvSpPr>
-          <p:cNvPr id="4" name="Rectangle 3"/>
-          <p:cNvSpPr/>
-          <p:nvPr/>
-        </p:nvSpPr>
-        <p:spPr>
-          <a:xfrm>
-            <a:off x="2831983" y="2132961"/>
-            <a:ext cx="982493" cy="1527242"/>
-          </a:xfrm>
-          <a:prstGeom prst="rect">
-            <a:avLst/>
-          </a:prstGeom>
-          <a:solidFill>
-            <a:schemeClr val="bg1"/>
-          </a:solidFill>
-          <a:ln w="38100">
-            <a:solidFill>
-              <a:schemeClr val="accent1"/>
-            </a:solidFill>
-          </a:ln>
-        </p:spPr>
-        <p:style>
-          <a:lnRef idx="2">
-            <a:schemeClr val="accent1">
-              <a:shade val="50000"/>
-            </a:schemeClr>
-          </a:lnRef>
-          <a:fillRef idx="1">
-            <a:schemeClr val="accent1"/>
-          </a:fillRef>
-          <a:effectRef idx="0">
-            <a:schemeClr val="accent1"/>
-          </a:effectRef>
-          <a:fontRef idx="minor">
-            <a:schemeClr val="lt1"/>
-          </a:fontRef>
-        </p:style>
-        <p:txBody>
-          <a:bodyPr rtlCol="0" anchor="ctr"/>
-          <a:lstStyle/>
-          <a:p>
-            <a:pPr algn="ctr"/>
-            <a:r>
-              <a:rPr lang="en-US" dirty="0" smtClean="0">
-                <a:solidFill>
-                  <a:schemeClr val="tx1"/>
-                </a:solidFill>
-              </a:rPr>
-              <a:t>20mA</a:t>
-            </a:r>
-          </a:p>
-          <a:p>
-            <a:pPr algn="ctr"/>
-            <a:r>
-              <a:rPr lang="en-US" dirty="0" smtClean="0">
-                <a:solidFill>
-                  <a:schemeClr val="tx1"/>
-                </a:solidFill>
-              </a:rPr>
-              <a:t>loop supply</a:t>
-            </a:r>
-            <a:endParaRPr lang="en-US" dirty="0">
-              <a:solidFill>
-                <a:schemeClr val="tx1"/>
-              </a:solidFill>
-            </a:endParaRPr>
-          </a:p>
-        </p:txBody>
-      </p:sp>
-      <p:cxnSp>
-        <p:nvCxnSpPr>
-          <p:cNvPr id="6" name="Straight Arrow Connector 5"/>
-          <p:cNvCxnSpPr/>
-          <p:nvPr/>
-        </p:nvCxnSpPr>
-        <p:spPr>
-          <a:xfrm>
-            <a:off x="1068946" y="2502612"/>
-            <a:ext cx="1743581" cy="0"/>
-          </a:xfrm>
-          <a:prstGeom prst="straightConnector1">
-            <a:avLst/>
-          </a:prstGeom>
-          <a:ln w="38100">
-            <a:solidFill>
-              <a:srgbClr val="C00000"/>
-            </a:solidFill>
-            <a:headEnd type="none"/>
-            <a:tailEnd type="none"/>
-          </a:ln>
-        </p:spPr>
-        <p:style>
-          <a:lnRef idx="1">
-            <a:schemeClr val="accent1"/>
-          </a:lnRef>
-          <a:fillRef idx="0">
-            <a:schemeClr val="accent1"/>
-          </a:fillRef>
-          <a:effectRef idx="0">
-            <a:schemeClr val="accent1"/>
-          </a:effectRef>
-          <a:fontRef idx="minor">
-            <a:schemeClr val="tx1"/>
-          </a:fontRef>
-        </p:style>
-      </p:cxnSp>
-      <p:cxnSp>
-        <p:nvCxnSpPr>
-          <p:cNvPr id="7" name="Straight Arrow Connector 6"/>
-          <p:cNvCxnSpPr/>
-          <p:nvPr/>
-        </p:nvCxnSpPr>
-        <p:spPr>
-          <a:xfrm flipH="1" flipV="1">
-            <a:off x="1068946" y="3221143"/>
-            <a:ext cx="1763038" cy="3242"/>
-          </a:xfrm>
-          <a:prstGeom prst="straightConnector1">
-            <a:avLst/>
-          </a:prstGeom>
-          <a:ln w="38100">
-            <a:solidFill>
-              <a:schemeClr val="tx1"/>
-            </a:solidFill>
-            <a:headEnd type="none"/>
-            <a:tailEnd type="none"/>
-          </a:ln>
-        </p:spPr>
-        <p:style>
-          <a:lnRef idx="1">
-            <a:schemeClr val="accent1"/>
-          </a:lnRef>
-          <a:fillRef idx="0">
-            <a:schemeClr val="accent1"/>
-          </a:fillRef>
-          <a:effectRef idx="0">
-            <a:schemeClr val="accent1"/>
-          </a:effectRef>
-          <a:fontRef idx="minor">
-            <a:schemeClr val="tx1"/>
-          </a:fontRef>
-        </p:style>
-      </p:cxnSp>
-      <p:sp>
-        <p:nvSpPr>
-          <p:cNvPr id="10" name="Rectangle 9"/>
-          <p:cNvSpPr/>
-          <p:nvPr/>
-        </p:nvSpPr>
-        <p:spPr>
-          <a:xfrm>
-            <a:off x="4485684" y="2132961"/>
-            <a:ext cx="1527243" cy="710119"/>
-          </a:xfrm>
-          <a:prstGeom prst="rect">
-            <a:avLst/>
-          </a:prstGeom>
-          <a:solidFill>
-            <a:schemeClr val="bg1"/>
-          </a:solidFill>
-          <a:ln w="38100">
-            <a:solidFill>
-              <a:schemeClr val="accent1"/>
-            </a:solidFill>
-          </a:ln>
-        </p:spPr>
-        <p:style>
-          <a:lnRef idx="2">
-            <a:schemeClr val="accent1">
-              <a:shade val="50000"/>
-            </a:schemeClr>
-          </a:lnRef>
-          <a:fillRef idx="1">
-            <a:schemeClr val="accent1"/>
-          </a:fillRef>
-          <a:effectRef idx="0">
-            <a:schemeClr val="accent1"/>
-          </a:effectRef>
-          <a:fontRef idx="minor">
-            <a:schemeClr val="lt1"/>
-          </a:fontRef>
-        </p:style>
-        <p:txBody>
-          <a:bodyPr rtlCol="0" anchor="ctr"/>
-          <a:lstStyle/>
-          <a:p>
-            <a:pPr algn="ctr"/>
-            <a:r>
-              <a:rPr lang="en-US" smtClean="0">
-                <a:solidFill>
-                  <a:schemeClr val="tx1"/>
-                </a:solidFill>
-              </a:rPr>
-              <a:t>Red LED</a:t>
-            </a:r>
-            <a:endParaRPr lang="en-US" dirty="0">
-              <a:solidFill>
-                <a:schemeClr val="tx1"/>
-              </a:solidFill>
-            </a:endParaRPr>
-          </a:p>
-        </p:txBody>
-      </p:sp>
-      <p:sp>
-        <p:nvSpPr>
-          <p:cNvPr id="11" name="Rectangle 10"/>
-          <p:cNvSpPr/>
-          <p:nvPr/>
-        </p:nvSpPr>
-        <p:spPr>
-          <a:xfrm>
-            <a:off x="6684135" y="2132960"/>
-            <a:ext cx="1527243" cy="710119"/>
-          </a:xfrm>
-          <a:prstGeom prst="rect">
-            <a:avLst/>
-          </a:prstGeom>
-          <a:solidFill>
-            <a:schemeClr val="bg1"/>
-          </a:solidFill>
-          <a:ln w="38100">
-            <a:solidFill>
-              <a:schemeClr val="accent1"/>
-            </a:solidFill>
-          </a:ln>
-        </p:spPr>
-        <p:style>
-          <a:lnRef idx="2">
-            <a:schemeClr val="accent1">
-              <a:shade val="50000"/>
-            </a:schemeClr>
-          </a:lnRef>
-          <a:fillRef idx="1">
-            <a:schemeClr val="accent1"/>
-          </a:fillRef>
-          <a:effectRef idx="0">
-            <a:schemeClr val="accent1"/>
-          </a:effectRef>
-          <a:fontRef idx="minor">
-            <a:schemeClr val="lt1"/>
-          </a:fontRef>
-        </p:style>
-        <p:txBody>
-          <a:bodyPr rtlCol="0" anchor="ctr"/>
-          <a:lstStyle/>
-          <a:p>
-            <a:pPr algn="ctr"/>
-            <a:r>
-              <a:rPr lang="en-US" dirty="0" smtClean="0">
-                <a:solidFill>
-                  <a:schemeClr val="tx1"/>
-                </a:solidFill>
-              </a:rPr>
-              <a:t>Loop To Teensy</a:t>
-            </a:r>
-            <a:endParaRPr lang="en-US" dirty="0">
-              <a:solidFill>
-                <a:schemeClr val="tx1"/>
-              </a:solidFill>
-            </a:endParaRPr>
-          </a:p>
-        </p:txBody>
-      </p:sp>
-      <p:sp>
-        <p:nvSpPr>
-          <p:cNvPr id="13" name="Rectangle 12"/>
-          <p:cNvSpPr/>
-          <p:nvPr/>
-        </p:nvSpPr>
-        <p:spPr>
-          <a:xfrm>
-            <a:off x="6684135" y="1252608"/>
-            <a:ext cx="1527243" cy="710119"/>
-          </a:xfrm>
-          <a:prstGeom prst="rect">
-            <a:avLst/>
-          </a:prstGeom>
-          <a:noFill/>
-          <a:ln w="38100">
-            <a:solidFill>
-              <a:schemeClr val="accent1"/>
-            </a:solidFill>
-          </a:ln>
-        </p:spPr>
-        <p:style>
-          <a:lnRef idx="2">
-            <a:schemeClr val="accent1">
-              <a:shade val="50000"/>
-            </a:schemeClr>
-          </a:lnRef>
-          <a:fillRef idx="1">
-            <a:schemeClr val="accent1"/>
-          </a:fillRef>
-          <a:effectRef idx="0">
-            <a:schemeClr val="accent1"/>
-          </a:effectRef>
-          <a:fontRef idx="minor">
-            <a:schemeClr val="lt1"/>
-          </a:fontRef>
-        </p:style>
-        <p:txBody>
-          <a:bodyPr rtlCol="0" anchor="ctr"/>
-          <a:lstStyle/>
-          <a:p>
-            <a:pPr algn="ctr"/>
-            <a:r>
-              <a:rPr lang="en-US" dirty="0" smtClean="0">
-                <a:solidFill>
-                  <a:schemeClr val="tx1"/>
-                </a:solidFill>
-              </a:rPr>
-              <a:t>Teensy </a:t>
-            </a:r>
-            <a:r>
-              <a:rPr lang="en-US" dirty="0" smtClean="0">
-                <a:solidFill>
-                  <a:schemeClr val="tx1"/>
-                </a:solidFill>
-              </a:rPr>
-              <a:t>RX</a:t>
-            </a:r>
-            <a:endParaRPr lang="en-US" dirty="0">
-              <a:solidFill>
-                <a:schemeClr val="tx1"/>
-              </a:solidFill>
-            </a:endParaRPr>
-          </a:p>
-        </p:txBody>
-      </p:sp>
-      <p:sp>
-        <p:nvSpPr>
-          <p:cNvPr id="14" name="Rectangle 13"/>
-          <p:cNvSpPr/>
-          <p:nvPr/>
-        </p:nvSpPr>
-        <p:spPr>
-          <a:xfrm>
-            <a:off x="8882585" y="2132959"/>
-            <a:ext cx="1826055" cy="1527244"/>
-          </a:xfrm>
-          <a:prstGeom prst="rect">
-            <a:avLst/>
-          </a:prstGeom>
-          <a:solidFill>
-            <a:schemeClr val="bg1"/>
-          </a:solidFill>
-          <a:ln w="38100">
-            <a:solidFill>
-              <a:schemeClr val="accent1"/>
-            </a:solidFill>
-          </a:ln>
-        </p:spPr>
-        <p:style>
-          <a:lnRef idx="2">
-            <a:schemeClr val="accent1">
-              <a:shade val="50000"/>
-            </a:schemeClr>
-          </a:lnRef>
-          <a:fillRef idx="1">
-            <a:schemeClr val="accent1"/>
-          </a:fillRef>
-          <a:effectRef idx="0">
-            <a:schemeClr val="accent1"/>
-          </a:effectRef>
-          <a:fontRef idx="minor">
-            <a:schemeClr val="lt1"/>
-          </a:fontRef>
-        </p:style>
-        <p:txBody>
-          <a:bodyPr rtlCol="0" anchor="ctr"/>
-          <a:lstStyle/>
-          <a:p>
-            <a:pPr algn="ctr"/>
-            <a:r>
-              <a:rPr lang="en-US" dirty="0" err="1" smtClean="0">
-                <a:solidFill>
-                  <a:schemeClr val="tx1"/>
-                </a:solidFill>
-              </a:rPr>
-              <a:t>tty</a:t>
-            </a:r>
-            <a:r>
-              <a:rPr lang="en-US" dirty="0" smtClean="0">
-                <a:solidFill>
-                  <a:schemeClr val="tx1"/>
-                </a:solidFill>
-              </a:rPr>
-              <a:t> “send”</a:t>
-            </a:r>
-          </a:p>
-          <a:p>
-            <a:pPr algn="ctr"/>
-            <a:r>
-              <a:rPr lang="en-US" dirty="0" smtClean="0">
-                <a:solidFill>
-                  <a:schemeClr val="tx1"/>
-                </a:solidFill>
-              </a:rPr>
-              <a:t>(keyboard)</a:t>
-            </a:r>
-            <a:endParaRPr lang="en-US" dirty="0">
-              <a:solidFill>
-                <a:schemeClr val="tx1"/>
-              </a:solidFill>
-            </a:endParaRPr>
-          </a:p>
-        </p:txBody>
-      </p:sp>
-      <p:cxnSp>
-        <p:nvCxnSpPr>
-          <p:cNvPr id="19" name="Straight Arrow Connector 18"/>
-          <p:cNvCxnSpPr>
-            <a:stCxn id="11" idx="0"/>
-            <a:endCxn id="13" idx="2"/>
-          </p:cNvCxnSpPr>
-          <p:nvPr/>
-        </p:nvCxnSpPr>
-        <p:spPr>
-          <a:xfrm flipV="1">
-            <a:off x="7447757" y="1962727"/>
-            <a:ext cx="0" cy="170233"/>
-          </a:xfrm>
-          <a:prstGeom prst="straightConnector1">
-            <a:avLst/>
-          </a:prstGeom>
-          <a:ln w="38100">
-            <a:solidFill>
-              <a:srgbClr val="FF0000"/>
-            </a:solidFill>
-            <a:tailEnd type="triangle" w="lg" len="med"/>
-          </a:ln>
-        </p:spPr>
-        <p:style>
-          <a:lnRef idx="1">
-            <a:schemeClr val="accent1"/>
-          </a:lnRef>
-          <a:fillRef idx="0">
-            <a:schemeClr val="accent1"/>
-          </a:fillRef>
-          <a:effectRef idx="0">
-            <a:schemeClr val="accent1"/>
-          </a:effectRef>
-          <a:fontRef idx="minor">
-            <a:schemeClr val="tx1"/>
-          </a:fontRef>
-        </p:style>
-      </p:cxnSp>
-      <p:sp>
-        <p:nvSpPr>
-          <p:cNvPr id="25" name="Rectangle 24"/>
-          <p:cNvSpPr/>
-          <p:nvPr/>
-        </p:nvSpPr>
-        <p:spPr>
-          <a:xfrm>
-            <a:off x="2831983" y="4940206"/>
-            <a:ext cx="982493" cy="1527242"/>
-          </a:xfrm>
-          <a:prstGeom prst="rect">
-            <a:avLst/>
-          </a:prstGeom>
-          <a:solidFill>
-            <a:schemeClr val="bg1"/>
-          </a:solidFill>
-          <a:ln w="38100">
-            <a:solidFill>
-              <a:schemeClr val="accent1"/>
-            </a:solidFill>
-          </a:ln>
-        </p:spPr>
-        <p:style>
-          <a:lnRef idx="2">
-            <a:schemeClr val="accent1">
-              <a:shade val="50000"/>
-            </a:schemeClr>
-          </a:lnRef>
-          <a:fillRef idx="1">
-            <a:schemeClr val="accent1"/>
-          </a:fillRef>
-          <a:effectRef idx="0">
-            <a:schemeClr val="accent1"/>
-          </a:effectRef>
-          <a:fontRef idx="minor">
-            <a:schemeClr val="lt1"/>
-          </a:fontRef>
-        </p:style>
-        <p:txBody>
-          <a:bodyPr rtlCol="0" anchor="ctr"/>
-          <a:lstStyle/>
-          <a:p>
-            <a:pPr algn="ctr"/>
-            <a:r>
-              <a:rPr lang="en-US" dirty="0" smtClean="0">
-                <a:solidFill>
-                  <a:schemeClr val="tx1"/>
-                </a:solidFill>
-              </a:rPr>
-              <a:t>20mA</a:t>
-            </a:r>
-          </a:p>
-          <a:p>
-            <a:pPr algn="ctr"/>
-            <a:r>
-              <a:rPr lang="en-US" dirty="0" smtClean="0">
-                <a:solidFill>
-                  <a:schemeClr val="tx1"/>
-                </a:solidFill>
-              </a:rPr>
-              <a:t>loop supply</a:t>
-            </a:r>
-            <a:endParaRPr lang="en-US" dirty="0">
-              <a:solidFill>
-                <a:schemeClr val="tx1"/>
-              </a:solidFill>
-            </a:endParaRPr>
-          </a:p>
-        </p:txBody>
-      </p:sp>
-      <p:cxnSp>
-        <p:nvCxnSpPr>
-          <p:cNvPr id="26" name="Straight Arrow Connector 25"/>
-          <p:cNvCxnSpPr/>
-          <p:nvPr/>
-        </p:nvCxnSpPr>
-        <p:spPr>
-          <a:xfrm>
-            <a:off x="2141319" y="5309857"/>
-            <a:ext cx="671208" cy="0"/>
-          </a:xfrm>
-          <a:prstGeom prst="straightConnector1">
-            <a:avLst/>
-          </a:prstGeom>
-          <a:ln w="38100">
-            <a:solidFill>
-              <a:srgbClr val="C00000"/>
-            </a:solidFill>
-            <a:headEnd type="none"/>
-            <a:tailEnd type="none"/>
-          </a:ln>
-        </p:spPr>
-        <p:style>
-          <a:lnRef idx="1">
-            <a:schemeClr val="accent1"/>
-          </a:lnRef>
-          <a:fillRef idx="0">
-            <a:schemeClr val="accent1"/>
-          </a:fillRef>
-          <a:effectRef idx="0">
-            <a:schemeClr val="accent1"/>
-          </a:effectRef>
-          <a:fontRef idx="minor">
-            <a:schemeClr val="tx1"/>
-          </a:fontRef>
-        </p:style>
-      </p:cxnSp>
-      <p:cxnSp>
-        <p:nvCxnSpPr>
-          <p:cNvPr id="27" name="Straight Arrow Connector 26"/>
-          <p:cNvCxnSpPr/>
-          <p:nvPr/>
-        </p:nvCxnSpPr>
-        <p:spPr>
-          <a:xfrm flipH="1" flipV="1">
-            <a:off x="1854558" y="5962918"/>
-            <a:ext cx="967698" cy="4837"/>
-          </a:xfrm>
-          <a:prstGeom prst="straightConnector1">
-            <a:avLst/>
-          </a:prstGeom>
-          <a:ln w="38100">
-            <a:solidFill>
-              <a:schemeClr val="tx1"/>
-            </a:solidFill>
-            <a:headEnd type="none"/>
-            <a:tailEnd type="none"/>
-          </a:ln>
-        </p:spPr>
-        <p:style>
-          <a:lnRef idx="1">
-            <a:schemeClr val="accent1"/>
-          </a:lnRef>
-          <a:fillRef idx="0">
-            <a:schemeClr val="accent1"/>
-          </a:fillRef>
-          <a:effectRef idx="0">
-            <a:schemeClr val="accent1"/>
-          </a:effectRef>
-          <a:fontRef idx="minor">
-            <a:schemeClr val="tx1"/>
-          </a:fontRef>
-        </p:style>
-      </p:cxnSp>
-      <p:sp>
-        <p:nvSpPr>
-          <p:cNvPr id="29" name="Rectangle 28"/>
-          <p:cNvSpPr/>
-          <p:nvPr/>
-        </p:nvSpPr>
-        <p:spPr>
-          <a:xfrm>
-            <a:off x="4485684" y="4940206"/>
-            <a:ext cx="1527243" cy="710119"/>
-          </a:xfrm>
-          <a:prstGeom prst="rect">
-            <a:avLst/>
-          </a:prstGeom>
-          <a:solidFill>
-            <a:schemeClr val="bg1"/>
-          </a:solidFill>
-          <a:ln w="38100">
-            <a:solidFill>
-              <a:schemeClr val="accent1"/>
-            </a:solidFill>
-          </a:ln>
-        </p:spPr>
-        <p:style>
-          <a:lnRef idx="2">
-            <a:schemeClr val="accent1">
-              <a:shade val="50000"/>
-            </a:schemeClr>
-          </a:lnRef>
-          <a:fillRef idx="1">
-            <a:schemeClr val="accent1"/>
-          </a:fillRef>
-          <a:effectRef idx="0">
-            <a:schemeClr val="accent1"/>
-          </a:effectRef>
-          <a:fontRef idx="minor">
-            <a:schemeClr val="lt1"/>
-          </a:fontRef>
-        </p:style>
-        <p:txBody>
-          <a:bodyPr rtlCol="0" anchor="ctr"/>
-          <a:lstStyle/>
-          <a:p>
-            <a:pPr algn="ctr"/>
-            <a:r>
-              <a:rPr lang="en-US" dirty="0" smtClean="0">
-                <a:solidFill>
-                  <a:schemeClr val="tx1"/>
-                </a:solidFill>
-              </a:rPr>
-              <a:t>Yellow LED</a:t>
-            </a:r>
-            <a:endParaRPr lang="en-US" dirty="0">
-              <a:solidFill>
-                <a:schemeClr val="tx1"/>
-              </a:solidFill>
-            </a:endParaRPr>
-          </a:p>
-        </p:txBody>
-      </p:sp>
-      <p:sp>
-        <p:nvSpPr>
-          <p:cNvPr id="30" name="Rectangle 29"/>
-          <p:cNvSpPr/>
-          <p:nvPr/>
-        </p:nvSpPr>
-        <p:spPr>
-          <a:xfrm>
-            <a:off x="6684135" y="4940205"/>
-            <a:ext cx="1527243" cy="710119"/>
-          </a:xfrm>
-          <a:prstGeom prst="rect">
-            <a:avLst/>
-          </a:prstGeom>
-          <a:solidFill>
-            <a:schemeClr val="bg1"/>
-          </a:solidFill>
-          <a:ln w="38100">
-            <a:solidFill>
-              <a:schemeClr val="accent1"/>
-            </a:solidFill>
-          </a:ln>
-        </p:spPr>
-        <p:style>
-          <a:lnRef idx="2">
-            <a:schemeClr val="accent1">
-              <a:shade val="50000"/>
-            </a:schemeClr>
-          </a:lnRef>
-          <a:fillRef idx="1">
-            <a:schemeClr val="accent1"/>
-          </a:fillRef>
-          <a:effectRef idx="0">
-            <a:schemeClr val="accent1"/>
-          </a:effectRef>
-          <a:fontRef idx="minor">
-            <a:schemeClr val="lt1"/>
-          </a:fontRef>
-        </p:style>
-        <p:txBody>
-          <a:bodyPr rtlCol="0" anchor="ctr"/>
-          <a:lstStyle/>
-          <a:p>
-            <a:pPr algn="ctr"/>
-            <a:r>
-              <a:rPr lang="en-US" dirty="0" smtClean="0">
-                <a:solidFill>
-                  <a:schemeClr val="tx1"/>
-                </a:solidFill>
-              </a:rPr>
-              <a:t>Teensy To Loop</a:t>
-            </a:r>
-            <a:endParaRPr lang="en-US" dirty="0">
-              <a:solidFill>
-                <a:schemeClr val="tx1"/>
-              </a:solidFill>
-            </a:endParaRPr>
-          </a:p>
-        </p:txBody>
-      </p:sp>
-      <p:sp>
-        <p:nvSpPr>
-          <p:cNvPr id="32" name="Rectangle 31"/>
-          <p:cNvSpPr/>
-          <p:nvPr/>
-        </p:nvSpPr>
-        <p:spPr>
-          <a:xfrm>
-            <a:off x="8882586" y="4940204"/>
-            <a:ext cx="1826054" cy="1527244"/>
-          </a:xfrm>
-          <a:prstGeom prst="rect">
-            <a:avLst/>
-          </a:prstGeom>
-          <a:solidFill>
-            <a:schemeClr val="bg1"/>
-          </a:solidFill>
-          <a:ln w="38100">
-            <a:solidFill>
-              <a:schemeClr val="accent1"/>
-            </a:solidFill>
-          </a:ln>
-        </p:spPr>
-        <p:style>
-          <a:lnRef idx="2">
-            <a:schemeClr val="accent1">
-              <a:shade val="50000"/>
-            </a:schemeClr>
-          </a:lnRef>
-          <a:fillRef idx="1">
-            <a:schemeClr val="accent1"/>
-          </a:fillRef>
-          <a:effectRef idx="0">
-            <a:schemeClr val="accent1"/>
-          </a:effectRef>
-          <a:fontRef idx="minor">
-            <a:schemeClr val="lt1"/>
-          </a:fontRef>
-        </p:style>
-        <p:txBody>
-          <a:bodyPr rtlCol="0" anchor="ctr"/>
-          <a:lstStyle/>
-          <a:p>
-            <a:pPr algn="ctr"/>
-            <a:r>
-              <a:rPr lang="en-US" dirty="0" err="1" smtClean="0">
-                <a:solidFill>
-                  <a:schemeClr val="tx1"/>
-                </a:solidFill>
-              </a:rPr>
-              <a:t>tty</a:t>
-            </a:r>
-            <a:r>
-              <a:rPr lang="en-US" dirty="0" smtClean="0">
-                <a:solidFill>
-                  <a:schemeClr val="tx1"/>
-                </a:solidFill>
-              </a:rPr>
-              <a:t> “receive”</a:t>
-            </a:r>
-          </a:p>
-          <a:p>
-            <a:pPr algn="ctr"/>
-            <a:r>
-              <a:rPr lang="en-US" dirty="0" smtClean="0">
-                <a:solidFill>
-                  <a:schemeClr val="tx1"/>
-                </a:solidFill>
-              </a:rPr>
-              <a:t>(printer)</a:t>
-            </a:r>
-            <a:endParaRPr lang="en-US" dirty="0">
-              <a:solidFill>
-                <a:schemeClr val="tx1"/>
-              </a:solidFill>
-            </a:endParaRPr>
-          </a:p>
-        </p:txBody>
-      </p:sp>
-      <p:sp>
-        <p:nvSpPr>
-          <p:cNvPr id="35" name="Rectangle 34"/>
-          <p:cNvSpPr/>
-          <p:nvPr/>
-        </p:nvSpPr>
-        <p:spPr>
-          <a:xfrm>
-            <a:off x="6684135" y="4055647"/>
-            <a:ext cx="1527243" cy="710119"/>
-          </a:xfrm>
-          <a:prstGeom prst="rect">
-            <a:avLst/>
-          </a:prstGeom>
-          <a:noFill/>
-          <a:ln w="38100">
-            <a:solidFill>
-              <a:schemeClr val="accent1"/>
-            </a:solidFill>
-          </a:ln>
-        </p:spPr>
-        <p:style>
-          <a:lnRef idx="2">
-            <a:schemeClr val="accent1">
-              <a:shade val="50000"/>
-            </a:schemeClr>
-          </a:lnRef>
-          <a:fillRef idx="1">
-            <a:schemeClr val="accent1"/>
-          </a:fillRef>
-          <a:effectRef idx="0">
-            <a:schemeClr val="accent1"/>
-          </a:effectRef>
-          <a:fontRef idx="minor">
-            <a:schemeClr val="lt1"/>
-          </a:fontRef>
-        </p:style>
-        <p:txBody>
-          <a:bodyPr rtlCol="0" anchor="ctr"/>
-          <a:lstStyle/>
-          <a:p>
-            <a:pPr algn="ctr"/>
-            <a:r>
-              <a:rPr lang="en-US" dirty="0" smtClean="0">
-                <a:solidFill>
-                  <a:schemeClr val="tx1"/>
-                </a:solidFill>
-              </a:rPr>
-              <a:t>Teensy </a:t>
-            </a:r>
-            <a:r>
-              <a:rPr lang="en-US" dirty="0" smtClean="0">
-                <a:solidFill>
-                  <a:schemeClr val="tx1"/>
-                </a:solidFill>
-              </a:rPr>
-              <a:t>TX</a:t>
-            </a:r>
-            <a:endParaRPr lang="en-US" dirty="0">
-              <a:solidFill>
-                <a:schemeClr val="tx1"/>
-              </a:solidFill>
-            </a:endParaRPr>
-          </a:p>
-        </p:txBody>
-      </p:sp>
-      <p:cxnSp>
-        <p:nvCxnSpPr>
-          <p:cNvPr id="37" name="Straight Arrow Connector 36"/>
-          <p:cNvCxnSpPr>
-            <a:stCxn id="35" idx="2"/>
-            <a:endCxn id="30" idx="0"/>
-          </p:cNvCxnSpPr>
-          <p:nvPr/>
-        </p:nvCxnSpPr>
-        <p:spPr>
-          <a:xfrm>
-            <a:off x="7447757" y="4765766"/>
-            <a:ext cx="0" cy="174439"/>
-          </a:xfrm>
-          <a:prstGeom prst="straightConnector1">
-            <a:avLst/>
-          </a:prstGeom>
-          <a:ln w="38100">
-            <a:solidFill>
-              <a:srgbClr val="FF0000"/>
-            </a:solidFill>
-            <a:tailEnd type="triangle" w="lg" len="med"/>
-          </a:ln>
-        </p:spPr>
-        <p:style>
-          <a:lnRef idx="1">
-            <a:schemeClr val="accent1"/>
-          </a:lnRef>
-          <a:fillRef idx="0">
-            <a:schemeClr val="accent1"/>
-          </a:fillRef>
-          <a:effectRef idx="0">
-            <a:schemeClr val="accent1"/>
-          </a:effectRef>
-          <a:fontRef idx="minor">
-            <a:schemeClr val="tx1"/>
-          </a:fontRef>
-        </p:style>
-      </p:cxnSp>
-      <p:cxnSp>
-        <p:nvCxnSpPr>
-          <p:cNvPr id="41" name="Straight Arrow Connector 40"/>
-          <p:cNvCxnSpPr/>
-          <p:nvPr/>
-        </p:nvCxnSpPr>
-        <p:spPr>
-          <a:xfrm flipH="1">
-            <a:off x="2141319" y="2502612"/>
-            <a:ext cx="9453" cy="2807245"/>
-          </a:xfrm>
-          <a:prstGeom prst="straightConnector1">
-            <a:avLst/>
-          </a:prstGeom>
-          <a:ln w="38100">
-            <a:solidFill>
-              <a:srgbClr val="C00000"/>
-            </a:solidFill>
-            <a:headEnd type="none"/>
-            <a:tailEnd type="none"/>
-          </a:ln>
-        </p:spPr>
-        <p:style>
-          <a:lnRef idx="1">
-            <a:schemeClr val="accent1"/>
-          </a:lnRef>
-          <a:fillRef idx="0">
-            <a:schemeClr val="accent1"/>
-          </a:fillRef>
-          <a:effectRef idx="0">
-            <a:schemeClr val="accent1"/>
-          </a:effectRef>
-          <a:fontRef idx="minor">
-            <a:schemeClr val="tx1"/>
-          </a:fontRef>
-        </p:style>
-      </p:cxnSp>
-      <p:cxnSp>
-        <p:nvCxnSpPr>
-          <p:cNvPr id="51" name="Straight Arrow Connector 50"/>
-          <p:cNvCxnSpPr/>
-          <p:nvPr/>
-        </p:nvCxnSpPr>
-        <p:spPr>
-          <a:xfrm flipH="1" flipV="1">
-            <a:off x="1854558" y="3221143"/>
-            <a:ext cx="1" cy="2741776"/>
-          </a:xfrm>
-          <a:prstGeom prst="straightConnector1">
-            <a:avLst/>
-          </a:prstGeom>
-          <a:ln w="38100">
-            <a:solidFill>
-              <a:schemeClr val="tx1"/>
-            </a:solidFill>
-            <a:headEnd type="none"/>
-            <a:tailEnd type="none"/>
-          </a:ln>
-        </p:spPr>
-        <p:style>
-          <a:lnRef idx="1">
-            <a:schemeClr val="accent1"/>
-          </a:lnRef>
-          <a:fillRef idx="0">
-            <a:schemeClr val="accent1"/>
-          </a:fillRef>
-          <a:effectRef idx="0">
-            <a:schemeClr val="accent1"/>
-          </a:effectRef>
-          <a:fontRef idx="minor">
-            <a:schemeClr val="tx1"/>
-          </a:fontRef>
-        </p:style>
-      </p:cxnSp>
-      <p:cxnSp>
-        <p:nvCxnSpPr>
-          <p:cNvPr id="59" name="Straight Arrow Connector 58"/>
-          <p:cNvCxnSpPr/>
-          <p:nvPr/>
-        </p:nvCxnSpPr>
-        <p:spPr>
-          <a:xfrm flipV="1">
-            <a:off x="2150772" y="4327301"/>
-            <a:ext cx="4198513" cy="1"/>
-          </a:xfrm>
-          <a:prstGeom prst="straightConnector1">
-            <a:avLst/>
-          </a:prstGeom>
-          <a:ln w="38100">
-            <a:solidFill>
-              <a:srgbClr val="C00000"/>
-            </a:solidFill>
-            <a:headEnd type="none"/>
-            <a:tailEnd type="none"/>
-          </a:ln>
-        </p:spPr>
-        <p:style>
-          <a:lnRef idx="1">
-            <a:schemeClr val="accent1"/>
-          </a:lnRef>
-          <a:fillRef idx="0">
-            <a:schemeClr val="accent1"/>
-          </a:fillRef>
-          <a:effectRef idx="0">
-            <a:schemeClr val="accent1"/>
-          </a:effectRef>
-          <a:fontRef idx="minor">
-            <a:schemeClr val="tx1"/>
-          </a:fontRef>
-        </p:style>
-      </p:cxnSp>
-      <p:cxnSp>
-        <p:nvCxnSpPr>
-          <p:cNvPr id="62" name="Straight Arrow Connector 61"/>
-          <p:cNvCxnSpPr/>
-          <p:nvPr/>
-        </p:nvCxnSpPr>
-        <p:spPr>
-          <a:xfrm flipH="1">
-            <a:off x="6349285" y="4327301"/>
-            <a:ext cx="1" cy="734096"/>
-          </a:xfrm>
-          <a:prstGeom prst="straightConnector1">
-            <a:avLst/>
-          </a:prstGeom>
-          <a:ln w="38100">
-            <a:solidFill>
-              <a:srgbClr val="C00000"/>
-            </a:solidFill>
-            <a:headEnd type="none"/>
-            <a:tailEnd type="none"/>
-          </a:ln>
-        </p:spPr>
-        <p:style>
-          <a:lnRef idx="1">
-            <a:schemeClr val="accent1"/>
-          </a:lnRef>
-          <a:fillRef idx="0">
-            <a:schemeClr val="accent1"/>
-          </a:fillRef>
-          <a:effectRef idx="0">
-            <a:schemeClr val="accent1"/>
-          </a:effectRef>
-          <a:fontRef idx="minor">
-            <a:schemeClr val="tx1"/>
-          </a:fontRef>
-        </p:style>
-      </p:cxnSp>
-      <p:cxnSp>
-        <p:nvCxnSpPr>
-          <p:cNvPr id="65" name="Straight Arrow Connector 64"/>
-          <p:cNvCxnSpPr/>
-          <p:nvPr/>
-        </p:nvCxnSpPr>
-        <p:spPr>
-          <a:xfrm flipH="1">
-            <a:off x="6349285" y="5061397"/>
-            <a:ext cx="334851" cy="0"/>
-          </a:xfrm>
-          <a:prstGeom prst="straightConnector1">
-            <a:avLst/>
-          </a:prstGeom>
-          <a:ln w="38100">
-            <a:solidFill>
-              <a:srgbClr val="C00000"/>
-            </a:solidFill>
-            <a:headEnd type="none"/>
-            <a:tailEnd type="none"/>
-          </a:ln>
-        </p:spPr>
-        <p:style>
-          <a:lnRef idx="1">
-            <a:schemeClr val="accent1"/>
-          </a:lnRef>
-          <a:fillRef idx="0">
-            <a:schemeClr val="accent1"/>
-          </a:fillRef>
-          <a:effectRef idx="0">
-            <a:schemeClr val="accent1"/>
-          </a:effectRef>
-          <a:fontRef idx="minor">
-            <a:schemeClr val="tx1"/>
-          </a:fontRef>
-        </p:style>
-      </p:cxnSp>
-      <p:sp>
-        <p:nvSpPr>
-          <p:cNvPr id="69" name="Rectangle 68"/>
-          <p:cNvSpPr/>
-          <p:nvPr/>
-        </p:nvSpPr>
-        <p:spPr>
-          <a:xfrm>
-            <a:off x="307997" y="2061887"/>
-            <a:ext cx="1232739" cy="1527242"/>
-          </a:xfrm>
-          <a:prstGeom prst="rect">
-            <a:avLst/>
-          </a:prstGeom>
-          <a:noFill/>
-          <a:ln w="38100">
-            <a:noFill/>
-          </a:ln>
-        </p:spPr>
-        <p:style>
-          <a:lnRef idx="2">
-            <a:schemeClr val="accent1">
-              <a:shade val="50000"/>
-            </a:schemeClr>
-          </a:lnRef>
-          <a:fillRef idx="1">
-            <a:schemeClr val="accent1"/>
-          </a:fillRef>
-          <a:effectRef idx="0">
-            <a:schemeClr val="accent1"/>
-          </a:effectRef>
-          <a:fontRef idx="minor">
-            <a:schemeClr val="lt1"/>
-          </a:fontRef>
-        </p:style>
-        <p:txBody>
-          <a:bodyPr rtlCol="0" anchor="ctr"/>
-          <a:lstStyle/>
-          <a:p>
-            <a:pPr algn="ctr"/>
-            <a:r>
-              <a:rPr lang="en-US" smtClean="0">
-                <a:solidFill>
-                  <a:schemeClr val="tx1"/>
-                </a:solidFill>
-              </a:rPr>
-              <a:t>19.2 VDC</a:t>
-            </a:r>
-            <a:endParaRPr lang="en-US" dirty="0">
-              <a:solidFill>
-                <a:schemeClr val="tx1"/>
-              </a:solidFill>
-            </a:endParaRPr>
-          </a:p>
-        </p:txBody>
-      </p:sp>
-      <p:sp>
-        <p:nvSpPr>
-          <p:cNvPr id="70" name="Title 69"/>
-          <p:cNvSpPr>
-            <a:spLocks noGrp="1"/>
-          </p:cNvSpPr>
-          <p:nvPr>
-            <p:ph type="title"/>
-          </p:nvPr>
-        </p:nvSpPr>
-        <p:spPr/>
-        <p:txBody>
-          <a:bodyPr/>
-          <a:lstStyle/>
-          <a:p>
-            <a:r>
-              <a:rPr lang="en-US" dirty="0" smtClean="0"/>
-              <a:t>Overall electronics</a:t>
-            </a:r>
-            <a:endParaRPr lang="en-US" dirty="0"/>
-          </a:p>
-        </p:txBody>
-      </p:sp>
-      <p:cxnSp>
-        <p:nvCxnSpPr>
-          <p:cNvPr id="73" name="Straight Arrow Connector 72"/>
-          <p:cNvCxnSpPr/>
-          <p:nvPr/>
-        </p:nvCxnSpPr>
-        <p:spPr>
-          <a:xfrm>
-            <a:off x="8211378" y="1586065"/>
-            <a:ext cx="671208" cy="0"/>
-          </a:xfrm>
-          <a:prstGeom prst="straightConnector1">
-            <a:avLst/>
-          </a:prstGeom>
-          <a:ln w="38100">
-            <a:solidFill>
-              <a:schemeClr val="accent2"/>
-            </a:solidFill>
-            <a:headEnd type="diamond" w="lg" len="med"/>
-            <a:tailEnd type="triangle" w="lg" len="med"/>
-          </a:ln>
-        </p:spPr>
-        <p:style>
-          <a:lnRef idx="1">
-            <a:schemeClr val="accent1"/>
-          </a:lnRef>
-          <a:fillRef idx="0">
-            <a:schemeClr val="accent1"/>
-          </a:fillRef>
-          <a:effectRef idx="0">
-            <a:schemeClr val="accent1"/>
-          </a:effectRef>
-          <a:fontRef idx="minor">
-            <a:schemeClr val="tx1"/>
-          </a:fontRef>
-        </p:style>
-      </p:cxnSp>
-      <p:sp>
-        <p:nvSpPr>
-          <p:cNvPr id="74" name="Rectangle 73"/>
-          <p:cNvSpPr/>
-          <p:nvPr/>
-        </p:nvSpPr>
-        <p:spPr>
-          <a:xfrm>
-            <a:off x="8882585" y="1443800"/>
-            <a:ext cx="1232739" cy="288325"/>
-          </a:xfrm>
-          <a:prstGeom prst="rect">
-            <a:avLst/>
-          </a:prstGeom>
-          <a:noFill/>
-          <a:ln w="38100">
-            <a:noFill/>
-          </a:ln>
-        </p:spPr>
-        <p:style>
-          <a:lnRef idx="2">
-            <a:schemeClr val="accent1">
-              <a:shade val="50000"/>
-            </a:schemeClr>
-          </a:lnRef>
-          <a:fillRef idx="1">
-            <a:schemeClr val="accent1"/>
-          </a:fillRef>
-          <a:effectRef idx="0">
-            <a:schemeClr val="accent1"/>
-          </a:effectRef>
-          <a:fontRef idx="minor">
-            <a:schemeClr val="lt1"/>
-          </a:fontRef>
-        </p:style>
-        <p:txBody>
-          <a:bodyPr rtlCol="0" anchor="ctr"/>
-          <a:lstStyle/>
-          <a:p>
-            <a:r>
-              <a:rPr lang="en-US" dirty="0" smtClean="0">
-                <a:solidFill>
-                  <a:schemeClr val="tx1"/>
-                </a:solidFill>
-              </a:rPr>
-              <a:t>USB</a:t>
-            </a:r>
-            <a:endParaRPr lang="en-US" dirty="0">
-              <a:solidFill>
-                <a:schemeClr val="tx1"/>
-              </a:solidFill>
-            </a:endParaRPr>
-          </a:p>
-        </p:txBody>
-      </p:sp>
-      <p:cxnSp>
-        <p:nvCxnSpPr>
-          <p:cNvPr id="75" name="Straight Arrow Connector 74"/>
-          <p:cNvCxnSpPr>
-            <a:stCxn id="76" idx="1"/>
-            <a:endCxn id="35" idx="3"/>
-          </p:cNvCxnSpPr>
-          <p:nvPr/>
-        </p:nvCxnSpPr>
-        <p:spPr>
-          <a:xfrm flipH="1">
-            <a:off x="8211378" y="4401613"/>
-            <a:ext cx="671207" cy="9094"/>
-          </a:xfrm>
-          <a:prstGeom prst="straightConnector1">
-            <a:avLst/>
-          </a:prstGeom>
-          <a:ln w="38100">
-            <a:solidFill>
-              <a:schemeClr val="accent2"/>
-            </a:solidFill>
-            <a:headEnd type="diamond" w="lg" len="med"/>
-            <a:tailEnd type="triangle" w="lg" len="med"/>
-          </a:ln>
-        </p:spPr>
-        <p:style>
-          <a:lnRef idx="1">
-            <a:schemeClr val="accent1"/>
-          </a:lnRef>
-          <a:fillRef idx="0">
-            <a:schemeClr val="accent1"/>
-          </a:fillRef>
-          <a:effectRef idx="0">
-            <a:schemeClr val="accent1"/>
-          </a:effectRef>
-          <a:fontRef idx="minor">
-            <a:schemeClr val="tx1"/>
-          </a:fontRef>
-        </p:style>
-      </p:cxnSp>
-      <p:sp>
-        <p:nvSpPr>
-          <p:cNvPr id="76" name="Rectangle 75"/>
-          <p:cNvSpPr/>
-          <p:nvPr/>
-        </p:nvSpPr>
-        <p:spPr>
-          <a:xfrm>
-            <a:off x="8882585" y="4257450"/>
-            <a:ext cx="1232739" cy="288325"/>
-          </a:xfrm>
-          <a:prstGeom prst="rect">
-            <a:avLst/>
-          </a:prstGeom>
-          <a:noFill/>
-          <a:ln w="38100">
-            <a:noFill/>
-          </a:ln>
-        </p:spPr>
-        <p:style>
-          <a:lnRef idx="2">
-            <a:schemeClr val="accent1">
-              <a:shade val="50000"/>
-            </a:schemeClr>
-          </a:lnRef>
-          <a:fillRef idx="1">
-            <a:schemeClr val="accent1"/>
-          </a:fillRef>
-          <a:effectRef idx="0">
-            <a:schemeClr val="accent1"/>
-          </a:effectRef>
-          <a:fontRef idx="minor">
-            <a:schemeClr val="lt1"/>
-          </a:fontRef>
-        </p:style>
-        <p:txBody>
-          <a:bodyPr rtlCol="0" anchor="ctr"/>
-          <a:lstStyle/>
-          <a:p>
-            <a:r>
-              <a:rPr lang="en-US" dirty="0" smtClean="0">
-                <a:solidFill>
-                  <a:schemeClr val="tx1"/>
-                </a:solidFill>
-              </a:rPr>
-              <a:t>USB</a:t>
-            </a:r>
-            <a:endParaRPr lang="en-US" dirty="0">
-              <a:solidFill>
-                <a:schemeClr val="tx1"/>
-              </a:solidFill>
-            </a:endParaRPr>
-          </a:p>
-        </p:txBody>
-      </p:sp>
-      <p:sp>
-        <p:nvSpPr>
-          <p:cNvPr id="38" name="Rectangle 37"/>
-          <p:cNvSpPr/>
-          <p:nvPr/>
-        </p:nvSpPr>
-        <p:spPr>
-          <a:xfrm>
-            <a:off x="8902258" y="3079306"/>
-            <a:ext cx="596696" cy="304819"/>
-          </a:xfrm>
-          <a:prstGeom prst="rect">
-            <a:avLst/>
-          </a:prstGeom>
-          <a:noFill/>
-          <a:ln w="38100">
-            <a:noFill/>
-          </a:ln>
-        </p:spPr>
-        <p:style>
-          <a:lnRef idx="2">
-            <a:schemeClr val="accent1">
-              <a:shade val="50000"/>
-            </a:schemeClr>
-          </a:lnRef>
-          <a:fillRef idx="1">
-            <a:schemeClr val="accent1"/>
-          </a:fillRef>
-          <a:effectRef idx="0">
-            <a:schemeClr val="accent1"/>
-          </a:effectRef>
-          <a:fontRef idx="minor">
-            <a:schemeClr val="lt1"/>
-          </a:fontRef>
-        </p:style>
-        <p:txBody>
-          <a:bodyPr rtlCol="0" anchor="ctr"/>
-          <a:lstStyle/>
-          <a:p>
-            <a:r>
-              <a:rPr lang="en-US" dirty="0">
-                <a:solidFill>
-                  <a:schemeClr val="tx1"/>
-                </a:solidFill>
-              </a:rPr>
-              <a:t>3</a:t>
-            </a:r>
-          </a:p>
-        </p:txBody>
-      </p:sp>
-      <p:sp>
-        <p:nvSpPr>
-          <p:cNvPr id="39" name="Rectangle 38"/>
-          <p:cNvSpPr/>
-          <p:nvPr/>
-        </p:nvSpPr>
-        <p:spPr>
-          <a:xfrm>
-            <a:off x="8902258" y="5875978"/>
-            <a:ext cx="596696" cy="304819"/>
-          </a:xfrm>
-          <a:prstGeom prst="rect">
-            <a:avLst/>
-          </a:prstGeom>
-          <a:noFill/>
-          <a:ln w="38100">
-            <a:noFill/>
-          </a:ln>
-        </p:spPr>
-        <p:style>
-          <a:lnRef idx="2">
-            <a:schemeClr val="accent1">
-              <a:shade val="50000"/>
-            </a:schemeClr>
-          </a:lnRef>
-          <a:fillRef idx="1">
-            <a:schemeClr val="accent1"/>
-          </a:fillRef>
-          <a:effectRef idx="0">
-            <a:schemeClr val="accent1"/>
-          </a:effectRef>
-          <a:fontRef idx="minor">
-            <a:schemeClr val="lt1"/>
-          </a:fontRef>
-        </p:style>
-        <p:txBody>
-          <a:bodyPr rtlCol="0" anchor="ctr"/>
-          <a:lstStyle/>
-          <a:p>
-            <a:r>
-              <a:rPr lang="en-US" dirty="0" smtClean="0">
-                <a:solidFill>
-                  <a:schemeClr val="tx1"/>
-                </a:solidFill>
-              </a:rPr>
-              <a:t>6-</a:t>
-            </a:r>
-            <a:endParaRPr lang="en-US" dirty="0">
-              <a:solidFill>
-                <a:schemeClr val="tx1"/>
-              </a:solidFill>
-            </a:endParaRPr>
-          </a:p>
-        </p:txBody>
-      </p:sp>
-      <p:sp>
-        <p:nvSpPr>
-          <p:cNvPr id="40" name="Rectangle 39"/>
-          <p:cNvSpPr/>
-          <p:nvPr/>
-        </p:nvSpPr>
-        <p:spPr>
-          <a:xfrm>
-            <a:off x="8882585" y="5157447"/>
-            <a:ext cx="596696" cy="304819"/>
-          </a:xfrm>
-          <a:prstGeom prst="rect">
-            <a:avLst/>
-          </a:prstGeom>
-          <a:noFill/>
-          <a:ln w="38100">
-            <a:noFill/>
-          </a:ln>
-        </p:spPr>
-        <p:style>
-          <a:lnRef idx="2">
-            <a:schemeClr val="accent1">
-              <a:shade val="50000"/>
-            </a:schemeClr>
-          </a:lnRef>
-          <a:fillRef idx="1">
-            <a:schemeClr val="accent1"/>
-          </a:fillRef>
-          <a:effectRef idx="0">
-            <a:schemeClr val="accent1"/>
-          </a:effectRef>
-          <a:fontRef idx="minor">
-            <a:schemeClr val="lt1"/>
-          </a:fontRef>
-        </p:style>
-        <p:txBody>
-          <a:bodyPr rtlCol="0" anchor="ctr"/>
-          <a:lstStyle/>
-          <a:p>
-            <a:r>
-              <a:rPr lang="en-US" dirty="0" smtClean="0">
-                <a:solidFill>
-                  <a:schemeClr val="tx1"/>
-                </a:solidFill>
-              </a:rPr>
-              <a:t>7+</a:t>
-            </a:r>
-            <a:endParaRPr lang="en-US" dirty="0">
-              <a:solidFill>
-                <a:schemeClr val="tx1"/>
-              </a:solidFill>
-            </a:endParaRPr>
-          </a:p>
-        </p:txBody>
-      </p:sp>
-      <p:sp>
-        <p:nvSpPr>
-          <p:cNvPr id="42" name="Rectangle 41"/>
-          <p:cNvSpPr/>
-          <p:nvPr/>
-        </p:nvSpPr>
-        <p:spPr>
-          <a:xfrm>
-            <a:off x="8902258" y="2369485"/>
-            <a:ext cx="596696" cy="304819"/>
-          </a:xfrm>
-          <a:prstGeom prst="rect">
-            <a:avLst/>
-          </a:prstGeom>
-          <a:noFill/>
-          <a:ln w="38100">
-            <a:noFill/>
-          </a:ln>
-        </p:spPr>
-        <p:style>
-          <a:lnRef idx="2">
-            <a:schemeClr val="accent1">
-              <a:shade val="50000"/>
-            </a:schemeClr>
-          </a:lnRef>
-          <a:fillRef idx="1">
-            <a:schemeClr val="accent1"/>
-          </a:fillRef>
-          <a:effectRef idx="0">
-            <a:schemeClr val="accent1"/>
-          </a:effectRef>
-          <a:fontRef idx="minor">
-            <a:schemeClr val="lt1"/>
-          </a:fontRef>
-        </p:style>
-        <p:txBody>
-          <a:bodyPr rtlCol="0" anchor="ctr"/>
-          <a:lstStyle/>
-          <a:p>
-            <a:r>
-              <a:rPr lang="en-US" dirty="0">
-                <a:solidFill>
-                  <a:schemeClr val="tx1"/>
-                </a:solidFill>
-              </a:rPr>
-              <a:t>4</a:t>
-            </a:r>
-          </a:p>
-        </p:txBody>
-      </p:sp>
-    </p:spTree>
-    <p:extLst>
-      <p:ext uri="{BB962C8B-B14F-4D97-AF65-F5344CB8AC3E}">
-        <p14:creationId xmlns:p14="http://schemas.microsoft.com/office/powerpoint/2010/main" val="1872264151"/>
-      </p:ext>
-    </p:extLst>
-  </p:cSld>
-  <p:clrMapOvr>
-    <a:masterClrMapping/>
-  </p:clrMapOvr>
-</p:sld>
-</file>
-
-<file path=ppt/slides/slide3.xml><?xml version="1.0" encoding="utf-8"?>
-<p:sld xmlns:a="http://schemas.openxmlformats.org/drawingml/2006/main" xmlns:r="http://schemas.openxmlformats.org/officeDocument/2006/relationships" xmlns:p="http://schemas.openxmlformats.org/presentationml/2006/main">
-  <p:cSld>
-    <p:spTree>
-      <p:nvGrpSpPr>
-        <p:cNvPr id="1" name=""/>
-        <p:cNvGrpSpPr/>
-        <p:nvPr/>
-      </p:nvGrpSpPr>
-      <p:grpSpPr>
-        <a:xfrm>
-          <a:off x="0" y="0"/>
-          <a:ext cx="0" cy="0"/>
-          <a:chOff x="0" y="0"/>
-          <a:chExt cx="0" cy="0"/>
-        </a:xfrm>
-      </p:grpSpPr>
-      <p:sp>
-        <p:nvSpPr>
-          <p:cNvPr id="2" name="Title 1"/>
-          <p:cNvSpPr>
-            <a:spLocks noGrp="1"/>
-          </p:cNvSpPr>
-          <p:nvPr>
-            <p:ph type="title"/>
-          </p:nvPr>
-        </p:nvSpPr>
-        <p:spPr/>
-        <p:txBody>
-          <a:bodyPr/>
-          <a:lstStyle/>
-          <a:p>
-            <a:r>
-              <a:rPr lang="en-US" dirty="0" smtClean="0"/>
-              <a:t>20mA loop supply</a:t>
-            </a:r>
-            <a:endParaRPr lang="en-US" dirty="0"/>
-          </a:p>
-        </p:txBody>
-      </p:sp>
-      <p:sp>
-        <p:nvSpPr>
-          <p:cNvPr id="5" name="Rectangle 4"/>
-          <p:cNvSpPr/>
-          <p:nvPr/>
-        </p:nvSpPr>
-        <p:spPr>
-          <a:xfrm>
-            <a:off x="787585" y="3466551"/>
-            <a:ext cx="1232739" cy="1527242"/>
-          </a:xfrm>
-          <a:prstGeom prst="rect">
-            <a:avLst/>
-          </a:prstGeom>
-          <a:noFill/>
-          <a:ln w="38100">
-            <a:noFill/>
-          </a:ln>
-        </p:spPr>
-        <p:style>
-          <a:lnRef idx="2">
-            <a:schemeClr val="accent1">
-              <a:shade val="50000"/>
-            </a:schemeClr>
-          </a:lnRef>
-          <a:fillRef idx="1">
-            <a:schemeClr val="accent1"/>
-          </a:fillRef>
-          <a:effectRef idx="0">
-            <a:schemeClr val="accent1"/>
-          </a:effectRef>
-          <a:fontRef idx="minor">
-            <a:schemeClr val="lt1"/>
-          </a:fontRef>
-        </p:style>
-        <p:txBody>
-          <a:bodyPr rtlCol="0" anchor="ctr"/>
-          <a:lstStyle/>
-          <a:p>
-            <a:pPr algn="ctr"/>
-            <a:r>
-              <a:rPr lang="en-US" dirty="0" smtClean="0">
-                <a:solidFill>
-                  <a:schemeClr val="tx1"/>
-                </a:solidFill>
-              </a:rPr>
-              <a:t>19.2 VDC</a:t>
-            </a:r>
-            <a:endParaRPr lang="en-US" dirty="0">
-              <a:solidFill>
-                <a:schemeClr val="tx1"/>
-              </a:solidFill>
-            </a:endParaRPr>
-          </a:p>
-        </p:txBody>
-      </p:sp>
-      <p:sp>
-        <p:nvSpPr>
-          <p:cNvPr id="6" name="Rectangle 5"/>
-          <p:cNvSpPr/>
-          <p:nvPr/>
-        </p:nvSpPr>
-        <p:spPr>
-          <a:xfrm>
-            <a:off x="8180794" y="2166322"/>
-            <a:ext cx="2871572" cy="1527242"/>
-          </a:xfrm>
-          <a:prstGeom prst="rect">
-            <a:avLst/>
-          </a:prstGeom>
-          <a:noFill/>
-          <a:ln w="38100">
-            <a:noFill/>
-          </a:ln>
-        </p:spPr>
-        <p:style>
-          <a:lnRef idx="2">
-            <a:schemeClr val="accent1">
-              <a:shade val="50000"/>
-            </a:schemeClr>
-          </a:lnRef>
-          <a:fillRef idx="1">
-            <a:schemeClr val="accent1"/>
-          </a:fillRef>
-          <a:effectRef idx="0">
-            <a:schemeClr val="accent1"/>
-          </a:effectRef>
-          <a:fontRef idx="minor">
-            <a:schemeClr val="lt1"/>
-          </a:fontRef>
-        </p:style>
-        <p:txBody>
-          <a:bodyPr rtlCol="0" anchor="ctr"/>
-          <a:lstStyle/>
-          <a:p>
-            <a:pPr algn="ctr"/>
-            <a:r>
-              <a:rPr lang="en-US" dirty="0" smtClean="0">
-                <a:solidFill>
-                  <a:schemeClr val="tx1"/>
-                </a:solidFill>
-              </a:rPr>
-              <a:t>Current </a:t>
-            </a:r>
-            <a:r>
-              <a:rPr lang="en-US" dirty="0" smtClean="0">
-                <a:solidFill>
-                  <a:schemeClr val="tx1"/>
-                </a:solidFill>
-              </a:rPr>
-              <a:t>loop 20mA</a:t>
-            </a:r>
-            <a:endParaRPr lang="en-US" dirty="0">
-              <a:solidFill>
-                <a:schemeClr val="tx1"/>
-              </a:solidFill>
-            </a:endParaRPr>
-          </a:p>
-        </p:txBody>
-      </p:sp>
-      <p:sp>
-        <p:nvSpPr>
-          <p:cNvPr id="7" name="Right Brace 6"/>
-          <p:cNvSpPr/>
-          <p:nvPr/>
-        </p:nvSpPr>
-        <p:spPr>
-          <a:xfrm>
-            <a:off x="8327469" y="2279560"/>
-            <a:ext cx="309093" cy="1300766"/>
-          </a:xfrm>
-          <a:prstGeom prst="rightBrace">
-            <a:avLst/>
-          </a:prstGeom>
-          <a:ln w="31750">
-            <a:headEnd type="diamond"/>
-            <a:tailEnd type="stealth"/>
-          </a:ln>
-        </p:spPr>
-        <p:style>
-          <a:lnRef idx="1">
-            <a:schemeClr val="accent1"/>
-          </a:lnRef>
-          <a:fillRef idx="0">
-            <a:schemeClr val="accent1"/>
-          </a:fillRef>
-          <a:effectRef idx="0">
-            <a:schemeClr val="accent1"/>
-          </a:effectRef>
-          <a:fontRef idx="minor">
-            <a:schemeClr val="tx1"/>
-          </a:fontRef>
-        </p:style>
-        <p:txBody>
-          <a:bodyPr rtlCol="0" anchor="ctr"/>
-          <a:lstStyle/>
-          <a:p>
-            <a:pPr algn="ctr"/>
-            <a:endParaRPr lang="en-US"/>
-          </a:p>
-        </p:txBody>
-      </p:sp>
-      <p:sp>
-        <p:nvSpPr>
-          <p:cNvPr id="8" name="Right Brace 7"/>
-          <p:cNvSpPr/>
-          <p:nvPr/>
-        </p:nvSpPr>
-        <p:spPr>
-          <a:xfrm flipH="1">
-            <a:off x="2020324" y="2279560"/>
-            <a:ext cx="319261" cy="3901225"/>
-          </a:xfrm>
-          <a:prstGeom prst="rightBrace">
-            <a:avLst/>
-          </a:prstGeom>
-          <a:ln w="31750"/>
-        </p:spPr>
-        <p:style>
-          <a:lnRef idx="1">
-            <a:schemeClr val="accent1"/>
-          </a:lnRef>
-          <a:fillRef idx="0">
-            <a:schemeClr val="accent1"/>
-          </a:fillRef>
-          <a:effectRef idx="0">
-            <a:schemeClr val="accent1"/>
-          </a:effectRef>
-          <a:fontRef idx="minor">
-            <a:schemeClr val="tx1"/>
-          </a:fontRef>
-        </p:style>
-        <p:txBody>
-          <a:bodyPr rtlCol="0" anchor="ctr"/>
-          <a:lstStyle/>
-          <a:p>
-            <a:pPr algn="ctr"/>
-            <a:endParaRPr lang="en-US"/>
-          </a:p>
-        </p:txBody>
-      </p:sp>
-      <p:pic>
-        <p:nvPicPr>
-          <p:cNvPr id="10" name="Picture 9"/>
-          <p:cNvPicPr>
-            <a:picLocks noChangeAspect="1"/>
-          </p:cNvPicPr>
-          <p:nvPr/>
-        </p:nvPicPr>
-        <p:blipFill>
-          <a:blip r:embed="rId3">
-            <a:extLst>
-              <a:ext uri="{28A0092B-C50C-407E-A947-70E740481C1C}">
-                <a14:useLocalDpi xmlns:a14="http://schemas.microsoft.com/office/drawing/2010/main" val="0"/>
-              </a:ext>
-            </a:extLst>
-          </a:blip>
-          <a:stretch>
-            <a:fillRect/>
-          </a:stretch>
-        </p:blipFill>
-        <p:spPr>
-          <a:xfrm>
-            <a:off x="2420562" y="1847052"/>
-            <a:ext cx="5770401" cy="4631022"/>
-          </a:xfrm>
-          <a:prstGeom prst="rect">
-            <a:avLst/>
-          </a:prstGeom>
-        </p:spPr>
-      </p:pic>
-    </p:spTree>
-    <p:extLst>
-      <p:ext uri="{BB962C8B-B14F-4D97-AF65-F5344CB8AC3E}">
-        <p14:creationId xmlns:p14="http://schemas.microsoft.com/office/powerpoint/2010/main" val="1831957934"/>
-      </p:ext>
-    </p:extLst>
-  </p:cSld>
-  <p:clrMapOvr>
-    <a:masterClrMapping/>
-  </p:clrMapOvr>
-</p:sld>
-</file>
-
-<file path=ppt/slides/slide4.xml><?xml version="1.0" encoding="utf-8"?>
-<p:sld xmlns:a="http://schemas.openxmlformats.org/drawingml/2006/main" xmlns:r="http://schemas.openxmlformats.org/officeDocument/2006/relationships" xmlns:p="http://schemas.openxmlformats.org/presentationml/2006/main">
-  <p:cSld>
-    <p:spTree>
-      <p:nvGrpSpPr>
-        <p:cNvPr id="1" name=""/>
-        <p:cNvGrpSpPr/>
-        <p:nvPr/>
-      </p:nvGrpSpPr>
-      <p:grpSpPr>
-        <a:xfrm>
-          <a:off x="0" y="0"/>
-          <a:ext cx="0" cy="0"/>
-          <a:chOff x="0" y="0"/>
-          <a:chExt cx="0" cy="0"/>
-        </a:xfrm>
-      </p:grpSpPr>
-      <p:sp>
-        <p:nvSpPr>
-          <p:cNvPr id="2" name="Title 1"/>
-          <p:cNvSpPr>
-            <a:spLocks noGrp="1"/>
-          </p:cNvSpPr>
-          <p:nvPr>
-            <p:ph type="title"/>
-          </p:nvPr>
-        </p:nvSpPr>
-        <p:spPr/>
-        <p:txBody>
-          <a:bodyPr/>
-          <a:lstStyle/>
-          <a:p>
-            <a:r>
-              <a:rPr lang="en-US" dirty="0" smtClean="0"/>
-              <a:t>LED driver (~10mA)</a:t>
-            </a:r>
-            <a:endParaRPr lang="en-US" dirty="0"/>
-          </a:p>
-        </p:txBody>
-      </p:sp>
-      <p:sp>
-        <p:nvSpPr>
-          <p:cNvPr id="4" name="Rectangle 3"/>
-          <p:cNvSpPr/>
-          <p:nvPr/>
-        </p:nvSpPr>
-        <p:spPr>
-          <a:xfrm>
-            <a:off x="1539652" y="3253808"/>
-            <a:ext cx="1486369" cy="1527242"/>
-          </a:xfrm>
-          <a:prstGeom prst="rect">
-            <a:avLst/>
-          </a:prstGeom>
-          <a:noFill/>
-          <a:ln w="38100">
-            <a:noFill/>
-          </a:ln>
-        </p:spPr>
-        <p:style>
-          <a:lnRef idx="2">
-            <a:schemeClr val="accent1">
-              <a:shade val="50000"/>
-            </a:schemeClr>
-          </a:lnRef>
-          <a:fillRef idx="1">
-            <a:schemeClr val="accent1"/>
-          </a:fillRef>
-          <a:effectRef idx="0">
-            <a:schemeClr val="accent1"/>
-          </a:effectRef>
-          <a:fontRef idx="minor">
-            <a:schemeClr val="lt1"/>
-          </a:fontRef>
-        </p:style>
-        <p:txBody>
-          <a:bodyPr rtlCol="0" anchor="ctr"/>
-          <a:lstStyle/>
-          <a:p>
-            <a:pPr algn="r"/>
-            <a:r>
-              <a:rPr lang="en-US" smtClean="0">
-                <a:solidFill>
-                  <a:schemeClr val="tx1"/>
-                </a:solidFill>
-              </a:rPr>
-              <a:t>Current loop</a:t>
-            </a:r>
-            <a:endParaRPr lang="en-US" dirty="0">
-              <a:solidFill>
-                <a:schemeClr val="tx1"/>
-              </a:solidFill>
-            </a:endParaRPr>
-          </a:p>
-        </p:txBody>
-      </p:sp>
-      <p:sp>
-        <p:nvSpPr>
-          <p:cNvPr id="5" name="Right Brace 4"/>
-          <p:cNvSpPr/>
-          <p:nvPr/>
-        </p:nvSpPr>
-        <p:spPr>
-          <a:xfrm flipH="1">
-            <a:off x="3134809" y="1690687"/>
-            <a:ext cx="349608" cy="4658597"/>
-          </a:xfrm>
-          <a:prstGeom prst="rightBrace">
-            <a:avLst/>
-          </a:prstGeom>
-          <a:ln w="31750">
-            <a:headEnd type="diamond"/>
-            <a:tailEnd type="stealth"/>
-          </a:ln>
-        </p:spPr>
-        <p:style>
-          <a:lnRef idx="1">
-            <a:schemeClr val="accent1"/>
-          </a:lnRef>
-          <a:fillRef idx="0">
-            <a:schemeClr val="accent1"/>
-          </a:fillRef>
-          <a:effectRef idx="0">
-            <a:schemeClr val="accent1"/>
-          </a:effectRef>
-          <a:fontRef idx="minor">
-            <a:schemeClr val="tx1"/>
-          </a:fontRef>
-        </p:style>
-        <p:txBody>
-          <a:bodyPr rtlCol="0" anchor="ctr"/>
-          <a:lstStyle/>
-          <a:p>
-            <a:pPr algn="ctr"/>
-            <a:endParaRPr lang="en-US"/>
-          </a:p>
-        </p:txBody>
-      </p:sp>
-      <p:pic>
-        <p:nvPicPr>
-          <p:cNvPr id="3" name="Picture 2" descr="Screen Shot 2018-09-22 at 1.06.18 PM.png"/>
-          <p:cNvPicPr>
-            <a:picLocks noChangeAspect="1"/>
-          </p:cNvPicPr>
-          <p:nvPr/>
-        </p:nvPicPr>
-        <p:blipFill>
-          <a:blip r:embed="rId3">
-            <a:extLst>
-              <a:ext uri="{28A0092B-C50C-407E-A947-70E740481C1C}">
-                <a14:useLocalDpi xmlns:a14="http://schemas.microsoft.com/office/drawing/2010/main" val="0"/>
-              </a:ext>
-            </a:extLst>
-          </a:blip>
-          <a:stretch>
-            <a:fillRect/>
-          </a:stretch>
-        </p:blipFill>
-        <p:spPr>
-          <a:xfrm>
-            <a:off x="3676549" y="1664770"/>
-            <a:ext cx="4261533" cy="4684514"/>
-          </a:xfrm>
-          <a:prstGeom prst="rect">
-            <a:avLst/>
-          </a:prstGeom>
-        </p:spPr>
-      </p:pic>
-    </p:spTree>
-    <p:extLst>
-      <p:ext uri="{BB962C8B-B14F-4D97-AF65-F5344CB8AC3E}">
-        <p14:creationId xmlns:p14="http://schemas.microsoft.com/office/powerpoint/2010/main" val="1033114882"/>
-      </p:ext>
-    </p:extLst>
-  </p:cSld>
-  <p:clrMapOvr>
-    <a:masterClrMapping/>
-  </p:clrMapOvr>
-</p:sld>
-</file>
-
-<file path=ppt/slides/slide5.xml><?xml version="1.0" encoding="utf-8"?>
-<p:sld xmlns:a="http://schemas.openxmlformats.org/drawingml/2006/main" xmlns:r="http://schemas.openxmlformats.org/officeDocument/2006/relationships" xmlns:p="http://schemas.openxmlformats.org/presentationml/2006/main">
-  <p:cSld>
-    <p:spTree>
-      <p:nvGrpSpPr>
-        <p:cNvPr id="1" name=""/>
-        <p:cNvGrpSpPr/>
-        <p:nvPr/>
-      </p:nvGrpSpPr>
-      <p:grpSpPr>
-        <a:xfrm>
-          <a:off x="0" y="0"/>
-          <a:ext cx="0" cy="0"/>
-          <a:chOff x="0" y="0"/>
-          <a:chExt cx="0" cy="0"/>
-        </a:xfrm>
-      </p:grpSpPr>
-      <p:sp>
-        <p:nvSpPr>
-          <p:cNvPr id="2" name="Title 1"/>
-          <p:cNvSpPr>
-            <a:spLocks noGrp="1"/>
-          </p:cNvSpPr>
-          <p:nvPr>
-            <p:ph type="title"/>
-          </p:nvPr>
-        </p:nvSpPr>
-        <p:spPr/>
-        <p:txBody>
-          <a:bodyPr/>
-          <a:lstStyle/>
-          <a:p>
-            <a:r>
-              <a:rPr lang="en-US" dirty="0" smtClean="0"/>
-              <a:t>Loop to </a:t>
-            </a:r>
-            <a:r>
-              <a:rPr lang="en-US" dirty="0" smtClean="0"/>
-              <a:t>Teensy</a:t>
-            </a:r>
-            <a:endParaRPr lang="en-US" dirty="0"/>
-          </a:p>
-        </p:txBody>
-      </p:sp>
-      <p:sp>
-        <p:nvSpPr>
-          <p:cNvPr id="4" name="Rectangle 3"/>
-          <p:cNvSpPr/>
-          <p:nvPr/>
-        </p:nvSpPr>
-        <p:spPr>
-          <a:xfrm>
-            <a:off x="9381131" y="1775091"/>
-            <a:ext cx="1835977" cy="390229"/>
-          </a:xfrm>
-          <a:prstGeom prst="rect">
-            <a:avLst/>
-          </a:prstGeom>
-          <a:noFill/>
-          <a:ln w="38100">
-            <a:noFill/>
-          </a:ln>
-        </p:spPr>
-        <p:style>
-          <a:lnRef idx="2">
-            <a:schemeClr val="accent1">
-              <a:shade val="50000"/>
-            </a:schemeClr>
-          </a:lnRef>
-          <a:fillRef idx="1">
-            <a:schemeClr val="accent1"/>
-          </a:fillRef>
-          <a:effectRef idx="0">
-            <a:schemeClr val="accent1"/>
-          </a:effectRef>
-          <a:fontRef idx="minor">
-            <a:schemeClr val="lt1"/>
-          </a:fontRef>
-        </p:style>
-        <p:txBody>
-          <a:bodyPr rtlCol="0" anchor="ctr"/>
-          <a:lstStyle/>
-          <a:p>
-            <a:r>
-              <a:rPr lang="en-US" dirty="0" smtClean="0">
-                <a:solidFill>
-                  <a:schemeClr val="tx1"/>
-                </a:solidFill>
-              </a:rPr>
-              <a:t>Teensy 5V</a:t>
-            </a:r>
-          </a:p>
-        </p:txBody>
-      </p:sp>
-      <p:sp>
-        <p:nvSpPr>
-          <p:cNvPr id="5" name="Rectangle 4"/>
-          <p:cNvSpPr/>
-          <p:nvPr/>
-        </p:nvSpPr>
-        <p:spPr>
-          <a:xfrm>
-            <a:off x="9381130" y="5806440"/>
-            <a:ext cx="1835977" cy="390229"/>
-          </a:xfrm>
-          <a:prstGeom prst="rect">
-            <a:avLst/>
-          </a:prstGeom>
-          <a:noFill/>
-          <a:ln w="38100">
-            <a:noFill/>
-          </a:ln>
-        </p:spPr>
-        <p:style>
-          <a:lnRef idx="2">
-            <a:schemeClr val="accent1">
-              <a:shade val="50000"/>
-            </a:schemeClr>
-          </a:lnRef>
-          <a:fillRef idx="1">
-            <a:schemeClr val="accent1"/>
-          </a:fillRef>
-          <a:effectRef idx="0">
-            <a:schemeClr val="accent1"/>
-          </a:effectRef>
-          <a:fontRef idx="minor">
-            <a:schemeClr val="lt1"/>
-          </a:fontRef>
-        </p:style>
-        <p:txBody>
-          <a:bodyPr rtlCol="0" anchor="ctr"/>
-          <a:lstStyle/>
-          <a:p>
-            <a:r>
-              <a:rPr lang="en-US" smtClean="0">
-                <a:solidFill>
-                  <a:schemeClr val="tx1"/>
-                </a:solidFill>
-              </a:rPr>
-              <a:t>Teensy GND</a:t>
-            </a:r>
-            <a:endParaRPr lang="en-US" dirty="0" smtClean="0">
-              <a:solidFill>
-                <a:schemeClr val="tx1"/>
-              </a:solidFill>
-            </a:endParaRPr>
-          </a:p>
-        </p:txBody>
-      </p:sp>
-      <p:sp>
-        <p:nvSpPr>
-          <p:cNvPr id="6" name="Rectangle 5"/>
-          <p:cNvSpPr/>
-          <p:nvPr/>
-        </p:nvSpPr>
-        <p:spPr>
-          <a:xfrm>
-            <a:off x="9381131" y="2249723"/>
-            <a:ext cx="1835977" cy="390229"/>
-          </a:xfrm>
-          <a:prstGeom prst="rect">
-            <a:avLst/>
-          </a:prstGeom>
-          <a:noFill/>
-          <a:ln w="38100">
-            <a:noFill/>
-          </a:ln>
-        </p:spPr>
-        <p:style>
-          <a:lnRef idx="2">
-            <a:schemeClr val="accent1">
-              <a:shade val="50000"/>
-            </a:schemeClr>
-          </a:lnRef>
-          <a:fillRef idx="1">
-            <a:schemeClr val="accent1"/>
-          </a:fillRef>
-          <a:effectRef idx="0">
-            <a:schemeClr val="accent1"/>
-          </a:effectRef>
-          <a:fontRef idx="minor">
-            <a:schemeClr val="lt1"/>
-          </a:fontRef>
-        </p:style>
-        <p:txBody>
-          <a:bodyPr rtlCol="0" anchor="ctr"/>
-          <a:lstStyle/>
-          <a:p>
-            <a:r>
-              <a:rPr lang="en-US" dirty="0" smtClean="0">
-                <a:solidFill>
-                  <a:schemeClr val="tx1"/>
-                </a:solidFill>
-              </a:rPr>
-              <a:t>Teensy 3.3V</a:t>
-            </a:r>
-          </a:p>
-        </p:txBody>
-      </p:sp>
-      <p:sp>
-        <p:nvSpPr>
-          <p:cNvPr id="7" name="Rectangle 6"/>
-          <p:cNvSpPr/>
-          <p:nvPr/>
-        </p:nvSpPr>
-        <p:spPr>
-          <a:xfrm>
-            <a:off x="9381131" y="3331503"/>
-            <a:ext cx="2548167" cy="390229"/>
-          </a:xfrm>
-          <a:prstGeom prst="rect">
-            <a:avLst/>
-          </a:prstGeom>
-          <a:noFill/>
-          <a:ln w="38100">
-            <a:noFill/>
-          </a:ln>
-        </p:spPr>
-        <p:style>
-          <a:lnRef idx="2">
-            <a:schemeClr val="accent1">
-              <a:shade val="50000"/>
-            </a:schemeClr>
-          </a:lnRef>
-          <a:fillRef idx="1">
-            <a:schemeClr val="accent1"/>
-          </a:fillRef>
-          <a:effectRef idx="0">
-            <a:schemeClr val="accent1"/>
-          </a:effectRef>
-          <a:fontRef idx="minor">
-            <a:schemeClr val="lt1"/>
-          </a:fontRef>
-        </p:style>
-        <p:txBody>
-          <a:bodyPr rtlCol="0" anchor="ctr"/>
-          <a:lstStyle/>
-          <a:p>
-            <a:r>
-              <a:rPr lang="en-US" dirty="0" smtClean="0">
-                <a:solidFill>
-                  <a:schemeClr val="tx1"/>
-                </a:solidFill>
-              </a:rPr>
-              <a:t>Teensy </a:t>
-            </a:r>
-            <a:r>
-              <a:rPr lang="en-US" dirty="0" smtClean="0">
-                <a:solidFill>
-                  <a:schemeClr val="tx1"/>
-                </a:solidFill>
-              </a:rPr>
-              <a:t>RX (pin 20)</a:t>
-            </a:r>
-            <a:endParaRPr lang="en-US" dirty="0" smtClean="0">
-              <a:solidFill>
-                <a:schemeClr val="tx1"/>
-              </a:solidFill>
-            </a:endParaRPr>
-          </a:p>
-        </p:txBody>
-      </p:sp>
-      <p:sp>
-        <p:nvSpPr>
-          <p:cNvPr id="8" name="Rectangle 7"/>
-          <p:cNvSpPr/>
-          <p:nvPr/>
-        </p:nvSpPr>
-        <p:spPr>
-          <a:xfrm>
-            <a:off x="45703" y="3200326"/>
-            <a:ext cx="1486369" cy="1527242"/>
-          </a:xfrm>
-          <a:prstGeom prst="rect">
-            <a:avLst/>
-          </a:prstGeom>
-          <a:noFill/>
-          <a:ln w="38100">
-            <a:noFill/>
-          </a:ln>
-        </p:spPr>
-        <p:style>
-          <a:lnRef idx="2">
-            <a:schemeClr val="accent1">
-              <a:shade val="50000"/>
-            </a:schemeClr>
-          </a:lnRef>
-          <a:fillRef idx="1">
-            <a:schemeClr val="accent1"/>
-          </a:fillRef>
-          <a:effectRef idx="0">
-            <a:schemeClr val="accent1"/>
-          </a:effectRef>
-          <a:fontRef idx="minor">
-            <a:schemeClr val="lt1"/>
-          </a:fontRef>
-        </p:style>
-        <p:txBody>
-          <a:bodyPr rtlCol="0" anchor="ctr"/>
-          <a:lstStyle/>
-          <a:p>
-            <a:pPr algn="r"/>
-            <a:r>
-              <a:rPr lang="en-US" smtClean="0">
-                <a:solidFill>
-                  <a:schemeClr val="tx1"/>
-                </a:solidFill>
-              </a:rPr>
-              <a:t>Current loop</a:t>
-            </a:r>
-            <a:endParaRPr lang="en-US" dirty="0">
-              <a:solidFill>
-                <a:schemeClr val="tx1"/>
-              </a:solidFill>
-            </a:endParaRPr>
-          </a:p>
-        </p:txBody>
-      </p:sp>
-      <p:sp>
-        <p:nvSpPr>
-          <p:cNvPr id="9" name="Right Brace 8"/>
-          <p:cNvSpPr/>
-          <p:nvPr/>
-        </p:nvSpPr>
-        <p:spPr>
-          <a:xfrm flipH="1">
-            <a:off x="1640860" y="1970205"/>
-            <a:ext cx="349608" cy="4031350"/>
-          </a:xfrm>
-          <a:prstGeom prst="rightBrace">
-            <a:avLst/>
-          </a:prstGeom>
-          <a:ln w="31750">
-            <a:headEnd type="diamond"/>
-            <a:tailEnd type="stealth"/>
-          </a:ln>
-        </p:spPr>
-        <p:style>
-          <a:lnRef idx="1">
-            <a:schemeClr val="accent1"/>
-          </a:lnRef>
-          <a:fillRef idx="0">
-            <a:schemeClr val="accent1"/>
-          </a:fillRef>
-          <a:effectRef idx="0">
-            <a:schemeClr val="accent1"/>
-          </a:effectRef>
-          <a:fontRef idx="minor">
-            <a:schemeClr val="tx1"/>
-          </a:fontRef>
-        </p:style>
-        <p:txBody>
-          <a:bodyPr rtlCol="0" anchor="ctr"/>
-          <a:lstStyle/>
-          <a:p>
-            <a:pPr algn="ctr"/>
-            <a:endParaRPr lang="en-US"/>
-          </a:p>
-        </p:txBody>
-      </p:sp>
-      <p:pic>
-        <p:nvPicPr>
-          <p:cNvPr id="12" name="Picture 11" descr="Screen Shot 2018-09-24 at 3.21.58 PM.png"/>
-          <p:cNvPicPr>
-            <a:picLocks noChangeAspect="1"/>
-          </p:cNvPicPr>
-          <p:nvPr/>
-        </p:nvPicPr>
-        <p:blipFill>
-          <a:blip r:embed="rId3">
-            <a:extLst>
-              <a:ext uri="{28A0092B-C50C-407E-A947-70E740481C1C}">
-                <a14:useLocalDpi xmlns:a14="http://schemas.microsoft.com/office/drawing/2010/main" val="0"/>
-              </a:ext>
-            </a:extLst>
-          </a:blip>
-          <a:stretch>
-            <a:fillRect/>
-          </a:stretch>
-        </p:blipFill>
-        <p:spPr>
-          <a:xfrm>
-            <a:off x="2180275" y="1775092"/>
-            <a:ext cx="7200856" cy="4421578"/>
-          </a:xfrm>
-          <a:prstGeom prst="rect">
-            <a:avLst/>
-          </a:prstGeom>
-        </p:spPr>
-      </p:pic>
-    </p:spTree>
-    <p:extLst>
-      <p:ext uri="{BB962C8B-B14F-4D97-AF65-F5344CB8AC3E}">
-        <p14:creationId xmlns:p14="http://schemas.microsoft.com/office/powerpoint/2010/main" val="1209945124"/>
-      </p:ext>
-    </p:extLst>
-  </p:cSld>
-  <p:clrMapOvr>
-    <a:masterClrMapping/>
-  </p:clrMapOvr>
-</p:sld>
-</file>
-
-<file path=ppt/slides/slide6.xml><?xml version="1.0" encoding="utf-8"?>
-<p:sld xmlns:a="http://schemas.openxmlformats.org/drawingml/2006/main" xmlns:r="http://schemas.openxmlformats.org/officeDocument/2006/relationships" xmlns:p="http://schemas.openxmlformats.org/presentationml/2006/main">
-  <p:cSld>
-    <p:spTree>
-      <p:nvGrpSpPr>
-        <p:cNvPr id="1" name=""/>
-        <p:cNvGrpSpPr/>
-        <p:nvPr/>
-      </p:nvGrpSpPr>
-      <p:grpSpPr>
-        <a:xfrm>
-          <a:off x="0" y="0"/>
-          <a:ext cx="0" cy="0"/>
-          <a:chOff x="0" y="0"/>
-          <a:chExt cx="0" cy="0"/>
-        </a:xfrm>
-      </p:grpSpPr>
-      <p:sp>
-        <p:nvSpPr>
-          <p:cNvPr id="2" name="Title 1"/>
-          <p:cNvSpPr>
-            <a:spLocks noGrp="1"/>
-          </p:cNvSpPr>
-          <p:nvPr>
-            <p:ph type="title"/>
-          </p:nvPr>
-        </p:nvSpPr>
-        <p:spPr/>
-        <p:txBody>
-          <a:bodyPr/>
-          <a:lstStyle/>
-          <a:p>
-            <a:r>
-              <a:rPr lang="en-US" dirty="0" smtClean="0"/>
-              <a:t>Teensy To Loop</a:t>
-            </a:r>
-            <a:endParaRPr lang="en-US" dirty="0"/>
-          </a:p>
-        </p:txBody>
-      </p:sp>
-      <p:pic>
-        <p:nvPicPr>
-          <p:cNvPr id="4" name="Picture 3"/>
-          <p:cNvPicPr>
-            <a:picLocks noChangeAspect="1"/>
-          </p:cNvPicPr>
-          <p:nvPr/>
-        </p:nvPicPr>
-        <p:blipFill>
-          <a:blip r:embed="rId3">
-            <a:extLst>
-              <a:ext uri="{28A0092B-C50C-407E-A947-70E740481C1C}">
-                <a14:useLocalDpi xmlns:a14="http://schemas.microsoft.com/office/drawing/2010/main" val="0"/>
-              </a:ext>
-            </a:extLst>
-          </a:blip>
-          <a:stretch>
-            <a:fillRect/>
-          </a:stretch>
-        </p:blipFill>
-        <p:spPr>
-          <a:xfrm>
-            <a:off x="2454162" y="1782172"/>
-            <a:ext cx="7959838" cy="4760295"/>
-          </a:xfrm>
-          <a:prstGeom prst="rect">
-            <a:avLst/>
-          </a:prstGeom>
-        </p:spPr>
-      </p:pic>
-      <p:sp>
-        <p:nvSpPr>
-          <p:cNvPr id="5" name="Rectangle 4"/>
-          <p:cNvSpPr/>
-          <p:nvPr/>
-        </p:nvSpPr>
-        <p:spPr>
-          <a:xfrm>
-            <a:off x="11003566" y="3814819"/>
-            <a:ext cx="1821083" cy="1527242"/>
-          </a:xfrm>
-          <a:prstGeom prst="rect">
-            <a:avLst/>
-          </a:prstGeom>
-          <a:noFill/>
-          <a:ln w="38100">
-            <a:noFill/>
-          </a:ln>
-        </p:spPr>
-        <p:style>
-          <a:lnRef idx="2">
-            <a:schemeClr val="accent1">
-              <a:shade val="50000"/>
-            </a:schemeClr>
-          </a:lnRef>
-          <a:fillRef idx="1">
-            <a:schemeClr val="accent1"/>
-          </a:fillRef>
-          <a:effectRef idx="0">
-            <a:schemeClr val="accent1"/>
-          </a:effectRef>
-          <a:fontRef idx="minor">
-            <a:schemeClr val="lt1"/>
-          </a:fontRef>
-        </p:style>
-        <p:txBody>
-          <a:bodyPr rtlCol="0" anchor="ctr"/>
-          <a:lstStyle/>
-          <a:p>
-            <a:r>
-              <a:rPr lang="en-US" dirty="0" smtClean="0">
-                <a:solidFill>
-                  <a:schemeClr val="tx1"/>
-                </a:solidFill>
-              </a:rPr>
-              <a:t>Current</a:t>
-            </a:r>
-          </a:p>
-          <a:p>
-            <a:r>
-              <a:rPr lang="en-US" dirty="0" smtClean="0">
-                <a:solidFill>
-                  <a:schemeClr val="tx1"/>
-                </a:solidFill>
-              </a:rPr>
-              <a:t>loop</a:t>
-            </a:r>
-            <a:endParaRPr lang="en-US" dirty="0">
-              <a:solidFill>
-                <a:schemeClr val="tx1"/>
-              </a:solidFill>
-            </a:endParaRPr>
-          </a:p>
-        </p:txBody>
-      </p:sp>
-      <p:sp>
-        <p:nvSpPr>
-          <p:cNvPr id="6" name="Right Brace 5"/>
-          <p:cNvSpPr/>
-          <p:nvPr/>
-        </p:nvSpPr>
-        <p:spPr>
-          <a:xfrm>
-            <a:off x="10560676" y="3116686"/>
-            <a:ext cx="296214" cy="2987899"/>
-          </a:xfrm>
-          <a:prstGeom prst="rightBrace">
-            <a:avLst/>
-          </a:prstGeom>
-          <a:ln w="31750">
-            <a:headEnd type="diamond"/>
-            <a:tailEnd type="stealth"/>
-          </a:ln>
-        </p:spPr>
-        <p:style>
-          <a:lnRef idx="1">
-            <a:schemeClr val="accent1"/>
-          </a:lnRef>
-          <a:fillRef idx="0">
-            <a:schemeClr val="accent1"/>
-          </a:fillRef>
-          <a:effectRef idx="0">
-            <a:schemeClr val="accent1"/>
-          </a:effectRef>
-          <a:fontRef idx="minor">
-            <a:schemeClr val="tx1"/>
-          </a:fontRef>
-        </p:style>
-        <p:txBody>
-          <a:bodyPr rtlCol="0" anchor="ctr"/>
-          <a:lstStyle/>
-          <a:p>
-            <a:pPr algn="ctr"/>
-            <a:endParaRPr lang="en-US"/>
-          </a:p>
-        </p:txBody>
-      </p:sp>
-      <p:sp>
-        <p:nvSpPr>
-          <p:cNvPr id="7" name="Rectangle 6"/>
-          <p:cNvSpPr/>
-          <p:nvPr/>
-        </p:nvSpPr>
-        <p:spPr>
-          <a:xfrm>
-            <a:off x="618185" y="2262817"/>
-            <a:ext cx="1835977" cy="712201"/>
-          </a:xfrm>
-          <a:prstGeom prst="rect">
-            <a:avLst/>
-          </a:prstGeom>
-          <a:noFill/>
-          <a:ln w="38100">
-            <a:noFill/>
-          </a:ln>
-        </p:spPr>
-        <p:style>
-          <a:lnRef idx="2">
-            <a:schemeClr val="accent1">
-              <a:shade val="50000"/>
-            </a:schemeClr>
-          </a:lnRef>
-          <a:fillRef idx="1">
-            <a:schemeClr val="accent1"/>
-          </a:fillRef>
-          <a:effectRef idx="0">
-            <a:schemeClr val="accent1"/>
-          </a:effectRef>
-          <a:fontRef idx="minor">
-            <a:schemeClr val="lt1"/>
-          </a:fontRef>
-        </p:style>
-        <p:txBody>
-          <a:bodyPr rtlCol="0" anchor="ctr"/>
-          <a:lstStyle/>
-          <a:p>
-            <a:pPr algn="r"/>
-            <a:r>
-              <a:rPr lang="en-US" dirty="0" smtClean="0">
-                <a:solidFill>
-                  <a:schemeClr val="tx1"/>
-                </a:solidFill>
-              </a:rPr>
-              <a:t>19.2 VDC</a:t>
-            </a:r>
-            <a:br>
-              <a:rPr lang="en-US" dirty="0" smtClean="0">
-                <a:solidFill>
-                  <a:schemeClr val="tx1"/>
-                </a:solidFill>
-              </a:rPr>
-            </a:br>
-            <a:r>
-              <a:rPr lang="en-US" dirty="0" smtClean="0">
-                <a:solidFill>
-                  <a:schemeClr val="tx1"/>
-                </a:solidFill>
-              </a:rPr>
-              <a:t>(@ loop supply)</a:t>
-            </a:r>
-            <a:endParaRPr lang="en-US" dirty="0">
-              <a:solidFill>
-                <a:schemeClr val="tx1"/>
-              </a:solidFill>
-            </a:endParaRPr>
-          </a:p>
-        </p:txBody>
-      </p:sp>
-      <p:sp>
-        <p:nvSpPr>
-          <p:cNvPr id="9" name="Rectangle 8"/>
-          <p:cNvSpPr/>
-          <p:nvPr/>
-        </p:nvSpPr>
-        <p:spPr>
-          <a:xfrm>
-            <a:off x="1" y="4415520"/>
-            <a:ext cx="2307486" cy="390229"/>
-          </a:xfrm>
-          <a:prstGeom prst="rect">
-            <a:avLst/>
-          </a:prstGeom>
-          <a:noFill/>
-          <a:ln w="38100">
-            <a:noFill/>
-          </a:ln>
-        </p:spPr>
-        <p:style>
-          <a:lnRef idx="2">
-            <a:schemeClr val="accent1">
-              <a:shade val="50000"/>
-            </a:schemeClr>
-          </a:lnRef>
-          <a:fillRef idx="1">
-            <a:schemeClr val="accent1"/>
-          </a:fillRef>
-          <a:effectRef idx="0">
-            <a:schemeClr val="accent1"/>
-          </a:effectRef>
-          <a:fontRef idx="minor">
-            <a:schemeClr val="lt1"/>
-          </a:fontRef>
-        </p:style>
-        <p:txBody>
-          <a:bodyPr rtlCol="0" anchor="ctr"/>
-          <a:lstStyle/>
-          <a:p>
-            <a:pPr algn="r"/>
-            <a:r>
-              <a:rPr lang="en-US" dirty="0" smtClean="0">
-                <a:solidFill>
-                  <a:schemeClr val="tx1"/>
-                </a:solidFill>
-              </a:rPr>
-              <a:t>Teensy </a:t>
-            </a:r>
-            <a:r>
-              <a:rPr lang="en-US" dirty="0" smtClean="0">
-                <a:solidFill>
-                  <a:schemeClr val="tx1"/>
-                </a:solidFill>
-              </a:rPr>
-              <a:t>TX (pin 21)</a:t>
-            </a:r>
-            <a:endParaRPr lang="en-US" dirty="0" smtClean="0">
-              <a:solidFill>
-                <a:schemeClr val="tx1"/>
-              </a:solidFill>
-            </a:endParaRPr>
-          </a:p>
-        </p:txBody>
-      </p:sp>
-      <p:sp>
-        <p:nvSpPr>
-          <p:cNvPr id="10" name="Rectangle 9"/>
-          <p:cNvSpPr/>
-          <p:nvPr/>
-        </p:nvSpPr>
-        <p:spPr>
-          <a:xfrm>
-            <a:off x="469362" y="5070196"/>
-            <a:ext cx="1835977" cy="390229"/>
-          </a:xfrm>
-          <a:prstGeom prst="rect">
-            <a:avLst/>
-          </a:prstGeom>
-          <a:noFill/>
-          <a:ln w="38100">
-            <a:noFill/>
-          </a:ln>
-        </p:spPr>
-        <p:style>
-          <a:lnRef idx="2">
-            <a:schemeClr val="accent1">
-              <a:shade val="50000"/>
-            </a:schemeClr>
-          </a:lnRef>
-          <a:fillRef idx="1">
-            <a:schemeClr val="accent1"/>
-          </a:fillRef>
-          <a:effectRef idx="0">
-            <a:schemeClr val="accent1"/>
-          </a:effectRef>
-          <a:fontRef idx="minor">
-            <a:schemeClr val="lt1"/>
-          </a:fontRef>
-        </p:style>
-        <p:txBody>
-          <a:bodyPr rtlCol="0" anchor="ctr"/>
-          <a:lstStyle/>
-          <a:p>
-            <a:pPr algn="r"/>
-            <a:r>
-              <a:rPr lang="en-US" dirty="0" smtClean="0">
-                <a:solidFill>
-                  <a:schemeClr val="tx1"/>
-                </a:solidFill>
-              </a:rPr>
-              <a:t>Teensy GND</a:t>
-            </a:r>
-          </a:p>
-        </p:txBody>
-      </p:sp>
-    </p:spTree>
-    <p:extLst>
-      <p:ext uri="{BB962C8B-B14F-4D97-AF65-F5344CB8AC3E}">
-        <p14:creationId xmlns:p14="http://schemas.microsoft.com/office/powerpoint/2010/main" val="1902217840"/>
-      </p:ext>
-    </p:extLst>
-  </p:cSld>
-  <p:clrMapOvr>
-    <a:masterClrMapping/>
-  </p:clrMapOvr>
-</p:sld>
-</file>
-
-<file path=ppt/slides/slide7.xml><?xml version="1.0" encoding="utf-8"?>
-<p:sld xmlns:a="http://schemas.openxmlformats.org/drawingml/2006/main" xmlns:r="http://schemas.openxmlformats.org/officeDocument/2006/relationships" xmlns:p="http://schemas.openxmlformats.org/presentationml/2006/main">
-  <p:cSld>
-    <p:spTree>
-      <p:nvGrpSpPr>
-        <p:cNvPr id="1" name=""/>
-        <p:cNvGrpSpPr/>
-        <p:nvPr/>
-      </p:nvGrpSpPr>
-      <p:grpSpPr>
-        <a:xfrm>
-          <a:off x="0" y="0"/>
-          <a:ext cx="0" cy="0"/>
-          <a:chOff x="0" y="0"/>
-          <a:chExt cx="0" cy="0"/>
-        </a:xfrm>
-      </p:grpSpPr>
-      <p:pic>
-        <p:nvPicPr>
-          <p:cNvPr id="2" name="Picture 1" descr="20180921_175812.jpg"/>
-          <p:cNvPicPr>
-            <a:picLocks noChangeAspect="1"/>
-          </p:cNvPicPr>
-          <p:nvPr/>
-        </p:nvPicPr>
-        <p:blipFill>
-          <a:blip r:embed="rId2">
-            <a:extLst>
-              <a:ext uri="{28A0092B-C50C-407E-A947-70E740481C1C}">
-                <a14:useLocalDpi xmlns:a14="http://schemas.microsoft.com/office/drawing/2010/main" val="0"/>
-              </a:ext>
-            </a:extLst>
-          </a:blip>
-          <a:stretch>
-            <a:fillRect/>
-          </a:stretch>
-        </p:blipFill>
-        <p:spPr>
-          <a:xfrm>
-            <a:off x="0" y="0"/>
-            <a:ext cx="9144000" cy="6858000"/>
-          </a:xfrm>
-          <a:prstGeom prst="rect">
-            <a:avLst/>
-          </a:prstGeom>
-        </p:spPr>
-      </p:pic>
-      <p:sp>
-        <p:nvSpPr>
-          <p:cNvPr id="3" name="Rectangle 2"/>
-          <p:cNvSpPr/>
-          <p:nvPr/>
-        </p:nvSpPr>
-        <p:spPr>
-          <a:xfrm>
-            <a:off x="9343860" y="1451349"/>
-            <a:ext cx="3480789" cy="3890712"/>
-          </a:xfrm>
-          <a:prstGeom prst="rect">
-            <a:avLst/>
-          </a:prstGeom>
-          <a:noFill/>
-          <a:ln w="38100">
-            <a:noFill/>
-          </a:ln>
-        </p:spPr>
-        <p:style>
-          <a:lnRef idx="2">
-            <a:schemeClr val="accent1">
-              <a:shade val="50000"/>
-            </a:schemeClr>
-          </a:lnRef>
-          <a:fillRef idx="1">
-            <a:schemeClr val="accent1"/>
-          </a:fillRef>
-          <a:effectRef idx="0">
-            <a:schemeClr val="accent1"/>
-          </a:effectRef>
-          <a:fontRef idx="minor">
-            <a:schemeClr val="lt1"/>
-          </a:fontRef>
-        </p:style>
-        <p:txBody>
-          <a:bodyPr rtlCol="0" anchor="ctr"/>
-          <a:lstStyle/>
-          <a:p>
-            <a:r>
-              <a:rPr lang="en-US" dirty="0" smtClean="0">
-                <a:solidFill>
-                  <a:schemeClr val="tx1"/>
-                </a:solidFill>
-              </a:rPr>
-              <a:t>VIN +19.2</a:t>
-            </a:r>
-          </a:p>
-          <a:p>
-            <a:r>
-              <a:rPr lang="en-US" dirty="0" smtClean="0">
-                <a:solidFill>
-                  <a:schemeClr val="tx1"/>
-                </a:solidFill>
-              </a:rPr>
-              <a:t>TTY 7 +RECEIVE</a:t>
-            </a:r>
-          </a:p>
-          <a:p>
-            <a:r>
-              <a:rPr lang="en-US" dirty="0" smtClean="0">
-                <a:solidFill>
-                  <a:schemeClr val="tx1"/>
-                </a:solidFill>
-              </a:rPr>
-              <a:t>VIN GND</a:t>
-            </a:r>
-          </a:p>
-          <a:p>
-            <a:r>
-              <a:rPr lang="en-US" dirty="0" smtClean="0">
-                <a:solidFill>
-                  <a:schemeClr val="tx1"/>
-                </a:solidFill>
-              </a:rPr>
-              <a:t>TTY 6 </a:t>
-            </a:r>
-            <a:r>
-              <a:rPr lang="mr-IN" dirty="0" smtClean="0">
-                <a:solidFill>
-                  <a:schemeClr val="tx1"/>
-                </a:solidFill>
-              </a:rPr>
-              <a:t>–</a:t>
-            </a:r>
-            <a:r>
-              <a:rPr lang="en-US" dirty="0" smtClean="0">
-                <a:solidFill>
-                  <a:schemeClr val="tx1"/>
-                </a:solidFill>
-              </a:rPr>
-              <a:t>RECEIVE</a:t>
-            </a:r>
-            <a:endParaRPr lang="en-US" dirty="0" smtClean="0">
-              <a:solidFill>
-                <a:schemeClr val="tx1"/>
-              </a:solidFill>
-            </a:endParaRPr>
-          </a:p>
-          <a:p>
-            <a:r>
-              <a:rPr lang="en-US" dirty="0" smtClean="0">
-                <a:solidFill>
-                  <a:schemeClr val="tx1"/>
-                </a:solidFill>
-              </a:rPr>
-              <a:t>n/c</a:t>
-            </a:r>
-            <a:endParaRPr lang="en-US" dirty="0" smtClean="0">
-              <a:solidFill>
-                <a:schemeClr val="tx1"/>
-              </a:solidFill>
-            </a:endParaRPr>
-          </a:p>
-          <a:p>
-            <a:r>
-              <a:rPr lang="en-US" dirty="0" smtClean="0">
-                <a:solidFill>
-                  <a:schemeClr val="tx1"/>
-                </a:solidFill>
-              </a:rPr>
-              <a:t>TTY 3 SEND</a:t>
-            </a:r>
-            <a:endParaRPr lang="en-US" dirty="0" smtClean="0">
-              <a:solidFill>
-                <a:schemeClr val="tx1"/>
-              </a:solidFill>
-            </a:endParaRPr>
-          </a:p>
-          <a:p>
-            <a:r>
-              <a:rPr lang="en-US" dirty="0" smtClean="0">
-                <a:solidFill>
-                  <a:schemeClr val="tx1"/>
-                </a:solidFill>
-              </a:rPr>
-              <a:t>TTY 4 SEND</a:t>
-            </a:r>
-          </a:p>
-          <a:p>
-            <a:r>
-              <a:rPr lang="en-US" dirty="0" smtClean="0">
-                <a:solidFill>
-                  <a:schemeClr val="tx1"/>
-                </a:solidFill>
-              </a:rPr>
-              <a:t>VIN GND</a:t>
-            </a:r>
-            <a:endParaRPr lang="en-US" dirty="0" smtClean="0">
-              <a:solidFill>
-                <a:schemeClr val="tx1"/>
-              </a:solidFill>
-            </a:endParaRPr>
-          </a:p>
-          <a:p>
-            <a:endParaRPr lang="en-US" dirty="0">
-              <a:solidFill>
-                <a:schemeClr val="tx1"/>
-              </a:solidFill>
-            </a:endParaRPr>
-          </a:p>
-        </p:txBody>
-      </p:sp>
-    </p:spTree>
-    <p:extLst>
-      <p:ext uri="{BB962C8B-B14F-4D97-AF65-F5344CB8AC3E}">
-        <p14:creationId xmlns:p14="http://schemas.microsoft.com/office/powerpoint/2010/main" val="1166969792"/>
-      </p:ext>
-    </p:extLst>
-  </p:cSld>
-  <p:clrMapOvr>
-    <a:masterClrMapping/>
-  </p:clrMapOvr>
-</p:sld>
-</file>
-
-<file path=ppt/slides/slide8.xml><?xml version="1.0" encoding="utf-8"?>
-<p:sld xmlns:a="http://schemas.openxmlformats.org/drawingml/2006/main" xmlns:r="http://schemas.openxmlformats.org/officeDocument/2006/relationships" xmlns:p="http://schemas.openxmlformats.org/presentationml/2006/main">
-  <p:cSld>
-    <p:spTree>
-      <p:nvGrpSpPr>
-        <p:cNvPr id="1" name=""/>
-        <p:cNvGrpSpPr/>
-        <p:nvPr/>
-      </p:nvGrpSpPr>
-      <p:grpSpPr>
-        <a:xfrm>
-          <a:off x="0" y="0"/>
-          <a:ext cx="0" cy="0"/>
-          <a:chOff x="0" y="0"/>
-          <a:chExt cx="0" cy="0"/>
-        </a:xfrm>
-      </p:grpSpPr>
-      <p:pic>
-        <p:nvPicPr>
-          <p:cNvPr id="3" name="Picture 2" descr="20180921_175801.jpg"/>
-          <p:cNvPicPr>
-            <a:picLocks noChangeAspect="1"/>
-          </p:cNvPicPr>
-          <p:nvPr/>
-        </p:nvPicPr>
-        <p:blipFill>
-          <a:blip r:embed="rId2">
-            <a:extLst>
-              <a:ext uri="{28A0092B-C50C-407E-A947-70E740481C1C}">
-                <a14:useLocalDpi xmlns:a14="http://schemas.microsoft.com/office/drawing/2010/main" val="0"/>
-              </a:ext>
-            </a:extLst>
-          </a:blip>
-          <a:stretch>
-            <a:fillRect/>
-          </a:stretch>
-        </p:blipFill>
-        <p:spPr>
-          <a:xfrm>
-            <a:off x="0" y="0"/>
-            <a:ext cx="9144000" cy="6858000"/>
-          </a:xfrm>
-          <a:prstGeom prst="rect">
-            <a:avLst/>
-          </a:prstGeom>
-        </p:spPr>
-      </p:pic>
-    </p:spTree>
-    <p:extLst>
-      <p:ext uri="{BB962C8B-B14F-4D97-AF65-F5344CB8AC3E}">
-        <p14:creationId xmlns:p14="http://schemas.microsoft.com/office/powerpoint/2010/main" val="1158004058"/>
-      </p:ext>
-    </p:extLst>
-  </p:cSld>
-  <p:clrMapOvr>
-    <a:masterClrMapping/>
-  </p:clrMapOvr>
-</p:sld>
-</file>
-
-<file path=ppt/slides/slide9.xml><?xml version="1.0" encoding="utf-8"?>
+<file path=ppt/slides/slide10.xml><?xml version="1.0" encoding="utf-8"?>
 <p:sld xmlns:a="http://schemas.openxmlformats.org/drawingml/2006/main" xmlns:r="http://schemas.openxmlformats.org/officeDocument/2006/relationships" xmlns:p="http://schemas.openxmlformats.org/presentationml/2006/main">
   <p:cSld>
     <p:spTree>
@@ -7174,6 +3973,3316 @@
     <p:extLst>
       <p:ext uri="{BB962C8B-B14F-4D97-AF65-F5344CB8AC3E}">
         <p14:creationId xmlns:p14="http://schemas.microsoft.com/office/powerpoint/2010/main" val="717546609"/>
+      </p:ext>
+    </p:extLst>
+  </p:cSld>
+  <p:clrMapOvr>
+    <a:masterClrMapping/>
+  </p:clrMapOvr>
+</p:sld>
+</file>
+
+<file path=ppt/slides/slide11.xml><?xml version="1.0" encoding="utf-8"?>
+<p:sld xmlns:a="http://schemas.openxmlformats.org/drawingml/2006/main" xmlns:r="http://schemas.openxmlformats.org/officeDocument/2006/relationships" xmlns:p="http://schemas.openxmlformats.org/presentationml/2006/main">
+  <p:cSld>
+    <p:spTree>
+      <p:nvGrpSpPr>
+        <p:cNvPr id="1" name=""/>
+        <p:cNvGrpSpPr/>
+        <p:nvPr/>
+      </p:nvGrpSpPr>
+      <p:grpSpPr>
+        <a:xfrm>
+          <a:off x="0" y="0"/>
+          <a:ext cx="0" cy="0"/>
+          <a:chOff x="0" y="0"/>
+          <a:chExt cx="0" cy="0"/>
+        </a:xfrm>
+      </p:grpSpPr>
+      <p:pic>
+        <p:nvPicPr>
+          <p:cNvPr id="2" name="Picture 1" descr="20180925_175242.jpg"/>
+          <p:cNvPicPr>
+            <a:picLocks noChangeAspect="1"/>
+          </p:cNvPicPr>
+          <p:nvPr/>
+        </p:nvPicPr>
+        <p:blipFill>
+          <a:blip r:embed="rId2">
+            <a:extLst>
+              <a:ext uri="{28A0092B-C50C-407E-A947-70E740481C1C}">
+                <a14:useLocalDpi xmlns:a14="http://schemas.microsoft.com/office/drawing/2010/main" val="0"/>
+              </a:ext>
+            </a:extLst>
+          </a:blip>
+          <a:stretch>
+            <a:fillRect/>
+          </a:stretch>
+        </p:blipFill>
+        <p:spPr>
+          <a:xfrm>
+            <a:off x="3517900" y="0"/>
+            <a:ext cx="5143500" cy="6858000"/>
+          </a:xfrm>
+          <a:prstGeom prst="rect">
+            <a:avLst/>
+          </a:prstGeom>
+        </p:spPr>
+      </p:pic>
+    </p:spTree>
+    <p:extLst>
+      <p:ext uri="{BB962C8B-B14F-4D97-AF65-F5344CB8AC3E}">
+        <p14:creationId xmlns:p14="http://schemas.microsoft.com/office/powerpoint/2010/main" val="896426546"/>
+      </p:ext>
+    </p:extLst>
+  </p:cSld>
+  <p:clrMapOvr>
+    <a:masterClrMapping/>
+  </p:clrMapOvr>
+</p:sld>
+</file>
+
+<file path=ppt/slides/slide12.xml><?xml version="1.0" encoding="utf-8"?>
+<p:sld xmlns:a="http://schemas.openxmlformats.org/drawingml/2006/main" xmlns:r="http://schemas.openxmlformats.org/officeDocument/2006/relationships" xmlns:p="http://schemas.openxmlformats.org/presentationml/2006/main">
+  <p:cSld>
+    <p:spTree>
+      <p:nvGrpSpPr>
+        <p:cNvPr id="1" name=""/>
+        <p:cNvGrpSpPr/>
+        <p:nvPr/>
+      </p:nvGrpSpPr>
+      <p:grpSpPr>
+        <a:xfrm>
+          <a:off x="0" y="0"/>
+          <a:ext cx="0" cy="0"/>
+          <a:chOff x="0" y="0"/>
+          <a:chExt cx="0" cy="0"/>
+        </a:xfrm>
+      </p:grpSpPr>
+      <p:pic>
+        <p:nvPicPr>
+          <p:cNvPr id="2" name="Picture 1" descr="20180925_170534.jpg"/>
+          <p:cNvPicPr>
+            <a:picLocks noChangeAspect="1"/>
+          </p:cNvPicPr>
+          <p:nvPr/>
+        </p:nvPicPr>
+        <p:blipFill>
+          <a:blip r:embed="rId2">
+            <a:extLst>
+              <a:ext uri="{28A0092B-C50C-407E-A947-70E740481C1C}">
+                <a14:useLocalDpi xmlns:a14="http://schemas.microsoft.com/office/drawing/2010/main" val="0"/>
+              </a:ext>
+            </a:extLst>
+          </a:blip>
+          <a:stretch>
+            <a:fillRect/>
+          </a:stretch>
+        </p:blipFill>
+        <p:spPr>
+          <a:xfrm>
+            <a:off x="842887" y="-260926"/>
+            <a:ext cx="10273992" cy="7705494"/>
+          </a:xfrm>
+          <a:prstGeom prst="rect">
+            <a:avLst/>
+          </a:prstGeom>
+        </p:spPr>
+      </p:pic>
+    </p:spTree>
+    <p:extLst>
+      <p:ext uri="{BB962C8B-B14F-4D97-AF65-F5344CB8AC3E}">
+        <p14:creationId xmlns:p14="http://schemas.microsoft.com/office/powerpoint/2010/main" val="519063261"/>
+      </p:ext>
+    </p:extLst>
+  </p:cSld>
+  <p:clrMapOvr>
+    <a:masterClrMapping/>
+  </p:clrMapOvr>
+</p:sld>
+</file>
+
+<file path=ppt/slides/slide2.xml><?xml version="1.0" encoding="utf-8"?>
+<p:sld xmlns:a="http://schemas.openxmlformats.org/drawingml/2006/main" xmlns:r="http://schemas.openxmlformats.org/officeDocument/2006/relationships" xmlns:p="http://schemas.openxmlformats.org/presentationml/2006/main">
+  <p:cSld>
+    <p:spTree>
+      <p:nvGrpSpPr>
+        <p:cNvPr id="1" name=""/>
+        <p:cNvGrpSpPr/>
+        <p:nvPr/>
+      </p:nvGrpSpPr>
+      <p:grpSpPr>
+        <a:xfrm>
+          <a:off x="0" y="0"/>
+          <a:ext cx="0" cy="0"/>
+          <a:chOff x="0" y="0"/>
+          <a:chExt cx="0" cy="0"/>
+        </a:xfrm>
+      </p:grpSpPr>
+      <p:pic>
+        <p:nvPicPr>
+          <p:cNvPr id="2" name="Picture 1" descr="20180925_170552.jpg"/>
+          <p:cNvPicPr>
+            <a:picLocks noChangeAspect="1"/>
+          </p:cNvPicPr>
+          <p:nvPr/>
+        </p:nvPicPr>
+        <p:blipFill>
+          <a:blip r:embed="rId2">
+            <a:extLst>
+              <a:ext uri="{28A0092B-C50C-407E-A947-70E740481C1C}">
+                <a14:useLocalDpi xmlns:a14="http://schemas.microsoft.com/office/drawing/2010/main" val="0"/>
+              </a:ext>
+            </a:extLst>
+          </a:blip>
+          <a:stretch>
+            <a:fillRect/>
+          </a:stretch>
+        </p:blipFill>
+        <p:spPr>
+          <a:xfrm>
+            <a:off x="1478252" y="0"/>
+            <a:ext cx="9144000" cy="6858000"/>
+          </a:xfrm>
+          <a:prstGeom prst="rect">
+            <a:avLst/>
+          </a:prstGeom>
+        </p:spPr>
+      </p:pic>
+    </p:spTree>
+    <p:extLst>
+      <p:ext uri="{BB962C8B-B14F-4D97-AF65-F5344CB8AC3E}">
+        <p14:creationId xmlns:p14="http://schemas.microsoft.com/office/powerpoint/2010/main" val="351125572"/>
+      </p:ext>
+    </p:extLst>
+  </p:cSld>
+  <p:clrMapOvr>
+    <a:masterClrMapping/>
+  </p:clrMapOvr>
+</p:sld>
+</file>
+
+<file path=ppt/slides/slide3.xml><?xml version="1.0" encoding="utf-8"?>
+<p:sld xmlns:a="http://schemas.openxmlformats.org/drawingml/2006/main" xmlns:r="http://schemas.openxmlformats.org/officeDocument/2006/relationships" xmlns:p="http://schemas.openxmlformats.org/presentationml/2006/main">
+  <p:cSld>
+    <p:spTree>
+      <p:nvGrpSpPr>
+        <p:cNvPr id="1" name=""/>
+        <p:cNvGrpSpPr/>
+        <p:nvPr/>
+      </p:nvGrpSpPr>
+      <p:grpSpPr>
+        <a:xfrm>
+          <a:off x="0" y="0"/>
+          <a:ext cx="0" cy="0"/>
+          <a:chOff x="0" y="0"/>
+          <a:chExt cx="0" cy="0"/>
+        </a:xfrm>
+      </p:grpSpPr>
+      <p:sp>
+        <p:nvSpPr>
+          <p:cNvPr id="43" name="Oval 42"/>
+          <p:cNvSpPr/>
+          <p:nvPr/>
+        </p:nvSpPr>
+        <p:spPr>
+          <a:xfrm>
+            <a:off x="3539276" y="5309857"/>
+            <a:ext cx="5623151" cy="1059515"/>
+          </a:xfrm>
+          <a:prstGeom prst="ellipse">
+            <a:avLst/>
+          </a:prstGeom>
+          <a:noFill/>
+          <a:ln w="38100" cmpd="sng">
+            <a:solidFill>
+              <a:schemeClr val="accent6"/>
+            </a:solidFill>
+          </a:ln>
+        </p:spPr>
+        <p:style>
+          <a:lnRef idx="1">
+            <a:schemeClr val="accent1"/>
+          </a:lnRef>
+          <a:fillRef idx="3">
+            <a:schemeClr val="accent1"/>
+          </a:fillRef>
+          <a:effectRef idx="2">
+            <a:schemeClr val="accent1"/>
+          </a:effectRef>
+          <a:fontRef idx="minor">
+            <a:schemeClr val="lt1"/>
+          </a:fontRef>
+        </p:style>
+        <p:txBody>
+          <a:bodyPr rtlCol="0" anchor="ctr"/>
+          <a:lstStyle/>
+          <a:p>
+            <a:pPr algn="ctr"/>
+            <a:endParaRPr lang="en-US"/>
+          </a:p>
+        </p:txBody>
+      </p:sp>
+      <p:sp>
+        <p:nvSpPr>
+          <p:cNvPr id="2" name="Oval 1"/>
+          <p:cNvSpPr/>
+          <p:nvPr/>
+        </p:nvSpPr>
+        <p:spPr>
+          <a:xfrm>
+            <a:off x="3539276" y="2384603"/>
+            <a:ext cx="5623151" cy="1059515"/>
+          </a:xfrm>
+          <a:prstGeom prst="ellipse">
+            <a:avLst/>
+          </a:prstGeom>
+          <a:noFill/>
+          <a:ln w="38100" cmpd="sng">
+            <a:solidFill>
+              <a:schemeClr val="accent6"/>
+            </a:solidFill>
+          </a:ln>
+        </p:spPr>
+        <p:style>
+          <a:lnRef idx="1">
+            <a:schemeClr val="accent1"/>
+          </a:lnRef>
+          <a:fillRef idx="3">
+            <a:schemeClr val="accent1"/>
+          </a:fillRef>
+          <a:effectRef idx="2">
+            <a:schemeClr val="accent1"/>
+          </a:effectRef>
+          <a:fontRef idx="minor">
+            <a:schemeClr val="lt1"/>
+          </a:fontRef>
+        </p:style>
+        <p:txBody>
+          <a:bodyPr rtlCol="0" anchor="ctr"/>
+          <a:lstStyle/>
+          <a:p>
+            <a:pPr algn="ctr"/>
+            <a:endParaRPr lang="en-US"/>
+          </a:p>
+        </p:txBody>
+      </p:sp>
+      <p:sp>
+        <p:nvSpPr>
+          <p:cNvPr id="4" name="Rectangle 3"/>
+          <p:cNvSpPr/>
+          <p:nvPr/>
+        </p:nvSpPr>
+        <p:spPr>
+          <a:xfrm>
+            <a:off x="2831983" y="2132961"/>
+            <a:ext cx="982493" cy="1527242"/>
+          </a:xfrm>
+          <a:prstGeom prst="rect">
+            <a:avLst/>
+          </a:prstGeom>
+          <a:solidFill>
+            <a:schemeClr val="bg1"/>
+          </a:solidFill>
+          <a:ln w="38100">
+            <a:solidFill>
+              <a:schemeClr val="accent1"/>
+            </a:solidFill>
+          </a:ln>
+        </p:spPr>
+        <p:style>
+          <a:lnRef idx="2">
+            <a:schemeClr val="accent1">
+              <a:shade val="50000"/>
+            </a:schemeClr>
+          </a:lnRef>
+          <a:fillRef idx="1">
+            <a:schemeClr val="accent1"/>
+          </a:fillRef>
+          <a:effectRef idx="0">
+            <a:schemeClr val="accent1"/>
+          </a:effectRef>
+          <a:fontRef idx="minor">
+            <a:schemeClr val="lt1"/>
+          </a:fontRef>
+        </p:style>
+        <p:txBody>
+          <a:bodyPr rtlCol="0" anchor="ctr"/>
+          <a:lstStyle/>
+          <a:p>
+            <a:pPr algn="ctr"/>
+            <a:r>
+              <a:rPr lang="en-US" dirty="0" smtClean="0">
+                <a:solidFill>
+                  <a:schemeClr val="tx1"/>
+                </a:solidFill>
+              </a:rPr>
+              <a:t>20mA</a:t>
+            </a:r>
+          </a:p>
+          <a:p>
+            <a:pPr algn="ctr"/>
+            <a:r>
+              <a:rPr lang="en-US" dirty="0" smtClean="0">
+                <a:solidFill>
+                  <a:schemeClr val="tx1"/>
+                </a:solidFill>
+              </a:rPr>
+              <a:t>loop supply</a:t>
+            </a:r>
+            <a:endParaRPr lang="en-US" dirty="0">
+              <a:solidFill>
+                <a:schemeClr val="tx1"/>
+              </a:solidFill>
+            </a:endParaRPr>
+          </a:p>
+        </p:txBody>
+      </p:sp>
+      <p:cxnSp>
+        <p:nvCxnSpPr>
+          <p:cNvPr id="6" name="Straight Arrow Connector 5"/>
+          <p:cNvCxnSpPr/>
+          <p:nvPr/>
+        </p:nvCxnSpPr>
+        <p:spPr>
+          <a:xfrm>
+            <a:off x="1068946" y="2502612"/>
+            <a:ext cx="1743581" cy="0"/>
+          </a:xfrm>
+          <a:prstGeom prst="straightConnector1">
+            <a:avLst/>
+          </a:prstGeom>
+          <a:ln w="38100">
+            <a:solidFill>
+              <a:srgbClr val="C00000"/>
+            </a:solidFill>
+            <a:headEnd type="none"/>
+            <a:tailEnd type="none"/>
+          </a:ln>
+        </p:spPr>
+        <p:style>
+          <a:lnRef idx="1">
+            <a:schemeClr val="accent1"/>
+          </a:lnRef>
+          <a:fillRef idx="0">
+            <a:schemeClr val="accent1"/>
+          </a:fillRef>
+          <a:effectRef idx="0">
+            <a:schemeClr val="accent1"/>
+          </a:effectRef>
+          <a:fontRef idx="minor">
+            <a:schemeClr val="tx1"/>
+          </a:fontRef>
+        </p:style>
+      </p:cxnSp>
+      <p:cxnSp>
+        <p:nvCxnSpPr>
+          <p:cNvPr id="7" name="Straight Arrow Connector 6"/>
+          <p:cNvCxnSpPr/>
+          <p:nvPr/>
+        </p:nvCxnSpPr>
+        <p:spPr>
+          <a:xfrm flipH="1" flipV="1">
+            <a:off x="1068946" y="3221143"/>
+            <a:ext cx="1763038" cy="3242"/>
+          </a:xfrm>
+          <a:prstGeom prst="straightConnector1">
+            <a:avLst/>
+          </a:prstGeom>
+          <a:ln w="38100">
+            <a:solidFill>
+              <a:schemeClr val="tx1"/>
+            </a:solidFill>
+            <a:headEnd type="none"/>
+            <a:tailEnd type="none"/>
+          </a:ln>
+        </p:spPr>
+        <p:style>
+          <a:lnRef idx="1">
+            <a:schemeClr val="accent1"/>
+          </a:lnRef>
+          <a:fillRef idx="0">
+            <a:schemeClr val="accent1"/>
+          </a:fillRef>
+          <a:effectRef idx="0">
+            <a:schemeClr val="accent1"/>
+          </a:effectRef>
+          <a:fontRef idx="minor">
+            <a:schemeClr val="tx1"/>
+          </a:fontRef>
+        </p:style>
+      </p:cxnSp>
+      <p:sp>
+        <p:nvSpPr>
+          <p:cNvPr id="10" name="Rectangle 9"/>
+          <p:cNvSpPr/>
+          <p:nvPr/>
+        </p:nvSpPr>
+        <p:spPr>
+          <a:xfrm>
+            <a:off x="4485684" y="2132961"/>
+            <a:ext cx="1527243" cy="710119"/>
+          </a:xfrm>
+          <a:prstGeom prst="rect">
+            <a:avLst/>
+          </a:prstGeom>
+          <a:solidFill>
+            <a:schemeClr val="bg1"/>
+          </a:solidFill>
+          <a:ln w="38100">
+            <a:solidFill>
+              <a:schemeClr val="accent1"/>
+            </a:solidFill>
+          </a:ln>
+        </p:spPr>
+        <p:style>
+          <a:lnRef idx="2">
+            <a:schemeClr val="accent1">
+              <a:shade val="50000"/>
+            </a:schemeClr>
+          </a:lnRef>
+          <a:fillRef idx="1">
+            <a:schemeClr val="accent1"/>
+          </a:fillRef>
+          <a:effectRef idx="0">
+            <a:schemeClr val="accent1"/>
+          </a:effectRef>
+          <a:fontRef idx="minor">
+            <a:schemeClr val="lt1"/>
+          </a:fontRef>
+        </p:style>
+        <p:txBody>
+          <a:bodyPr rtlCol="0" anchor="ctr"/>
+          <a:lstStyle/>
+          <a:p>
+            <a:pPr algn="ctr"/>
+            <a:r>
+              <a:rPr lang="en-US" smtClean="0">
+                <a:solidFill>
+                  <a:schemeClr val="tx1"/>
+                </a:solidFill>
+              </a:rPr>
+              <a:t>Red LED</a:t>
+            </a:r>
+            <a:endParaRPr lang="en-US" dirty="0">
+              <a:solidFill>
+                <a:schemeClr val="tx1"/>
+              </a:solidFill>
+            </a:endParaRPr>
+          </a:p>
+        </p:txBody>
+      </p:sp>
+      <p:sp>
+        <p:nvSpPr>
+          <p:cNvPr id="11" name="Rectangle 10"/>
+          <p:cNvSpPr/>
+          <p:nvPr/>
+        </p:nvSpPr>
+        <p:spPr>
+          <a:xfrm>
+            <a:off x="6684135" y="2132960"/>
+            <a:ext cx="1527243" cy="710119"/>
+          </a:xfrm>
+          <a:prstGeom prst="rect">
+            <a:avLst/>
+          </a:prstGeom>
+          <a:solidFill>
+            <a:schemeClr val="bg1"/>
+          </a:solidFill>
+          <a:ln w="38100">
+            <a:solidFill>
+              <a:schemeClr val="accent1"/>
+            </a:solidFill>
+          </a:ln>
+        </p:spPr>
+        <p:style>
+          <a:lnRef idx="2">
+            <a:schemeClr val="accent1">
+              <a:shade val="50000"/>
+            </a:schemeClr>
+          </a:lnRef>
+          <a:fillRef idx="1">
+            <a:schemeClr val="accent1"/>
+          </a:fillRef>
+          <a:effectRef idx="0">
+            <a:schemeClr val="accent1"/>
+          </a:effectRef>
+          <a:fontRef idx="minor">
+            <a:schemeClr val="lt1"/>
+          </a:fontRef>
+        </p:style>
+        <p:txBody>
+          <a:bodyPr rtlCol="0" anchor="ctr"/>
+          <a:lstStyle/>
+          <a:p>
+            <a:pPr algn="ctr"/>
+            <a:r>
+              <a:rPr lang="en-US" dirty="0" smtClean="0">
+                <a:solidFill>
+                  <a:schemeClr val="tx1"/>
+                </a:solidFill>
+              </a:rPr>
+              <a:t>Loop To Teensy</a:t>
+            </a:r>
+            <a:endParaRPr lang="en-US" dirty="0">
+              <a:solidFill>
+                <a:schemeClr val="tx1"/>
+              </a:solidFill>
+            </a:endParaRPr>
+          </a:p>
+        </p:txBody>
+      </p:sp>
+      <p:sp>
+        <p:nvSpPr>
+          <p:cNvPr id="13" name="Rectangle 12"/>
+          <p:cNvSpPr/>
+          <p:nvPr/>
+        </p:nvSpPr>
+        <p:spPr>
+          <a:xfrm>
+            <a:off x="6684135" y="1252608"/>
+            <a:ext cx="1527243" cy="710119"/>
+          </a:xfrm>
+          <a:prstGeom prst="rect">
+            <a:avLst/>
+          </a:prstGeom>
+          <a:noFill/>
+          <a:ln w="38100">
+            <a:solidFill>
+              <a:schemeClr val="accent1"/>
+            </a:solidFill>
+          </a:ln>
+        </p:spPr>
+        <p:style>
+          <a:lnRef idx="2">
+            <a:schemeClr val="accent1">
+              <a:shade val="50000"/>
+            </a:schemeClr>
+          </a:lnRef>
+          <a:fillRef idx="1">
+            <a:schemeClr val="accent1"/>
+          </a:fillRef>
+          <a:effectRef idx="0">
+            <a:schemeClr val="accent1"/>
+          </a:effectRef>
+          <a:fontRef idx="minor">
+            <a:schemeClr val="lt1"/>
+          </a:fontRef>
+        </p:style>
+        <p:txBody>
+          <a:bodyPr rtlCol="0" anchor="ctr"/>
+          <a:lstStyle/>
+          <a:p>
+            <a:pPr algn="ctr"/>
+            <a:r>
+              <a:rPr lang="en-US" dirty="0" smtClean="0">
+                <a:solidFill>
+                  <a:schemeClr val="tx1"/>
+                </a:solidFill>
+              </a:rPr>
+              <a:t>Teensy RX</a:t>
+            </a:r>
+            <a:endParaRPr lang="en-US" dirty="0">
+              <a:solidFill>
+                <a:schemeClr val="tx1"/>
+              </a:solidFill>
+            </a:endParaRPr>
+          </a:p>
+        </p:txBody>
+      </p:sp>
+      <p:sp>
+        <p:nvSpPr>
+          <p:cNvPr id="14" name="Rectangle 13"/>
+          <p:cNvSpPr/>
+          <p:nvPr/>
+        </p:nvSpPr>
+        <p:spPr>
+          <a:xfrm>
+            <a:off x="8882585" y="2132959"/>
+            <a:ext cx="1826055" cy="1527244"/>
+          </a:xfrm>
+          <a:prstGeom prst="rect">
+            <a:avLst/>
+          </a:prstGeom>
+          <a:solidFill>
+            <a:schemeClr val="bg1"/>
+          </a:solidFill>
+          <a:ln w="38100">
+            <a:solidFill>
+              <a:schemeClr val="accent1"/>
+            </a:solidFill>
+          </a:ln>
+        </p:spPr>
+        <p:style>
+          <a:lnRef idx="2">
+            <a:schemeClr val="accent1">
+              <a:shade val="50000"/>
+            </a:schemeClr>
+          </a:lnRef>
+          <a:fillRef idx="1">
+            <a:schemeClr val="accent1"/>
+          </a:fillRef>
+          <a:effectRef idx="0">
+            <a:schemeClr val="accent1"/>
+          </a:effectRef>
+          <a:fontRef idx="minor">
+            <a:schemeClr val="lt1"/>
+          </a:fontRef>
+        </p:style>
+        <p:txBody>
+          <a:bodyPr rtlCol="0" anchor="ctr"/>
+          <a:lstStyle/>
+          <a:p>
+            <a:pPr algn="ctr"/>
+            <a:r>
+              <a:rPr lang="en-US" dirty="0" err="1" smtClean="0">
+                <a:solidFill>
+                  <a:schemeClr val="tx1"/>
+                </a:solidFill>
+              </a:rPr>
+              <a:t>tty</a:t>
+            </a:r>
+            <a:r>
+              <a:rPr lang="en-US" dirty="0" smtClean="0">
+                <a:solidFill>
+                  <a:schemeClr val="tx1"/>
+                </a:solidFill>
+              </a:rPr>
+              <a:t> “send”</a:t>
+            </a:r>
+          </a:p>
+          <a:p>
+            <a:pPr algn="ctr"/>
+            <a:r>
+              <a:rPr lang="en-US" dirty="0" smtClean="0">
+                <a:solidFill>
+                  <a:schemeClr val="tx1"/>
+                </a:solidFill>
+              </a:rPr>
+              <a:t>(keyboard)</a:t>
+            </a:r>
+            <a:endParaRPr lang="en-US" dirty="0">
+              <a:solidFill>
+                <a:schemeClr val="tx1"/>
+              </a:solidFill>
+            </a:endParaRPr>
+          </a:p>
+        </p:txBody>
+      </p:sp>
+      <p:cxnSp>
+        <p:nvCxnSpPr>
+          <p:cNvPr id="19" name="Straight Arrow Connector 18"/>
+          <p:cNvCxnSpPr>
+            <a:stCxn id="11" idx="0"/>
+            <a:endCxn id="13" idx="2"/>
+          </p:cNvCxnSpPr>
+          <p:nvPr/>
+        </p:nvCxnSpPr>
+        <p:spPr>
+          <a:xfrm flipV="1">
+            <a:off x="7447757" y="1962727"/>
+            <a:ext cx="0" cy="170233"/>
+          </a:xfrm>
+          <a:prstGeom prst="straightConnector1">
+            <a:avLst/>
+          </a:prstGeom>
+          <a:ln w="38100">
+            <a:solidFill>
+              <a:srgbClr val="FF0000"/>
+            </a:solidFill>
+            <a:tailEnd type="triangle" w="lg" len="med"/>
+          </a:ln>
+        </p:spPr>
+        <p:style>
+          <a:lnRef idx="1">
+            <a:schemeClr val="accent1"/>
+          </a:lnRef>
+          <a:fillRef idx="0">
+            <a:schemeClr val="accent1"/>
+          </a:fillRef>
+          <a:effectRef idx="0">
+            <a:schemeClr val="accent1"/>
+          </a:effectRef>
+          <a:fontRef idx="minor">
+            <a:schemeClr val="tx1"/>
+          </a:fontRef>
+        </p:style>
+      </p:cxnSp>
+      <p:sp>
+        <p:nvSpPr>
+          <p:cNvPr id="25" name="Rectangle 24"/>
+          <p:cNvSpPr/>
+          <p:nvPr/>
+        </p:nvSpPr>
+        <p:spPr>
+          <a:xfrm>
+            <a:off x="2831983" y="4940206"/>
+            <a:ext cx="982493" cy="1527242"/>
+          </a:xfrm>
+          <a:prstGeom prst="rect">
+            <a:avLst/>
+          </a:prstGeom>
+          <a:solidFill>
+            <a:schemeClr val="bg1"/>
+          </a:solidFill>
+          <a:ln w="38100">
+            <a:solidFill>
+              <a:schemeClr val="accent1"/>
+            </a:solidFill>
+          </a:ln>
+        </p:spPr>
+        <p:style>
+          <a:lnRef idx="2">
+            <a:schemeClr val="accent1">
+              <a:shade val="50000"/>
+            </a:schemeClr>
+          </a:lnRef>
+          <a:fillRef idx="1">
+            <a:schemeClr val="accent1"/>
+          </a:fillRef>
+          <a:effectRef idx="0">
+            <a:schemeClr val="accent1"/>
+          </a:effectRef>
+          <a:fontRef idx="minor">
+            <a:schemeClr val="lt1"/>
+          </a:fontRef>
+        </p:style>
+        <p:txBody>
+          <a:bodyPr rtlCol="0" anchor="ctr"/>
+          <a:lstStyle/>
+          <a:p>
+            <a:pPr algn="ctr"/>
+            <a:r>
+              <a:rPr lang="en-US" dirty="0" smtClean="0">
+                <a:solidFill>
+                  <a:schemeClr val="tx1"/>
+                </a:solidFill>
+              </a:rPr>
+              <a:t>20mA</a:t>
+            </a:r>
+          </a:p>
+          <a:p>
+            <a:pPr algn="ctr"/>
+            <a:r>
+              <a:rPr lang="en-US" dirty="0" smtClean="0">
+                <a:solidFill>
+                  <a:schemeClr val="tx1"/>
+                </a:solidFill>
+              </a:rPr>
+              <a:t>loop supply</a:t>
+            </a:r>
+            <a:endParaRPr lang="en-US" dirty="0">
+              <a:solidFill>
+                <a:schemeClr val="tx1"/>
+              </a:solidFill>
+            </a:endParaRPr>
+          </a:p>
+        </p:txBody>
+      </p:sp>
+      <p:cxnSp>
+        <p:nvCxnSpPr>
+          <p:cNvPr id="26" name="Straight Arrow Connector 25"/>
+          <p:cNvCxnSpPr/>
+          <p:nvPr/>
+        </p:nvCxnSpPr>
+        <p:spPr>
+          <a:xfrm>
+            <a:off x="2141319" y="5309857"/>
+            <a:ext cx="671208" cy="0"/>
+          </a:xfrm>
+          <a:prstGeom prst="straightConnector1">
+            <a:avLst/>
+          </a:prstGeom>
+          <a:ln w="38100">
+            <a:solidFill>
+              <a:srgbClr val="C00000"/>
+            </a:solidFill>
+            <a:headEnd type="none"/>
+            <a:tailEnd type="none"/>
+          </a:ln>
+        </p:spPr>
+        <p:style>
+          <a:lnRef idx="1">
+            <a:schemeClr val="accent1"/>
+          </a:lnRef>
+          <a:fillRef idx="0">
+            <a:schemeClr val="accent1"/>
+          </a:fillRef>
+          <a:effectRef idx="0">
+            <a:schemeClr val="accent1"/>
+          </a:effectRef>
+          <a:fontRef idx="minor">
+            <a:schemeClr val="tx1"/>
+          </a:fontRef>
+        </p:style>
+      </p:cxnSp>
+      <p:cxnSp>
+        <p:nvCxnSpPr>
+          <p:cNvPr id="27" name="Straight Arrow Connector 26"/>
+          <p:cNvCxnSpPr/>
+          <p:nvPr/>
+        </p:nvCxnSpPr>
+        <p:spPr>
+          <a:xfrm flipH="1" flipV="1">
+            <a:off x="1854558" y="5962918"/>
+            <a:ext cx="967698" cy="4837"/>
+          </a:xfrm>
+          <a:prstGeom prst="straightConnector1">
+            <a:avLst/>
+          </a:prstGeom>
+          <a:ln w="38100">
+            <a:solidFill>
+              <a:schemeClr val="tx1"/>
+            </a:solidFill>
+            <a:headEnd type="none"/>
+            <a:tailEnd type="none"/>
+          </a:ln>
+        </p:spPr>
+        <p:style>
+          <a:lnRef idx="1">
+            <a:schemeClr val="accent1"/>
+          </a:lnRef>
+          <a:fillRef idx="0">
+            <a:schemeClr val="accent1"/>
+          </a:fillRef>
+          <a:effectRef idx="0">
+            <a:schemeClr val="accent1"/>
+          </a:effectRef>
+          <a:fontRef idx="minor">
+            <a:schemeClr val="tx1"/>
+          </a:fontRef>
+        </p:style>
+      </p:cxnSp>
+      <p:sp>
+        <p:nvSpPr>
+          <p:cNvPr id="29" name="Rectangle 28"/>
+          <p:cNvSpPr/>
+          <p:nvPr/>
+        </p:nvSpPr>
+        <p:spPr>
+          <a:xfrm>
+            <a:off x="4485684" y="4940206"/>
+            <a:ext cx="1527243" cy="710119"/>
+          </a:xfrm>
+          <a:prstGeom prst="rect">
+            <a:avLst/>
+          </a:prstGeom>
+          <a:solidFill>
+            <a:schemeClr val="bg1"/>
+          </a:solidFill>
+          <a:ln w="38100">
+            <a:solidFill>
+              <a:schemeClr val="accent1"/>
+            </a:solidFill>
+          </a:ln>
+        </p:spPr>
+        <p:style>
+          <a:lnRef idx="2">
+            <a:schemeClr val="accent1">
+              <a:shade val="50000"/>
+            </a:schemeClr>
+          </a:lnRef>
+          <a:fillRef idx="1">
+            <a:schemeClr val="accent1"/>
+          </a:fillRef>
+          <a:effectRef idx="0">
+            <a:schemeClr val="accent1"/>
+          </a:effectRef>
+          <a:fontRef idx="minor">
+            <a:schemeClr val="lt1"/>
+          </a:fontRef>
+        </p:style>
+        <p:txBody>
+          <a:bodyPr rtlCol="0" anchor="ctr"/>
+          <a:lstStyle/>
+          <a:p>
+            <a:pPr algn="ctr"/>
+            <a:r>
+              <a:rPr lang="en-US" dirty="0" smtClean="0">
+                <a:solidFill>
+                  <a:schemeClr val="tx1"/>
+                </a:solidFill>
+              </a:rPr>
+              <a:t>Yellow LED</a:t>
+            </a:r>
+            <a:endParaRPr lang="en-US" dirty="0">
+              <a:solidFill>
+                <a:schemeClr val="tx1"/>
+              </a:solidFill>
+            </a:endParaRPr>
+          </a:p>
+        </p:txBody>
+      </p:sp>
+      <p:sp>
+        <p:nvSpPr>
+          <p:cNvPr id="30" name="Rectangle 29"/>
+          <p:cNvSpPr/>
+          <p:nvPr/>
+        </p:nvSpPr>
+        <p:spPr>
+          <a:xfrm>
+            <a:off x="6684135" y="4940205"/>
+            <a:ext cx="1527243" cy="710119"/>
+          </a:xfrm>
+          <a:prstGeom prst="rect">
+            <a:avLst/>
+          </a:prstGeom>
+          <a:solidFill>
+            <a:schemeClr val="bg1"/>
+          </a:solidFill>
+          <a:ln w="38100">
+            <a:solidFill>
+              <a:schemeClr val="accent1"/>
+            </a:solidFill>
+          </a:ln>
+        </p:spPr>
+        <p:style>
+          <a:lnRef idx="2">
+            <a:schemeClr val="accent1">
+              <a:shade val="50000"/>
+            </a:schemeClr>
+          </a:lnRef>
+          <a:fillRef idx="1">
+            <a:schemeClr val="accent1"/>
+          </a:fillRef>
+          <a:effectRef idx="0">
+            <a:schemeClr val="accent1"/>
+          </a:effectRef>
+          <a:fontRef idx="minor">
+            <a:schemeClr val="lt1"/>
+          </a:fontRef>
+        </p:style>
+        <p:txBody>
+          <a:bodyPr rtlCol="0" anchor="ctr"/>
+          <a:lstStyle/>
+          <a:p>
+            <a:pPr algn="ctr"/>
+            <a:r>
+              <a:rPr lang="en-US" dirty="0" smtClean="0">
+                <a:solidFill>
+                  <a:schemeClr val="tx1"/>
+                </a:solidFill>
+              </a:rPr>
+              <a:t>Teensy To Loop</a:t>
+            </a:r>
+            <a:endParaRPr lang="en-US" dirty="0">
+              <a:solidFill>
+                <a:schemeClr val="tx1"/>
+              </a:solidFill>
+            </a:endParaRPr>
+          </a:p>
+        </p:txBody>
+      </p:sp>
+      <p:sp>
+        <p:nvSpPr>
+          <p:cNvPr id="32" name="Rectangle 31"/>
+          <p:cNvSpPr/>
+          <p:nvPr/>
+        </p:nvSpPr>
+        <p:spPr>
+          <a:xfrm>
+            <a:off x="8882586" y="4940204"/>
+            <a:ext cx="1826054" cy="1527244"/>
+          </a:xfrm>
+          <a:prstGeom prst="rect">
+            <a:avLst/>
+          </a:prstGeom>
+          <a:solidFill>
+            <a:schemeClr val="bg1"/>
+          </a:solidFill>
+          <a:ln w="38100">
+            <a:solidFill>
+              <a:schemeClr val="accent1"/>
+            </a:solidFill>
+          </a:ln>
+        </p:spPr>
+        <p:style>
+          <a:lnRef idx="2">
+            <a:schemeClr val="accent1">
+              <a:shade val="50000"/>
+            </a:schemeClr>
+          </a:lnRef>
+          <a:fillRef idx="1">
+            <a:schemeClr val="accent1"/>
+          </a:fillRef>
+          <a:effectRef idx="0">
+            <a:schemeClr val="accent1"/>
+          </a:effectRef>
+          <a:fontRef idx="minor">
+            <a:schemeClr val="lt1"/>
+          </a:fontRef>
+        </p:style>
+        <p:txBody>
+          <a:bodyPr rtlCol="0" anchor="ctr"/>
+          <a:lstStyle/>
+          <a:p>
+            <a:pPr algn="ctr"/>
+            <a:r>
+              <a:rPr lang="en-US" dirty="0" err="1" smtClean="0">
+                <a:solidFill>
+                  <a:schemeClr val="tx1"/>
+                </a:solidFill>
+              </a:rPr>
+              <a:t>tty</a:t>
+            </a:r>
+            <a:r>
+              <a:rPr lang="en-US" dirty="0" smtClean="0">
+                <a:solidFill>
+                  <a:schemeClr val="tx1"/>
+                </a:solidFill>
+              </a:rPr>
+              <a:t> “receive”</a:t>
+            </a:r>
+          </a:p>
+          <a:p>
+            <a:pPr algn="ctr"/>
+            <a:r>
+              <a:rPr lang="en-US" dirty="0" smtClean="0">
+                <a:solidFill>
+                  <a:schemeClr val="tx1"/>
+                </a:solidFill>
+              </a:rPr>
+              <a:t>(printer)</a:t>
+            </a:r>
+            <a:endParaRPr lang="en-US" dirty="0">
+              <a:solidFill>
+                <a:schemeClr val="tx1"/>
+              </a:solidFill>
+            </a:endParaRPr>
+          </a:p>
+        </p:txBody>
+      </p:sp>
+      <p:sp>
+        <p:nvSpPr>
+          <p:cNvPr id="35" name="Rectangle 34"/>
+          <p:cNvSpPr/>
+          <p:nvPr/>
+        </p:nvSpPr>
+        <p:spPr>
+          <a:xfrm>
+            <a:off x="6684135" y="4055647"/>
+            <a:ext cx="1527243" cy="710119"/>
+          </a:xfrm>
+          <a:prstGeom prst="rect">
+            <a:avLst/>
+          </a:prstGeom>
+          <a:noFill/>
+          <a:ln w="38100">
+            <a:solidFill>
+              <a:schemeClr val="accent1"/>
+            </a:solidFill>
+          </a:ln>
+        </p:spPr>
+        <p:style>
+          <a:lnRef idx="2">
+            <a:schemeClr val="accent1">
+              <a:shade val="50000"/>
+            </a:schemeClr>
+          </a:lnRef>
+          <a:fillRef idx="1">
+            <a:schemeClr val="accent1"/>
+          </a:fillRef>
+          <a:effectRef idx="0">
+            <a:schemeClr val="accent1"/>
+          </a:effectRef>
+          <a:fontRef idx="minor">
+            <a:schemeClr val="lt1"/>
+          </a:fontRef>
+        </p:style>
+        <p:txBody>
+          <a:bodyPr rtlCol="0" anchor="ctr"/>
+          <a:lstStyle/>
+          <a:p>
+            <a:pPr algn="ctr"/>
+            <a:r>
+              <a:rPr lang="en-US" dirty="0" smtClean="0">
+                <a:solidFill>
+                  <a:schemeClr val="tx1"/>
+                </a:solidFill>
+              </a:rPr>
+              <a:t>Teensy TX</a:t>
+            </a:r>
+            <a:endParaRPr lang="en-US" dirty="0">
+              <a:solidFill>
+                <a:schemeClr val="tx1"/>
+              </a:solidFill>
+            </a:endParaRPr>
+          </a:p>
+        </p:txBody>
+      </p:sp>
+      <p:cxnSp>
+        <p:nvCxnSpPr>
+          <p:cNvPr id="37" name="Straight Arrow Connector 36"/>
+          <p:cNvCxnSpPr>
+            <a:stCxn id="35" idx="2"/>
+            <a:endCxn id="30" idx="0"/>
+          </p:cNvCxnSpPr>
+          <p:nvPr/>
+        </p:nvCxnSpPr>
+        <p:spPr>
+          <a:xfrm>
+            <a:off x="7447757" y="4765766"/>
+            <a:ext cx="0" cy="174439"/>
+          </a:xfrm>
+          <a:prstGeom prst="straightConnector1">
+            <a:avLst/>
+          </a:prstGeom>
+          <a:ln w="38100">
+            <a:solidFill>
+              <a:srgbClr val="FF0000"/>
+            </a:solidFill>
+            <a:tailEnd type="triangle" w="lg" len="med"/>
+          </a:ln>
+        </p:spPr>
+        <p:style>
+          <a:lnRef idx="1">
+            <a:schemeClr val="accent1"/>
+          </a:lnRef>
+          <a:fillRef idx="0">
+            <a:schemeClr val="accent1"/>
+          </a:fillRef>
+          <a:effectRef idx="0">
+            <a:schemeClr val="accent1"/>
+          </a:effectRef>
+          <a:fontRef idx="minor">
+            <a:schemeClr val="tx1"/>
+          </a:fontRef>
+        </p:style>
+      </p:cxnSp>
+      <p:cxnSp>
+        <p:nvCxnSpPr>
+          <p:cNvPr id="41" name="Straight Arrow Connector 40"/>
+          <p:cNvCxnSpPr/>
+          <p:nvPr/>
+        </p:nvCxnSpPr>
+        <p:spPr>
+          <a:xfrm flipH="1">
+            <a:off x="2141319" y="2502612"/>
+            <a:ext cx="9453" cy="2807245"/>
+          </a:xfrm>
+          <a:prstGeom prst="straightConnector1">
+            <a:avLst/>
+          </a:prstGeom>
+          <a:ln w="38100">
+            <a:solidFill>
+              <a:srgbClr val="C00000"/>
+            </a:solidFill>
+            <a:headEnd type="none"/>
+            <a:tailEnd type="none"/>
+          </a:ln>
+        </p:spPr>
+        <p:style>
+          <a:lnRef idx="1">
+            <a:schemeClr val="accent1"/>
+          </a:lnRef>
+          <a:fillRef idx="0">
+            <a:schemeClr val="accent1"/>
+          </a:fillRef>
+          <a:effectRef idx="0">
+            <a:schemeClr val="accent1"/>
+          </a:effectRef>
+          <a:fontRef idx="minor">
+            <a:schemeClr val="tx1"/>
+          </a:fontRef>
+        </p:style>
+      </p:cxnSp>
+      <p:cxnSp>
+        <p:nvCxnSpPr>
+          <p:cNvPr id="51" name="Straight Arrow Connector 50"/>
+          <p:cNvCxnSpPr/>
+          <p:nvPr/>
+        </p:nvCxnSpPr>
+        <p:spPr>
+          <a:xfrm flipH="1" flipV="1">
+            <a:off x="1854558" y="3221143"/>
+            <a:ext cx="1" cy="2741776"/>
+          </a:xfrm>
+          <a:prstGeom prst="straightConnector1">
+            <a:avLst/>
+          </a:prstGeom>
+          <a:ln w="38100">
+            <a:solidFill>
+              <a:schemeClr val="tx1"/>
+            </a:solidFill>
+            <a:headEnd type="none"/>
+            <a:tailEnd type="none"/>
+          </a:ln>
+        </p:spPr>
+        <p:style>
+          <a:lnRef idx="1">
+            <a:schemeClr val="accent1"/>
+          </a:lnRef>
+          <a:fillRef idx="0">
+            <a:schemeClr val="accent1"/>
+          </a:fillRef>
+          <a:effectRef idx="0">
+            <a:schemeClr val="accent1"/>
+          </a:effectRef>
+          <a:fontRef idx="minor">
+            <a:schemeClr val="tx1"/>
+          </a:fontRef>
+        </p:style>
+      </p:cxnSp>
+      <p:cxnSp>
+        <p:nvCxnSpPr>
+          <p:cNvPr id="59" name="Straight Arrow Connector 58"/>
+          <p:cNvCxnSpPr/>
+          <p:nvPr/>
+        </p:nvCxnSpPr>
+        <p:spPr>
+          <a:xfrm flipV="1">
+            <a:off x="2150772" y="4327301"/>
+            <a:ext cx="4198513" cy="1"/>
+          </a:xfrm>
+          <a:prstGeom prst="straightConnector1">
+            <a:avLst/>
+          </a:prstGeom>
+          <a:ln w="38100">
+            <a:solidFill>
+              <a:srgbClr val="C00000"/>
+            </a:solidFill>
+            <a:headEnd type="none"/>
+            <a:tailEnd type="none"/>
+          </a:ln>
+        </p:spPr>
+        <p:style>
+          <a:lnRef idx="1">
+            <a:schemeClr val="accent1"/>
+          </a:lnRef>
+          <a:fillRef idx="0">
+            <a:schemeClr val="accent1"/>
+          </a:fillRef>
+          <a:effectRef idx="0">
+            <a:schemeClr val="accent1"/>
+          </a:effectRef>
+          <a:fontRef idx="minor">
+            <a:schemeClr val="tx1"/>
+          </a:fontRef>
+        </p:style>
+      </p:cxnSp>
+      <p:cxnSp>
+        <p:nvCxnSpPr>
+          <p:cNvPr id="62" name="Straight Arrow Connector 61"/>
+          <p:cNvCxnSpPr/>
+          <p:nvPr/>
+        </p:nvCxnSpPr>
+        <p:spPr>
+          <a:xfrm flipH="1">
+            <a:off x="6349285" y="4327301"/>
+            <a:ext cx="1" cy="734096"/>
+          </a:xfrm>
+          <a:prstGeom prst="straightConnector1">
+            <a:avLst/>
+          </a:prstGeom>
+          <a:ln w="38100">
+            <a:solidFill>
+              <a:srgbClr val="C00000"/>
+            </a:solidFill>
+            <a:headEnd type="none"/>
+            <a:tailEnd type="none"/>
+          </a:ln>
+        </p:spPr>
+        <p:style>
+          <a:lnRef idx="1">
+            <a:schemeClr val="accent1"/>
+          </a:lnRef>
+          <a:fillRef idx="0">
+            <a:schemeClr val="accent1"/>
+          </a:fillRef>
+          <a:effectRef idx="0">
+            <a:schemeClr val="accent1"/>
+          </a:effectRef>
+          <a:fontRef idx="minor">
+            <a:schemeClr val="tx1"/>
+          </a:fontRef>
+        </p:style>
+      </p:cxnSp>
+      <p:cxnSp>
+        <p:nvCxnSpPr>
+          <p:cNvPr id="65" name="Straight Arrow Connector 64"/>
+          <p:cNvCxnSpPr/>
+          <p:nvPr/>
+        </p:nvCxnSpPr>
+        <p:spPr>
+          <a:xfrm flipH="1">
+            <a:off x="6349285" y="5061397"/>
+            <a:ext cx="334851" cy="0"/>
+          </a:xfrm>
+          <a:prstGeom prst="straightConnector1">
+            <a:avLst/>
+          </a:prstGeom>
+          <a:ln w="38100">
+            <a:solidFill>
+              <a:srgbClr val="C00000"/>
+            </a:solidFill>
+            <a:headEnd type="none"/>
+            <a:tailEnd type="none"/>
+          </a:ln>
+        </p:spPr>
+        <p:style>
+          <a:lnRef idx="1">
+            <a:schemeClr val="accent1"/>
+          </a:lnRef>
+          <a:fillRef idx="0">
+            <a:schemeClr val="accent1"/>
+          </a:fillRef>
+          <a:effectRef idx="0">
+            <a:schemeClr val="accent1"/>
+          </a:effectRef>
+          <a:fontRef idx="minor">
+            <a:schemeClr val="tx1"/>
+          </a:fontRef>
+        </p:style>
+      </p:cxnSp>
+      <p:sp>
+        <p:nvSpPr>
+          <p:cNvPr id="69" name="Rectangle 68"/>
+          <p:cNvSpPr/>
+          <p:nvPr/>
+        </p:nvSpPr>
+        <p:spPr>
+          <a:xfrm>
+            <a:off x="307997" y="2061887"/>
+            <a:ext cx="1232739" cy="1527242"/>
+          </a:xfrm>
+          <a:prstGeom prst="rect">
+            <a:avLst/>
+          </a:prstGeom>
+          <a:noFill/>
+          <a:ln w="38100">
+            <a:noFill/>
+          </a:ln>
+        </p:spPr>
+        <p:style>
+          <a:lnRef idx="2">
+            <a:schemeClr val="accent1">
+              <a:shade val="50000"/>
+            </a:schemeClr>
+          </a:lnRef>
+          <a:fillRef idx="1">
+            <a:schemeClr val="accent1"/>
+          </a:fillRef>
+          <a:effectRef idx="0">
+            <a:schemeClr val="accent1"/>
+          </a:effectRef>
+          <a:fontRef idx="minor">
+            <a:schemeClr val="lt1"/>
+          </a:fontRef>
+        </p:style>
+        <p:txBody>
+          <a:bodyPr rtlCol="0" anchor="ctr"/>
+          <a:lstStyle/>
+          <a:p>
+            <a:pPr algn="ctr"/>
+            <a:r>
+              <a:rPr lang="en-US" smtClean="0">
+                <a:solidFill>
+                  <a:schemeClr val="tx1"/>
+                </a:solidFill>
+              </a:rPr>
+              <a:t>19.2 VDC</a:t>
+            </a:r>
+            <a:endParaRPr lang="en-US" dirty="0">
+              <a:solidFill>
+                <a:schemeClr val="tx1"/>
+              </a:solidFill>
+            </a:endParaRPr>
+          </a:p>
+        </p:txBody>
+      </p:sp>
+      <p:sp>
+        <p:nvSpPr>
+          <p:cNvPr id="70" name="Title 69"/>
+          <p:cNvSpPr>
+            <a:spLocks noGrp="1"/>
+          </p:cNvSpPr>
+          <p:nvPr>
+            <p:ph type="title"/>
+          </p:nvPr>
+        </p:nvSpPr>
+        <p:spPr/>
+        <p:txBody>
+          <a:bodyPr/>
+          <a:lstStyle/>
+          <a:p>
+            <a:r>
+              <a:rPr lang="en-US" dirty="0" smtClean="0"/>
+              <a:t>Overall electronics</a:t>
+            </a:r>
+            <a:endParaRPr lang="en-US" dirty="0"/>
+          </a:p>
+        </p:txBody>
+      </p:sp>
+      <p:cxnSp>
+        <p:nvCxnSpPr>
+          <p:cNvPr id="73" name="Straight Arrow Connector 72"/>
+          <p:cNvCxnSpPr/>
+          <p:nvPr/>
+        </p:nvCxnSpPr>
+        <p:spPr>
+          <a:xfrm>
+            <a:off x="8211378" y="1586065"/>
+            <a:ext cx="671208" cy="0"/>
+          </a:xfrm>
+          <a:prstGeom prst="straightConnector1">
+            <a:avLst/>
+          </a:prstGeom>
+          <a:ln w="38100">
+            <a:solidFill>
+              <a:schemeClr val="accent2"/>
+            </a:solidFill>
+            <a:headEnd type="diamond" w="lg" len="med"/>
+            <a:tailEnd type="triangle" w="lg" len="med"/>
+          </a:ln>
+        </p:spPr>
+        <p:style>
+          <a:lnRef idx="1">
+            <a:schemeClr val="accent1"/>
+          </a:lnRef>
+          <a:fillRef idx="0">
+            <a:schemeClr val="accent1"/>
+          </a:fillRef>
+          <a:effectRef idx="0">
+            <a:schemeClr val="accent1"/>
+          </a:effectRef>
+          <a:fontRef idx="minor">
+            <a:schemeClr val="tx1"/>
+          </a:fontRef>
+        </p:style>
+      </p:cxnSp>
+      <p:sp>
+        <p:nvSpPr>
+          <p:cNvPr id="74" name="Rectangle 73"/>
+          <p:cNvSpPr/>
+          <p:nvPr/>
+        </p:nvSpPr>
+        <p:spPr>
+          <a:xfrm>
+            <a:off x="8882585" y="1443800"/>
+            <a:ext cx="1232739" cy="288325"/>
+          </a:xfrm>
+          <a:prstGeom prst="rect">
+            <a:avLst/>
+          </a:prstGeom>
+          <a:noFill/>
+          <a:ln w="38100">
+            <a:noFill/>
+          </a:ln>
+        </p:spPr>
+        <p:style>
+          <a:lnRef idx="2">
+            <a:schemeClr val="accent1">
+              <a:shade val="50000"/>
+            </a:schemeClr>
+          </a:lnRef>
+          <a:fillRef idx="1">
+            <a:schemeClr val="accent1"/>
+          </a:fillRef>
+          <a:effectRef idx="0">
+            <a:schemeClr val="accent1"/>
+          </a:effectRef>
+          <a:fontRef idx="minor">
+            <a:schemeClr val="lt1"/>
+          </a:fontRef>
+        </p:style>
+        <p:txBody>
+          <a:bodyPr rtlCol="0" anchor="ctr"/>
+          <a:lstStyle/>
+          <a:p>
+            <a:r>
+              <a:rPr lang="en-US" dirty="0" smtClean="0">
+                <a:solidFill>
+                  <a:schemeClr val="tx1"/>
+                </a:solidFill>
+              </a:rPr>
+              <a:t>USB</a:t>
+            </a:r>
+            <a:endParaRPr lang="en-US" dirty="0">
+              <a:solidFill>
+                <a:schemeClr val="tx1"/>
+              </a:solidFill>
+            </a:endParaRPr>
+          </a:p>
+        </p:txBody>
+      </p:sp>
+      <p:cxnSp>
+        <p:nvCxnSpPr>
+          <p:cNvPr id="75" name="Straight Arrow Connector 74"/>
+          <p:cNvCxnSpPr>
+            <a:stCxn id="76" idx="1"/>
+            <a:endCxn id="35" idx="3"/>
+          </p:cNvCxnSpPr>
+          <p:nvPr/>
+        </p:nvCxnSpPr>
+        <p:spPr>
+          <a:xfrm flipH="1">
+            <a:off x="8211378" y="4401613"/>
+            <a:ext cx="671207" cy="9094"/>
+          </a:xfrm>
+          <a:prstGeom prst="straightConnector1">
+            <a:avLst/>
+          </a:prstGeom>
+          <a:ln w="38100">
+            <a:solidFill>
+              <a:schemeClr val="accent2"/>
+            </a:solidFill>
+            <a:headEnd type="diamond" w="lg" len="med"/>
+            <a:tailEnd type="triangle" w="lg" len="med"/>
+          </a:ln>
+        </p:spPr>
+        <p:style>
+          <a:lnRef idx="1">
+            <a:schemeClr val="accent1"/>
+          </a:lnRef>
+          <a:fillRef idx="0">
+            <a:schemeClr val="accent1"/>
+          </a:fillRef>
+          <a:effectRef idx="0">
+            <a:schemeClr val="accent1"/>
+          </a:effectRef>
+          <a:fontRef idx="minor">
+            <a:schemeClr val="tx1"/>
+          </a:fontRef>
+        </p:style>
+      </p:cxnSp>
+      <p:sp>
+        <p:nvSpPr>
+          <p:cNvPr id="76" name="Rectangle 75"/>
+          <p:cNvSpPr/>
+          <p:nvPr/>
+        </p:nvSpPr>
+        <p:spPr>
+          <a:xfrm>
+            <a:off x="8882585" y="4257450"/>
+            <a:ext cx="1232739" cy="288325"/>
+          </a:xfrm>
+          <a:prstGeom prst="rect">
+            <a:avLst/>
+          </a:prstGeom>
+          <a:noFill/>
+          <a:ln w="38100">
+            <a:noFill/>
+          </a:ln>
+        </p:spPr>
+        <p:style>
+          <a:lnRef idx="2">
+            <a:schemeClr val="accent1">
+              <a:shade val="50000"/>
+            </a:schemeClr>
+          </a:lnRef>
+          <a:fillRef idx="1">
+            <a:schemeClr val="accent1"/>
+          </a:fillRef>
+          <a:effectRef idx="0">
+            <a:schemeClr val="accent1"/>
+          </a:effectRef>
+          <a:fontRef idx="minor">
+            <a:schemeClr val="lt1"/>
+          </a:fontRef>
+        </p:style>
+        <p:txBody>
+          <a:bodyPr rtlCol="0" anchor="ctr"/>
+          <a:lstStyle/>
+          <a:p>
+            <a:r>
+              <a:rPr lang="en-US" dirty="0" smtClean="0">
+                <a:solidFill>
+                  <a:schemeClr val="tx1"/>
+                </a:solidFill>
+              </a:rPr>
+              <a:t>USB</a:t>
+            </a:r>
+            <a:endParaRPr lang="en-US" dirty="0">
+              <a:solidFill>
+                <a:schemeClr val="tx1"/>
+              </a:solidFill>
+            </a:endParaRPr>
+          </a:p>
+        </p:txBody>
+      </p:sp>
+      <p:sp>
+        <p:nvSpPr>
+          <p:cNvPr id="38" name="Rectangle 37"/>
+          <p:cNvSpPr/>
+          <p:nvPr/>
+        </p:nvSpPr>
+        <p:spPr>
+          <a:xfrm>
+            <a:off x="8902258" y="3079306"/>
+            <a:ext cx="596696" cy="304819"/>
+          </a:xfrm>
+          <a:prstGeom prst="rect">
+            <a:avLst/>
+          </a:prstGeom>
+          <a:noFill/>
+          <a:ln w="38100">
+            <a:noFill/>
+          </a:ln>
+        </p:spPr>
+        <p:style>
+          <a:lnRef idx="2">
+            <a:schemeClr val="accent1">
+              <a:shade val="50000"/>
+            </a:schemeClr>
+          </a:lnRef>
+          <a:fillRef idx="1">
+            <a:schemeClr val="accent1"/>
+          </a:fillRef>
+          <a:effectRef idx="0">
+            <a:schemeClr val="accent1"/>
+          </a:effectRef>
+          <a:fontRef idx="minor">
+            <a:schemeClr val="lt1"/>
+          </a:fontRef>
+        </p:style>
+        <p:txBody>
+          <a:bodyPr rtlCol="0" anchor="ctr"/>
+          <a:lstStyle/>
+          <a:p>
+            <a:r>
+              <a:rPr lang="en-US" dirty="0">
+                <a:solidFill>
+                  <a:schemeClr val="tx1"/>
+                </a:solidFill>
+              </a:rPr>
+              <a:t>3</a:t>
+            </a:r>
+          </a:p>
+        </p:txBody>
+      </p:sp>
+      <p:sp>
+        <p:nvSpPr>
+          <p:cNvPr id="39" name="Rectangle 38"/>
+          <p:cNvSpPr/>
+          <p:nvPr/>
+        </p:nvSpPr>
+        <p:spPr>
+          <a:xfrm>
+            <a:off x="8902258" y="5875978"/>
+            <a:ext cx="596696" cy="304819"/>
+          </a:xfrm>
+          <a:prstGeom prst="rect">
+            <a:avLst/>
+          </a:prstGeom>
+          <a:noFill/>
+          <a:ln w="38100">
+            <a:noFill/>
+          </a:ln>
+        </p:spPr>
+        <p:style>
+          <a:lnRef idx="2">
+            <a:schemeClr val="accent1">
+              <a:shade val="50000"/>
+            </a:schemeClr>
+          </a:lnRef>
+          <a:fillRef idx="1">
+            <a:schemeClr val="accent1"/>
+          </a:fillRef>
+          <a:effectRef idx="0">
+            <a:schemeClr val="accent1"/>
+          </a:effectRef>
+          <a:fontRef idx="minor">
+            <a:schemeClr val="lt1"/>
+          </a:fontRef>
+        </p:style>
+        <p:txBody>
+          <a:bodyPr rtlCol="0" anchor="ctr"/>
+          <a:lstStyle/>
+          <a:p>
+            <a:r>
+              <a:rPr lang="en-US" dirty="0" smtClean="0">
+                <a:solidFill>
+                  <a:schemeClr val="tx1"/>
+                </a:solidFill>
+              </a:rPr>
+              <a:t>6-</a:t>
+            </a:r>
+            <a:endParaRPr lang="en-US" dirty="0">
+              <a:solidFill>
+                <a:schemeClr val="tx1"/>
+              </a:solidFill>
+            </a:endParaRPr>
+          </a:p>
+        </p:txBody>
+      </p:sp>
+      <p:sp>
+        <p:nvSpPr>
+          <p:cNvPr id="40" name="Rectangle 39"/>
+          <p:cNvSpPr/>
+          <p:nvPr/>
+        </p:nvSpPr>
+        <p:spPr>
+          <a:xfrm>
+            <a:off x="8882585" y="5157447"/>
+            <a:ext cx="596696" cy="304819"/>
+          </a:xfrm>
+          <a:prstGeom prst="rect">
+            <a:avLst/>
+          </a:prstGeom>
+          <a:noFill/>
+          <a:ln w="38100">
+            <a:noFill/>
+          </a:ln>
+        </p:spPr>
+        <p:style>
+          <a:lnRef idx="2">
+            <a:schemeClr val="accent1">
+              <a:shade val="50000"/>
+            </a:schemeClr>
+          </a:lnRef>
+          <a:fillRef idx="1">
+            <a:schemeClr val="accent1"/>
+          </a:fillRef>
+          <a:effectRef idx="0">
+            <a:schemeClr val="accent1"/>
+          </a:effectRef>
+          <a:fontRef idx="minor">
+            <a:schemeClr val="lt1"/>
+          </a:fontRef>
+        </p:style>
+        <p:txBody>
+          <a:bodyPr rtlCol="0" anchor="ctr"/>
+          <a:lstStyle/>
+          <a:p>
+            <a:r>
+              <a:rPr lang="en-US" dirty="0" smtClean="0">
+                <a:solidFill>
+                  <a:schemeClr val="tx1"/>
+                </a:solidFill>
+              </a:rPr>
+              <a:t>7+</a:t>
+            </a:r>
+            <a:endParaRPr lang="en-US" dirty="0">
+              <a:solidFill>
+                <a:schemeClr val="tx1"/>
+              </a:solidFill>
+            </a:endParaRPr>
+          </a:p>
+        </p:txBody>
+      </p:sp>
+      <p:sp>
+        <p:nvSpPr>
+          <p:cNvPr id="42" name="Rectangle 41"/>
+          <p:cNvSpPr/>
+          <p:nvPr/>
+        </p:nvSpPr>
+        <p:spPr>
+          <a:xfrm>
+            <a:off x="8902258" y="2369485"/>
+            <a:ext cx="596696" cy="304819"/>
+          </a:xfrm>
+          <a:prstGeom prst="rect">
+            <a:avLst/>
+          </a:prstGeom>
+          <a:noFill/>
+          <a:ln w="38100">
+            <a:noFill/>
+          </a:ln>
+        </p:spPr>
+        <p:style>
+          <a:lnRef idx="2">
+            <a:schemeClr val="accent1">
+              <a:shade val="50000"/>
+            </a:schemeClr>
+          </a:lnRef>
+          <a:fillRef idx="1">
+            <a:schemeClr val="accent1"/>
+          </a:fillRef>
+          <a:effectRef idx="0">
+            <a:schemeClr val="accent1"/>
+          </a:effectRef>
+          <a:fontRef idx="minor">
+            <a:schemeClr val="lt1"/>
+          </a:fontRef>
+        </p:style>
+        <p:txBody>
+          <a:bodyPr rtlCol="0" anchor="ctr"/>
+          <a:lstStyle/>
+          <a:p>
+            <a:r>
+              <a:rPr lang="en-US" dirty="0">
+                <a:solidFill>
+                  <a:schemeClr val="tx1"/>
+                </a:solidFill>
+              </a:rPr>
+              <a:t>4</a:t>
+            </a:r>
+          </a:p>
+        </p:txBody>
+      </p:sp>
+    </p:spTree>
+    <p:extLst>
+      <p:ext uri="{BB962C8B-B14F-4D97-AF65-F5344CB8AC3E}">
+        <p14:creationId xmlns:p14="http://schemas.microsoft.com/office/powerpoint/2010/main" val="1872264151"/>
+      </p:ext>
+    </p:extLst>
+  </p:cSld>
+  <p:clrMapOvr>
+    <a:masterClrMapping/>
+  </p:clrMapOvr>
+</p:sld>
+</file>
+
+<file path=ppt/slides/slide4.xml><?xml version="1.0" encoding="utf-8"?>
+<p:sld xmlns:a="http://schemas.openxmlformats.org/drawingml/2006/main" xmlns:r="http://schemas.openxmlformats.org/officeDocument/2006/relationships" xmlns:p="http://schemas.openxmlformats.org/presentationml/2006/main">
+  <p:cSld>
+    <p:spTree>
+      <p:nvGrpSpPr>
+        <p:cNvPr id="1" name=""/>
+        <p:cNvGrpSpPr/>
+        <p:nvPr/>
+      </p:nvGrpSpPr>
+      <p:grpSpPr>
+        <a:xfrm>
+          <a:off x="0" y="0"/>
+          <a:ext cx="0" cy="0"/>
+          <a:chOff x="0" y="0"/>
+          <a:chExt cx="0" cy="0"/>
+        </a:xfrm>
+      </p:grpSpPr>
+      <p:sp>
+        <p:nvSpPr>
+          <p:cNvPr id="2" name="Title 1"/>
+          <p:cNvSpPr>
+            <a:spLocks noGrp="1"/>
+          </p:cNvSpPr>
+          <p:nvPr>
+            <p:ph type="title"/>
+          </p:nvPr>
+        </p:nvSpPr>
+        <p:spPr/>
+        <p:txBody>
+          <a:bodyPr/>
+          <a:lstStyle/>
+          <a:p>
+            <a:r>
+              <a:rPr lang="en-US" dirty="0" smtClean="0"/>
+              <a:t>20mA loop supply</a:t>
+            </a:r>
+            <a:endParaRPr lang="en-US" dirty="0"/>
+          </a:p>
+        </p:txBody>
+      </p:sp>
+      <p:sp>
+        <p:nvSpPr>
+          <p:cNvPr id="5" name="Rectangle 4"/>
+          <p:cNvSpPr/>
+          <p:nvPr/>
+        </p:nvSpPr>
+        <p:spPr>
+          <a:xfrm>
+            <a:off x="787585" y="3466551"/>
+            <a:ext cx="1232739" cy="1527242"/>
+          </a:xfrm>
+          <a:prstGeom prst="rect">
+            <a:avLst/>
+          </a:prstGeom>
+          <a:noFill/>
+          <a:ln w="38100">
+            <a:noFill/>
+          </a:ln>
+        </p:spPr>
+        <p:style>
+          <a:lnRef idx="2">
+            <a:schemeClr val="accent1">
+              <a:shade val="50000"/>
+            </a:schemeClr>
+          </a:lnRef>
+          <a:fillRef idx="1">
+            <a:schemeClr val="accent1"/>
+          </a:fillRef>
+          <a:effectRef idx="0">
+            <a:schemeClr val="accent1"/>
+          </a:effectRef>
+          <a:fontRef idx="minor">
+            <a:schemeClr val="lt1"/>
+          </a:fontRef>
+        </p:style>
+        <p:txBody>
+          <a:bodyPr rtlCol="0" anchor="ctr"/>
+          <a:lstStyle/>
+          <a:p>
+            <a:pPr algn="ctr"/>
+            <a:r>
+              <a:rPr lang="en-US" dirty="0" smtClean="0">
+                <a:solidFill>
+                  <a:schemeClr val="tx1"/>
+                </a:solidFill>
+              </a:rPr>
+              <a:t>19.2 VDC</a:t>
+            </a:r>
+            <a:endParaRPr lang="en-US" dirty="0">
+              <a:solidFill>
+                <a:schemeClr val="tx1"/>
+              </a:solidFill>
+            </a:endParaRPr>
+          </a:p>
+        </p:txBody>
+      </p:sp>
+      <p:sp>
+        <p:nvSpPr>
+          <p:cNvPr id="6" name="Rectangle 5"/>
+          <p:cNvSpPr/>
+          <p:nvPr/>
+        </p:nvSpPr>
+        <p:spPr>
+          <a:xfrm>
+            <a:off x="8180794" y="2166322"/>
+            <a:ext cx="2871572" cy="1527242"/>
+          </a:xfrm>
+          <a:prstGeom prst="rect">
+            <a:avLst/>
+          </a:prstGeom>
+          <a:noFill/>
+          <a:ln w="38100">
+            <a:noFill/>
+          </a:ln>
+        </p:spPr>
+        <p:style>
+          <a:lnRef idx="2">
+            <a:schemeClr val="accent1">
+              <a:shade val="50000"/>
+            </a:schemeClr>
+          </a:lnRef>
+          <a:fillRef idx="1">
+            <a:schemeClr val="accent1"/>
+          </a:fillRef>
+          <a:effectRef idx="0">
+            <a:schemeClr val="accent1"/>
+          </a:effectRef>
+          <a:fontRef idx="minor">
+            <a:schemeClr val="lt1"/>
+          </a:fontRef>
+        </p:style>
+        <p:txBody>
+          <a:bodyPr rtlCol="0" anchor="ctr"/>
+          <a:lstStyle/>
+          <a:p>
+            <a:pPr algn="ctr"/>
+            <a:r>
+              <a:rPr lang="en-US" dirty="0" smtClean="0">
+                <a:solidFill>
+                  <a:schemeClr val="tx1"/>
+                </a:solidFill>
+              </a:rPr>
+              <a:t>Current loop 20mA</a:t>
+            </a:r>
+            <a:endParaRPr lang="en-US" dirty="0">
+              <a:solidFill>
+                <a:schemeClr val="tx1"/>
+              </a:solidFill>
+            </a:endParaRPr>
+          </a:p>
+        </p:txBody>
+      </p:sp>
+      <p:sp>
+        <p:nvSpPr>
+          <p:cNvPr id="7" name="Right Brace 6"/>
+          <p:cNvSpPr/>
+          <p:nvPr/>
+        </p:nvSpPr>
+        <p:spPr>
+          <a:xfrm>
+            <a:off x="8327469" y="2279560"/>
+            <a:ext cx="309093" cy="1300766"/>
+          </a:xfrm>
+          <a:prstGeom prst="rightBrace">
+            <a:avLst/>
+          </a:prstGeom>
+          <a:ln w="31750">
+            <a:headEnd type="diamond"/>
+            <a:tailEnd type="stealth"/>
+          </a:ln>
+        </p:spPr>
+        <p:style>
+          <a:lnRef idx="1">
+            <a:schemeClr val="accent1"/>
+          </a:lnRef>
+          <a:fillRef idx="0">
+            <a:schemeClr val="accent1"/>
+          </a:fillRef>
+          <a:effectRef idx="0">
+            <a:schemeClr val="accent1"/>
+          </a:effectRef>
+          <a:fontRef idx="minor">
+            <a:schemeClr val="tx1"/>
+          </a:fontRef>
+        </p:style>
+        <p:txBody>
+          <a:bodyPr rtlCol="0" anchor="ctr"/>
+          <a:lstStyle/>
+          <a:p>
+            <a:pPr algn="ctr"/>
+            <a:endParaRPr lang="en-US"/>
+          </a:p>
+        </p:txBody>
+      </p:sp>
+      <p:sp>
+        <p:nvSpPr>
+          <p:cNvPr id="8" name="Right Brace 7"/>
+          <p:cNvSpPr/>
+          <p:nvPr/>
+        </p:nvSpPr>
+        <p:spPr>
+          <a:xfrm flipH="1">
+            <a:off x="2020324" y="2279560"/>
+            <a:ext cx="319261" cy="3901225"/>
+          </a:xfrm>
+          <a:prstGeom prst="rightBrace">
+            <a:avLst/>
+          </a:prstGeom>
+          <a:ln w="31750"/>
+        </p:spPr>
+        <p:style>
+          <a:lnRef idx="1">
+            <a:schemeClr val="accent1"/>
+          </a:lnRef>
+          <a:fillRef idx="0">
+            <a:schemeClr val="accent1"/>
+          </a:fillRef>
+          <a:effectRef idx="0">
+            <a:schemeClr val="accent1"/>
+          </a:effectRef>
+          <a:fontRef idx="minor">
+            <a:schemeClr val="tx1"/>
+          </a:fontRef>
+        </p:style>
+        <p:txBody>
+          <a:bodyPr rtlCol="0" anchor="ctr"/>
+          <a:lstStyle/>
+          <a:p>
+            <a:pPr algn="ctr"/>
+            <a:endParaRPr lang="en-US"/>
+          </a:p>
+        </p:txBody>
+      </p:sp>
+      <p:pic>
+        <p:nvPicPr>
+          <p:cNvPr id="10" name="Picture 9"/>
+          <p:cNvPicPr>
+            <a:picLocks noChangeAspect="1"/>
+          </p:cNvPicPr>
+          <p:nvPr/>
+        </p:nvPicPr>
+        <p:blipFill>
+          <a:blip r:embed="rId3">
+            <a:extLst>
+              <a:ext uri="{28A0092B-C50C-407E-A947-70E740481C1C}">
+                <a14:useLocalDpi xmlns:a14="http://schemas.microsoft.com/office/drawing/2010/main" val="0"/>
+              </a:ext>
+            </a:extLst>
+          </a:blip>
+          <a:stretch>
+            <a:fillRect/>
+          </a:stretch>
+        </p:blipFill>
+        <p:spPr>
+          <a:xfrm>
+            <a:off x="2420562" y="1847052"/>
+            <a:ext cx="5770401" cy="4631022"/>
+          </a:xfrm>
+          <a:prstGeom prst="rect">
+            <a:avLst/>
+          </a:prstGeom>
+        </p:spPr>
+      </p:pic>
+    </p:spTree>
+    <p:extLst>
+      <p:ext uri="{BB962C8B-B14F-4D97-AF65-F5344CB8AC3E}">
+        <p14:creationId xmlns:p14="http://schemas.microsoft.com/office/powerpoint/2010/main" val="1831957934"/>
+      </p:ext>
+    </p:extLst>
+  </p:cSld>
+  <p:clrMapOvr>
+    <a:masterClrMapping/>
+  </p:clrMapOvr>
+</p:sld>
+</file>
+
+<file path=ppt/slides/slide5.xml><?xml version="1.0" encoding="utf-8"?>
+<p:sld xmlns:a="http://schemas.openxmlformats.org/drawingml/2006/main" xmlns:r="http://schemas.openxmlformats.org/officeDocument/2006/relationships" xmlns:p="http://schemas.openxmlformats.org/presentationml/2006/main">
+  <p:cSld>
+    <p:spTree>
+      <p:nvGrpSpPr>
+        <p:cNvPr id="1" name=""/>
+        <p:cNvGrpSpPr/>
+        <p:nvPr/>
+      </p:nvGrpSpPr>
+      <p:grpSpPr>
+        <a:xfrm>
+          <a:off x="0" y="0"/>
+          <a:ext cx="0" cy="0"/>
+          <a:chOff x="0" y="0"/>
+          <a:chExt cx="0" cy="0"/>
+        </a:xfrm>
+      </p:grpSpPr>
+      <p:sp>
+        <p:nvSpPr>
+          <p:cNvPr id="2" name="Title 1"/>
+          <p:cNvSpPr>
+            <a:spLocks noGrp="1"/>
+          </p:cNvSpPr>
+          <p:nvPr>
+            <p:ph type="title"/>
+          </p:nvPr>
+        </p:nvSpPr>
+        <p:spPr/>
+        <p:txBody>
+          <a:bodyPr/>
+          <a:lstStyle/>
+          <a:p>
+            <a:r>
+              <a:rPr lang="en-US" dirty="0" smtClean="0"/>
+              <a:t>LED driver (~10mA)</a:t>
+            </a:r>
+            <a:endParaRPr lang="en-US" dirty="0"/>
+          </a:p>
+        </p:txBody>
+      </p:sp>
+      <p:sp>
+        <p:nvSpPr>
+          <p:cNvPr id="4" name="Rectangle 3"/>
+          <p:cNvSpPr/>
+          <p:nvPr/>
+        </p:nvSpPr>
+        <p:spPr>
+          <a:xfrm>
+            <a:off x="1539652" y="3253808"/>
+            <a:ext cx="1486369" cy="1527242"/>
+          </a:xfrm>
+          <a:prstGeom prst="rect">
+            <a:avLst/>
+          </a:prstGeom>
+          <a:noFill/>
+          <a:ln w="38100">
+            <a:noFill/>
+          </a:ln>
+        </p:spPr>
+        <p:style>
+          <a:lnRef idx="2">
+            <a:schemeClr val="accent1">
+              <a:shade val="50000"/>
+            </a:schemeClr>
+          </a:lnRef>
+          <a:fillRef idx="1">
+            <a:schemeClr val="accent1"/>
+          </a:fillRef>
+          <a:effectRef idx="0">
+            <a:schemeClr val="accent1"/>
+          </a:effectRef>
+          <a:fontRef idx="minor">
+            <a:schemeClr val="lt1"/>
+          </a:fontRef>
+        </p:style>
+        <p:txBody>
+          <a:bodyPr rtlCol="0" anchor="ctr"/>
+          <a:lstStyle/>
+          <a:p>
+            <a:pPr algn="r"/>
+            <a:r>
+              <a:rPr lang="en-US" smtClean="0">
+                <a:solidFill>
+                  <a:schemeClr val="tx1"/>
+                </a:solidFill>
+              </a:rPr>
+              <a:t>Current loop</a:t>
+            </a:r>
+            <a:endParaRPr lang="en-US" dirty="0">
+              <a:solidFill>
+                <a:schemeClr val="tx1"/>
+              </a:solidFill>
+            </a:endParaRPr>
+          </a:p>
+        </p:txBody>
+      </p:sp>
+      <p:sp>
+        <p:nvSpPr>
+          <p:cNvPr id="5" name="Right Brace 4"/>
+          <p:cNvSpPr/>
+          <p:nvPr/>
+        </p:nvSpPr>
+        <p:spPr>
+          <a:xfrm flipH="1">
+            <a:off x="3134809" y="1690687"/>
+            <a:ext cx="349608" cy="4658597"/>
+          </a:xfrm>
+          <a:prstGeom prst="rightBrace">
+            <a:avLst/>
+          </a:prstGeom>
+          <a:ln w="31750">
+            <a:headEnd type="diamond"/>
+            <a:tailEnd type="stealth"/>
+          </a:ln>
+        </p:spPr>
+        <p:style>
+          <a:lnRef idx="1">
+            <a:schemeClr val="accent1"/>
+          </a:lnRef>
+          <a:fillRef idx="0">
+            <a:schemeClr val="accent1"/>
+          </a:fillRef>
+          <a:effectRef idx="0">
+            <a:schemeClr val="accent1"/>
+          </a:effectRef>
+          <a:fontRef idx="minor">
+            <a:schemeClr val="tx1"/>
+          </a:fontRef>
+        </p:style>
+        <p:txBody>
+          <a:bodyPr rtlCol="0" anchor="ctr"/>
+          <a:lstStyle/>
+          <a:p>
+            <a:pPr algn="ctr"/>
+            <a:endParaRPr lang="en-US"/>
+          </a:p>
+        </p:txBody>
+      </p:sp>
+      <p:pic>
+        <p:nvPicPr>
+          <p:cNvPr id="3" name="Picture 2" descr="Screen Shot 2018-09-22 at 1.06.18 PM.png"/>
+          <p:cNvPicPr>
+            <a:picLocks noChangeAspect="1"/>
+          </p:cNvPicPr>
+          <p:nvPr/>
+        </p:nvPicPr>
+        <p:blipFill>
+          <a:blip r:embed="rId3">
+            <a:extLst>
+              <a:ext uri="{28A0092B-C50C-407E-A947-70E740481C1C}">
+                <a14:useLocalDpi xmlns:a14="http://schemas.microsoft.com/office/drawing/2010/main" val="0"/>
+              </a:ext>
+            </a:extLst>
+          </a:blip>
+          <a:stretch>
+            <a:fillRect/>
+          </a:stretch>
+        </p:blipFill>
+        <p:spPr>
+          <a:xfrm>
+            <a:off x="3676549" y="1664770"/>
+            <a:ext cx="4261533" cy="4684514"/>
+          </a:xfrm>
+          <a:prstGeom prst="rect">
+            <a:avLst/>
+          </a:prstGeom>
+        </p:spPr>
+      </p:pic>
+    </p:spTree>
+    <p:extLst>
+      <p:ext uri="{BB962C8B-B14F-4D97-AF65-F5344CB8AC3E}">
+        <p14:creationId xmlns:p14="http://schemas.microsoft.com/office/powerpoint/2010/main" val="1033114882"/>
+      </p:ext>
+    </p:extLst>
+  </p:cSld>
+  <p:clrMapOvr>
+    <a:masterClrMapping/>
+  </p:clrMapOvr>
+</p:sld>
+</file>
+
+<file path=ppt/slides/slide6.xml><?xml version="1.0" encoding="utf-8"?>
+<p:sld xmlns:a="http://schemas.openxmlformats.org/drawingml/2006/main" xmlns:r="http://schemas.openxmlformats.org/officeDocument/2006/relationships" xmlns:p="http://schemas.openxmlformats.org/presentationml/2006/main">
+  <p:cSld>
+    <p:spTree>
+      <p:nvGrpSpPr>
+        <p:cNvPr id="1" name=""/>
+        <p:cNvGrpSpPr/>
+        <p:nvPr/>
+      </p:nvGrpSpPr>
+      <p:grpSpPr>
+        <a:xfrm>
+          <a:off x="0" y="0"/>
+          <a:ext cx="0" cy="0"/>
+          <a:chOff x="0" y="0"/>
+          <a:chExt cx="0" cy="0"/>
+        </a:xfrm>
+      </p:grpSpPr>
+      <p:sp>
+        <p:nvSpPr>
+          <p:cNvPr id="2" name="Title 1"/>
+          <p:cNvSpPr>
+            <a:spLocks noGrp="1"/>
+          </p:cNvSpPr>
+          <p:nvPr>
+            <p:ph type="title"/>
+          </p:nvPr>
+        </p:nvSpPr>
+        <p:spPr/>
+        <p:txBody>
+          <a:bodyPr/>
+          <a:lstStyle/>
+          <a:p>
+            <a:r>
+              <a:rPr lang="en-US" dirty="0" smtClean="0"/>
+              <a:t>Loop to Teensy</a:t>
+            </a:r>
+            <a:endParaRPr lang="en-US" dirty="0"/>
+          </a:p>
+        </p:txBody>
+      </p:sp>
+      <p:sp>
+        <p:nvSpPr>
+          <p:cNvPr id="4" name="Rectangle 3"/>
+          <p:cNvSpPr/>
+          <p:nvPr/>
+        </p:nvSpPr>
+        <p:spPr>
+          <a:xfrm>
+            <a:off x="9381131" y="1775091"/>
+            <a:ext cx="1835977" cy="390229"/>
+          </a:xfrm>
+          <a:prstGeom prst="rect">
+            <a:avLst/>
+          </a:prstGeom>
+          <a:noFill/>
+          <a:ln w="38100">
+            <a:noFill/>
+          </a:ln>
+        </p:spPr>
+        <p:style>
+          <a:lnRef idx="2">
+            <a:schemeClr val="accent1">
+              <a:shade val="50000"/>
+            </a:schemeClr>
+          </a:lnRef>
+          <a:fillRef idx="1">
+            <a:schemeClr val="accent1"/>
+          </a:fillRef>
+          <a:effectRef idx="0">
+            <a:schemeClr val="accent1"/>
+          </a:effectRef>
+          <a:fontRef idx="minor">
+            <a:schemeClr val="lt1"/>
+          </a:fontRef>
+        </p:style>
+        <p:txBody>
+          <a:bodyPr rtlCol="0" anchor="ctr"/>
+          <a:lstStyle/>
+          <a:p>
+            <a:r>
+              <a:rPr lang="en-US" dirty="0" smtClean="0">
+                <a:solidFill>
+                  <a:schemeClr val="tx1"/>
+                </a:solidFill>
+              </a:rPr>
+              <a:t>Teensy 5V</a:t>
+            </a:r>
+          </a:p>
+        </p:txBody>
+      </p:sp>
+      <p:sp>
+        <p:nvSpPr>
+          <p:cNvPr id="5" name="Rectangle 4"/>
+          <p:cNvSpPr/>
+          <p:nvPr/>
+        </p:nvSpPr>
+        <p:spPr>
+          <a:xfrm>
+            <a:off x="9381130" y="5806440"/>
+            <a:ext cx="1835977" cy="390229"/>
+          </a:xfrm>
+          <a:prstGeom prst="rect">
+            <a:avLst/>
+          </a:prstGeom>
+          <a:noFill/>
+          <a:ln w="38100">
+            <a:noFill/>
+          </a:ln>
+        </p:spPr>
+        <p:style>
+          <a:lnRef idx="2">
+            <a:schemeClr val="accent1">
+              <a:shade val="50000"/>
+            </a:schemeClr>
+          </a:lnRef>
+          <a:fillRef idx="1">
+            <a:schemeClr val="accent1"/>
+          </a:fillRef>
+          <a:effectRef idx="0">
+            <a:schemeClr val="accent1"/>
+          </a:effectRef>
+          <a:fontRef idx="minor">
+            <a:schemeClr val="lt1"/>
+          </a:fontRef>
+        </p:style>
+        <p:txBody>
+          <a:bodyPr rtlCol="0" anchor="ctr"/>
+          <a:lstStyle/>
+          <a:p>
+            <a:r>
+              <a:rPr lang="en-US" smtClean="0">
+                <a:solidFill>
+                  <a:schemeClr val="tx1"/>
+                </a:solidFill>
+              </a:rPr>
+              <a:t>Teensy GND</a:t>
+            </a:r>
+            <a:endParaRPr lang="en-US" dirty="0" smtClean="0">
+              <a:solidFill>
+                <a:schemeClr val="tx1"/>
+              </a:solidFill>
+            </a:endParaRPr>
+          </a:p>
+        </p:txBody>
+      </p:sp>
+      <p:sp>
+        <p:nvSpPr>
+          <p:cNvPr id="6" name="Rectangle 5"/>
+          <p:cNvSpPr/>
+          <p:nvPr/>
+        </p:nvSpPr>
+        <p:spPr>
+          <a:xfrm>
+            <a:off x="9381131" y="2249723"/>
+            <a:ext cx="1835977" cy="390229"/>
+          </a:xfrm>
+          <a:prstGeom prst="rect">
+            <a:avLst/>
+          </a:prstGeom>
+          <a:noFill/>
+          <a:ln w="38100">
+            <a:noFill/>
+          </a:ln>
+        </p:spPr>
+        <p:style>
+          <a:lnRef idx="2">
+            <a:schemeClr val="accent1">
+              <a:shade val="50000"/>
+            </a:schemeClr>
+          </a:lnRef>
+          <a:fillRef idx="1">
+            <a:schemeClr val="accent1"/>
+          </a:fillRef>
+          <a:effectRef idx="0">
+            <a:schemeClr val="accent1"/>
+          </a:effectRef>
+          <a:fontRef idx="minor">
+            <a:schemeClr val="lt1"/>
+          </a:fontRef>
+        </p:style>
+        <p:txBody>
+          <a:bodyPr rtlCol="0" anchor="ctr"/>
+          <a:lstStyle/>
+          <a:p>
+            <a:r>
+              <a:rPr lang="en-US" dirty="0" smtClean="0">
+                <a:solidFill>
+                  <a:schemeClr val="tx1"/>
+                </a:solidFill>
+              </a:rPr>
+              <a:t>Teensy 3.3V</a:t>
+            </a:r>
+          </a:p>
+        </p:txBody>
+      </p:sp>
+      <p:sp>
+        <p:nvSpPr>
+          <p:cNvPr id="7" name="Rectangle 6"/>
+          <p:cNvSpPr/>
+          <p:nvPr/>
+        </p:nvSpPr>
+        <p:spPr>
+          <a:xfrm>
+            <a:off x="9381131" y="3331503"/>
+            <a:ext cx="2548167" cy="390229"/>
+          </a:xfrm>
+          <a:prstGeom prst="rect">
+            <a:avLst/>
+          </a:prstGeom>
+          <a:noFill/>
+          <a:ln w="38100">
+            <a:noFill/>
+          </a:ln>
+        </p:spPr>
+        <p:style>
+          <a:lnRef idx="2">
+            <a:schemeClr val="accent1">
+              <a:shade val="50000"/>
+            </a:schemeClr>
+          </a:lnRef>
+          <a:fillRef idx="1">
+            <a:schemeClr val="accent1"/>
+          </a:fillRef>
+          <a:effectRef idx="0">
+            <a:schemeClr val="accent1"/>
+          </a:effectRef>
+          <a:fontRef idx="minor">
+            <a:schemeClr val="lt1"/>
+          </a:fontRef>
+        </p:style>
+        <p:txBody>
+          <a:bodyPr rtlCol="0" anchor="ctr"/>
+          <a:lstStyle/>
+          <a:p>
+            <a:r>
+              <a:rPr lang="en-US" dirty="0" smtClean="0">
+                <a:solidFill>
+                  <a:schemeClr val="tx1"/>
+                </a:solidFill>
+              </a:rPr>
+              <a:t>Teensy RX (pin 20)</a:t>
+            </a:r>
+          </a:p>
+        </p:txBody>
+      </p:sp>
+      <p:sp>
+        <p:nvSpPr>
+          <p:cNvPr id="8" name="Rectangle 7"/>
+          <p:cNvSpPr/>
+          <p:nvPr/>
+        </p:nvSpPr>
+        <p:spPr>
+          <a:xfrm>
+            <a:off x="45703" y="3200326"/>
+            <a:ext cx="1486369" cy="1527242"/>
+          </a:xfrm>
+          <a:prstGeom prst="rect">
+            <a:avLst/>
+          </a:prstGeom>
+          <a:noFill/>
+          <a:ln w="38100">
+            <a:noFill/>
+          </a:ln>
+        </p:spPr>
+        <p:style>
+          <a:lnRef idx="2">
+            <a:schemeClr val="accent1">
+              <a:shade val="50000"/>
+            </a:schemeClr>
+          </a:lnRef>
+          <a:fillRef idx="1">
+            <a:schemeClr val="accent1"/>
+          </a:fillRef>
+          <a:effectRef idx="0">
+            <a:schemeClr val="accent1"/>
+          </a:effectRef>
+          <a:fontRef idx="minor">
+            <a:schemeClr val="lt1"/>
+          </a:fontRef>
+        </p:style>
+        <p:txBody>
+          <a:bodyPr rtlCol="0" anchor="ctr"/>
+          <a:lstStyle/>
+          <a:p>
+            <a:pPr algn="r"/>
+            <a:r>
+              <a:rPr lang="en-US" smtClean="0">
+                <a:solidFill>
+                  <a:schemeClr val="tx1"/>
+                </a:solidFill>
+              </a:rPr>
+              <a:t>Current loop</a:t>
+            </a:r>
+            <a:endParaRPr lang="en-US" dirty="0">
+              <a:solidFill>
+                <a:schemeClr val="tx1"/>
+              </a:solidFill>
+            </a:endParaRPr>
+          </a:p>
+        </p:txBody>
+      </p:sp>
+      <p:sp>
+        <p:nvSpPr>
+          <p:cNvPr id="9" name="Right Brace 8"/>
+          <p:cNvSpPr/>
+          <p:nvPr/>
+        </p:nvSpPr>
+        <p:spPr>
+          <a:xfrm flipH="1">
+            <a:off x="1640860" y="1970205"/>
+            <a:ext cx="349608" cy="4031350"/>
+          </a:xfrm>
+          <a:prstGeom prst="rightBrace">
+            <a:avLst/>
+          </a:prstGeom>
+          <a:ln w="31750">
+            <a:headEnd type="diamond"/>
+            <a:tailEnd type="stealth"/>
+          </a:ln>
+        </p:spPr>
+        <p:style>
+          <a:lnRef idx="1">
+            <a:schemeClr val="accent1"/>
+          </a:lnRef>
+          <a:fillRef idx="0">
+            <a:schemeClr val="accent1"/>
+          </a:fillRef>
+          <a:effectRef idx="0">
+            <a:schemeClr val="accent1"/>
+          </a:effectRef>
+          <a:fontRef idx="minor">
+            <a:schemeClr val="tx1"/>
+          </a:fontRef>
+        </p:style>
+        <p:txBody>
+          <a:bodyPr rtlCol="0" anchor="ctr"/>
+          <a:lstStyle/>
+          <a:p>
+            <a:pPr algn="ctr"/>
+            <a:endParaRPr lang="en-US"/>
+          </a:p>
+        </p:txBody>
+      </p:sp>
+      <p:pic>
+        <p:nvPicPr>
+          <p:cNvPr id="12" name="Picture 11" descr="Screen Shot 2018-09-24 at 3.21.58 PM.png"/>
+          <p:cNvPicPr>
+            <a:picLocks noChangeAspect="1"/>
+          </p:cNvPicPr>
+          <p:nvPr/>
+        </p:nvPicPr>
+        <p:blipFill>
+          <a:blip r:embed="rId3">
+            <a:extLst>
+              <a:ext uri="{28A0092B-C50C-407E-A947-70E740481C1C}">
+                <a14:useLocalDpi xmlns:a14="http://schemas.microsoft.com/office/drawing/2010/main" val="0"/>
+              </a:ext>
+            </a:extLst>
+          </a:blip>
+          <a:stretch>
+            <a:fillRect/>
+          </a:stretch>
+        </p:blipFill>
+        <p:spPr>
+          <a:xfrm>
+            <a:off x="2180275" y="1775092"/>
+            <a:ext cx="7200856" cy="4421578"/>
+          </a:xfrm>
+          <a:prstGeom prst="rect">
+            <a:avLst/>
+          </a:prstGeom>
+        </p:spPr>
+      </p:pic>
+    </p:spTree>
+    <p:extLst>
+      <p:ext uri="{BB962C8B-B14F-4D97-AF65-F5344CB8AC3E}">
+        <p14:creationId xmlns:p14="http://schemas.microsoft.com/office/powerpoint/2010/main" val="1209945124"/>
+      </p:ext>
+    </p:extLst>
+  </p:cSld>
+  <p:clrMapOvr>
+    <a:masterClrMapping/>
+  </p:clrMapOvr>
+</p:sld>
+</file>
+
+<file path=ppt/slides/slide7.xml><?xml version="1.0" encoding="utf-8"?>
+<p:sld xmlns:a="http://schemas.openxmlformats.org/drawingml/2006/main" xmlns:r="http://schemas.openxmlformats.org/officeDocument/2006/relationships" xmlns:p="http://schemas.openxmlformats.org/presentationml/2006/main">
+  <p:cSld>
+    <p:spTree>
+      <p:nvGrpSpPr>
+        <p:cNvPr id="1" name=""/>
+        <p:cNvGrpSpPr/>
+        <p:nvPr/>
+      </p:nvGrpSpPr>
+      <p:grpSpPr>
+        <a:xfrm>
+          <a:off x="0" y="0"/>
+          <a:ext cx="0" cy="0"/>
+          <a:chOff x="0" y="0"/>
+          <a:chExt cx="0" cy="0"/>
+        </a:xfrm>
+      </p:grpSpPr>
+      <p:sp>
+        <p:nvSpPr>
+          <p:cNvPr id="2" name="Title 1"/>
+          <p:cNvSpPr>
+            <a:spLocks noGrp="1"/>
+          </p:cNvSpPr>
+          <p:nvPr>
+            <p:ph type="title"/>
+          </p:nvPr>
+        </p:nvSpPr>
+        <p:spPr/>
+        <p:txBody>
+          <a:bodyPr/>
+          <a:lstStyle/>
+          <a:p>
+            <a:r>
+              <a:rPr lang="en-US" dirty="0" smtClean="0"/>
+              <a:t>Teensy To Loop</a:t>
+            </a:r>
+            <a:endParaRPr lang="en-US" dirty="0"/>
+          </a:p>
+        </p:txBody>
+      </p:sp>
+      <p:pic>
+        <p:nvPicPr>
+          <p:cNvPr id="4" name="Picture 3"/>
+          <p:cNvPicPr>
+            <a:picLocks noChangeAspect="1"/>
+          </p:cNvPicPr>
+          <p:nvPr/>
+        </p:nvPicPr>
+        <p:blipFill>
+          <a:blip r:embed="rId3">
+            <a:extLst>
+              <a:ext uri="{28A0092B-C50C-407E-A947-70E740481C1C}">
+                <a14:useLocalDpi xmlns:a14="http://schemas.microsoft.com/office/drawing/2010/main" val="0"/>
+              </a:ext>
+            </a:extLst>
+          </a:blip>
+          <a:stretch>
+            <a:fillRect/>
+          </a:stretch>
+        </p:blipFill>
+        <p:spPr>
+          <a:xfrm>
+            <a:off x="2454162" y="1782172"/>
+            <a:ext cx="7959838" cy="4760295"/>
+          </a:xfrm>
+          <a:prstGeom prst="rect">
+            <a:avLst/>
+          </a:prstGeom>
+        </p:spPr>
+      </p:pic>
+      <p:sp>
+        <p:nvSpPr>
+          <p:cNvPr id="5" name="Rectangle 4"/>
+          <p:cNvSpPr/>
+          <p:nvPr/>
+        </p:nvSpPr>
+        <p:spPr>
+          <a:xfrm>
+            <a:off x="11003566" y="3814819"/>
+            <a:ext cx="1821083" cy="1527242"/>
+          </a:xfrm>
+          <a:prstGeom prst="rect">
+            <a:avLst/>
+          </a:prstGeom>
+          <a:noFill/>
+          <a:ln w="38100">
+            <a:noFill/>
+          </a:ln>
+        </p:spPr>
+        <p:style>
+          <a:lnRef idx="2">
+            <a:schemeClr val="accent1">
+              <a:shade val="50000"/>
+            </a:schemeClr>
+          </a:lnRef>
+          <a:fillRef idx="1">
+            <a:schemeClr val="accent1"/>
+          </a:fillRef>
+          <a:effectRef idx="0">
+            <a:schemeClr val="accent1"/>
+          </a:effectRef>
+          <a:fontRef idx="minor">
+            <a:schemeClr val="lt1"/>
+          </a:fontRef>
+        </p:style>
+        <p:txBody>
+          <a:bodyPr rtlCol="0" anchor="ctr"/>
+          <a:lstStyle/>
+          <a:p>
+            <a:r>
+              <a:rPr lang="en-US" dirty="0" smtClean="0">
+                <a:solidFill>
+                  <a:schemeClr val="tx1"/>
+                </a:solidFill>
+              </a:rPr>
+              <a:t>Current</a:t>
+            </a:r>
+          </a:p>
+          <a:p>
+            <a:r>
+              <a:rPr lang="en-US" dirty="0" smtClean="0">
+                <a:solidFill>
+                  <a:schemeClr val="tx1"/>
+                </a:solidFill>
+              </a:rPr>
+              <a:t>loop</a:t>
+            </a:r>
+            <a:endParaRPr lang="en-US" dirty="0">
+              <a:solidFill>
+                <a:schemeClr val="tx1"/>
+              </a:solidFill>
+            </a:endParaRPr>
+          </a:p>
+        </p:txBody>
+      </p:sp>
+      <p:sp>
+        <p:nvSpPr>
+          <p:cNvPr id="6" name="Right Brace 5"/>
+          <p:cNvSpPr/>
+          <p:nvPr/>
+        </p:nvSpPr>
+        <p:spPr>
+          <a:xfrm>
+            <a:off x="10560676" y="3116686"/>
+            <a:ext cx="296214" cy="2987899"/>
+          </a:xfrm>
+          <a:prstGeom prst="rightBrace">
+            <a:avLst/>
+          </a:prstGeom>
+          <a:ln w="31750">
+            <a:headEnd type="diamond"/>
+            <a:tailEnd type="stealth"/>
+          </a:ln>
+        </p:spPr>
+        <p:style>
+          <a:lnRef idx="1">
+            <a:schemeClr val="accent1"/>
+          </a:lnRef>
+          <a:fillRef idx="0">
+            <a:schemeClr val="accent1"/>
+          </a:fillRef>
+          <a:effectRef idx="0">
+            <a:schemeClr val="accent1"/>
+          </a:effectRef>
+          <a:fontRef idx="minor">
+            <a:schemeClr val="tx1"/>
+          </a:fontRef>
+        </p:style>
+        <p:txBody>
+          <a:bodyPr rtlCol="0" anchor="ctr"/>
+          <a:lstStyle/>
+          <a:p>
+            <a:pPr algn="ctr"/>
+            <a:endParaRPr lang="en-US"/>
+          </a:p>
+        </p:txBody>
+      </p:sp>
+      <p:sp>
+        <p:nvSpPr>
+          <p:cNvPr id="7" name="Rectangle 6"/>
+          <p:cNvSpPr/>
+          <p:nvPr/>
+        </p:nvSpPr>
+        <p:spPr>
+          <a:xfrm>
+            <a:off x="618185" y="2262817"/>
+            <a:ext cx="1835977" cy="712201"/>
+          </a:xfrm>
+          <a:prstGeom prst="rect">
+            <a:avLst/>
+          </a:prstGeom>
+          <a:noFill/>
+          <a:ln w="38100">
+            <a:noFill/>
+          </a:ln>
+        </p:spPr>
+        <p:style>
+          <a:lnRef idx="2">
+            <a:schemeClr val="accent1">
+              <a:shade val="50000"/>
+            </a:schemeClr>
+          </a:lnRef>
+          <a:fillRef idx="1">
+            <a:schemeClr val="accent1"/>
+          </a:fillRef>
+          <a:effectRef idx="0">
+            <a:schemeClr val="accent1"/>
+          </a:effectRef>
+          <a:fontRef idx="minor">
+            <a:schemeClr val="lt1"/>
+          </a:fontRef>
+        </p:style>
+        <p:txBody>
+          <a:bodyPr rtlCol="0" anchor="ctr"/>
+          <a:lstStyle/>
+          <a:p>
+            <a:pPr algn="r"/>
+            <a:r>
+              <a:rPr lang="en-US" dirty="0" smtClean="0">
+                <a:solidFill>
+                  <a:schemeClr val="tx1"/>
+                </a:solidFill>
+              </a:rPr>
+              <a:t>19.2 VDC</a:t>
+            </a:r>
+            <a:br>
+              <a:rPr lang="en-US" dirty="0" smtClean="0">
+                <a:solidFill>
+                  <a:schemeClr val="tx1"/>
+                </a:solidFill>
+              </a:rPr>
+            </a:br>
+            <a:r>
+              <a:rPr lang="en-US" dirty="0" smtClean="0">
+                <a:solidFill>
+                  <a:schemeClr val="tx1"/>
+                </a:solidFill>
+              </a:rPr>
+              <a:t>(@ loop supply)</a:t>
+            </a:r>
+            <a:endParaRPr lang="en-US" dirty="0">
+              <a:solidFill>
+                <a:schemeClr val="tx1"/>
+              </a:solidFill>
+            </a:endParaRPr>
+          </a:p>
+        </p:txBody>
+      </p:sp>
+      <p:sp>
+        <p:nvSpPr>
+          <p:cNvPr id="9" name="Rectangle 8"/>
+          <p:cNvSpPr/>
+          <p:nvPr/>
+        </p:nvSpPr>
+        <p:spPr>
+          <a:xfrm>
+            <a:off x="1" y="4415520"/>
+            <a:ext cx="2307486" cy="390229"/>
+          </a:xfrm>
+          <a:prstGeom prst="rect">
+            <a:avLst/>
+          </a:prstGeom>
+          <a:noFill/>
+          <a:ln w="38100">
+            <a:noFill/>
+          </a:ln>
+        </p:spPr>
+        <p:style>
+          <a:lnRef idx="2">
+            <a:schemeClr val="accent1">
+              <a:shade val="50000"/>
+            </a:schemeClr>
+          </a:lnRef>
+          <a:fillRef idx="1">
+            <a:schemeClr val="accent1"/>
+          </a:fillRef>
+          <a:effectRef idx="0">
+            <a:schemeClr val="accent1"/>
+          </a:effectRef>
+          <a:fontRef idx="minor">
+            <a:schemeClr val="lt1"/>
+          </a:fontRef>
+        </p:style>
+        <p:txBody>
+          <a:bodyPr rtlCol="0" anchor="ctr"/>
+          <a:lstStyle/>
+          <a:p>
+            <a:pPr algn="r"/>
+            <a:r>
+              <a:rPr lang="en-US" dirty="0" smtClean="0">
+                <a:solidFill>
+                  <a:schemeClr val="tx1"/>
+                </a:solidFill>
+              </a:rPr>
+              <a:t>Teensy TX (pin 21)</a:t>
+            </a:r>
+          </a:p>
+        </p:txBody>
+      </p:sp>
+      <p:sp>
+        <p:nvSpPr>
+          <p:cNvPr id="10" name="Rectangle 9"/>
+          <p:cNvSpPr/>
+          <p:nvPr/>
+        </p:nvSpPr>
+        <p:spPr>
+          <a:xfrm>
+            <a:off x="469362" y="5070196"/>
+            <a:ext cx="1835977" cy="390229"/>
+          </a:xfrm>
+          <a:prstGeom prst="rect">
+            <a:avLst/>
+          </a:prstGeom>
+          <a:noFill/>
+          <a:ln w="38100">
+            <a:noFill/>
+          </a:ln>
+        </p:spPr>
+        <p:style>
+          <a:lnRef idx="2">
+            <a:schemeClr val="accent1">
+              <a:shade val="50000"/>
+            </a:schemeClr>
+          </a:lnRef>
+          <a:fillRef idx="1">
+            <a:schemeClr val="accent1"/>
+          </a:fillRef>
+          <a:effectRef idx="0">
+            <a:schemeClr val="accent1"/>
+          </a:effectRef>
+          <a:fontRef idx="minor">
+            <a:schemeClr val="lt1"/>
+          </a:fontRef>
+        </p:style>
+        <p:txBody>
+          <a:bodyPr rtlCol="0" anchor="ctr"/>
+          <a:lstStyle/>
+          <a:p>
+            <a:pPr algn="r"/>
+            <a:r>
+              <a:rPr lang="en-US" dirty="0" smtClean="0">
+                <a:solidFill>
+                  <a:schemeClr val="tx1"/>
+                </a:solidFill>
+              </a:rPr>
+              <a:t>Teensy GND</a:t>
+            </a:r>
+          </a:p>
+        </p:txBody>
+      </p:sp>
+    </p:spTree>
+    <p:extLst>
+      <p:ext uri="{BB962C8B-B14F-4D97-AF65-F5344CB8AC3E}">
+        <p14:creationId xmlns:p14="http://schemas.microsoft.com/office/powerpoint/2010/main" val="1902217840"/>
+      </p:ext>
+    </p:extLst>
+  </p:cSld>
+  <p:clrMapOvr>
+    <a:masterClrMapping/>
+  </p:clrMapOvr>
+</p:sld>
+</file>
+
+<file path=ppt/slides/slide8.xml><?xml version="1.0" encoding="utf-8"?>
+<p:sld xmlns:a="http://schemas.openxmlformats.org/drawingml/2006/main" xmlns:r="http://schemas.openxmlformats.org/officeDocument/2006/relationships" xmlns:p="http://schemas.openxmlformats.org/presentationml/2006/main">
+  <p:cSld>
+    <p:spTree>
+      <p:nvGrpSpPr>
+        <p:cNvPr id="1" name=""/>
+        <p:cNvGrpSpPr/>
+        <p:nvPr/>
+      </p:nvGrpSpPr>
+      <p:grpSpPr>
+        <a:xfrm>
+          <a:off x="0" y="0"/>
+          <a:ext cx="0" cy="0"/>
+          <a:chOff x="0" y="0"/>
+          <a:chExt cx="0" cy="0"/>
+        </a:xfrm>
+      </p:grpSpPr>
+      <p:sp>
+        <p:nvSpPr>
+          <p:cNvPr id="3" name="Rectangle 2"/>
+          <p:cNvSpPr/>
+          <p:nvPr/>
+        </p:nvSpPr>
+        <p:spPr>
+          <a:xfrm>
+            <a:off x="10371028" y="1451349"/>
+            <a:ext cx="2453621" cy="3890712"/>
+          </a:xfrm>
+          <a:prstGeom prst="rect">
+            <a:avLst/>
+          </a:prstGeom>
+          <a:noFill/>
+          <a:ln w="38100">
+            <a:noFill/>
+          </a:ln>
+        </p:spPr>
+        <p:style>
+          <a:lnRef idx="2">
+            <a:schemeClr val="accent1">
+              <a:shade val="50000"/>
+            </a:schemeClr>
+          </a:lnRef>
+          <a:fillRef idx="1">
+            <a:schemeClr val="accent1"/>
+          </a:fillRef>
+          <a:effectRef idx="0">
+            <a:schemeClr val="accent1"/>
+          </a:effectRef>
+          <a:fontRef idx="minor">
+            <a:schemeClr val="lt1"/>
+          </a:fontRef>
+        </p:style>
+        <p:txBody>
+          <a:bodyPr rtlCol="0" anchor="ctr"/>
+          <a:lstStyle/>
+          <a:p>
+            <a:r>
+              <a:rPr lang="en-US" sz="2000" dirty="0" smtClean="0">
+                <a:solidFill>
+                  <a:schemeClr val="tx1"/>
+                </a:solidFill>
+              </a:rPr>
+              <a:t>VIN +19.2</a:t>
+            </a:r>
+          </a:p>
+          <a:p>
+            <a:r>
+              <a:rPr lang="en-US" sz="2000" dirty="0" smtClean="0">
+                <a:solidFill>
+                  <a:schemeClr val="tx1"/>
+                </a:solidFill>
+              </a:rPr>
+              <a:t>TTY 7 +RECEIVE</a:t>
+            </a:r>
+          </a:p>
+          <a:p>
+            <a:r>
+              <a:rPr lang="en-US" sz="2000" dirty="0" smtClean="0">
+                <a:solidFill>
+                  <a:schemeClr val="tx1"/>
+                </a:solidFill>
+              </a:rPr>
+              <a:t>VIN GND</a:t>
+            </a:r>
+          </a:p>
+          <a:p>
+            <a:r>
+              <a:rPr lang="en-US" sz="2000" dirty="0" smtClean="0">
+                <a:solidFill>
+                  <a:schemeClr val="tx1"/>
+                </a:solidFill>
+              </a:rPr>
+              <a:t>TTY 6 </a:t>
+            </a:r>
+            <a:r>
+              <a:rPr lang="mr-IN" sz="2000" dirty="0" smtClean="0">
+                <a:solidFill>
+                  <a:schemeClr val="tx1"/>
+                </a:solidFill>
+              </a:rPr>
+              <a:t>–</a:t>
+            </a:r>
+            <a:r>
+              <a:rPr lang="en-US" sz="2000" dirty="0" smtClean="0">
+                <a:solidFill>
+                  <a:schemeClr val="tx1"/>
+                </a:solidFill>
+              </a:rPr>
+              <a:t>RECEIVE</a:t>
+            </a:r>
+          </a:p>
+          <a:p>
+            <a:r>
+              <a:rPr lang="en-US" sz="2000" dirty="0" smtClean="0">
+                <a:solidFill>
+                  <a:schemeClr val="tx1"/>
+                </a:solidFill>
+              </a:rPr>
+              <a:t>n/c</a:t>
+            </a:r>
+          </a:p>
+          <a:p>
+            <a:r>
+              <a:rPr lang="en-US" sz="2000" dirty="0" smtClean="0">
+                <a:solidFill>
+                  <a:schemeClr val="tx1"/>
+                </a:solidFill>
+              </a:rPr>
+              <a:t>TTY 3 SEND</a:t>
+            </a:r>
+          </a:p>
+          <a:p>
+            <a:r>
+              <a:rPr lang="en-US" sz="2000" dirty="0" smtClean="0">
+                <a:solidFill>
+                  <a:schemeClr val="tx1"/>
+                </a:solidFill>
+              </a:rPr>
+              <a:t>TTY 4 SEND</a:t>
+            </a:r>
+          </a:p>
+          <a:p>
+            <a:r>
+              <a:rPr lang="en-US" sz="2000" dirty="0" smtClean="0">
+                <a:solidFill>
+                  <a:schemeClr val="tx1"/>
+                </a:solidFill>
+              </a:rPr>
+              <a:t>VIN GND</a:t>
+            </a:r>
+          </a:p>
+          <a:p>
+            <a:endParaRPr lang="en-US" sz="2000" dirty="0">
+              <a:solidFill>
+                <a:schemeClr val="tx1"/>
+              </a:solidFill>
+            </a:endParaRPr>
+          </a:p>
+        </p:txBody>
+      </p:sp>
+      <p:pic>
+        <p:nvPicPr>
+          <p:cNvPr id="5" name="Picture 4" descr="20180925_180111.jpg"/>
+          <p:cNvPicPr>
+            <a:picLocks noChangeAspect="1"/>
+          </p:cNvPicPr>
+          <p:nvPr/>
+        </p:nvPicPr>
+        <p:blipFill>
+          <a:blip r:embed="rId2">
+            <a:extLst>
+              <a:ext uri="{28A0092B-C50C-407E-A947-70E740481C1C}">
+                <a14:useLocalDpi xmlns:a14="http://schemas.microsoft.com/office/drawing/2010/main" val="0"/>
+              </a:ext>
+            </a:extLst>
+          </a:blip>
+          <a:stretch>
+            <a:fillRect/>
+          </a:stretch>
+        </p:blipFill>
+        <p:spPr>
+          <a:xfrm>
+            <a:off x="0" y="0"/>
+            <a:ext cx="10371028" cy="6858000"/>
+          </a:xfrm>
+          <a:prstGeom prst="rect">
+            <a:avLst/>
+          </a:prstGeom>
+        </p:spPr>
+      </p:pic>
+    </p:spTree>
+    <p:extLst>
+      <p:ext uri="{BB962C8B-B14F-4D97-AF65-F5344CB8AC3E}">
+        <p14:creationId xmlns:p14="http://schemas.microsoft.com/office/powerpoint/2010/main" val="1166969792"/>
+      </p:ext>
+    </p:extLst>
+  </p:cSld>
+  <p:clrMapOvr>
+    <a:masterClrMapping/>
+  </p:clrMapOvr>
+</p:sld>
+</file>
+
+<file path=ppt/slides/slide9.xml><?xml version="1.0" encoding="utf-8"?>
+<p:sld xmlns:a="http://schemas.openxmlformats.org/drawingml/2006/main" xmlns:r="http://schemas.openxmlformats.org/officeDocument/2006/relationships" xmlns:p="http://schemas.openxmlformats.org/presentationml/2006/main">
+  <p:cSld>
+    <p:spTree>
+      <p:nvGrpSpPr>
+        <p:cNvPr id="1" name=""/>
+        <p:cNvGrpSpPr/>
+        <p:nvPr/>
+      </p:nvGrpSpPr>
+      <p:grpSpPr>
+        <a:xfrm>
+          <a:off x="0" y="0"/>
+          <a:ext cx="0" cy="0"/>
+          <a:chOff x="0" y="0"/>
+          <a:chExt cx="0" cy="0"/>
+        </a:xfrm>
+      </p:grpSpPr>
+      <p:pic>
+        <p:nvPicPr>
+          <p:cNvPr id="2" name="Picture 1" descr="20180925_175351.jpg"/>
+          <p:cNvPicPr>
+            <a:picLocks noChangeAspect="1"/>
+          </p:cNvPicPr>
+          <p:nvPr/>
+        </p:nvPicPr>
+        <p:blipFill>
+          <a:blip r:embed="rId2">
+            <a:extLst>
+              <a:ext uri="{28A0092B-C50C-407E-A947-70E740481C1C}">
+                <a14:useLocalDpi xmlns:a14="http://schemas.microsoft.com/office/drawing/2010/main" val="0"/>
+              </a:ext>
+            </a:extLst>
+          </a:blip>
+          <a:stretch>
+            <a:fillRect/>
+          </a:stretch>
+        </p:blipFill>
+        <p:spPr>
+          <a:xfrm>
+            <a:off x="0" y="127000"/>
+            <a:ext cx="12192000" cy="6599829"/>
+          </a:xfrm>
+          <a:prstGeom prst="rect">
+            <a:avLst/>
+          </a:prstGeom>
+        </p:spPr>
+      </p:pic>
+    </p:spTree>
+    <p:extLst>
+      <p:ext uri="{BB962C8B-B14F-4D97-AF65-F5344CB8AC3E}">
+        <p14:creationId xmlns:p14="http://schemas.microsoft.com/office/powerpoint/2010/main" val="1158004058"/>
       </p:ext>
     </p:extLst>
   </p:cSld>
@@ -7438,7 +7547,7 @@
   <a:extraClrSchemeLst/>
   <a:extLst>
     <a:ext uri="{05A4C25C-085E-4340-85A3-A5531E510DB2}">
-      <thm15:themeFamily xmlns:thm15="http://schemas.microsoft.com/office/thememl/2012/main" xmlns="" name="Office Theme" id="{62F939B6-93AF-4DB8-9C6B-D6C7DFDC589F}" vid="{4A3C46E8-61CC-4603-A589-7422A47A8E4A}"/>
+      <thm15:themeFamily xmlns="" xmlns:thm15="http://schemas.microsoft.com/office/thememl/2012/main" name="Office Theme" id="{62F939B6-93AF-4DB8-9C6B-D6C7DFDC589F}" vid="{4A3C46E8-61CC-4603-A589-7422A47A8E4A}"/>
     </a:ext>
   </a:extLst>
 </a:theme>

--- a/tty-usb.pptx
+++ b/tty-usb.pptx
@@ -21,14 +21,14 @@
     <p:sldId id="266" r:id="rId12"/>
     <p:sldId id="267" r:id="rId13"/>
   </p:sldIdLst>
-  <p:sldSz cx="12192000" cy="6858000"/>
-  <p:notesSz cx="6858000" cy="9144000"/>
+  <p:sldSz cx="10972800" cy="5394325"/>
+  <p:notesSz cx="9144000" cy="6858000"/>
   <p:defaultTextStyle>
     <a:defPPr>
       <a:defRPr lang="en-US"/>
     </a:defPPr>
-    <a:lvl1pPr marL="0" algn="l" defTabSz="914400" rtl="0" eaLnBrk="1" latinLnBrk="0" hangingPunct="1">
-      <a:defRPr sz="1800" kern="1200">
+    <a:lvl1pPr marL="0" algn="l" defTabSz="685800" rtl="0" eaLnBrk="1" latinLnBrk="0" hangingPunct="1">
+      <a:defRPr sz="1400" kern="1200">
         <a:solidFill>
           <a:schemeClr val="tx1"/>
         </a:solidFill>
@@ -37,8 +37,8 @@
         <a:cs typeface="+mn-cs"/>
       </a:defRPr>
     </a:lvl1pPr>
-    <a:lvl2pPr marL="457200" algn="l" defTabSz="914400" rtl="0" eaLnBrk="1" latinLnBrk="0" hangingPunct="1">
-      <a:defRPr sz="1800" kern="1200">
+    <a:lvl2pPr marL="342900" algn="l" defTabSz="685800" rtl="0" eaLnBrk="1" latinLnBrk="0" hangingPunct="1">
+      <a:defRPr sz="1400" kern="1200">
         <a:solidFill>
           <a:schemeClr val="tx1"/>
         </a:solidFill>
@@ -47,8 +47,8 @@
         <a:cs typeface="+mn-cs"/>
       </a:defRPr>
     </a:lvl2pPr>
-    <a:lvl3pPr marL="914400" algn="l" defTabSz="914400" rtl="0" eaLnBrk="1" latinLnBrk="0" hangingPunct="1">
-      <a:defRPr sz="1800" kern="1200">
+    <a:lvl3pPr marL="685800" algn="l" defTabSz="685800" rtl="0" eaLnBrk="1" latinLnBrk="0" hangingPunct="1">
+      <a:defRPr sz="1400" kern="1200">
         <a:solidFill>
           <a:schemeClr val="tx1"/>
         </a:solidFill>
@@ -57,8 +57,8 @@
         <a:cs typeface="+mn-cs"/>
       </a:defRPr>
     </a:lvl3pPr>
-    <a:lvl4pPr marL="1371600" algn="l" defTabSz="914400" rtl="0" eaLnBrk="1" latinLnBrk="0" hangingPunct="1">
-      <a:defRPr sz="1800" kern="1200">
+    <a:lvl4pPr marL="1028700" algn="l" defTabSz="685800" rtl="0" eaLnBrk="1" latinLnBrk="0" hangingPunct="1">
+      <a:defRPr sz="1400" kern="1200">
         <a:solidFill>
           <a:schemeClr val="tx1"/>
         </a:solidFill>
@@ -67,8 +67,8 @@
         <a:cs typeface="+mn-cs"/>
       </a:defRPr>
     </a:lvl4pPr>
-    <a:lvl5pPr marL="1828800" algn="l" defTabSz="914400" rtl="0" eaLnBrk="1" latinLnBrk="0" hangingPunct="1">
-      <a:defRPr sz="1800" kern="1200">
+    <a:lvl5pPr marL="1371600" algn="l" defTabSz="685800" rtl="0" eaLnBrk="1" latinLnBrk="0" hangingPunct="1">
+      <a:defRPr sz="1400" kern="1200">
         <a:solidFill>
           <a:schemeClr val="tx1"/>
         </a:solidFill>
@@ -77,8 +77,8 @@
         <a:cs typeface="+mn-cs"/>
       </a:defRPr>
     </a:lvl5pPr>
-    <a:lvl6pPr marL="2286000" algn="l" defTabSz="914400" rtl="0" eaLnBrk="1" latinLnBrk="0" hangingPunct="1">
-      <a:defRPr sz="1800" kern="1200">
+    <a:lvl6pPr marL="1714500" algn="l" defTabSz="685800" rtl="0" eaLnBrk="1" latinLnBrk="0" hangingPunct="1">
+      <a:defRPr sz="1400" kern="1200">
         <a:solidFill>
           <a:schemeClr val="tx1"/>
         </a:solidFill>
@@ -87,8 +87,8 @@
         <a:cs typeface="+mn-cs"/>
       </a:defRPr>
     </a:lvl6pPr>
-    <a:lvl7pPr marL="2743200" algn="l" defTabSz="914400" rtl="0" eaLnBrk="1" latinLnBrk="0" hangingPunct="1">
-      <a:defRPr sz="1800" kern="1200">
+    <a:lvl7pPr marL="2057400" algn="l" defTabSz="685800" rtl="0" eaLnBrk="1" latinLnBrk="0" hangingPunct="1">
+      <a:defRPr sz="1400" kern="1200">
         <a:solidFill>
           <a:schemeClr val="tx1"/>
         </a:solidFill>
@@ -97,8 +97,8 @@
         <a:cs typeface="+mn-cs"/>
       </a:defRPr>
     </a:lvl7pPr>
-    <a:lvl8pPr marL="3200400" algn="l" defTabSz="914400" rtl="0" eaLnBrk="1" latinLnBrk="0" hangingPunct="1">
-      <a:defRPr sz="1800" kern="1200">
+    <a:lvl8pPr marL="2400300" algn="l" defTabSz="685800" rtl="0" eaLnBrk="1" latinLnBrk="0" hangingPunct="1">
+      <a:defRPr sz="1400" kern="1200">
         <a:solidFill>
           <a:schemeClr val="tx1"/>
         </a:solidFill>
@@ -107,8 +107,8 @@
         <a:cs typeface="+mn-cs"/>
       </a:defRPr>
     </a:lvl8pPr>
-    <a:lvl9pPr marL="3657600" algn="l" defTabSz="914400" rtl="0" eaLnBrk="1" latinLnBrk="0" hangingPunct="1">
-      <a:defRPr sz="1800" kern="1200">
+    <a:lvl9pPr marL="2743200" algn="l" defTabSz="685800" rtl="0" eaLnBrk="1" latinLnBrk="0" hangingPunct="1">
+      <a:defRPr sz="1400" kern="1200">
         <a:solidFill>
           <a:schemeClr val="tx1"/>
         </a:solidFill>
@@ -161,7 +161,7 @@
         <p:spPr>
           <a:xfrm>
             <a:off x="0" y="0"/>
-            <a:ext cx="2971800" cy="457200"/>
+            <a:ext cx="3962400" cy="342900"/>
           </a:xfrm>
           <a:prstGeom prst="rect">
             <a:avLst/>
@@ -191,8 +191,8 @@
         </p:nvSpPr>
         <p:spPr>
           <a:xfrm>
-            <a:off x="3884613" y="0"/>
-            <a:ext cx="2971800" cy="457200"/>
+            <a:off x="5179484" y="0"/>
+            <a:ext cx="3962400" cy="342900"/>
           </a:xfrm>
           <a:prstGeom prst="rect">
             <a:avLst/>
@@ -226,8 +226,8 @@
         </p:nvSpPr>
         <p:spPr>
           <a:xfrm>
-            <a:off x="381000" y="685800"/>
-            <a:ext cx="6096000" cy="3429000"/>
+            <a:off x="1955800" y="514350"/>
+            <a:ext cx="5232400" cy="2571750"/>
           </a:xfrm>
           <a:prstGeom prst="rect">
             <a:avLst/>
@@ -259,8 +259,8 @@
         </p:nvSpPr>
         <p:spPr>
           <a:xfrm>
-            <a:off x="685800" y="4343400"/>
-            <a:ext cx="5486400" cy="4114800"/>
+            <a:off x="914400" y="3257550"/>
+            <a:ext cx="7315200" cy="3086100"/>
           </a:xfrm>
           <a:prstGeom prst="rect">
             <a:avLst/>
@@ -319,8 +319,8 @@
         </p:nvSpPr>
         <p:spPr>
           <a:xfrm>
-            <a:off x="0" y="8685213"/>
-            <a:ext cx="2971800" cy="457200"/>
+            <a:off x="0" y="6513910"/>
+            <a:ext cx="3962400" cy="342900"/>
           </a:xfrm>
           <a:prstGeom prst="rect">
             <a:avLst/>
@@ -350,8 +350,8 @@
         </p:nvSpPr>
         <p:spPr>
           <a:xfrm>
-            <a:off x="3884613" y="8685213"/>
-            <a:ext cx="2971800" cy="457200"/>
+            <a:off x="5179484" y="6513910"/>
+            <a:ext cx="3962400" cy="342900"/>
           </a:xfrm>
           <a:prstGeom prst="rect">
             <a:avLst/>
@@ -382,8 +382,8 @@
   </p:cSld>
   <p:clrMap bg1="lt1" tx1="dk1" bg2="lt2" tx2="dk2" accent1="accent1" accent2="accent2" accent3="accent3" accent4="accent4" accent5="accent5" accent6="accent6" hlink="hlink" folHlink="folHlink"/>
   <p:notesStyle>
-    <a:lvl1pPr marL="0" algn="l" defTabSz="457200" rtl="0" eaLnBrk="1" latinLnBrk="0" hangingPunct="1">
-      <a:defRPr sz="1200" kern="1200">
+    <a:lvl1pPr marL="0" algn="l" defTabSz="342900" rtl="0" eaLnBrk="1" latinLnBrk="0" hangingPunct="1">
+      <a:defRPr sz="900" kern="1200">
         <a:solidFill>
           <a:schemeClr val="tx1"/>
         </a:solidFill>
@@ -392,8 +392,8 @@
         <a:cs typeface="+mn-cs"/>
       </a:defRPr>
     </a:lvl1pPr>
-    <a:lvl2pPr marL="457200" algn="l" defTabSz="457200" rtl="0" eaLnBrk="1" latinLnBrk="0" hangingPunct="1">
-      <a:defRPr sz="1200" kern="1200">
+    <a:lvl2pPr marL="342900" algn="l" defTabSz="342900" rtl="0" eaLnBrk="1" latinLnBrk="0" hangingPunct="1">
+      <a:defRPr sz="900" kern="1200">
         <a:solidFill>
           <a:schemeClr val="tx1"/>
         </a:solidFill>
@@ -402,8 +402,8 @@
         <a:cs typeface="+mn-cs"/>
       </a:defRPr>
     </a:lvl2pPr>
-    <a:lvl3pPr marL="914400" algn="l" defTabSz="457200" rtl="0" eaLnBrk="1" latinLnBrk="0" hangingPunct="1">
-      <a:defRPr sz="1200" kern="1200">
+    <a:lvl3pPr marL="685800" algn="l" defTabSz="342900" rtl="0" eaLnBrk="1" latinLnBrk="0" hangingPunct="1">
+      <a:defRPr sz="900" kern="1200">
         <a:solidFill>
           <a:schemeClr val="tx1"/>
         </a:solidFill>
@@ -412,8 +412,8 @@
         <a:cs typeface="+mn-cs"/>
       </a:defRPr>
     </a:lvl3pPr>
-    <a:lvl4pPr marL="1371600" algn="l" defTabSz="457200" rtl="0" eaLnBrk="1" latinLnBrk="0" hangingPunct="1">
-      <a:defRPr sz="1200" kern="1200">
+    <a:lvl4pPr marL="1028700" algn="l" defTabSz="342900" rtl="0" eaLnBrk="1" latinLnBrk="0" hangingPunct="1">
+      <a:defRPr sz="900" kern="1200">
         <a:solidFill>
           <a:schemeClr val="tx1"/>
         </a:solidFill>
@@ -422,8 +422,8 @@
         <a:cs typeface="+mn-cs"/>
       </a:defRPr>
     </a:lvl4pPr>
-    <a:lvl5pPr marL="1828800" algn="l" defTabSz="457200" rtl="0" eaLnBrk="1" latinLnBrk="0" hangingPunct="1">
-      <a:defRPr sz="1200" kern="1200">
+    <a:lvl5pPr marL="1371600" algn="l" defTabSz="342900" rtl="0" eaLnBrk="1" latinLnBrk="0" hangingPunct="1">
+      <a:defRPr sz="900" kern="1200">
         <a:solidFill>
           <a:schemeClr val="tx1"/>
         </a:solidFill>
@@ -432,8 +432,8 @@
         <a:cs typeface="+mn-cs"/>
       </a:defRPr>
     </a:lvl5pPr>
-    <a:lvl6pPr marL="2286000" algn="l" defTabSz="457200" rtl="0" eaLnBrk="1" latinLnBrk="0" hangingPunct="1">
-      <a:defRPr sz="1200" kern="1200">
+    <a:lvl6pPr marL="1714500" algn="l" defTabSz="342900" rtl="0" eaLnBrk="1" latinLnBrk="0" hangingPunct="1">
+      <a:defRPr sz="900" kern="1200">
         <a:solidFill>
           <a:schemeClr val="tx1"/>
         </a:solidFill>
@@ -442,8 +442,8 @@
         <a:cs typeface="+mn-cs"/>
       </a:defRPr>
     </a:lvl6pPr>
-    <a:lvl7pPr marL="2743200" algn="l" defTabSz="457200" rtl="0" eaLnBrk="1" latinLnBrk="0" hangingPunct="1">
-      <a:defRPr sz="1200" kern="1200">
+    <a:lvl7pPr marL="2057400" algn="l" defTabSz="342900" rtl="0" eaLnBrk="1" latinLnBrk="0" hangingPunct="1">
+      <a:defRPr sz="900" kern="1200">
         <a:solidFill>
           <a:schemeClr val="tx1"/>
         </a:solidFill>
@@ -452,8 +452,8 @@
         <a:cs typeface="+mn-cs"/>
       </a:defRPr>
     </a:lvl7pPr>
-    <a:lvl8pPr marL="3200400" algn="l" defTabSz="457200" rtl="0" eaLnBrk="1" latinLnBrk="0" hangingPunct="1">
-      <a:defRPr sz="1200" kern="1200">
+    <a:lvl8pPr marL="2400300" algn="l" defTabSz="342900" rtl="0" eaLnBrk="1" latinLnBrk="0" hangingPunct="1">
+      <a:defRPr sz="900" kern="1200">
         <a:solidFill>
           <a:schemeClr val="tx1"/>
         </a:solidFill>
@@ -462,8 +462,8 @@
         <a:cs typeface="+mn-cs"/>
       </a:defRPr>
     </a:lvl8pPr>
-    <a:lvl9pPr marL="3657600" algn="l" defTabSz="457200" rtl="0" eaLnBrk="1" latinLnBrk="0" hangingPunct="1">
-      <a:defRPr sz="1200" kern="1200">
+    <a:lvl9pPr marL="2743200" algn="l" defTabSz="342900" rtl="0" eaLnBrk="1" latinLnBrk="0" hangingPunct="1">
+      <a:defRPr sz="900" kern="1200">
         <a:solidFill>
           <a:schemeClr val="tx1"/>
         </a:solidFill>
@@ -503,7 +503,12 @@
             <p:ph type="sldImg"/>
           </p:nvPr>
         </p:nvSpPr>
-        <p:spPr/>
+        <p:spPr>
+          <a:xfrm>
+            <a:off x="1955800" y="514350"/>
+            <a:ext cx="5232400" cy="2571750"/>
+          </a:xfrm>
+        </p:spPr>
       </p:sp>
       <p:sp>
         <p:nvSpPr>
@@ -601,7 +606,12 @@
             <p:ph type="sldImg"/>
           </p:nvPr>
         </p:nvSpPr>
-        <p:spPr/>
+        <p:spPr>
+          <a:xfrm>
+            <a:off x="1955800" y="514350"/>
+            <a:ext cx="5232400" cy="2571750"/>
+          </a:xfrm>
+        </p:spPr>
       </p:sp>
       <p:sp>
         <p:nvSpPr>
@@ -693,7 +703,12 @@
             <p:ph type="sldImg"/>
           </p:nvPr>
         </p:nvSpPr>
-        <p:spPr/>
+        <p:spPr>
+          <a:xfrm>
+            <a:off x="1955800" y="514350"/>
+            <a:ext cx="5232400" cy="2571750"/>
+          </a:xfrm>
+        </p:spPr>
       </p:sp>
       <p:sp>
         <p:nvSpPr>
@@ -814,7 +829,12 @@
             <p:ph type="sldImg"/>
           </p:nvPr>
         </p:nvSpPr>
-        <p:spPr/>
+        <p:spPr>
+          <a:xfrm>
+            <a:off x="1955800" y="514350"/>
+            <a:ext cx="5232400" cy="2571750"/>
+          </a:xfrm>
+        </p:spPr>
       </p:sp>
       <p:sp>
         <p:nvSpPr>
@@ -958,15 +978,15 @@
         </p:nvSpPr>
         <p:spPr>
           <a:xfrm>
-            <a:off x="1524000" y="1122363"/>
-            <a:ext cx="9144000" cy="2387600"/>
+            <a:off x="1371600" y="882822"/>
+            <a:ext cx="8229600" cy="1878024"/>
           </a:xfrm>
         </p:spPr>
         <p:txBody>
           <a:bodyPr anchor="b"/>
           <a:lstStyle>
             <a:lvl1pPr algn="ctr">
-              <a:defRPr sz="6000"/>
+              <a:defRPr sz="4500"/>
             </a:lvl1pPr>
           </a:lstStyle>
           <a:p>
@@ -990,8 +1010,8 @@
         </p:nvSpPr>
         <p:spPr>
           <a:xfrm>
-            <a:off x="1524000" y="3602038"/>
-            <a:ext cx="9144000" cy="1655762"/>
+            <a:off x="1371600" y="2833269"/>
+            <a:ext cx="8229600" cy="1302380"/>
           </a:xfrm>
         </p:spPr>
         <p:txBody>
@@ -999,39 +1019,39 @@
           <a:lstStyle>
             <a:lvl1pPr marL="0" indent="0" algn="ctr">
               <a:buNone/>
-              <a:defRPr sz="2400"/>
+              <a:defRPr sz="1800"/>
             </a:lvl1pPr>
-            <a:lvl2pPr marL="457200" indent="0" algn="ctr">
+            <a:lvl2pPr marL="342900" indent="0" algn="ctr">
               <a:buNone/>
-              <a:defRPr sz="2000"/>
+              <a:defRPr sz="1500"/>
             </a:lvl2pPr>
-            <a:lvl3pPr marL="914400" indent="0" algn="ctr">
+            <a:lvl3pPr marL="685800" indent="0" algn="ctr">
               <a:buNone/>
-              <a:defRPr sz="1800"/>
+              <a:defRPr sz="1400"/>
             </a:lvl3pPr>
-            <a:lvl4pPr marL="1371600" indent="0" algn="ctr">
+            <a:lvl4pPr marL="1028700" indent="0" algn="ctr">
               <a:buNone/>
-              <a:defRPr sz="1600"/>
+              <a:defRPr sz="1200"/>
             </a:lvl4pPr>
-            <a:lvl5pPr marL="1828800" indent="0" algn="ctr">
+            <a:lvl5pPr marL="1371600" indent="0" algn="ctr">
               <a:buNone/>
-              <a:defRPr sz="1600"/>
+              <a:defRPr sz="1200"/>
             </a:lvl5pPr>
-            <a:lvl6pPr marL="2286000" indent="0" algn="ctr">
+            <a:lvl6pPr marL="1714500" indent="0" algn="ctr">
               <a:buNone/>
-              <a:defRPr sz="1600"/>
+              <a:defRPr sz="1200"/>
             </a:lvl6pPr>
-            <a:lvl7pPr marL="2743200" indent="0" algn="ctr">
+            <a:lvl7pPr marL="2057400" indent="0" algn="ctr">
               <a:buNone/>
-              <a:defRPr sz="1600"/>
+              <a:defRPr sz="1200"/>
             </a:lvl7pPr>
-            <a:lvl8pPr marL="3200400" indent="0" algn="ctr">
+            <a:lvl8pPr marL="2400300" indent="0" algn="ctr">
               <a:buNone/>
-              <a:defRPr sz="1600"/>
+              <a:defRPr sz="1200"/>
             </a:lvl8pPr>
-            <a:lvl9pPr marL="3657600" indent="0" algn="ctr">
+            <a:lvl9pPr marL="2743200" indent="0" algn="ctr">
               <a:buNone/>
-              <a:defRPr sz="1600"/>
+              <a:defRPr sz="1200"/>
             </a:lvl9pPr>
           </a:lstStyle>
           <a:p>
@@ -1320,8 +1340,8 @@
         </p:nvSpPr>
         <p:spPr>
           <a:xfrm>
-            <a:off x="8724900" y="365125"/>
-            <a:ext cx="2628900" cy="5811838"/>
+            <a:off x="7852412" y="287199"/>
+            <a:ext cx="2366010" cy="4571442"/>
           </a:xfrm>
         </p:spPr>
         <p:txBody>
@@ -1348,8 +1368,8 @@
         </p:nvSpPr>
         <p:spPr>
           <a:xfrm>
-            <a:off x="838200" y="365125"/>
-            <a:ext cx="7734300" cy="5811838"/>
+            <a:off x="754383" y="287199"/>
+            <a:ext cx="6960870" cy="4571442"/>
           </a:xfrm>
         </p:spPr>
         <p:txBody>
@@ -1670,15 +1690,15 @@
         </p:nvSpPr>
         <p:spPr>
           <a:xfrm>
-            <a:off x="831850" y="1709738"/>
-            <a:ext cx="10515600" cy="2852737"/>
+            <a:off x="748666" y="1344840"/>
+            <a:ext cx="9464040" cy="2243889"/>
           </a:xfrm>
         </p:spPr>
         <p:txBody>
           <a:bodyPr anchor="b"/>
           <a:lstStyle>
             <a:lvl1pPr>
-              <a:defRPr sz="6000"/>
+              <a:defRPr sz="4500"/>
             </a:lvl1pPr>
           </a:lstStyle>
           <a:p>
@@ -1702,34 +1722,14 @@
         </p:nvSpPr>
         <p:spPr>
           <a:xfrm>
-            <a:off x="831850" y="4589463"/>
-            <a:ext cx="10515600" cy="1500187"/>
+            <a:off x="748666" y="3609954"/>
+            <a:ext cx="9464040" cy="1180008"/>
           </a:xfrm>
         </p:spPr>
         <p:txBody>
           <a:bodyPr/>
           <a:lstStyle>
             <a:lvl1pPr marL="0" indent="0">
-              <a:buNone/>
-              <a:defRPr sz="2400">
-                <a:solidFill>
-                  <a:schemeClr val="tx1">
-                    <a:tint val="75000"/>
-                  </a:schemeClr>
-                </a:solidFill>
-              </a:defRPr>
-            </a:lvl1pPr>
-            <a:lvl2pPr marL="457200" indent="0">
-              <a:buNone/>
-              <a:defRPr sz="2000">
-                <a:solidFill>
-                  <a:schemeClr val="tx1">
-                    <a:tint val="75000"/>
-                  </a:schemeClr>
-                </a:solidFill>
-              </a:defRPr>
-            </a:lvl2pPr>
-            <a:lvl3pPr marL="914400" indent="0">
               <a:buNone/>
               <a:defRPr sz="1800">
                 <a:solidFill>
@@ -1738,10 +1738,30 @@
                   </a:schemeClr>
                 </a:solidFill>
               </a:defRPr>
+            </a:lvl1pPr>
+            <a:lvl2pPr marL="342900" indent="0">
+              <a:buNone/>
+              <a:defRPr sz="1500">
+                <a:solidFill>
+                  <a:schemeClr val="tx1">
+                    <a:tint val="75000"/>
+                  </a:schemeClr>
+                </a:solidFill>
+              </a:defRPr>
+            </a:lvl2pPr>
+            <a:lvl3pPr marL="685800" indent="0">
+              <a:buNone/>
+              <a:defRPr sz="1400">
+                <a:solidFill>
+                  <a:schemeClr val="tx1">
+                    <a:tint val="75000"/>
+                  </a:schemeClr>
+                </a:solidFill>
+              </a:defRPr>
             </a:lvl3pPr>
-            <a:lvl4pPr marL="1371600" indent="0">
+            <a:lvl4pPr marL="1028700" indent="0">
               <a:buNone/>
-              <a:defRPr sz="1600">
+              <a:defRPr sz="1200">
                 <a:solidFill>
                   <a:schemeClr val="tx1">
                     <a:tint val="75000"/>
@@ -1749,9 +1769,9 @@
                 </a:solidFill>
               </a:defRPr>
             </a:lvl4pPr>
-            <a:lvl5pPr marL="1828800" indent="0">
+            <a:lvl5pPr marL="1371600" indent="0">
               <a:buNone/>
-              <a:defRPr sz="1600">
+              <a:defRPr sz="1200">
                 <a:solidFill>
                   <a:schemeClr val="tx1">
                     <a:tint val="75000"/>
@@ -1759,9 +1779,9 @@
                 </a:solidFill>
               </a:defRPr>
             </a:lvl5pPr>
-            <a:lvl6pPr marL="2286000" indent="0">
+            <a:lvl6pPr marL="1714500" indent="0">
               <a:buNone/>
-              <a:defRPr sz="1600">
+              <a:defRPr sz="1200">
                 <a:solidFill>
                   <a:schemeClr val="tx1">
                     <a:tint val="75000"/>
@@ -1769,9 +1789,9 @@
                 </a:solidFill>
               </a:defRPr>
             </a:lvl6pPr>
-            <a:lvl7pPr marL="2743200" indent="0">
+            <a:lvl7pPr marL="2057400" indent="0">
               <a:buNone/>
-              <a:defRPr sz="1600">
+              <a:defRPr sz="1200">
                 <a:solidFill>
                   <a:schemeClr val="tx1">
                     <a:tint val="75000"/>
@@ -1779,9 +1799,9 @@
                 </a:solidFill>
               </a:defRPr>
             </a:lvl7pPr>
-            <a:lvl8pPr marL="3200400" indent="0">
+            <a:lvl8pPr marL="2400300" indent="0">
               <a:buNone/>
-              <a:defRPr sz="1600">
+              <a:defRPr sz="1200">
                 <a:solidFill>
                   <a:schemeClr val="tx1">
                     <a:tint val="75000"/>
@@ -1789,9 +1809,9 @@
                 </a:solidFill>
               </a:defRPr>
             </a:lvl8pPr>
-            <a:lvl9pPr marL="3657600" indent="0">
+            <a:lvl9pPr marL="2743200" indent="0">
               <a:buNone/>
-              <a:defRPr sz="1600">
+              <a:defRPr sz="1200">
                 <a:solidFill>
                   <a:schemeClr val="tx1">
                     <a:tint val="75000"/>
@@ -1939,8 +1959,8 @@
         </p:nvSpPr>
         <p:spPr>
           <a:xfrm>
-            <a:off x="838200" y="1825625"/>
-            <a:ext cx="5181600" cy="4351338"/>
+            <a:off x="754380" y="1435990"/>
+            <a:ext cx="4663440" cy="3422650"/>
           </a:xfrm>
         </p:spPr>
         <p:txBody>
@@ -1996,8 +2016,8 @@
         </p:nvSpPr>
         <p:spPr>
           <a:xfrm>
-            <a:off x="6172200" y="1825625"/>
-            <a:ext cx="5181600" cy="4351338"/>
+            <a:off x="5554980" y="1435990"/>
+            <a:ext cx="4663440" cy="3422650"/>
           </a:xfrm>
         </p:spPr>
         <p:txBody>
@@ -2148,8 +2168,8 @@
         </p:nvSpPr>
         <p:spPr>
           <a:xfrm>
-            <a:off x="839788" y="365125"/>
-            <a:ext cx="10515600" cy="1325563"/>
+            <a:off x="755809" y="287200"/>
+            <a:ext cx="9464040" cy="1042653"/>
           </a:xfrm>
         </p:spPr>
         <p:txBody>
@@ -2176,8 +2196,8 @@
         </p:nvSpPr>
         <p:spPr>
           <a:xfrm>
-            <a:off x="839788" y="1681163"/>
-            <a:ext cx="5157787" cy="823912"/>
+            <a:off x="755810" y="1322359"/>
+            <a:ext cx="4642008" cy="648068"/>
           </a:xfrm>
         </p:spPr>
         <p:txBody>
@@ -2185,39 +2205,39 @@
           <a:lstStyle>
             <a:lvl1pPr marL="0" indent="0">
               <a:buNone/>
-              <a:defRPr sz="2400" b="1"/>
+              <a:defRPr sz="1800" b="1"/>
             </a:lvl1pPr>
-            <a:lvl2pPr marL="457200" indent="0">
+            <a:lvl2pPr marL="342900" indent="0">
               <a:buNone/>
-              <a:defRPr sz="2000" b="1"/>
+              <a:defRPr sz="1500" b="1"/>
             </a:lvl2pPr>
-            <a:lvl3pPr marL="914400" indent="0">
+            <a:lvl3pPr marL="685800" indent="0">
               <a:buNone/>
-              <a:defRPr sz="1800" b="1"/>
+              <a:defRPr sz="1400" b="1"/>
             </a:lvl3pPr>
-            <a:lvl4pPr marL="1371600" indent="0">
+            <a:lvl4pPr marL="1028700" indent="0">
               <a:buNone/>
-              <a:defRPr sz="1600" b="1"/>
+              <a:defRPr sz="1200" b="1"/>
             </a:lvl4pPr>
-            <a:lvl5pPr marL="1828800" indent="0">
+            <a:lvl5pPr marL="1371600" indent="0">
               <a:buNone/>
-              <a:defRPr sz="1600" b="1"/>
+              <a:defRPr sz="1200" b="1"/>
             </a:lvl5pPr>
-            <a:lvl6pPr marL="2286000" indent="0">
+            <a:lvl6pPr marL="1714500" indent="0">
               <a:buNone/>
-              <a:defRPr sz="1600" b="1"/>
+              <a:defRPr sz="1200" b="1"/>
             </a:lvl6pPr>
-            <a:lvl7pPr marL="2743200" indent="0">
+            <a:lvl7pPr marL="2057400" indent="0">
               <a:buNone/>
-              <a:defRPr sz="1600" b="1"/>
+              <a:defRPr sz="1200" b="1"/>
             </a:lvl7pPr>
-            <a:lvl8pPr marL="3200400" indent="0">
+            <a:lvl8pPr marL="2400300" indent="0">
               <a:buNone/>
-              <a:defRPr sz="1600" b="1"/>
+              <a:defRPr sz="1200" b="1"/>
             </a:lvl8pPr>
-            <a:lvl9pPr marL="3657600" indent="0">
+            <a:lvl9pPr marL="2743200" indent="0">
               <a:buNone/>
-              <a:defRPr sz="1600" b="1"/>
+              <a:defRPr sz="1200" b="1"/>
             </a:lvl9pPr>
           </a:lstStyle>
           <a:p>
@@ -2241,8 +2261,8 @@
         </p:nvSpPr>
         <p:spPr>
           <a:xfrm>
-            <a:off x="839788" y="2505075"/>
-            <a:ext cx="5157787" cy="3684588"/>
+            <a:off x="755810" y="1970429"/>
+            <a:ext cx="4642008" cy="2898201"/>
           </a:xfrm>
         </p:spPr>
         <p:txBody>
@@ -2298,8 +2318,8 @@
         </p:nvSpPr>
         <p:spPr>
           <a:xfrm>
-            <a:off x="6172200" y="1681163"/>
-            <a:ext cx="5183188" cy="823912"/>
+            <a:off x="5554983" y="1322359"/>
+            <a:ext cx="4664870" cy="648068"/>
           </a:xfrm>
         </p:spPr>
         <p:txBody>
@@ -2307,39 +2327,39 @@
           <a:lstStyle>
             <a:lvl1pPr marL="0" indent="0">
               <a:buNone/>
-              <a:defRPr sz="2400" b="1"/>
+              <a:defRPr sz="1800" b="1"/>
             </a:lvl1pPr>
-            <a:lvl2pPr marL="457200" indent="0">
+            <a:lvl2pPr marL="342900" indent="0">
               <a:buNone/>
-              <a:defRPr sz="2000" b="1"/>
+              <a:defRPr sz="1500" b="1"/>
             </a:lvl2pPr>
-            <a:lvl3pPr marL="914400" indent="0">
+            <a:lvl3pPr marL="685800" indent="0">
               <a:buNone/>
-              <a:defRPr sz="1800" b="1"/>
+              <a:defRPr sz="1400" b="1"/>
             </a:lvl3pPr>
-            <a:lvl4pPr marL="1371600" indent="0">
+            <a:lvl4pPr marL="1028700" indent="0">
               <a:buNone/>
-              <a:defRPr sz="1600" b="1"/>
+              <a:defRPr sz="1200" b="1"/>
             </a:lvl4pPr>
-            <a:lvl5pPr marL="1828800" indent="0">
+            <a:lvl5pPr marL="1371600" indent="0">
               <a:buNone/>
-              <a:defRPr sz="1600" b="1"/>
+              <a:defRPr sz="1200" b="1"/>
             </a:lvl5pPr>
-            <a:lvl6pPr marL="2286000" indent="0">
+            <a:lvl6pPr marL="1714500" indent="0">
               <a:buNone/>
-              <a:defRPr sz="1600" b="1"/>
+              <a:defRPr sz="1200" b="1"/>
             </a:lvl6pPr>
-            <a:lvl7pPr marL="2743200" indent="0">
+            <a:lvl7pPr marL="2057400" indent="0">
               <a:buNone/>
-              <a:defRPr sz="1600" b="1"/>
+              <a:defRPr sz="1200" b="1"/>
             </a:lvl7pPr>
-            <a:lvl8pPr marL="3200400" indent="0">
+            <a:lvl8pPr marL="2400300" indent="0">
               <a:buNone/>
-              <a:defRPr sz="1600" b="1"/>
+              <a:defRPr sz="1200" b="1"/>
             </a:lvl8pPr>
-            <a:lvl9pPr marL="3657600" indent="0">
+            <a:lvl9pPr marL="2743200" indent="0">
               <a:buNone/>
-              <a:defRPr sz="1600" b="1"/>
+              <a:defRPr sz="1200" b="1"/>
             </a:lvl9pPr>
           </a:lstStyle>
           <a:p>
@@ -2363,8 +2383,8 @@
         </p:nvSpPr>
         <p:spPr>
           <a:xfrm>
-            <a:off x="6172200" y="2505075"/>
-            <a:ext cx="5183188" cy="3684588"/>
+            <a:off x="5554983" y="1970429"/>
+            <a:ext cx="4664870" cy="2898201"/>
           </a:xfrm>
         </p:spPr>
         <p:txBody>
@@ -2728,15 +2748,15 @@
         </p:nvSpPr>
         <p:spPr>
           <a:xfrm>
-            <a:off x="839788" y="457200"/>
-            <a:ext cx="3932237" cy="1600200"/>
+            <a:off x="755810" y="359622"/>
+            <a:ext cx="3539014" cy="1258676"/>
           </a:xfrm>
         </p:spPr>
         <p:txBody>
           <a:bodyPr anchor="b"/>
           <a:lstStyle>
             <a:lvl1pPr>
-              <a:defRPr sz="3200"/>
+              <a:defRPr sz="2400"/>
             </a:lvl1pPr>
           </a:lstStyle>
           <a:p>
@@ -2760,39 +2780,39 @@
         </p:nvSpPr>
         <p:spPr>
           <a:xfrm>
-            <a:off x="5183188" y="987425"/>
-            <a:ext cx="6172200" cy="4873625"/>
+            <a:off x="4664870" y="776686"/>
+            <a:ext cx="5554980" cy="3833467"/>
           </a:xfrm>
         </p:spPr>
         <p:txBody>
           <a:bodyPr/>
           <a:lstStyle>
             <a:lvl1pPr>
-              <a:defRPr sz="3200"/>
+              <a:defRPr sz="2400"/>
             </a:lvl1pPr>
             <a:lvl2pPr>
-              <a:defRPr sz="2800"/>
+              <a:defRPr sz="2100"/>
             </a:lvl2pPr>
             <a:lvl3pPr>
-              <a:defRPr sz="2400"/>
+              <a:defRPr sz="1800"/>
             </a:lvl3pPr>
             <a:lvl4pPr>
-              <a:defRPr sz="2000"/>
+              <a:defRPr sz="1500"/>
             </a:lvl4pPr>
             <a:lvl5pPr>
-              <a:defRPr sz="2000"/>
+              <a:defRPr sz="1500"/>
             </a:lvl5pPr>
             <a:lvl6pPr>
-              <a:defRPr sz="2000"/>
+              <a:defRPr sz="1500"/>
             </a:lvl6pPr>
             <a:lvl7pPr>
-              <a:defRPr sz="2000"/>
+              <a:defRPr sz="1500"/>
             </a:lvl7pPr>
             <a:lvl8pPr>
-              <a:defRPr sz="2000"/>
+              <a:defRPr sz="1500"/>
             </a:lvl8pPr>
             <a:lvl9pPr>
-              <a:defRPr sz="2000"/>
+              <a:defRPr sz="1500"/>
             </a:lvl9pPr>
           </a:lstStyle>
           <a:p>
@@ -2845,8 +2865,8 @@
         </p:nvSpPr>
         <p:spPr>
           <a:xfrm>
-            <a:off x="839788" y="2057400"/>
-            <a:ext cx="3932237" cy="3811588"/>
+            <a:off x="755810" y="1618298"/>
+            <a:ext cx="3539014" cy="2998096"/>
           </a:xfrm>
         </p:spPr>
         <p:txBody>
@@ -2854,39 +2874,39 @@
           <a:lstStyle>
             <a:lvl1pPr marL="0" indent="0">
               <a:buNone/>
-              <a:defRPr sz="1600"/>
+              <a:defRPr sz="1200"/>
             </a:lvl1pPr>
-            <a:lvl2pPr marL="457200" indent="0">
+            <a:lvl2pPr marL="342900" indent="0">
               <a:buNone/>
-              <a:defRPr sz="1400"/>
+              <a:defRPr sz="1100"/>
             </a:lvl2pPr>
-            <a:lvl3pPr marL="914400" indent="0">
+            <a:lvl3pPr marL="685800" indent="0">
               <a:buNone/>
-              <a:defRPr sz="1200"/>
+              <a:defRPr sz="900"/>
             </a:lvl3pPr>
-            <a:lvl4pPr marL="1371600" indent="0">
+            <a:lvl4pPr marL="1028700" indent="0">
               <a:buNone/>
-              <a:defRPr sz="1000"/>
+              <a:defRPr sz="800"/>
             </a:lvl4pPr>
-            <a:lvl5pPr marL="1828800" indent="0">
+            <a:lvl5pPr marL="1371600" indent="0">
               <a:buNone/>
-              <a:defRPr sz="1000"/>
+              <a:defRPr sz="800"/>
             </a:lvl5pPr>
-            <a:lvl6pPr marL="2286000" indent="0">
+            <a:lvl6pPr marL="1714500" indent="0">
               <a:buNone/>
-              <a:defRPr sz="1000"/>
+              <a:defRPr sz="800"/>
             </a:lvl6pPr>
-            <a:lvl7pPr marL="2743200" indent="0">
+            <a:lvl7pPr marL="2057400" indent="0">
               <a:buNone/>
-              <a:defRPr sz="1000"/>
+              <a:defRPr sz="800"/>
             </a:lvl7pPr>
-            <a:lvl8pPr marL="3200400" indent="0">
+            <a:lvl8pPr marL="2400300" indent="0">
               <a:buNone/>
-              <a:defRPr sz="1000"/>
+              <a:defRPr sz="800"/>
             </a:lvl8pPr>
-            <a:lvl9pPr marL="3657600" indent="0">
+            <a:lvl9pPr marL="2743200" indent="0">
               <a:buNone/>
-              <a:defRPr sz="1000"/>
+              <a:defRPr sz="800"/>
             </a:lvl9pPr>
           </a:lstStyle>
           <a:p>
@@ -3005,15 +3025,15 @@
         </p:nvSpPr>
         <p:spPr>
           <a:xfrm>
-            <a:off x="839788" y="457200"/>
-            <a:ext cx="3932237" cy="1600200"/>
+            <a:off x="755810" y="359622"/>
+            <a:ext cx="3539014" cy="1258676"/>
           </a:xfrm>
         </p:spPr>
         <p:txBody>
           <a:bodyPr anchor="b"/>
           <a:lstStyle>
             <a:lvl1pPr>
-              <a:defRPr sz="3200"/>
+              <a:defRPr sz="2400"/>
             </a:lvl1pPr>
           </a:lstStyle>
           <a:p>
@@ -3037,8 +3057,8 @@
         </p:nvSpPr>
         <p:spPr>
           <a:xfrm>
-            <a:off x="5183188" y="987425"/>
-            <a:ext cx="6172200" cy="4873625"/>
+            <a:off x="4664870" y="776686"/>
+            <a:ext cx="5554980" cy="3833467"/>
           </a:xfrm>
         </p:spPr>
         <p:txBody>
@@ -3046,39 +3066,39 @@
           <a:lstStyle>
             <a:lvl1pPr marL="0" indent="0">
               <a:buNone/>
-              <a:defRPr sz="3200"/>
+              <a:defRPr sz="2400"/>
             </a:lvl1pPr>
-            <a:lvl2pPr marL="457200" indent="0">
+            <a:lvl2pPr marL="342900" indent="0">
               <a:buNone/>
-              <a:defRPr sz="2800"/>
+              <a:defRPr sz="2100"/>
             </a:lvl2pPr>
-            <a:lvl3pPr marL="914400" indent="0">
+            <a:lvl3pPr marL="685800" indent="0">
               <a:buNone/>
-              <a:defRPr sz="2400"/>
+              <a:defRPr sz="1800"/>
             </a:lvl3pPr>
-            <a:lvl4pPr marL="1371600" indent="0">
+            <a:lvl4pPr marL="1028700" indent="0">
               <a:buNone/>
-              <a:defRPr sz="2000"/>
+              <a:defRPr sz="1500"/>
             </a:lvl4pPr>
-            <a:lvl5pPr marL="1828800" indent="0">
+            <a:lvl5pPr marL="1371600" indent="0">
               <a:buNone/>
-              <a:defRPr sz="2000"/>
+              <a:defRPr sz="1500"/>
             </a:lvl5pPr>
-            <a:lvl6pPr marL="2286000" indent="0">
+            <a:lvl6pPr marL="1714500" indent="0">
               <a:buNone/>
-              <a:defRPr sz="2000"/>
+              <a:defRPr sz="1500"/>
             </a:lvl6pPr>
-            <a:lvl7pPr marL="2743200" indent="0">
+            <a:lvl7pPr marL="2057400" indent="0">
               <a:buNone/>
-              <a:defRPr sz="2000"/>
+              <a:defRPr sz="1500"/>
             </a:lvl7pPr>
-            <a:lvl8pPr marL="3200400" indent="0">
+            <a:lvl8pPr marL="2400300" indent="0">
               <a:buNone/>
-              <a:defRPr sz="2000"/>
+              <a:defRPr sz="1500"/>
             </a:lvl8pPr>
-            <a:lvl9pPr marL="3657600" indent="0">
+            <a:lvl9pPr marL="2743200" indent="0">
               <a:buNone/>
-              <a:defRPr sz="2000"/>
+              <a:defRPr sz="1500"/>
             </a:lvl9pPr>
           </a:lstStyle>
           <a:p>
@@ -3098,8 +3118,8 @@
         </p:nvSpPr>
         <p:spPr>
           <a:xfrm>
-            <a:off x="839788" y="2057400"/>
-            <a:ext cx="3932237" cy="3811588"/>
+            <a:off x="755810" y="1618298"/>
+            <a:ext cx="3539014" cy="2998096"/>
           </a:xfrm>
         </p:spPr>
         <p:txBody>
@@ -3107,39 +3127,39 @@
           <a:lstStyle>
             <a:lvl1pPr marL="0" indent="0">
               <a:buNone/>
-              <a:defRPr sz="1600"/>
+              <a:defRPr sz="1200"/>
             </a:lvl1pPr>
-            <a:lvl2pPr marL="457200" indent="0">
+            <a:lvl2pPr marL="342900" indent="0">
               <a:buNone/>
-              <a:defRPr sz="1400"/>
+              <a:defRPr sz="1100"/>
             </a:lvl2pPr>
-            <a:lvl3pPr marL="914400" indent="0">
+            <a:lvl3pPr marL="685800" indent="0">
               <a:buNone/>
-              <a:defRPr sz="1200"/>
+              <a:defRPr sz="900"/>
             </a:lvl3pPr>
-            <a:lvl4pPr marL="1371600" indent="0">
+            <a:lvl4pPr marL="1028700" indent="0">
               <a:buNone/>
-              <a:defRPr sz="1000"/>
+              <a:defRPr sz="800"/>
             </a:lvl4pPr>
-            <a:lvl5pPr marL="1828800" indent="0">
+            <a:lvl5pPr marL="1371600" indent="0">
               <a:buNone/>
-              <a:defRPr sz="1000"/>
+              <a:defRPr sz="800"/>
             </a:lvl5pPr>
-            <a:lvl6pPr marL="2286000" indent="0">
+            <a:lvl6pPr marL="1714500" indent="0">
               <a:buNone/>
-              <a:defRPr sz="1000"/>
+              <a:defRPr sz="800"/>
             </a:lvl6pPr>
-            <a:lvl7pPr marL="2743200" indent="0">
+            <a:lvl7pPr marL="2057400" indent="0">
               <a:buNone/>
-              <a:defRPr sz="1000"/>
+              <a:defRPr sz="800"/>
             </a:lvl7pPr>
-            <a:lvl8pPr marL="3200400" indent="0">
+            <a:lvl8pPr marL="2400300" indent="0">
               <a:buNone/>
-              <a:defRPr sz="1000"/>
+              <a:defRPr sz="800"/>
             </a:lvl8pPr>
-            <a:lvl9pPr marL="3657600" indent="0">
+            <a:lvl9pPr marL="2743200" indent="0">
               <a:buNone/>
-              <a:defRPr sz="1000"/>
+              <a:defRPr sz="800"/>
             </a:lvl9pPr>
           </a:lstStyle>
           <a:p>
@@ -3263,15 +3283,15 @@
         </p:nvSpPr>
         <p:spPr>
           <a:xfrm>
-            <a:off x="838200" y="365125"/>
-            <a:ext cx="10515600" cy="1325563"/>
+            <a:off x="754380" y="287200"/>
+            <a:ext cx="9464040" cy="1042653"/>
           </a:xfrm>
           <a:prstGeom prst="rect">
             <a:avLst/>
           </a:prstGeom>
         </p:spPr>
         <p:txBody>
-          <a:bodyPr vert="horz" lIns="91440" tIns="45720" rIns="91440" bIns="45720" rtlCol="0" anchor="ctr">
+          <a:bodyPr vert="horz" lIns="68580" tIns="34290" rIns="68580" bIns="34290" rtlCol="0" anchor="ctr">
             <a:normAutofit/>
           </a:bodyPr>
           <a:lstStyle/>
@@ -3296,15 +3316,15 @@
         </p:nvSpPr>
         <p:spPr>
           <a:xfrm>
-            <a:off x="838200" y="1825625"/>
-            <a:ext cx="10515600" cy="4351338"/>
+            <a:off x="754380" y="1435990"/>
+            <a:ext cx="9464040" cy="3422650"/>
           </a:xfrm>
           <a:prstGeom prst="rect">
             <a:avLst/>
           </a:prstGeom>
         </p:spPr>
         <p:txBody>
-          <a:bodyPr vert="horz" lIns="91440" tIns="45720" rIns="91440" bIns="45720" rtlCol="0">
+          <a:bodyPr vert="horz" lIns="68580" tIns="34290" rIns="68580" bIns="34290" rtlCol="0">
             <a:normAutofit/>
           </a:bodyPr>
           <a:lstStyle/>
@@ -3358,18 +3378,18 @@
         </p:nvSpPr>
         <p:spPr>
           <a:xfrm>
-            <a:off x="838200" y="6356350"/>
-            <a:ext cx="2743200" cy="365125"/>
+            <a:off x="754380" y="4999741"/>
+            <a:ext cx="2468880" cy="287198"/>
           </a:xfrm>
           <a:prstGeom prst="rect">
             <a:avLst/>
           </a:prstGeom>
         </p:spPr>
         <p:txBody>
-          <a:bodyPr vert="horz" lIns="91440" tIns="45720" rIns="91440" bIns="45720" rtlCol="0" anchor="ctr"/>
+          <a:bodyPr vert="horz" lIns="68580" tIns="34290" rIns="68580" bIns="34290" rtlCol="0" anchor="ctr"/>
           <a:lstStyle>
             <a:lvl1pPr algn="l">
-              <a:defRPr sz="1200">
+              <a:defRPr sz="900">
                 <a:solidFill>
                   <a:schemeClr val="tx1">
                     <a:tint val="75000"/>
@@ -3399,18 +3419,18 @@
         </p:nvSpPr>
         <p:spPr>
           <a:xfrm>
-            <a:off x="4038600" y="6356350"/>
-            <a:ext cx="4114800" cy="365125"/>
+            <a:off x="3634740" y="4999741"/>
+            <a:ext cx="3703320" cy="287198"/>
           </a:xfrm>
           <a:prstGeom prst="rect">
             <a:avLst/>
           </a:prstGeom>
         </p:spPr>
         <p:txBody>
-          <a:bodyPr vert="horz" lIns="91440" tIns="45720" rIns="91440" bIns="45720" rtlCol="0" anchor="ctr"/>
+          <a:bodyPr vert="horz" lIns="68580" tIns="34290" rIns="68580" bIns="34290" rtlCol="0" anchor="ctr"/>
           <a:lstStyle>
             <a:lvl1pPr algn="ctr">
-              <a:defRPr sz="1200">
+              <a:defRPr sz="900">
                 <a:solidFill>
                   <a:schemeClr val="tx1">
                     <a:tint val="75000"/>
@@ -3436,18 +3456,18 @@
         </p:nvSpPr>
         <p:spPr>
           <a:xfrm>
-            <a:off x="8610600" y="6356350"/>
-            <a:ext cx="2743200" cy="365125"/>
+            <a:off x="7749540" y="4999741"/>
+            <a:ext cx="2468880" cy="287198"/>
           </a:xfrm>
           <a:prstGeom prst="rect">
             <a:avLst/>
           </a:prstGeom>
         </p:spPr>
         <p:txBody>
-          <a:bodyPr vert="horz" lIns="91440" tIns="45720" rIns="91440" bIns="45720" rtlCol="0" anchor="ctr"/>
+          <a:bodyPr vert="horz" lIns="68580" tIns="34290" rIns="68580" bIns="34290" rtlCol="0" anchor="ctr"/>
           <a:lstStyle>
             <a:lvl1pPr algn="r">
-              <a:defRPr sz="1200">
+              <a:defRPr sz="900">
                 <a:solidFill>
                   <a:schemeClr val="tx1">
                     <a:tint val="75000"/>
@@ -3488,7 +3508,7 @@
   </p:sldLayoutIdLst>
   <p:txStyles>
     <p:titleStyle>
-      <a:lvl1pPr algn="l" defTabSz="914400" rtl="0" eaLnBrk="1" latinLnBrk="0" hangingPunct="1">
+      <a:lvl1pPr algn="l" defTabSz="685800" rtl="0" eaLnBrk="1" latinLnBrk="0" hangingPunct="1">
         <a:lnSpc>
           <a:spcPct val="90000"/>
         </a:lnSpc>
@@ -3496,7 +3516,7 @@
           <a:spcPct val="0"/>
         </a:spcBef>
         <a:buNone/>
-        <a:defRPr sz="4400" kern="1200">
+        <a:defRPr sz="3300" kern="1200">
           <a:solidFill>
             <a:schemeClr val="tx1"/>
           </a:solidFill>
@@ -3507,16 +3527,16 @@
       </a:lvl1pPr>
     </p:titleStyle>
     <p:bodyStyle>
-      <a:lvl1pPr marL="228600" indent="-228600" algn="l" defTabSz="914400" rtl="0" eaLnBrk="1" latinLnBrk="0" hangingPunct="1">
+      <a:lvl1pPr marL="171450" indent="-171450" algn="l" defTabSz="685800" rtl="0" eaLnBrk="1" latinLnBrk="0" hangingPunct="1">
         <a:lnSpc>
           <a:spcPct val="90000"/>
         </a:lnSpc>
         <a:spcBef>
-          <a:spcPts val="1000"/>
+          <a:spcPts val="750"/>
         </a:spcBef>
         <a:buFont typeface="Arial"/>
         <a:buChar char="•"/>
-        <a:defRPr sz="2800" kern="1200">
+        <a:defRPr sz="2100" kern="1200">
           <a:solidFill>
             <a:schemeClr val="tx1"/>
           </a:solidFill>
@@ -3525,48 +3545,12 @@
           <a:cs typeface="+mn-cs"/>
         </a:defRPr>
       </a:lvl1pPr>
-      <a:lvl2pPr marL="685800" indent="-228600" algn="l" defTabSz="914400" rtl="0" eaLnBrk="1" latinLnBrk="0" hangingPunct="1">
+      <a:lvl2pPr marL="514350" indent="-171450" algn="l" defTabSz="685800" rtl="0" eaLnBrk="1" latinLnBrk="0" hangingPunct="1">
         <a:lnSpc>
           <a:spcPct val="90000"/>
         </a:lnSpc>
         <a:spcBef>
-          <a:spcPts val="500"/>
-        </a:spcBef>
-        <a:buFont typeface="Arial"/>
-        <a:buChar char="•"/>
-        <a:defRPr sz="2400" kern="1200">
-          <a:solidFill>
-            <a:schemeClr val="tx1"/>
-          </a:solidFill>
-          <a:latin typeface="+mn-lt"/>
-          <a:ea typeface="+mn-ea"/>
-          <a:cs typeface="+mn-cs"/>
-        </a:defRPr>
-      </a:lvl2pPr>
-      <a:lvl3pPr marL="1143000" indent="-228600" algn="l" defTabSz="914400" rtl="0" eaLnBrk="1" latinLnBrk="0" hangingPunct="1">
-        <a:lnSpc>
-          <a:spcPct val="90000"/>
-        </a:lnSpc>
-        <a:spcBef>
-          <a:spcPts val="500"/>
-        </a:spcBef>
-        <a:buFont typeface="Arial"/>
-        <a:buChar char="•"/>
-        <a:defRPr sz="2000" kern="1200">
-          <a:solidFill>
-            <a:schemeClr val="tx1"/>
-          </a:solidFill>
-          <a:latin typeface="+mn-lt"/>
-          <a:ea typeface="+mn-ea"/>
-          <a:cs typeface="+mn-cs"/>
-        </a:defRPr>
-      </a:lvl3pPr>
-      <a:lvl4pPr marL="1600200" indent="-228600" algn="l" defTabSz="914400" rtl="0" eaLnBrk="1" latinLnBrk="0" hangingPunct="1">
-        <a:lnSpc>
-          <a:spcPct val="90000"/>
-        </a:lnSpc>
-        <a:spcBef>
-          <a:spcPts val="500"/>
+          <a:spcPts val="375"/>
         </a:spcBef>
         <a:buFont typeface="Arial"/>
         <a:buChar char="•"/>
@@ -3578,17 +3562,53 @@
           <a:ea typeface="+mn-ea"/>
           <a:cs typeface="+mn-cs"/>
         </a:defRPr>
-      </a:lvl4pPr>
-      <a:lvl5pPr marL="2057400" indent="-228600" algn="l" defTabSz="914400" rtl="0" eaLnBrk="1" latinLnBrk="0" hangingPunct="1">
+      </a:lvl2pPr>
+      <a:lvl3pPr marL="857250" indent="-171450" algn="l" defTabSz="685800" rtl="0" eaLnBrk="1" latinLnBrk="0" hangingPunct="1">
         <a:lnSpc>
           <a:spcPct val="90000"/>
         </a:lnSpc>
         <a:spcBef>
-          <a:spcPts val="500"/>
+          <a:spcPts val="375"/>
         </a:spcBef>
         <a:buFont typeface="Arial"/>
         <a:buChar char="•"/>
-        <a:defRPr sz="1800" kern="1200">
+        <a:defRPr sz="1500" kern="1200">
+          <a:solidFill>
+            <a:schemeClr val="tx1"/>
+          </a:solidFill>
+          <a:latin typeface="+mn-lt"/>
+          <a:ea typeface="+mn-ea"/>
+          <a:cs typeface="+mn-cs"/>
+        </a:defRPr>
+      </a:lvl3pPr>
+      <a:lvl4pPr marL="1200150" indent="-171450" algn="l" defTabSz="685800" rtl="0" eaLnBrk="1" latinLnBrk="0" hangingPunct="1">
+        <a:lnSpc>
+          <a:spcPct val="90000"/>
+        </a:lnSpc>
+        <a:spcBef>
+          <a:spcPts val="375"/>
+        </a:spcBef>
+        <a:buFont typeface="Arial"/>
+        <a:buChar char="•"/>
+        <a:defRPr sz="1400" kern="1200">
+          <a:solidFill>
+            <a:schemeClr val="tx1"/>
+          </a:solidFill>
+          <a:latin typeface="+mn-lt"/>
+          <a:ea typeface="+mn-ea"/>
+          <a:cs typeface="+mn-cs"/>
+        </a:defRPr>
+      </a:lvl4pPr>
+      <a:lvl5pPr marL="1543050" indent="-171450" algn="l" defTabSz="685800" rtl="0" eaLnBrk="1" latinLnBrk="0" hangingPunct="1">
+        <a:lnSpc>
+          <a:spcPct val="90000"/>
+        </a:lnSpc>
+        <a:spcBef>
+          <a:spcPts val="375"/>
+        </a:spcBef>
+        <a:buFont typeface="Arial"/>
+        <a:buChar char="•"/>
+        <a:defRPr sz="1400" kern="1200">
           <a:solidFill>
             <a:schemeClr val="tx1"/>
           </a:solidFill>
@@ -3597,16 +3617,16 @@
           <a:cs typeface="+mn-cs"/>
         </a:defRPr>
       </a:lvl5pPr>
-      <a:lvl6pPr marL="2514600" indent="-228600" algn="l" defTabSz="914400" rtl="0" eaLnBrk="1" latinLnBrk="0" hangingPunct="1">
+      <a:lvl6pPr marL="1885950" indent="-171450" algn="l" defTabSz="685800" rtl="0" eaLnBrk="1" latinLnBrk="0" hangingPunct="1">
         <a:lnSpc>
           <a:spcPct val="90000"/>
         </a:lnSpc>
         <a:spcBef>
-          <a:spcPts val="500"/>
+          <a:spcPts val="375"/>
         </a:spcBef>
         <a:buFont typeface="Arial"/>
         <a:buChar char="•"/>
-        <a:defRPr sz="1800" kern="1200">
+        <a:defRPr sz="1400" kern="1200">
           <a:solidFill>
             <a:schemeClr val="tx1"/>
           </a:solidFill>
@@ -3615,16 +3635,16 @@
           <a:cs typeface="+mn-cs"/>
         </a:defRPr>
       </a:lvl6pPr>
-      <a:lvl7pPr marL="2971800" indent="-228600" algn="l" defTabSz="914400" rtl="0" eaLnBrk="1" latinLnBrk="0" hangingPunct="1">
+      <a:lvl7pPr marL="2228850" indent="-171450" algn="l" defTabSz="685800" rtl="0" eaLnBrk="1" latinLnBrk="0" hangingPunct="1">
         <a:lnSpc>
           <a:spcPct val="90000"/>
         </a:lnSpc>
         <a:spcBef>
-          <a:spcPts val="500"/>
+          <a:spcPts val="375"/>
         </a:spcBef>
         <a:buFont typeface="Arial"/>
         <a:buChar char="•"/>
-        <a:defRPr sz="1800" kern="1200">
+        <a:defRPr sz="1400" kern="1200">
           <a:solidFill>
             <a:schemeClr val="tx1"/>
           </a:solidFill>
@@ -3633,16 +3653,16 @@
           <a:cs typeface="+mn-cs"/>
         </a:defRPr>
       </a:lvl7pPr>
-      <a:lvl8pPr marL="3429000" indent="-228600" algn="l" defTabSz="914400" rtl="0" eaLnBrk="1" latinLnBrk="0" hangingPunct="1">
+      <a:lvl8pPr marL="2571750" indent="-171450" algn="l" defTabSz="685800" rtl="0" eaLnBrk="1" latinLnBrk="0" hangingPunct="1">
         <a:lnSpc>
           <a:spcPct val="90000"/>
         </a:lnSpc>
         <a:spcBef>
-          <a:spcPts val="500"/>
+          <a:spcPts val="375"/>
         </a:spcBef>
         <a:buFont typeface="Arial"/>
         <a:buChar char="•"/>
-        <a:defRPr sz="1800" kern="1200">
+        <a:defRPr sz="1400" kern="1200">
           <a:solidFill>
             <a:schemeClr val="tx1"/>
           </a:solidFill>
@@ -3651,16 +3671,16 @@
           <a:cs typeface="+mn-cs"/>
         </a:defRPr>
       </a:lvl8pPr>
-      <a:lvl9pPr marL="3886200" indent="-228600" algn="l" defTabSz="914400" rtl="0" eaLnBrk="1" latinLnBrk="0" hangingPunct="1">
+      <a:lvl9pPr marL="2914650" indent="-171450" algn="l" defTabSz="685800" rtl="0" eaLnBrk="1" latinLnBrk="0" hangingPunct="1">
         <a:lnSpc>
           <a:spcPct val="90000"/>
         </a:lnSpc>
         <a:spcBef>
-          <a:spcPts val="500"/>
+          <a:spcPts val="375"/>
         </a:spcBef>
         <a:buFont typeface="Arial"/>
         <a:buChar char="•"/>
-        <a:defRPr sz="1800" kern="1200">
+        <a:defRPr sz="1400" kern="1200">
           <a:solidFill>
             <a:schemeClr val="tx1"/>
           </a:solidFill>
@@ -3674,8 +3694,8 @@
       <a:defPPr>
         <a:defRPr lang="en-US"/>
       </a:defPPr>
-      <a:lvl1pPr marL="0" algn="l" defTabSz="914400" rtl="0" eaLnBrk="1" latinLnBrk="0" hangingPunct="1">
-        <a:defRPr sz="1800" kern="1200">
+      <a:lvl1pPr marL="0" algn="l" defTabSz="685800" rtl="0" eaLnBrk="1" latinLnBrk="0" hangingPunct="1">
+        <a:defRPr sz="1400" kern="1200">
           <a:solidFill>
             <a:schemeClr val="tx1"/>
           </a:solidFill>
@@ -3684,8 +3704,8 @@
           <a:cs typeface="+mn-cs"/>
         </a:defRPr>
       </a:lvl1pPr>
-      <a:lvl2pPr marL="457200" algn="l" defTabSz="914400" rtl="0" eaLnBrk="1" latinLnBrk="0" hangingPunct="1">
-        <a:defRPr sz="1800" kern="1200">
+      <a:lvl2pPr marL="342900" algn="l" defTabSz="685800" rtl="0" eaLnBrk="1" latinLnBrk="0" hangingPunct="1">
+        <a:defRPr sz="1400" kern="1200">
           <a:solidFill>
             <a:schemeClr val="tx1"/>
           </a:solidFill>
@@ -3694,8 +3714,8 @@
           <a:cs typeface="+mn-cs"/>
         </a:defRPr>
       </a:lvl2pPr>
-      <a:lvl3pPr marL="914400" algn="l" defTabSz="914400" rtl="0" eaLnBrk="1" latinLnBrk="0" hangingPunct="1">
-        <a:defRPr sz="1800" kern="1200">
+      <a:lvl3pPr marL="685800" algn="l" defTabSz="685800" rtl="0" eaLnBrk="1" latinLnBrk="0" hangingPunct="1">
+        <a:defRPr sz="1400" kern="1200">
           <a:solidFill>
             <a:schemeClr val="tx1"/>
           </a:solidFill>
@@ -3704,8 +3724,8 @@
           <a:cs typeface="+mn-cs"/>
         </a:defRPr>
       </a:lvl3pPr>
-      <a:lvl4pPr marL="1371600" algn="l" defTabSz="914400" rtl="0" eaLnBrk="1" latinLnBrk="0" hangingPunct="1">
-        <a:defRPr sz="1800" kern="1200">
+      <a:lvl4pPr marL="1028700" algn="l" defTabSz="685800" rtl="0" eaLnBrk="1" latinLnBrk="0" hangingPunct="1">
+        <a:defRPr sz="1400" kern="1200">
           <a:solidFill>
             <a:schemeClr val="tx1"/>
           </a:solidFill>
@@ -3714,8 +3734,8 @@
           <a:cs typeface="+mn-cs"/>
         </a:defRPr>
       </a:lvl4pPr>
-      <a:lvl5pPr marL="1828800" algn="l" defTabSz="914400" rtl="0" eaLnBrk="1" latinLnBrk="0" hangingPunct="1">
-        <a:defRPr sz="1800" kern="1200">
+      <a:lvl5pPr marL="1371600" algn="l" defTabSz="685800" rtl="0" eaLnBrk="1" latinLnBrk="0" hangingPunct="1">
+        <a:defRPr sz="1400" kern="1200">
           <a:solidFill>
             <a:schemeClr val="tx1"/>
           </a:solidFill>
@@ -3724,8 +3744,8 @@
           <a:cs typeface="+mn-cs"/>
         </a:defRPr>
       </a:lvl5pPr>
-      <a:lvl6pPr marL="2286000" algn="l" defTabSz="914400" rtl="0" eaLnBrk="1" latinLnBrk="0" hangingPunct="1">
-        <a:defRPr sz="1800" kern="1200">
+      <a:lvl6pPr marL="1714500" algn="l" defTabSz="685800" rtl="0" eaLnBrk="1" latinLnBrk="0" hangingPunct="1">
+        <a:defRPr sz="1400" kern="1200">
           <a:solidFill>
             <a:schemeClr val="tx1"/>
           </a:solidFill>
@@ -3734,8 +3754,8 @@
           <a:cs typeface="+mn-cs"/>
         </a:defRPr>
       </a:lvl6pPr>
-      <a:lvl7pPr marL="2743200" algn="l" defTabSz="914400" rtl="0" eaLnBrk="1" latinLnBrk="0" hangingPunct="1">
-        <a:defRPr sz="1800" kern="1200">
+      <a:lvl7pPr marL="2057400" algn="l" defTabSz="685800" rtl="0" eaLnBrk="1" latinLnBrk="0" hangingPunct="1">
+        <a:defRPr sz="1400" kern="1200">
           <a:solidFill>
             <a:schemeClr val="tx1"/>
           </a:solidFill>
@@ -3744,8 +3764,8 @@
           <a:cs typeface="+mn-cs"/>
         </a:defRPr>
       </a:lvl7pPr>
-      <a:lvl8pPr marL="3200400" algn="l" defTabSz="914400" rtl="0" eaLnBrk="1" latinLnBrk="0" hangingPunct="1">
-        <a:defRPr sz="1800" kern="1200">
+      <a:lvl8pPr marL="2400300" algn="l" defTabSz="685800" rtl="0" eaLnBrk="1" latinLnBrk="0" hangingPunct="1">
+        <a:defRPr sz="1400" kern="1200">
           <a:solidFill>
             <a:schemeClr val="tx1"/>
           </a:solidFill>
@@ -3754,8 +3774,8 @@
           <a:cs typeface="+mn-cs"/>
         </a:defRPr>
       </a:lvl8pPr>
-      <a:lvl9pPr marL="3657600" algn="l" defTabSz="914400" rtl="0" eaLnBrk="1" latinLnBrk="0" hangingPunct="1">
-        <a:defRPr sz="1800" kern="1200">
+      <a:lvl9pPr marL="2743200" algn="l" defTabSz="685800" rtl="0" eaLnBrk="1" latinLnBrk="0" hangingPunct="1">
+        <a:defRPr sz="1400" kern="1200">
           <a:solidFill>
             <a:schemeClr val="tx1"/>
           </a:solidFill>
@@ -3961,8 +3981,8 @@
         </p:blipFill>
         <p:spPr>
           <a:xfrm>
-            <a:off x="0" y="0"/>
-            <a:ext cx="10629524" cy="6858000"/>
+            <a:off x="1" y="2"/>
+            <a:ext cx="9566572" cy="5394325"/>
           </a:xfrm>
           <a:prstGeom prst="rect">
             <a:avLst/>
@@ -4021,8 +4041,8 @@
         </p:blipFill>
         <p:spPr>
           <a:xfrm>
-            <a:off x="3517900" y="0"/>
-            <a:ext cx="5143500" cy="6858000"/>
+            <a:off x="3166113" y="2"/>
+            <a:ext cx="4629150" cy="5394325"/>
           </a:xfrm>
           <a:prstGeom prst="rect">
             <a:avLst/>
@@ -4081,8 +4101,8 @@
         </p:blipFill>
         <p:spPr>
           <a:xfrm>
-            <a:off x="842887" y="-260926"/>
-            <a:ext cx="10273992" cy="7705494"/>
+            <a:off x="758598" y="-205237"/>
+            <a:ext cx="9246593" cy="6060943"/>
           </a:xfrm>
           <a:prstGeom prst="rect">
             <a:avLst/>
@@ -4141,8 +4161,8 @@
         </p:blipFill>
         <p:spPr>
           <a:xfrm>
-            <a:off x="1478252" y="0"/>
-            <a:ext cx="9144000" cy="6858000"/>
+            <a:off x="1330427" y="2"/>
+            <a:ext cx="8229600" cy="5394325"/>
           </a:xfrm>
           <a:prstGeom prst="rect">
             <a:avLst/>
@@ -4187,8 +4207,8 @@
         </p:nvSpPr>
         <p:spPr>
           <a:xfrm>
-            <a:off x="3539276" y="5309857"/>
-            <a:ext cx="5623151" cy="1059515"/>
+            <a:off x="3185353" y="4176598"/>
+            <a:ext cx="5060836" cy="833387"/>
           </a:xfrm>
           <a:prstGeom prst="ellipse">
             <a:avLst/>
@@ -4215,7 +4235,7 @@
           </a:fontRef>
         </p:style>
         <p:txBody>
-          <a:bodyPr rtlCol="0" anchor="ctr"/>
+          <a:bodyPr lIns="68580" tIns="34290" rIns="68580" bIns="34290" rtlCol="0" anchor="ctr"/>
           <a:lstStyle/>
           <a:p>
             <a:pPr algn="ctr"/>
@@ -4231,8 +4251,8 @@
         </p:nvSpPr>
         <p:spPr>
           <a:xfrm>
-            <a:off x="3539276" y="2384603"/>
-            <a:ext cx="5623151" cy="1059515"/>
+            <a:off x="3185353" y="1875670"/>
+            <a:ext cx="5060836" cy="833387"/>
           </a:xfrm>
           <a:prstGeom prst="ellipse">
             <a:avLst/>
@@ -4259,7 +4279,7 @@
           </a:fontRef>
         </p:style>
         <p:txBody>
-          <a:bodyPr rtlCol="0" anchor="ctr"/>
+          <a:bodyPr lIns="68580" tIns="34290" rIns="68580" bIns="34290" rtlCol="0" anchor="ctr"/>
           <a:lstStyle/>
           <a:p>
             <a:pPr algn="ctr"/>
@@ -4275,8 +4295,8 @@
         </p:nvSpPr>
         <p:spPr>
           <a:xfrm>
-            <a:off x="2831983" y="2132961"/>
-            <a:ext cx="982493" cy="1527242"/>
+            <a:off x="2548786" y="1677732"/>
+            <a:ext cx="884244" cy="1201290"/>
           </a:xfrm>
           <a:prstGeom prst="rect">
             <a:avLst/>
@@ -4307,7 +4327,7 @@
           </a:fontRef>
         </p:style>
         <p:txBody>
-          <a:bodyPr rtlCol="0" anchor="ctr"/>
+          <a:bodyPr lIns="68580" tIns="34290" rIns="68580" bIns="34290" rtlCol="0" anchor="ctr"/>
           <a:lstStyle/>
           <a:p>
             <a:pPr algn="ctr"/>
@@ -4346,8 +4366,8 @@
         </p:nvCxnSpPr>
         <p:spPr>
           <a:xfrm>
-            <a:off x="1068946" y="2502612"/>
-            <a:ext cx="1743581" cy="0"/>
+            <a:off x="962052" y="1968490"/>
+            <a:ext cx="1569224" cy="0"/>
           </a:xfrm>
           <a:prstGeom prst="straightConnector1">
             <a:avLst/>
@@ -4383,8 +4403,8 @@
         </p:nvCxnSpPr>
         <p:spPr>
           <a:xfrm flipH="1" flipV="1">
-            <a:off x="1068946" y="3221143"/>
-            <a:ext cx="1763038" cy="3242"/>
+            <a:off x="962054" y="2533670"/>
+            <a:ext cx="1586735" cy="2551"/>
           </a:xfrm>
           <a:prstGeom prst="straightConnector1">
             <a:avLst/>
@@ -4420,8 +4440,8 @@
         </p:nvSpPr>
         <p:spPr>
           <a:xfrm>
-            <a:off x="4485684" y="2132961"/>
-            <a:ext cx="1527243" cy="710119"/>
+            <a:off x="4037118" y="1677735"/>
+            <a:ext cx="1374518" cy="558561"/>
           </a:xfrm>
           <a:prstGeom prst="rect">
             <a:avLst/>
@@ -4452,7 +4472,7 @@
           </a:fontRef>
         </p:style>
         <p:txBody>
-          <a:bodyPr rtlCol="0" anchor="ctr"/>
+          <a:bodyPr lIns="68580" tIns="34290" rIns="68580" bIns="34290" rtlCol="0" anchor="ctr"/>
           <a:lstStyle/>
           <a:p>
             <a:pPr algn="ctr"/>
@@ -4480,8 +4500,8 @@
         </p:nvSpPr>
         <p:spPr>
           <a:xfrm>
-            <a:off x="6684135" y="2132960"/>
-            <a:ext cx="1527243" cy="710119"/>
+            <a:off x="6015723" y="1677735"/>
+            <a:ext cx="1374518" cy="558561"/>
           </a:xfrm>
           <a:prstGeom prst="rect">
             <a:avLst/>
@@ -4512,7 +4532,7 @@
           </a:fontRef>
         </p:style>
         <p:txBody>
-          <a:bodyPr rtlCol="0" anchor="ctr"/>
+          <a:bodyPr lIns="68580" tIns="34290" rIns="68580" bIns="34290" rtlCol="0" anchor="ctr"/>
           <a:lstStyle/>
           <a:p>
             <a:pPr algn="ctr"/>
@@ -4540,8 +4560,8 @@
         </p:nvSpPr>
         <p:spPr>
           <a:xfrm>
-            <a:off x="6684135" y="1252608"/>
-            <a:ext cx="1527243" cy="710119"/>
+            <a:off x="6015723" y="985273"/>
+            <a:ext cx="1374518" cy="558561"/>
           </a:xfrm>
           <a:prstGeom prst="rect">
             <a:avLst/>
@@ -4570,7 +4590,7 @@
           </a:fontRef>
         </p:style>
         <p:txBody>
-          <a:bodyPr rtlCol="0" anchor="ctr"/>
+          <a:bodyPr lIns="68580" tIns="34290" rIns="68580" bIns="34290" rtlCol="0" anchor="ctr"/>
           <a:lstStyle/>
           <a:p>
             <a:pPr algn="ctr"/>
@@ -4598,8 +4618,8 @@
         </p:nvSpPr>
         <p:spPr>
           <a:xfrm>
-            <a:off x="8882585" y="2132959"/>
-            <a:ext cx="1826055" cy="1527244"/>
+            <a:off x="7994329" y="1677732"/>
+            <a:ext cx="1643450" cy="1201291"/>
           </a:xfrm>
           <a:prstGeom prst="rect">
             <a:avLst/>
@@ -4630,7 +4650,7 @@
           </a:fontRef>
         </p:style>
         <p:txBody>
-          <a:bodyPr rtlCol="0" anchor="ctr"/>
+          <a:bodyPr lIns="68580" tIns="34290" rIns="68580" bIns="34290" rtlCol="0" anchor="ctr"/>
           <a:lstStyle/>
           <a:p>
             <a:pPr algn="ctr"/>
@@ -4680,8 +4700,8 @@
         </p:nvCxnSpPr>
         <p:spPr>
           <a:xfrm flipV="1">
-            <a:off x="7447757" y="1962727"/>
-            <a:ext cx="0" cy="170233"/>
+            <a:off x="6702982" y="1543834"/>
+            <a:ext cx="0" cy="133901"/>
           </a:xfrm>
           <a:prstGeom prst="straightConnector1">
             <a:avLst/>
@@ -4716,8 +4736,8 @@
         </p:nvSpPr>
         <p:spPr>
           <a:xfrm>
-            <a:off x="2831983" y="4940206"/>
-            <a:ext cx="982493" cy="1527242"/>
+            <a:off x="2548786" y="3885837"/>
+            <a:ext cx="884244" cy="1201290"/>
           </a:xfrm>
           <a:prstGeom prst="rect">
             <a:avLst/>
@@ -4748,7 +4768,7 @@
           </a:fontRef>
         </p:style>
         <p:txBody>
-          <a:bodyPr rtlCol="0" anchor="ctr"/>
+          <a:bodyPr lIns="68580" tIns="34290" rIns="68580" bIns="34290" rtlCol="0" anchor="ctr"/>
           <a:lstStyle/>
           <a:p>
             <a:pPr algn="ctr"/>
@@ -4787,8 +4807,8 @@
         </p:nvCxnSpPr>
         <p:spPr>
           <a:xfrm>
-            <a:off x="2141319" y="5309857"/>
-            <a:ext cx="671208" cy="0"/>
+            <a:off x="1927186" y="4176596"/>
+            <a:ext cx="604088" cy="0"/>
           </a:xfrm>
           <a:prstGeom prst="straightConnector1">
             <a:avLst/>
@@ -4824,8 +4844,8 @@
         </p:nvCxnSpPr>
         <p:spPr>
           <a:xfrm flipH="1" flipV="1">
-            <a:off x="1854558" y="5962918"/>
-            <a:ext cx="967698" cy="4837"/>
+            <a:off x="1669102" y="4690280"/>
+            <a:ext cx="870929" cy="3805"/>
           </a:xfrm>
           <a:prstGeom prst="straightConnector1">
             <a:avLst/>
@@ -4861,8 +4881,8 @@
         </p:nvSpPr>
         <p:spPr>
           <a:xfrm>
-            <a:off x="4485684" y="4940206"/>
-            <a:ext cx="1527243" cy="710119"/>
+            <a:off x="4037118" y="3885841"/>
+            <a:ext cx="1374518" cy="558561"/>
           </a:xfrm>
           <a:prstGeom prst="rect">
             <a:avLst/>
@@ -4893,7 +4913,7 @@
           </a:fontRef>
         </p:style>
         <p:txBody>
-          <a:bodyPr rtlCol="0" anchor="ctr"/>
+          <a:bodyPr lIns="68580" tIns="34290" rIns="68580" bIns="34290" rtlCol="0" anchor="ctr"/>
           <a:lstStyle/>
           <a:p>
             <a:pPr algn="ctr"/>
@@ -4921,8 +4941,8 @@
         </p:nvSpPr>
         <p:spPr>
           <a:xfrm>
-            <a:off x="6684135" y="4940205"/>
-            <a:ext cx="1527243" cy="710119"/>
+            <a:off x="6015723" y="3885840"/>
+            <a:ext cx="1374518" cy="558561"/>
           </a:xfrm>
           <a:prstGeom prst="rect">
             <a:avLst/>
@@ -4953,7 +4973,7 @@
           </a:fontRef>
         </p:style>
         <p:txBody>
-          <a:bodyPr rtlCol="0" anchor="ctr"/>
+          <a:bodyPr lIns="68580" tIns="34290" rIns="68580" bIns="34290" rtlCol="0" anchor="ctr"/>
           <a:lstStyle/>
           <a:p>
             <a:pPr algn="ctr"/>
@@ -4981,8 +5001,8 @@
         </p:nvSpPr>
         <p:spPr>
           <a:xfrm>
-            <a:off x="8882586" y="4940204"/>
-            <a:ext cx="1826054" cy="1527244"/>
+            <a:off x="7994329" y="3885839"/>
+            <a:ext cx="1643450" cy="1201291"/>
           </a:xfrm>
           <a:prstGeom prst="rect">
             <a:avLst/>
@@ -5013,7 +5033,7 @@
           </a:fontRef>
         </p:style>
         <p:txBody>
-          <a:bodyPr rtlCol="0" anchor="ctr"/>
+          <a:bodyPr lIns="68580" tIns="34290" rIns="68580" bIns="34290" rtlCol="0" anchor="ctr"/>
           <a:lstStyle/>
           <a:p>
             <a:pPr algn="ctr"/>
@@ -5060,8 +5080,8 @@
         </p:nvSpPr>
         <p:spPr>
           <a:xfrm>
-            <a:off x="6684135" y="4055647"/>
-            <a:ext cx="1527243" cy="710119"/>
+            <a:off x="6015723" y="3190071"/>
+            <a:ext cx="1374518" cy="558561"/>
           </a:xfrm>
           <a:prstGeom prst="rect">
             <a:avLst/>
@@ -5090,7 +5110,7 @@
           </a:fontRef>
         </p:style>
         <p:txBody>
-          <a:bodyPr rtlCol="0" anchor="ctr"/>
+          <a:bodyPr lIns="68580" tIns="34290" rIns="68580" bIns="34290" rtlCol="0" anchor="ctr"/>
           <a:lstStyle/>
           <a:p>
             <a:pPr algn="ctr"/>
@@ -5121,8 +5141,8 @@
         </p:nvCxnSpPr>
         <p:spPr>
           <a:xfrm>
-            <a:off x="7447757" y="4765766"/>
-            <a:ext cx="0" cy="174439"/>
+            <a:off x="6702982" y="3748631"/>
+            <a:ext cx="0" cy="137209"/>
           </a:xfrm>
           <a:prstGeom prst="straightConnector1">
             <a:avLst/>
@@ -5157,8 +5177,8 @@
         </p:nvCxnSpPr>
         <p:spPr>
           <a:xfrm flipH="1">
-            <a:off x="2141319" y="2502612"/>
-            <a:ext cx="9453" cy="2807245"/>
+            <a:off x="1927188" y="1968490"/>
+            <a:ext cx="8508" cy="2208106"/>
           </a:xfrm>
           <a:prstGeom prst="straightConnector1">
             <a:avLst/>
@@ -5194,8 +5214,8 @@
         </p:nvCxnSpPr>
         <p:spPr>
           <a:xfrm flipH="1" flipV="1">
-            <a:off x="1854558" y="3221143"/>
-            <a:ext cx="1" cy="2741776"/>
+            <a:off x="1669105" y="2533668"/>
+            <a:ext cx="2" cy="2156610"/>
           </a:xfrm>
           <a:prstGeom prst="straightConnector1">
             <a:avLst/>
@@ -5231,8 +5251,8 @@
         </p:nvCxnSpPr>
         <p:spPr>
           <a:xfrm flipV="1">
-            <a:off x="2150772" y="4327301"/>
-            <a:ext cx="4198513" cy="1"/>
+            <a:off x="1935698" y="3403746"/>
+            <a:ext cx="3778662" cy="1"/>
           </a:xfrm>
           <a:prstGeom prst="straightConnector1">
             <a:avLst/>
@@ -5268,8 +5288,8 @@
         </p:nvCxnSpPr>
         <p:spPr>
           <a:xfrm flipH="1">
-            <a:off x="6349285" y="4327301"/>
-            <a:ext cx="1" cy="734096"/>
+            <a:off x="5714359" y="3403743"/>
+            <a:ext cx="2" cy="577421"/>
           </a:xfrm>
           <a:prstGeom prst="straightConnector1">
             <a:avLst/>
@@ -5305,8 +5325,8 @@
         </p:nvCxnSpPr>
         <p:spPr>
           <a:xfrm flipH="1">
-            <a:off x="6349285" y="5061397"/>
-            <a:ext cx="334851" cy="0"/>
+            <a:off x="5714357" y="3981164"/>
+            <a:ext cx="301366" cy="0"/>
           </a:xfrm>
           <a:prstGeom prst="straightConnector1">
             <a:avLst/>
@@ -5342,8 +5362,8 @@
         </p:nvSpPr>
         <p:spPr>
           <a:xfrm>
-            <a:off x="307997" y="2061887"/>
-            <a:ext cx="1232739" cy="1527242"/>
+            <a:off x="277197" y="1621827"/>
+            <a:ext cx="1109465" cy="1201290"/>
           </a:xfrm>
           <a:prstGeom prst="rect">
             <a:avLst/>
@@ -5370,7 +5390,7 @@
           </a:fontRef>
         </p:style>
         <p:txBody>
-          <a:bodyPr rtlCol="0" anchor="ctr"/>
+          <a:bodyPr lIns="68580" tIns="34290" rIns="68580" bIns="34290" rtlCol="0" anchor="ctr"/>
           <a:lstStyle/>
           <a:p>
             <a:pPr algn="ctr"/>
@@ -5421,8 +5441,8 @@
         </p:nvCxnSpPr>
         <p:spPr>
           <a:xfrm>
-            <a:off x="8211378" y="1586065"/>
-            <a:ext cx="671208" cy="0"/>
+            <a:off x="7390240" y="1247558"/>
+            <a:ext cx="604088" cy="0"/>
           </a:xfrm>
           <a:prstGeom prst="straightConnector1">
             <a:avLst/>
@@ -5458,8 +5478,8 @@
         </p:nvSpPr>
         <p:spPr>
           <a:xfrm>
-            <a:off x="8882585" y="1443800"/>
-            <a:ext cx="1232739" cy="288325"/>
+            <a:off x="7994327" y="1135658"/>
+            <a:ext cx="1109465" cy="226789"/>
           </a:xfrm>
           <a:prstGeom prst="rect">
             <a:avLst/>
@@ -5486,7 +5506,7 @@
           </a:fontRef>
         </p:style>
         <p:txBody>
-          <a:bodyPr rtlCol="0" anchor="ctr"/>
+          <a:bodyPr lIns="68580" tIns="34290" rIns="68580" bIns="34290" rtlCol="0" anchor="ctr"/>
           <a:lstStyle/>
           <a:p>
             <a:r>
@@ -5516,8 +5536,8 @@
         </p:nvCxnSpPr>
         <p:spPr>
           <a:xfrm flipH="1">
-            <a:off x="8211378" y="4401613"/>
-            <a:ext cx="671207" cy="9094"/>
+            <a:off x="7390244" y="3462196"/>
+            <a:ext cx="604086" cy="7154"/>
           </a:xfrm>
           <a:prstGeom prst="straightConnector1">
             <a:avLst/>
@@ -5553,8 +5573,8 @@
         </p:nvSpPr>
         <p:spPr>
           <a:xfrm>
-            <a:off x="8882585" y="4257450"/>
-            <a:ext cx="1232739" cy="288325"/>
+            <a:off x="7994327" y="3348803"/>
+            <a:ext cx="1109465" cy="226789"/>
           </a:xfrm>
           <a:prstGeom prst="rect">
             <a:avLst/>
@@ -5581,7 +5601,7 @@
           </a:fontRef>
         </p:style>
         <p:txBody>
-          <a:bodyPr rtlCol="0" anchor="ctr"/>
+          <a:bodyPr lIns="68580" tIns="34290" rIns="68580" bIns="34290" rtlCol="0" anchor="ctr"/>
           <a:lstStyle/>
           <a:p>
             <a:r>
@@ -5608,8 +5628,8 @@
         </p:nvSpPr>
         <p:spPr>
           <a:xfrm>
-            <a:off x="8902258" y="3079306"/>
-            <a:ext cx="596696" cy="304819"/>
+            <a:off x="8012034" y="2422105"/>
+            <a:ext cx="537026" cy="239763"/>
           </a:xfrm>
           <a:prstGeom prst="rect">
             <a:avLst/>
@@ -5636,7 +5656,7 @@
           </a:fontRef>
         </p:style>
         <p:txBody>
-          <a:bodyPr rtlCol="0" anchor="ctr"/>
+          <a:bodyPr lIns="68580" tIns="34290" rIns="68580" bIns="34290" rtlCol="0" anchor="ctr"/>
           <a:lstStyle/>
           <a:p>
             <a:r>
@@ -5658,8 +5678,8 @@
         </p:nvSpPr>
         <p:spPr>
           <a:xfrm>
-            <a:off x="8902258" y="5875978"/>
-            <a:ext cx="596696" cy="304819"/>
+            <a:off x="8012034" y="4621895"/>
+            <a:ext cx="537026" cy="239763"/>
           </a:xfrm>
           <a:prstGeom prst="rect">
             <a:avLst/>
@@ -5686,7 +5706,7 @@
           </a:fontRef>
         </p:style>
         <p:txBody>
-          <a:bodyPr rtlCol="0" anchor="ctr"/>
+          <a:bodyPr lIns="68580" tIns="34290" rIns="68580" bIns="34290" rtlCol="0" anchor="ctr"/>
           <a:lstStyle/>
           <a:p>
             <a:r>
@@ -5713,8 +5733,8 @@
         </p:nvSpPr>
         <p:spPr>
           <a:xfrm>
-            <a:off x="8882585" y="5157447"/>
-            <a:ext cx="596696" cy="304819"/>
+            <a:off x="7994328" y="4056717"/>
+            <a:ext cx="537026" cy="239763"/>
           </a:xfrm>
           <a:prstGeom prst="rect">
             <a:avLst/>
@@ -5741,7 +5761,7 @@
           </a:fontRef>
         </p:style>
         <p:txBody>
-          <a:bodyPr rtlCol="0" anchor="ctr"/>
+          <a:bodyPr lIns="68580" tIns="34290" rIns="68580" bIns="34290" rtlCol="0" anchor="ctr"/>
           <a:lstStyle/>
           <a:p>
             <a:r>
@@ -5768,8 +5788,8 @@
         </p:nvSpPr>
         <p:spPr>
           <a:xfrm>
-            <a:off x="8902258" y="2369485"/>
-            <a:ext cx="596696" cy="304819"/>
+            <a:off x="8012034" y="1863777"/>
+            <a:ext cx="537026" cy="239763"/>
           </a:xfrm>
           <a:prstGeom prst="rect">
             <a:avLst/>
@@ -5796,7 +5816,7 @@
           </a:fontRef>
         </p:style>
         <p:txBody>
-          <a:bodyPr rtlCol="0" anchor="ctr"/>
+          <a:bodyPr lIns="68580" tIns="34290" rIns="68580" bIns="34290" rtlCol="0" anchor="ctr"/>
           <a:lstStyle/>
           <a:p>
             <a:r>
@@ -5871,8 +5891,8 @@
         </p:nvSpPr>
         <p:spPr>
           <a:xfrm>
-            <a:off x="787585" y="3466551"/>
-            <a:ext cx="1232739" cy="1527242"/>
+            <a:off x="708827" y="2726699"/>
+            <a:ext cx="1109465" cy="1201290"/>
           </a:xfrm>
           <a:prstGeom prst="rect">
             <a:avLst/>
@@ -5899,7 +5919,7 @@
           </a:fontRef>
         </p:style>
         <p:txBody>
-          <a:bodyPr rtlCol="0" anchor="ctr"/>
+          <a:bodyPr lIns="68580" tIns="34290" rIns="68580" bIns="34290" rtlCol="0" anchor="ctr"/>
           <a:lstStyle/>
           <a:p>
             <a:pPr algn="ctr"/>
@@ -5927,8 +5947,8 @@
         </p:nvSpPr>
         <p:spPr>
           <a:xfrm>
-            <a:off x="8180794" y="2166322"/>
-            <a:ext cx="2871572" cy="1527242"/>
+            <a:off x="7362718" y="1703972"/>
+            <a:ext cx="2584415" cy="1201290"/>
           </a:xfrm>
           <a:prstGeom prst="rect">
             <a:avLst/>
@@ -5955,7 +5975,7 @@
           </a:fontRef>
         </p:style>
         <p:txBody>
-          <a:bodyPr rtlCol="0" anchor="ctr"/>
+          <a:bodyPr lIns="68580" tIns="34290" rIns="68580" bIns="34290" rtlCol="0" anchor="ctr"/>
           <a:lstStyle/>
           <a:p>
             <a:pPr algn="ctr"/>
@@ -5983,8 +6003,8 @@
         </p:nvSpPr>
         <p:spPr>
           <a:xfrm>
-            <a:off x="8327469" y="2279560"/>
-            <a:ext cx="309093" cy="1300766"/>
+            <a:off x="7494722" y="1793044"/>
+            <a:ext cx="278184" cy="1023150"/>
           </a:xfrm>
           <a:prstGeom prst="rightBrace">
             <a:avLst/>
@@ -6009,7 +6029,7 @@
           </a:fontRef>
         </p:style>
         <p:txBody>
-          <a:bodyPr rtlCol="0" anchor="ctr"/>
+          <a:bodyPr lIns="68580" tIns="34290" rIns="68580" bIns="34290" rtlCol="0" anchor="ctr"/>
           <a:lstStyle/>
           <a:p>
             <a:pPr algn="ctr"/>
@@ -6025,8 +6045,8 @@
         </p:nvSpPr>
         <p:spPr>
           <a:xfrm flipH="1">
-            <a:off x="2020324" y="2279560"/>
-            <a:ext cx="319261" cy="3901225"/>
+            <a:off x="1818292" y="1793044"/>
+            <a:ext cx="287336" cy="3068602"/>
           </a:xfrm>
           <a:prstGeom prst="rightBrace">
             <a:avLst/>
@@ -6048,7 +6068,7 @@
           </a:fontRef>
         </p:style>
         <p:txBody>
-          <a:bodyPr rtlCol="0" anchor="ctr"/>
+          <a:bodyPr lIns="68580" tIns="34290" rIns="68580" bIns="34290" rtlCol="0" anchor="ctr"/>
           <a:lstStyle/>
           <a:p>
             <a:pPr algn="ctr"/>
@@ -6078,8 +6098,8 @@
         </p:blipFill>
         <p:spPr>
           <a:xfrm>
-            <a:off x="2420562" y="1847052"/>
-            <a:ext cx="5770401" cy="4631022"/>
+            <a:off x="2178509" y="1452846"/>
+            <a:ext cx="5193362" cy="3642643"/>
           </a:xfrm>
           <a:prstGeom prst="rect">
             <a:avLst/>
@@ -6147,8 +6167,8 @@
         </p:nvSpPr>
         <p:spPr>
           <a:xfrm>
-            <a:off x="1539652" y="3253808"/>
-            <a:ext cx="1486369" cy="1527242"/>
+            <a:off x="1385691" y="2559361"/>
+            <a:ext cx="1337732" cy="1201290"/>
           </a:xfrm>
           <a:prstGeom prst="rect">
             <a:avLst/>
@@ -6175,7 +6195,7 @@
           </a:fontRef>
         </p:style>
         <p:txBody>
-          <a:bodyPr rtlCol="0" anchor="ctr"/>
+          <a:bodyPr lIns="68580" tIns="34290" rIns="68580" bIns="34290" rtlCol="0" anchor="ctr"/>
           <a:lstStyle/>
           <a:p>
             <a:pPr algn="r"/>
@@ -6203,8 +6223,8 @@
         </p:nvSpPr>
         <p:spPr>
           <a:xfrm flipH="1">
-            <a:off x="3134809" y="1690687"/>
-            <a:ext cx="349608" cy="4658597"/>
+            <a:off x="2821328" y="1329852"/>
+            <a:ext cx="314648" cy="3664332"/>
           </a:xfrm>
           <a:prstGeom prst="rightBrace">
             <a:avLst/>
@@ -6229,7 +6249,7 @@
           </a:fontRef>
         </p:style>
         <p:txBody>
-          <a:bodyPr rtlCol="0" anchor="ctr"/>
+          <a:bodyPr lIns="68580" tIns="34290" rIns="68580" bIns="34290" rtlCol="0" anchor="ctr"/>
           <a:lstStyle/>
           <a:p>
             <a:pPr algn="ctr"/>
@@ -6259,8 +6279,8 @@
         </p:blipFill>
         <p:spPr>
           <a:xfrm>
-            <a:off x="3676549" y="1664770"/>
-            <a:ext cx="4261533" cy="4684514"/>
+            <a:off x="3308894" y="1309465"/>
+            <a:ext cx="3835380" cy="3684718"/>
           </a:xfrm>
           <a:prstGeom prst="rect">
             <a:avLst/>
@@ -6328,8 +6348,8 @@
         </p:nvSpPr>
         <p:spPr>
           <a:xfrm>
-            <a:off x="9381131" y="1775091"/>
-            <a:ext cx="1835977" cy="390229"/>
+            <a:off x="8443022" y="1396242"/>
+            <a:ext cx="1652380" cy="306944"/>
           </a:xfrm>
           <a:prstGeom prst="rect">
             <a:avLst/>
@@ -6356,7 +6376,7 @@
           </a:fontRef>
         </p:style>
         <p:txBody>
-          <a:bodyPr rtlCol="0" anchor="ctr"/>
+          <a:bodyPr lIns="68580" tIns="34290" rIns="68580" bIns="34290" rtlCol="0" anchor="ctr"/>
           <a:lstStyle/>
           <a:p>
             <a:r>
@@ -6378,8 +6398,8 @@
         </p:nvSpPr>
         <p:spPr>
           <a:xfrm>
-            <a:off x="9381130" y="5806440"/>
-            <a:ext cx="1835977" cy="390229"/>
+            <a:off x="8443021" y="4567196"/>
+            <a:ext cx="1652380" cy="306944"/>
           </a:xfrm>
           <a:prstGeom prst="rect">
             <a:avLst/>
@@ -6406,7 +6426,7 @@
           </a:fontRef>
         </p:style>
         <p:txBody>
-          <a:bodyPr rtlCol="0" anchor="ctr"/>
+          <a:bodyPr lIns="68580" tIns="34290" rIns="68580" bIns="34290" rtlCol="0" anchor="ctr"/>
           <a:lstStyle/>
           <a:p>
             <a:r>
@@ -6433,8 +6453,8 @@
         </p:nvSpPr>
         <p:spPr>
           <a:xfrm>
-            <a:off x="9381131" y="2249723"/>
-            <a:ext cx="1835977" cy="390229"/>
+            <a:off x="8443022" y="1769575"/>
+            <a:ext cx="1652380" cy="306944"/>
           </a:xfrm>
           <a:prstGeom prst="rect">
             <a:avLst/>
@@ -6461,7 +6481,7 @@
           </a:fontRef>
         </p:style>
         <p:txBody>
-          <a:bodyPr rtlCol="0" anchor="ctr"/>
+          <a:bodyPr lIns="68580" tIns="34290" rIns="68580" bIns="34290" rtlCol="0" anchor="ctr"/>
           <a:lstStyle/>
           <a:p>
             <a:r>
@@ -6483,8 +6503,8 @@
         </p:nvSpPr>
         <p:spPr>
           <a:xfrm>
-            <a:off x="9381131" y="3331503"/>
-            <a:ext cx="2548167" cy="390229"/>
+            <a:off x="8443022" y="2620475"/>
+            <a:ext cx="2293350" cy="306944"/>
           </a:xfrm>
           <a:prstGeom prst="rect">
             <a:avLst/>
@@ -6511,7 +6531,7 @@
           </a:fontRef>
         </p:style>
         <p:txBody>
-          <a:bodyPr rtlCol="0" anchor="ctr"/>
+          <a:bodyPr lIns="68580" tIns="34290" rIns="68580" bIns="34290" rtlCol="0" anchor="ctr"/>
           <a:lstStyle/>
           <a:p>
             <a:r>
@@ -6533,8 +6553,8 @@
         </p:nvSpPr>
         <p:spPr>
           <a:xfrm>
-            <a:off x="45703" y="3200326"/>
-            <a:ext cx="1486369" cy="1527242"/>
+            <a:off x="41137" y="2517293"/>
+            <a:ext cx="1337732" cy="1201290"/>
           </a:xfrm>
           <a:prstGeom prst="rect">
             <a:avLst/>
@@ -6561,7 +6581,7 @@
           </a:fontRef>
         </p:style>
         <p:txBody>
-          <a:bodyPr rtlCol="0" anchor="ctr"/>
+          <a:bodyPr lIns="68580" tIns="34290" rIns="68580" bIns="34290" rtlCol="0" anchor="ctr"/>
           <a:lstStyle/>
           <a:p>
             <a:pPr algn="r"/>
@@ -6589,8 +6609,8 @@
         </p:nvSpPr>
         <p:spPr>
           <a:xfrm flipH="1">
-            <a:off x="1640860" y="1970205"/>
-            <a:ext cx="349608" cy="4031350"/>
+            <a:off x="1476774" y="1549713"/>
+            <a:ext cx="314648" cy="3170956"/>
           </a:xfrm>
           <a:prstGeom prst="rightBrace">
             <a:avLst/>
@@ -6615,7 +6635,7 @@
           </a:fontRef>
         </p:style>
         <p:txBody>
-          <a:bodyPr rtlCol="0" anchor="ctr"/>
+          <a:bodyPr lIns="68580" tIns="34290" rIns="68580" bIns="34290" rtlCol="0" anchor="ctr"/>
           <a:lstStyle/>
           <a:p>
             <a:pPr algn="ctr"/>
@@ -6645,8 +6665,8 @@
         </p:blipFill>
         <p:spPr>
           <a:xfrm>
-            <a:off x="2180275" y="1775092"/>
-            <a:ext cx="7200856" cy="4421578"/>
+            <a:off x="1962248" y="1396244"/>
+            <a:ext cx="6480770" cy="3477899"/>
           </a:xfrm>
           <a:prstGeom prst="rect">
             <a:avLst/>
@@ -6728,8 +6748,8 @@
         </p:blipFill>
         <p:spPr>
           <a:xfrm>
-            <a:off x="2454162" y="1782172"/>
-            <a:ext cx="7959838" cy="4760295"/>
+            <a:off x="2208748" y="1401814"/>
+            <a:ext cx="7163855" cy="3744325"/>
           </a:xfrm>
           <a:prstGeom prst="rect">
             <a:avLst/>
@@ -6744,8 +6764,8 @@
         </p:nvSpPr>
         <p:spPr>
           <a:xfrm>
-            <a:off x="11003566" y="3814819"/>
-            <a:ext cx="1821083" cy="1527242"/>
+            <a:off x="9903211" y="3000638"/>
+            <a:ext cx="1638974" cy="1201290"/>
           </a:xfrm>
           <a:prstGeom prst="rect">
             <a:avLst/>
@@ -6772,7 +6792,7 @@
           </a:fontRef>
         </p:style>
         <p:txBody>
-          <a:bodyPr rtlCol="0" anchor="ctr"/>
+          <a:bodyPr lIns="68580" tIns="34290" rIns="68580" bIns="34290" rtlCol="0" anchor="ctr"/>
           <a:lstStyle/>
           <a:p>
             <a:r>
@@ -6809,8 +6829,8 @@
         </p:nvSpPr>
         <p:spPr>
           <a:xfrm>
-            <a:off x="10560676" y="3116686"/>
-            <a:ext cx="296214" cy="2987899"/>
+            <a:off x="9504611" y="2451506"/>
+            <a:ext cx="266594" cy="2350204"/>
           </a:xfrm>
           <a:prstGeom prst="rightBrace">
             <a:avLst/>
@@ -6835,7 +6855,7 @@
           </a:fontRef>
         </p:style>
         <p:txBody>
-          <a:bodyPr rtlCol="0" anchor="ctr"/>
+          <a:bodyPr lIns="68580" tIns="34290" rIns="68580" bIns="34290" rtlCol="0" anchor="ctr"/>
           <a:lstStyle/>
           <a:p>
             <a:pPr algn="ctr"/>
@@ -6851,8 +6871,8 @@
         </p:nvSpPr>
         <p:spPr>
           <a:xfrm>
-            <a:off x="618185" y="2262817"/>
-            <a:ext cx="1835977" cy="712201"/>
+            <a:off x="556370" y="1779876"/>
+            <a:ext cx="1652380" cy="560199"/>
           </a:xfrm>
           <a:prstGeom prst="rect">
             <a:avLst/>
@@ -6879,7 +6899,7 @@
           </a:fontRef>
         </p:style>
         <p:txBody>
-          <a:bodyPr rtlCol="0" anchor="ctr"/>
+          <a:bodyPr lIns="68580" tIns="34290" rIns="68580" bIns="34290" rtlCol="0" anchor="ctr"/>
           <a:lstStyle/>
           <a:p>
             <a:pPr algn="r"/>
@@ -6922,8 +6942,8 @@
         </p:nvSpPr>
         <p:spPr>
           <a:xfrm>
-            <a:off x="1" y="4415520"/>
-            <a:ext cx="2307486" cy="390229"/>
+            <a:off x="5" y="3473134"/>
+            <a:ext cx="2076738" cy="306944"/>
           </a:xfrm>
           <a:prstGeom prst="rect">
             <a:avLst/>
@@ -6950,7 +6970,7 @@
           </a:fontRef>
         </p:style>
         <p:txBody>
-          <a:bodyPr rtlCol="0" anchor="ctr"/>
+          <a:bodyPr lIns="68580" tIns="34290" rIns="68580" bIns="34290" rtlCol="0" anchor="ctr"/>
           <a:lstStyle/>
           <a:p>
             <a:pPr algn="r"/>
@@ -6973,8 +6993,8 @@
         </p:nvSpPr>
         <p:spPr>
           <a:xfrm>
-            <a:off x="469362" y="5070196"/>
-            <a:ext cx="1835977" cy="390229"/>
+            <a:off x="422429" y="3988085"/>
+            <a:ext cx="1652380" cy="306944"/>
           </a:xfrm>
           <a:prstGeom prst="rect">
             <a:avLst/>
@@ -7001,7 +7021,7 @@
           </a:fontRef>
         </p:style>
         <p:txBody>
-          <a:bodyPr rtlCol="0" anchor="ctr"/>
+          <a:bodyPr lIns="68580" tIns="34290" rIns="68580" bIns="34290" rtlCol="0" anchor="ctr"/>
           <a:lstStyle/>
           <a:p>
             <a:pPr algn="r"/>
@@ -7054,8 +7074,8 @@
         </p:nvSpPr>
         <p:spPr>
           <a:xfrm>
-            <a:off x="10371028" y="1451349"/>
-            <a:ext cx="2453621" cy="3890712"/>
+            <a:off x="9333925" y="1141596"/>
+            <a:ext cx="2208260" cy="3060333"/>
           </a:xfrm>
           <a:prstGeom prst="rect">
             <a:avLst/>
@@ -7082,11 +7102,11 @@
           </a:fontRef>
         </p:style>
         <p:txBody>
-          <a:bodyPr rtlCol="0" anchor="ctr"/>
-          <a:lstStyle/>
-          <a:p>
-            <a:r>
-              <a:rPr lang="en-US" sz="2000" dirty="0" smtClean="0">
+          <a:bodyPr lIns="68580" tIns="34290" rIns="68580" bIns="34290" rtlCol="0" anchor="ctr"/>
+          <a:lstStyle/>
+          <a:p>
+            <a:r>
+              <a:rPr lang="en-US" sz="1500" dirty="0">
                 <a:solidFill>
                   <a:schemeClr val="tx1"/>
                 </a:solidFill>
@@ -7096,7 +7116,7 @@
           </a:p>
           <a:p>
             <a:r>
-              <a:rPr lang="en-US" sz="2000" dirty="0" smtClean="0">
+              <a:rPr lang="en-US" sz="1500" dirty="0">
                 <a:solidFill>
                   <a:schemeClr val="tx1"/>
                 </a:solidFill>
@@ -7106,7 +7126,7 @@
           </a:p>
           <a:p>
             <a:r>
-              <a:rPr lang="en-US" sz="2000" dirty="0" smtClean="0">
+              <a:rPr lang="en-US" sz="1500" dirty="0">
                 <a:solidFill>
                   <a:schemeClr val="tx1"/>
                 </a:solidFill>
@@ -7116,7 +7136,7 @@
           </a:p>
           <a:p>
             <a:r>
-              <a:rPr lang="en-US" sz="2000" dirty="0" smtClean="0">
+              <a:rPr lang="en-US" sz="1500" dirty="0">
                 <a:solidFill>
                   <a:schemeClr val="tx1"/>
                 </a:solidFill>
@@ -7124,7 +7144,7 @@
               <a:t>TTY 6 </a:t>
             </a:r>
             <a:r>
-              <a:rPr lang="mr-IN" sz="2000" dirty="0" smtClean="0">
+              <a:rPr lang="mr-IN" sz="1500" dirty="0">
                 <a:solidFill>
                   <a:schemeClr val="tx1"/>
                 </a:solidFill>
@@ -7132,7 +7152,7 @@
               <a:t>–</a:t>
             </a:r>
             <a:r>
-              <a:rPr lang="en-US" sz="2000" dirty="0" smtClean="0">
+              <a:rPr lang="en-US" sz="1500" dirty="0">
                 <a:solidFill>
                   <a:schemeClr val="tx1"/>
                 </a:solidFill>
@@ -7142,7 +7162,7 @@
           </a:p>
           <a:p>
             <a:r>
-              <a:rPr lang="en-US" sz="2000" dirty="0" smtClean="0">
+              <a:rPr lang="en-US" sz="1500" dirty="0">
                 <a:solidFill>
                   <a:schemeClr val="tx1"/>
                 </a:solidFill>
@@ -7152,7 +7172,7 @@
           </a:p>
           <a:p>
             <a:r>
-              <a:rPr lang="en-US" sz="2000" dirty="0" smtClean="0">
+              <a:rPr lang="en-US" sz="1500" dirty="0">
                 <a:solidFill>
                   <a:schemeClr val="tx1"/>
                 </a:solidFill>
@@ -7162,7 +7182,7 @@
           </a:p>
           <a:p>
             <a:r>
-              <a:rPr lang="en-US" sz="2000" dirty="0" smtClean="0">
+              <a:rPr lang="en-US" sz="1500" dirty="0">
                 <a:solidFill>
                   <a:schemeClr val="tx1"/>
                 </a:solidFill>
@@ -7172,7 +7192,7 @@
           </a:p>
           <a:p>
             <a:r>
-              <a:rPr lang="en-US" sz="2000" dirty="0" smtClean="0">
+              <a:rPr lang="en-US" sz="1500" dirty="0">
                 <a:solidFill>
                   <a:schemeClr val="tx1"/>
                 </a:solidFill>
@@ -7181,7 +7201,7 @@
             </a:r>
           </a:p>
           <a:p>
-            <a:endParaRPr lang="en-US" sz="2000" dirty="0">
+            <a:endParaRPr lang="en-US" sz="1500" dirty="0">
               <a:solidFill>
                 <a:schemeClr val="tx1"/>
               </a:solidFill>
@@ -7211,8 +7231,8 @@
         </p:blipFill>
         <p:spPr>
           <a:xfrm>
-            <a:off x="0" y="0"/>
-            <a:ext cx="10371028" cy="6858000"/>
+            <a:off x="3" y="2"/>
+            <a:ext cx="9333926" cy="5394325"/>
           </a:xfrm>
           <a:prstGeom prst="rect">
             <a:avLst/>
@@ -7271,8 +7291,8 @@
         </p:blipFill>
         <p:spPr>
           <a:xfrm>
-            <a:off x="0" y="127000"/>
-            <a:ext cx="12192000" cy="6599829"/>
+            <a:off x="0" y="99895"/>
+            <a:ext cx="10972800" cy="5191254"/>
           </a:xfrm>
           <a:prstGeom prst="rect">
             <a:avLst/>

--- a/tty-usb.pptx
+++ b/tty-usb.pptx
@@ -5,24 +5,25 @@
     <p:sldMasterId id="2147483648" r:id="rId1"/>
   </p:sldMasterIdLst>
   <p:notesMasterIdLst>
-    <p:notesMasterId r:id="rId14"/>
+    <p:notesMasterId r:id="rId15"/>
   </p:notesMasterIdLst>
   <p:sldIdLst>
     <p:sldId id="258" r:id="rId2"/>
     <p:sldId id="268" r:id="rId3"/>
-    <p:sldId id="257" r:id="rId4"/>
-    <p:sldId id="259" r:id="rId5"/>
-    <p:sldId id="260" r:id="rId6"/>
-    <p:sldId id="262" r:id="rId7"/>
-    <p:sldId id="261" r:id="rId8"/>
-    <p:sldId id="264" r:id="rId9"/>
-    <p:sldId id="263" r:id="rId10"/>
-    <p:sldId id="265" r:id="rId11"/>
-    <p:sldId id="266" r:id="rId12"/>
-    <p:sldId id="267" r:id="rId13"/>
+    <p:sldId id="269" r:id="rId4"/>
+    <p:sldId id="257" r:id="rId5"/>
+    <p:sldId id="259" r:id="rId6"/>
+    <p:sldId id="260" r:id="rId7"/>
+    <p:sldId id="262" r:id="rId8"/>
+    <p:sldId id="261" r:id="rId9"/>
+    <p:sldId id="264" r:id="rId10"/>
+    <p:sldId id="263" r:id="rId11"/>
+    <p:sldId id="265" r:id="rId12"/>
+    <p:sldId id="266" r:id="rId13"/>
+    <p:sldId id="267" r:id="rId14"/>
   </p:sldIdLst>
-  <p:sldSz cx="10972800" cy="5394325"/>
-  <p:notesSz cx="9144000" cy="6858000"/>
+  <p:sldSz cx="9144000" cy="5143500" type="screen16x9"/>
+  <p:notesSz cx="6858000" cy="9144000"/>
   <p:defaultTextStyle>
     <a:defPPr>
       <a:defRPr lang="en-US"/>
@@ -120,7 +121,7 @@
   </p:defaultTextStyle>
   <p:extLst>
     <p:ext uri="{EFAFB233-063F-42B5-8137-9DF3F51BA10A}">
-      <p15:sldGuideLst xmlns="" xmlns:p15="http://schemas.microsoft.com/office/powerpoint/2012/main"/>
+      <p15:sldGuideLst xmlns:p15="http://schemas.microsoft.com/office/powerpoint/2012/main" xmlns=""/>
     </p:ext>
   </p:extLst>
 </p:presentation>
@@ -161,7 +162,7 @@
         <p:spPr>
           <a:xfrm>
             <a:off x="0" y="0"/>
-            <a:ext cx="3962400" cy="342900"/>
+            <a:ext cx="2971800" cy="457200"/>
           </a:xfrm>
           <a:prstGeom prst="rect">
             <a:avLst/>
@@ -191,8 +192,8 @@
         </p:nvSpPr>
         <p:spPr>
           <a:xfrm>
-            <a:off x="5179484" y="0"/>
-            <a:ext cx="3962400" cy="342900"/>
+            <a:off x="3884613" y="0"/>
+            <a:ext cx="2971800" cy="457200"/>
           </a:xfrm>
           <a:prstGeom prst="rect">
             <a:avLst/>
@@ -208,7 +209,7 @@
           <a:p>
             <a:fld id="{AA4ACA9E-3111-AD4A-9E18-424074DC806E}" type="datetimeFigureOut">
               <a:rPr lang="en-US" smtClean="0"/>
-              <a:t>9/25/18</a:t>
+              <a:t>10/7/18</a:t>
             </a:fld>
             <a:endParaRPr lang="en-US"/>
           </a:p>
@@ -226,8 +227,8 @@
         </p:nvSpPr>
         <p:spPr>
           <a:xfrm>
-            <a:off x="1955800" y="514350"/>
-            <a:ext cx="5232400" cy="2571750"/>
+            <a:off x="381000" y="685800"/>
+            <a:ext cx="6096000" cy="3429000"/>
           </a:xfrm>
           <a:prstGeom prst="rect">
             <a:avLst/>
@@ -259,8 +260,8 @@
         </p:nvSpPr>
         <p:spPr>
           <a:xfrm>
-            <a:off x="914400" y="3257550"/>
-            <a:ext cx="7315200" cy="3086100"/>
+            <a:off x="685800" y="4343400"/>
+            <a:ext cx="5486400" cy="4114800"/>
           </a:xfrm>
           <a:prstGeom prst="rect">
             <a:avLst/>
@@ -319,8 +320,8 @@
         </p:nvSpPr>
         <p:spPr>
           <a:xfrm>
-            <a:off x="0" y="6513910"/>
-            <a:ext cx="3962400" cy="342900"/>
+            <a:off x="0" y="8685213"/>
+            <a:ext cx="2971800" cy="457200"/>
           </a:xfrm>
           <a:prstGeom prst="rect">
             <a:avLst/>
@@ -350,8 +351,8 @@
         </p:nvSpPr>
         <p:spPr>
           <a:xfrm>
-            <a:off x="5179484" y="6513910"/>
-            <a:ext cx="3962400" cy="342900"/>
+            <a:off x="3884613" y="8685213"/>
+            <a:ext cx="2971800" cy="457200"/>
           </a:xfrm>
           <a:prstGeom prst="rect">
             <a:avLst/>
@@ -505,8 +506,8 @@
         </p:nvSpPr>
         <p:spPr>
           <a:xfrm>
-            <a:off x="1955800" y="514350"/>
-            <a:ext cx="5232400" cy="2571750"/>
+            <a:off x="381000" y="685800"/>
+            <a:ext cx="6096000" cy="3429000"/>
           </a:xfrm>
         </p:spPr>
       </p:sp>
@@ -525,21 +526,7 @@
           <a:bodyPr/>
           <a:lstStyle/>
           <a:p>
-            <a:r>
-              <a:rPr lang="en-US" dirty="0" smtClean="0"/>
-              <a:t>Current regulator</a:t>
-            </a:r>
-            <a:r>
-              <a:rPr lang="en-US" baseline="0" dirty="0" smtClean="0"/>
-              <a:t> pushes max ~20mA into the loop. </a:t>
-            </a:r>
-          </a:p>
-          <a:p>
-            <a:r>
-              <a:rPr lang="en-US" baseline="0" dirty="0" smtClean="0"/>
-              <a:t>This should survive short-circuit at the loop (since that’s how the loop works!) and also tolerate anything around ~12V to ~24V supply.</a:t>
-            </a:r>
-            <a:endParaRPr lang="en-US" dirty="0"/>
+            <a:endParaRPr lang="en-US"/>
           </a:p>
         </p:txBody>
       </p:sp>
@@ -560,7 +547,7 @@
           <a:p>
             <a:fld id="{14FFAA02-00AD-7E46-9722-998A6348C4C8}" type="slidenum">
               <a:rPr lang="en-US" smtClean="0"/>
-              <a:t>4</a:t>
+              <a:t>1</a:t>
             </a:fld>
             <a:endParaRPr lang="en-US"/>
           </a:p>
@@ -569,7 +556,383 @@
     </p:spTree>
     <p:extLst>
       <p:ext uri="{BB962C8B-B14F-4D97-AF65-F5344CB8AC3E}">
-        <p14:creationId xmlns:p14="http://schemas.microsoft.com/office/powerpoint/2010/main" val="1423695045"/>
+        <p14:creationId xmlns:p14="http://schemas.microsoft.com/office/powerpoint/2010/main" val="3646974360"/>
+      </p:ext>
+    </p:extLst>
+  </p:cSld>
+  <p:clrMapOvr>
+    <a:masterClrMapping/>
+  </p:clrMapOvr>
+</p:notes>
+</file>
+
+<file path=ppt/notesSlides/notesSlide10.xml><?xml version="1.0" encoding="utf-8"?>
+<p:notes xmlns:a="http://schemas.openxmlformats.org/drawingml/2006/main" xmlns:r="http://schemas.openxmlformats.org/officeDocument/2006/relationships" xmlns:p="http://schemas.openxmlformats.org/presentationml/2006/main">
+  <p:cSld>
+    <p:spTree>
+      <p:nvGrpSpPr>
+        <p:cNvPr id="1" name=""/>
+        <p:cNvGrpSpPr/>
+        <p:nvPr/>
+      </p:nvGrpSpPr>
+      <p:grpSpPr>
+        <a:xfrm>
+          <a:off x="0" y="0"/>
+          <a:ext cx="0" cy="0"/>
+          <a:chOff x="0" y="0"/>
+          <a:chExt cx="0" cy="0"/>
+        </a:xfrm>
+      </p:grpSpPr>
+      <p:sp>
+        <p:nvSpPr>
+          <p:cNvPr id="2" name="Slide Image Placeholder 1"/>
+          <p:cNvSpPr>
+            <a:spLocks noGrp="1" noRot="1" noChangeAspect="1"/>
+          </p:cNvSpPr>
+          <p:nvPr>
+            <p:ph type="sldImg"/>
+          </p:nvPr>
+        </p:nvSpPr>
+        <p:spPr>
+          <a:xfrm>
+            <a:off x="381000" y="685800"/>
+            <a:ext cx="6096000" cy="3429000"/>
+          </a:xfrm>
+        </p:spPr>
+      </p:sp>
+      <p:sp>
+        <p:nvSpPr>
+          <p:cNvPr id="3" name="Notes Placeholder 2"/>
+          <p:cNvSpPr>
+            <a:spLocks noGrp="1"/>
+          </p:cNvSpPr>
+          <p:nvPr>
+            <p:ph type="body" idx="1"/>
+          </p:nvPr>
+        </p:nvSpPr>
+        <p:spPr/>
+        <p:txBody>
+          <a:bodyPr/>
+          <a:lstStyle/>
+          <a:p>
+            <a:r>
+              <a:rPr lang="en-US" dirty="0" smtClean="0"/>
+              <a:t>The Teensy microcontroller</a:t>
+            </a:r>
+            <a:endParaRPr lang="en-US" dirty="0"/>
+          </a:p>
+        </p:txBody>
+      </p:sp>
+      <p:sp>
+        <p:nvSpPr>
+          <p:cNvPr id="4" name="Slide Number Placeholder 3"/>
+          <p:cNvSpPr>
+            <a:spLocks noGrp="1"/>
+          </p:cNvSpPr>
+          <p:nvPr>
+            <p:ph type="sldNum" sz="quarter" idx="10"/>
+          </p:nvPr>
+        </p:nvSpPr>
+        <p:spPr/>
+        <p:txBody>
+          <a:bodyPr/>
+          <a:lstStyle/>
+          <a:p>
+            <a:fld id="{14FFAA02-00AD-7E46-9722-998A6348C4C8}" type="slidenum">
+              <a:rPr lang="en-US" smtClean="0"/>
+              <a:t>10</a:t>
+            </a:fld>
+            <a:endParaRPr lang="en-US"/>
+          </a:p>
+        </p:txBody>
+      </p:sp>
+    </p:spTree>
+    <p:extLst>
+      <p:ext uri="{BB962C8B-B14F-4D97-AF65-F5344CB8AC3E}">
+        <p14:creationId xmlns:p14="http://schemas.microsoft.com/office/powerpoint/2010/main" val="2301256330"/>
+      </p:ext>
+    </p:extLst>
+  </p:cSld>
+  <p:clrMapOvr>
+    <a:masterClrMapping/>
+  </p:clrMapOvr>
+</p:notes>
+</file>
+
+<file path=ppt/notesSlides/notesSlide11.xml><?xml version="1.0" encoding="utf-8"?>
+<p:notes xmlns:a="http://schemas.openxmlformats.org/drawingml/2006/main" xmlns:r="http://schemas.openxmlformats.org/officeDocument/2006/relationships" xmlns:p="http://schemas.openxmlformats.org/presentationml/2006/main">
+  <p:cSld>
+    <p:spTree>
+      <p:nvGrpSpPr>
+        <p:cNvPr id="1" name=""/>
+        <p:cNvGrpSpPr/>
+        <p:nvPr/>
+      </p:nvGrpSpPr>
+      <p:grpSpPr>
+        <a:xfrm>
+          <a:off x="0" y="0"/>
+          <a:ext cx="0" cy="0"/>
+          <a:chOff x="0" y="0"/>
+          <a:chExt cx="0" cy="0"/>
+        </a:xfrm>
+      </p:grpSpPr>
+      <p:sp>
+        <p:nvSpPr>
+          <p:cNvPr id="2" name="Slide Image Placeholder 1"/>
+          <p:cNvSpPr>
+            <a:spLocks noGrp="1" noRot="1" noChangeAspect="1"/>
+          </p:cNvSpPr>
+          <p:nvPr>
+            <p:ph type="sldImg"/>
+          </p:nvPr>
+        </p:nvSpPr>
+        <p:spPr>
+          <a:xfrm>
+            <a:off x="381000" y="685800"/>
+            <a:ext cx="6096000" cy="3429000"/>
+          </a:xfrm>
+        </p:spPr>
+      </p:sp>
+      <p:sp>
+        <p:nvSpPr>
+          <p:cNvPr id="3" name="Notes Placeholder 2"/>
+          <p:cNvSpPr>
+            <a:spLocks noGrp="1"/>
+          </p:cNvSpPr>
+          <p:nvPr>
+            <p:ph type="body" idx="1"/>
+          </p:nvPr>
+        </p:nvSpPr>
+        <p:spPr/>
+        <p:txBody>
+          <a:bodyPr/>
+          <a:lstStyle/>
+          <a:p>
+            <a:r>
+              <a:rPr lang="en-US" dirty="0" smtClean="0"/>
+              <a:t>The two boards stack together</a:t>
+            </a:r>
+            <a:endParaRPr lang="en-US" dirty="0"/>
+          </a:p>
+        </p:txBody>
+      </p:sp>
+      <p:sp>
+        <p:nvSpPr>
+          <p:cNvPr id="4" name="Slide Number Placeholder 3"/>
+          <p:cNvSpPr>
+            <a:spLocks noGrp="1"/>
+          </p:cNvSpPr>
+          <p:nvPr>
+            <p:ph type="sldNum" sz="quarter" idx="10"/>
+          </p:nvPr>
+        </p:nvSpPr>
+        <p:spPr/>
+        <p:txBody>
+          <a:bodyPr/>
+          <a:lstStyle/>
+          <a:p>
+            <a:fld id="{14FFAA02-00AD-7E46-9722-998A6348C4C8}" type="slidenum">
+              <a:rPr lang="en-US" smtClean="0"/>
+              <a:t>11</a:t>
+            </a:fld>
+            <a:endParaRPr lang="en-US"/>
+          </a:p>
+        </p:txBody>
+      </p:sp>
+    </p:spTree>
+    <p:extLst>
+      <p:ext uri="{BB962C8B-B14F-4D97-AF65-F5344CB8AC3E}">
+        <p14:creationId xmlns:p14="http://schemas.microsoft.com/office/powerpoint/2010/main" val="4016358316"/>
+      </p:ext>
+    </p:extLst>
+  </p:cSld>
+  <p:clrMapOvr>
+    <a:masterClrMapping/>
+  </p:clrMapOvr>
+</p:notes>
+</file>
+
+<file path=ppt/notesSlides/notesSlide12.xml><?xml version="1.0" encoding="utf-8"?>
+<p:notes xmlns:a="http://schemas.openxmlformats.org/drawingml/2006/main" xmlns:r="http://schemas.openxmlformats.org/officeDocument/2006/relationships" xmlns:p="http://schemas.openxmlformats.org/presentationml/2006/main">
+  <p:cSld>
+    <p:spTree>
+      <p:nvGrpSpPr>
+        <p:cNvPr id="1" name=""/>
+        <p:cNvGrpSpPr/>
+        <p:nvPr/>
+      </p:nvGrpSpPr>
+      <p:grpSpPr>
+        <a:xfrm>
+          <a:off x="0" y="0"/>
+          <a:ext cx="0" cy="0"/>
+          <a:chOff x="0" y="0"/>
+          <a:chExt cx="0" cy="0"/>
+        </a:xfrm>
+      </p:grpSpPr>
+      <p:sp>
+        <p:nvSpPr>
+          <p:cNvPr id="2" name="Slide Image Placeholder 1"/>
+          <p:cNvSpPr>
+            <a:spLocks noGrp="1" noRot="1" noChangeAspect="1"/>
+          </p:cNvSpPr>
+          <p:nvPr>
+            <p:ph type="sldImg"/>
+          </p:nvPr>
+        </p:nvSpPr>
+        <p:spPr>
+          <a:xfrm>
+            <a:off x="381000" y="685800"/>
+            <a:ext cx="6096000" cy="3429000"/>
+          </a:xfrm>
+        </p:spPr>
+      </p:sp>
+      <p:sp>
+        <p:nvSpPr>
+          <p:cNvPr id="3" name="Notes Placeholder 2"/>
+          <p:cNvSpPr>
+            <a:spLocks noGrp="1"/>
+          </p:cNvSpPr>
+          <p:nvPr>
+            <p:ph type="body" idx="1"/>
+          </p:nvPr>
+        </p:nvSpPr>
+        <p:spPr/>
+        <p:txBody>
+          <a:bodyPr/>
+          <a:lstStyle/>
+          <a:p>
+            <a:r>
+              <a:rPr lang="en-US" dirty="0" smtClean="0"/>
+              <a:t>Ready for action</a:t>
+            </a:r>
+            <a:endParaRPr lang="en-US" dirty="0"/>
+          </a:p>
+        </p:txBody>
+      </p:sp>
+      <p:sp>
+        <p:nvSpPr>
+          <p:cNvPr id="4" name="Slide Number Placeholder 3"/>
+          <p:cNvSpPr>
+            <a:spLocks noGrp="1"/>
+          </p:cNvSpPr>
+          <p:nvPr>
+            <p:ph type="sldNum" sz="quarter" idx="10"/>
+          </p:nvPr>
+        </p:nvSpPr>
+        <p:spPr/>
+        <p:txBody>
+          <a:bodyPr/>
+          <a:lstStyle/>
+          <a:p>
+            <a:fld id="{14FFAA02-00AD-7E46-9722-998A6348C4C8}" type="slidenum">
+              <a:rPr lang="en-US" smtClean="0"/>
+              <a:t>12</a:t>
+            </a:fld>
+            <a:endParaRPr lang="en-US"/>
+          </a:p>
+        </p:txBody>
+      </p:sp>
+    </p:spTree>
+    <p:extLst>
+      <p:ext uri="{BB962C8B-B14F-4D97-AF65-F5344CB8AC3E}">
+        <p14:creationId xmlns:p14="http://schemas.microsoft.com/office/powerpoint/2010/main" val="3877091597"/>
+      </p:ext>
+    </p:extLst>
+  </p:cSld>
+  <p:clrMapOvr>
+    <a:masterClrMapping/>
+  </p:clrMapOvr>
+</p:notes>
+</file>
+
+<file path=ppt/notesSlides/notesSlide13.xml><?xml version="1.0" encoding="utf-8"?>
+<p:notes xmlns:a="http://schemas.openxmlformats.org/drawingml/2006/main" xmlns:r="http://schemas.openxmlformats.org/officeDocument/2006/relationships" xmlns:p="http://schemas.openxmlformats.org/presentationml/2006/main">
+  <p:cSld>
+    <p:spTree>
+      <p:nvGrpSpPr>
+        <p:cNvPr id="1" name=""/>
+        <p:cNvGrpSpPr/>
+        <p:nvPr/>
+      </p:nvGrpSpPr>
+      <p:grpSpPr>
+        <a:xfrm>
+          <a:off x="0" y="0"/>
+          <a:ext cx="0" cy="0"/>
+          <a:chOff x="0" y="0"/>
+          <a:chExt cx="0" cy="0"/>
+        </a:xfrm>
+      </p:grpSpPr>
+      <p:sp>
+        <p:nvSpPr>
+          <p:cNvPr id="2" name="Slide Image Placeholder 1"/>
+          <p:cNvSpPr>
+            <a:spLocks noGrp="1" noRot="1" noChangeAspect="1"/>
+          </p:cNvSpPr>
+          <p:nvPr>
+            <p:ph type="sldImg"/>
+          </p:nvPr>
+        </p:nvSpPr>
+        <p:spPr>
+          <a:xfrm>
+            <a:off x="381000" y="685800"/>
+            <a:ext cx="6096000" cy="3429000"/>
+          </a:xfrm>
+        </p:spPr>
+      </p:sp>
+      <p:sp>
+        <p:nvSpPr>
+          <p:cNvPr id="3" name="Notes Placeholder 2"/>
+          <p:cNvSpPr>
+            <a:spLocks noGrp="1"/>
+          </p:cNvSpPr>
+          <p:nvPr>
+            <p:ph type="body" idx="1"/>
+          </p:nvPr>
+        </p:nvSpPr>
+        <p:spPr/>
+        <p:txBody>
+          <a:bodyPr/>
+          <a:lstStyle/>
+          <a:p>
+            <a:r>
+              <a:rPr lang="en-US" dirty="0" smtClean="0"/>
+              <a:t>Interfacing to OSX.  Note that the host thinks this terminal</a:t>
+            </a:r>
+            <a:r>
+              <a:rPr lang="en-US" baseline="0" dirty="0" smtClean="0"/>
+              <a:t> runs at 115200 baud, because that’s the serial-USB speed that the Teensy microcontroller is running.</a:t>
+            </a:r>
+            <a:endParaRPr lang="en-US" dirty="0"/>
+          </a:p>
+        </p:txBody>
+      </p:sp>
+      <p:sp>
+        <p:nvSpPr>
+          <p:cNvPr id="4" name="Slide Number Placeholder 3"/>
+          <p:cNvSpPr>
+            <a:spLocks noGrp="1"/>
+          </p:cNvSpPr>
+          <p:nvPr>
+            <p:ph type="sldNum" sz="quarter" idx="10"/>
+          </p:nvPr>
+        </p:nvSpPr>
+        <p:spPr/>
+        <p:txBody>
+          <a:bodyPr/>
+          <a:lstStyle/>
+          <a:p>
+            <a:fld id="{14FFAA02-00AD-7E46-9722-998A6348C4C8}" type="slidenum">
+              <a:rPr lang="en-US" smtClean="0"/>
+              <a:t>13</a:t>
+            </a:fld>
+            <a:endParaRPr lang="en-US"/>
+          </a:p>
+        </p:txBody>
+      </p:sp>
+    </p:spTree>
+    <p:extLst>
+      <p:ext uri="{BB962C8B-B14F-4D97-AF65-F5344CB8AC3E}">
+        <p14:creationId xmlns:p14="http://schemas.microsoft.com/office/powerpoint/2010/main" val="3390999677"/>
       </p:ext>
     </p:extLst>
   </p:cSld>
@@ -608,8 +971,8 @@
         </p:nvSpPr>
         <p:spPr>
           <a:xfrm>
-            <a:off x="1955800" y="514350"/>
-            <a:ext cx="5232400" cy="2571750"/>
+            <a:off x="381000" y="685800"/>
+            <a:ext cx="6096000" cy="3429000"/>
           </a:xfrm>
         </p:spPr>
       </p:sp>
@@ -628,14 +991,6 @@
           <a:bodyPr/>
           <a:lstStyle/>
           <a:p>
-            <a:r>
-              <a:rPr lang="en-US" dirty="0" smtClean="0"/>
-              <a:t>LED current driver running ~10mA for standard 5mm red/yellow</a:t>
-            </a:r>
-            <a:r>
-              <a:rPr lang="en-US" baseline="0" dirty="0" smtClean="0"/>
-              <a:t> LEDs.</a:t>
-            </a:r>
             <a:endParaRPr lang="en-US" dirty="0"/>
           </a:p>
         </p:txBody>
@@ -657,7 +1012,7 @@
           <a:p>
             <a:fld id="{14FFAA02-00AD-7E46-9722-998A6348C4C8}" type="slidenum">
               <a:rPr lang="en-US" smtClean="0"/>
-              <a:t>5</a:t>
+              <a:t>2</a:t>
             </a:fld>
             <a:endParaRPr lang="en-US"/>
           </a:p>
@@ -666,7 +1021,7 @@
     </p:spTree>
     <p:extLst>
       <p:ext uri="{BB962C8B-B14F-4D97-AF65-F5344CB8AC3E}">
-        <p14:creationId xmlns:p14="http://schemas.microsoft.com/office/powerpoint/2010/main" val="1683989268"/>
+        <p14:creationId xmlns:p14="http://schemas.microsoft.com/office/powerpoint/2010/main" val="782103246"/>
       </p:ext>
     </p:extLst>
   </p:cSld>
@@ -705,8 +1060,8 @@
         </p:nvSpPr>
         <p:spPr>
           <a:xfrm>
-            <a:off x="1955800" y="514350"/>
-            <a:ext cx="5232400" cy="2571750"/>
+            <a:off x="381000" y="685800"/>
+            <a:ext cx="6096000" cy="3429000"/>
           </a:xfrm>
         </p:spPr>
       </p:sp>
@@ -725,44 +1080,7 @@
           <a:bodyPr/>
           <a:lstStyle/>
           <a:p>
-            <a:r>
-              <a:rPr lang="en-US" dirty="0" smtClean="0"/>
-              <a:t>LED current driver runs ~3mA into the </a:t>
-            </a:r>
-            <a:r>
-              <a:rPr lang="en-US" dirty="0" err="1" smtClean="0"/>
-              <a:t>opto</a:t>
-            </a:r>
-            <a:r>
-              <a:rPr lang="en-US" dirty="0" smtClean="0"/>
-              <a:t>-isolator.</a:t>
-            </a:r>
-          </a:p>
-          <a:p>
-            <a:r>
-              <a:rPr lang="en-US" dirty="0" smtClean="0"/>
-              <a:t>The 47u capacitor filters out all the line noise, gives a slow rise-time for 110-baud</a:t>
-            </a:r>
-            <a:r>
-              <a:rPr lang="en-US" baseline="0" dirty="0" smtClean="0"/>
-              <a:t> operation.  (Doesn’t need to be this big!).</a:t>
-            </a:r>
-          </a:p>
-          <a:p>
-            <a:r>
-              <a:rPr lang="en-US" baseline="0" dirty="0" smtClean="0"/>
-              <a:t>On the other side, Teensy receives the serial signal.  The 6N138 needs 5V power, from the Teensy.</a:t>
-            </a:r>
-          </a:p>
-          <a:p>
-            <a:endParaRPr lang="en-US" baseline="0" dirty="0" smtClean="0"/>
-          </a:p>
-          <a:p>
-            <a:r>
-              <a:rPr lang="en-US" baseline="0" dirty="0" smtClean="0"/>
-              <a:t>NB the output is “inverted” (mark=low, space=high), and this needs to be handled in the receiver software.</a:t>
-            </a:r>
-            <a:endParaRPr lang="en-US" dirty="0"/>
+            <a:endParaRPr lang="en-US"/>
           </a:p>
         </p:txBody>
       </p:sp>
@@ -783,7 +1101,7 @@
           <a:p>
             <a:fld id="{14FFAA02-00AD-7E46-9722-998A6348C4C8}" type="slidenum">
               <a:rPr lang="en-US" smtClean="0"/>
-              <a:t>6</a:t>
+              <a:t>3</a:t>
             </a:fld>
             <a:endParaRPr lang="en-US"/>
           </a:p>
@@ -792,7 +1110,7 @@
     </p:spTree>
     <p:extLst>
       <p:ext uri="{BB962C8B-B14F-4D97-AF65-F5344CB8AC3E}">
-        <p14:creationId xmlns:p14="http://schemas.microsoft.com/office/powerpoint/2010/main" val="1033679965"/>
+        <p14:creationId xmlns:p14="http://schemas.microsoft.com/office/powerpoint/2010/main" val="151681700"/>
       </p:ext>
     </p:extLst>
   </p:cSld>
@@ -831,8 +1149,582 @@
         </p:nvSpPr>
         <p:spPr>
           <a:xfrm>
-            <a:off x="1955800" y="514350"/>
-            <a:ext cx="5232400" cy="2571750"/>
+            <a:off x="381000" y="685800"/>
+            <a:ext cx="6096000" cy="3429000"/>
+          </a:xfrm>
+        </p:spPr>
+      </p:sp>
+      <p:sp>
+        <p:nvSpPr>
+          <p:cNvPr id="3" name="Notes Placeholder 2"/>
+          <p:cNvSpPr>
+            <a:spLocks noGrp="1"/>
+          </p:cNvSpPr>
+          <p:nvPr>
+            <p:ph type="body" idx="1"/>
+          </p:nvPr>
+        </p:nvSpPr>
+        <p:spPr/>
+        <p:txBody>
+          <a:bodyPr/>
+          <a:lstStyle/>
+          <a:p>
+            <a:r>
+              <a:rPr lang="en-US" dirty="0" smtClean="0"/>
+              <a:t>This interface</a:t>
+            </a:r>
+            <a:r>
+              <a:rPr lang="en-US" baseline="0" dirty="0" smtClean="0"/>
+              <a:t> is built as two independent 20mA current loops, including loop supply for each.</a:t>
+            </a:r>
+          </a:p>
+          <a:p>
+            <a:endParaRPr lang="en-US" baseline="0" dirty="0" smtClean="0"/>
+          </a:p>
+          <a:p>
+            <a:r>
+              <a:rPr lang="en-US" baseline="0" dirty="0" smtClean="0"/>
+              <a:t>On the “</a:t>
+            </a:r>
+            <a:r>
+              <a:rPr lang="en-US" baseline="0" dirty="0" err="1" smtClean="0"/>
+              <a:t>tty</a:t>
+            </a:r>
+            <a:r>
+              <a:rPr lang="en-US" baseline="0" dirty="0" smtClean="0"/>
+              <a:t> send” side: the keyboard is a mechanical serial distributor that makes contact on “mark” (completing the loop) or break on each “space” bit.  There’s no electronics in the teletype circuit, so polarity doesn’t matter.  The components on the current loop are: a LED for monitoring; a LED </a:t>
+            </a:r>
+            <a:r>
+              <a:rPr lang="en-US" baseline="0" dirty="0" err="1" smtClean="0"/>
+              <a:t>opto</a:t>
+            </a:r>
+            <a:r>
+              <a:rPr lang="en-US" baseline="0" dirty="0" smtClean="0"/>
+              <a:t>-isolator to send signals to the Teensy serial received; and the teletype.</a:t>
+            </a:r>
+          </a:p>
+          <a:p>
+            <a:endParaRPr lang="en-US" baseline="0" dirty="0" smtClean="0"/>
+          </a:p>
+          <a:p>
+            <a:r>
+              <a:rPr lang="en-US" baseline="0" dirty="0" smtClean="0"/>
+              <a:t>On the “</a:t>
+            </a:r>
+            <a:r>
+              <a:rPr lang="en-US" baseline="0" dirty="0" err="1" smtClean="0"/>
+              <a:t>tty</a:t>
+            </a:r>
+            <a:r>
+              <a:rPr lang="en-US" baseline="0" dirty="0" smtClean="0"/>
+              <a:t> receive” side, the teletype uses solenoids to drive the printer and tape punch.  A driver amplifier is included in the teletype.  The interface is polar, i.e. connector #7 on the teletype must be at positive voltage relative to connector #6.  The components on this loop are: a LED for monitoring, a transistor switched via </a:t>
+            </a:r>
+            <a:r>
+              <a:rPr lang="en-US" baseline="0" dirty="0" err="1" smtClean="0"/>
+              <a:t>opto</a:t>
+            </a:r>
+            <a:r>
+              <a:rPr lang="en-US" baseline="0" dirty="0" smtClean="0"/>
+              <a:t>-isolator by the Teensy serial signal; and the teletype.</a:t>
+            </a:r>
+          </a:p>
+        </p:txBody>
+      </p:sp>
+      <p:sp>
+        <p:nvSpPr>
+          <p:cNvPr id="4" name="Slide Number Placeholder 3"/>
+          <p:cNvSpPr>
+            <a:spLocks noGrp="1"/>
+          </p:cNvSpPr>
+          <p:nvPr>
+            <p:ph type="sldNum" sz="quarter" idx="10"/>
+          </p:nvPr>
+        </p:nvSpPr>
+        <p:spPr/>
+        <p:txBody>
+          <a:bodyPr/>
+          <a:lstStyle/>
+          <a:p>
+            <a:fld id="{14FFAA02-00AD-7E46-9722-998A6348C4C8}" type="slidenum">
+              <a:rPr lang="en-US" smtClean="0"/>
+              <a:t>4</a:t>
+            </a:fld>
+            <a:endParaRPr lang="en-US"/>
+          </a:p>
+        </p:txBody>
+      </p:sp>
+    </p:spTree>
+    <p:extLst>
+      <p:ext uri="{BB962C8B-B14F-4D97-AF65-F5344CB8AC3E}">
+        <p14:creationId xmlns:p14="http://schemas.microsoft.com/office/powerpoint/2010/main" val="4096964294"/>
+      </p:ext>
+    </p:extLst>
+  </p:cSld>
+  <p:clrMapOvr>
+    <a:masterClrMapping/>
+  </p:clrMapOvr>
+</p:notes>
+</file>
+
+<file path=ppt/notesSlides/notesSlide5.xml><?xml version="1.0" encoding="utf-8"?>
+<p:notes xmlns:a="http://schemas.openxmlformats.org/drawingml/2006/main" xmlns:r="http://schemas.openxmlformats.org/officeDocument/2006/relationships" xmlns:p="http://schemas.openxmlformats.org/presentationml/2006/main">
+  <p:cSld>
+    <p:spTree>
+      <p:nvGrpSpPr>
+        <p:cNvPr id="1" name=""/>
+        <p:cNvGrpSpPr/>
+        <p:nvPr/>
+      </p:nvGrpSpPr>
+      <p:grpSpPr>
+        <a:xfrm>
+          <a:off x="0" y="0"/>
+          <a:ext cx="0" cy="0"/>
+          <a:chOff x="0" y="0"/>
+          <a:chExt cx="0" cy="0"/>
+        </a:xfrm>
+      </p:grpSpPr>
+      <p:sp>
+        <p:nvSpPr>
+          <p:cNvPr id="2" name="Slide Image Placeholder 1"/>
+          <p:cNvSpPr>
+            <a:spLocks noGrp="1" noRot="1" noChangeAspect="1"/>
+          </p:cNvSpPr>
+          <p:nvPr>
+            <p:ph type="sldImg"/>
+          </p:nvPr>
+        </p:nvSpPr>
+        <p:spPr>
+          <a:xfrm>
+            <a:off x="381000" y="685800"/>
+            <a:ext cx="6096000" cy="3429000"/>
+          </a:xfrm>
+        </p:spPr>
+      </p:sp>
+      <p:sp>
+        <p:nvSpPr>
+          <p:cNvPr id="3" name="Notes Placeholder 2"/>
+          <p:cNvSpPr>
+            <a:spLocks noGrp="1"/>
+          </p:cNvSpPr>
+          <p:nvPr>
+            <p:ph type="body" idx="1"/>
+          </p:nvPr>
+        </p:nvSpPr>
+        <p:spPr/>
+        <p:txBody>
+          <a:bodyPr/>
+          <a:lstStyle/>
+          <a:p>
+            <a:r>
+              <a:rPr lang="en-US" dirty="0" smtClean="0"/>
+              <a:t>This is a current </a:t>
+            </a:r>
+            <a:r>
+              <a:rPr lang="en-US" dirty="0" smtClean="0"/>
+              <a:t>regulator</a:t>
+            </a:r>
+            <a:r>
+              <a:rPr lang="en-US" baseline="0" dirty="0" smtClean="0"/>
+              <a:t> </a:t>
+            </a:r>
+            <a:r>
+              <a:rPr lang="en-US" baseline="0" dirty="0" smtClean="0"/>
+              <a:t>that supplies max </a:t>
+            </a:r>
+            <a:r>
+              <a:rPr lang="en-US" baseline="0" dirty="0" smtClean="0"/>
+              <a:t>~20mA into the loop. </a:t>
+            </a:r>
+            <a:endParaRPr lang="en-US" baseline="0" dirty="0" smtClean="0"/>
+          </a:p>
+          <a:p>
+            <a:endParaRPr lang="en-US" baseline="0" dirty="0" smtClean="0"/>
+          </a:p>
+          <a:p>
+            <a:r>
+              <a:rPr lang="en-US" baseline="0" dirty="0" smtClean="0"/>
+              <a:t>This should survive short-circuit at the loop (since that’s how the loop works!) and also tolerate anything around ~12V to ~24V supply</a:t>
+            </a:r>
+            <a:r>
+              <a:rPr lang="en-US" baseline="0" dirty="0" smtClean="0"/>
+              <a:t>.  In this build it’s driven by a 19.2V wall-wart.</a:t>
+            </a:r>
+          </a:p>
+          <a:p>
+            <a:endParaRPr lang="en-US" baseline="0" dirty="0" smtClean="0"/>
+          </a:p>
+          <a:p>
+            <a:r>
+              <a:rPr lang="en-US" baseline="0" dirty="0" smtClean="0"/>
+              <a:t>NOTE: For this entire project, components are just what was to hand.  The BC639 handles more current than BC549.  The MJE15043 is a nice high-power transistor intended for audio, but really only needs to be able to dissipate 0.5W depending on the supply voltage.</a:t>
+            </a:r>
+            <a:endParaRPr lang="en-US" dirty="0"/>
+          </a:p>
+        </p:txBody>
+      </p:sp>
+      <p:sp>
+        <p:nvSpPr>
+          <p:cNvPr id="4" name="Slide Number Placeholder 3"/>
+          <p:cNvSpPr>
+            <a:spLocks noGrp="1"/>
+          </p:cNvSpPr>
+          <p:nvPr>
+            <p:ph type="sldNum" sz="quarter" idx="10"/>
+          </p:nvPr>
+        </p:nvSpPr>
+        <p:spPr/>
+        <p:txBody>
+          <a:bodyPr/>
+          <a:lstStyle/>
+          <a:p>
+            <a:fld id="{14FFAA02-00AD-7E46-9722-998A6348C4C8}" type="slidenum">
+              <a:rPr lang="en-US" smtClean="0"/>
+              <a:t>5</a:t>
+            </a:fld>
+            <a:endParaRPr lang="en-US"/>
+          </a:p>
+        </p:txBody>
+      </p:sp>
+    </p:spTree>
+    <p:extLst>
+      <p:ext uri="{BB962C8B-B14F-4D97-AF65-F5344CB8AC3E}">
+        <p14:creationId xmlns:p14="http://schemas.microsoft.com/office/powerpoint/2010/main" val="1423695045"/>
+      </p:ext>
+    </p:extLst>
+  </p:cSld>
+  <p:clrMapOvr>
+    <a:masterClrMapping/>
+  </p:clrMapOvr>
+</p:notes>
+</file>
+
+<file path=ppt/notesSlides/notesSlide6.xml><?xml version="1.0" encoding="utf-8"?>
+<p:notes xmlns:a="http://schemas.openxmlformats.org/drawingml/2006/main" xmlns:r="http://schemas.openxmlformats.org/officeDocument/2006/relationships" xmlns:p="http://schemas.openxmlformats.org/presentationml/2006/main">
+  <p:cSld>
+    <p:spTree>
+      <p:nvGrpSpPr>
+        <p:cNvPr id="1" name=""/>
+        <p:cNvGrpSpPr/>
+        <p:nvPr/>
+      </p:nvGrpSpPr>
+      <p:grpSpPr>
+        <a:xfrm>
+          <a:off x="0" y="0"/>
+          <a:ext cx="0" cy="0"/>
+          <a:chOff x="0" y="0"/>
+          <a:chExt cx="0" cy="0"/>
+        </a:xfrm>
+      </p:grpSpPr>
+      <p:sp>
+        <p:nvSpPr>
+          <p:cNvPr id="2" name="Slide Image Placeholder 1"/>
+          <p:cNvSpPr>
+            <a:spLocks noGrp="1" noRot="1" noChangeAspect="1"/>
+          </p:cNvSpPr>
+          <p:nvPr>
+            <p:ph type="sldImg"/>
+          </p:nvPr>
+        </p:nvSpPr>
+        <p:spPr>
+          <a:xfrm>
+            <a:off x="381000" y="685800"/>
+            <a:ext cx="6096000" cy="3429000"/>
+          </a:xfrm>
+        </p:spPr>
+      </p:sp>
+      <p:sp>
+        <p:nvSpPr>
+          <p:cNvPr id="3" name="Notes Placeholder 2"/>
+          <p:cNvSpPr>
+            <a:spLocks noGrp="1"/>
+          </p:cNvSpPr>
+          <p:nvPr>
+            <p:ph type="body" idx="1"/>
+          </p:nvPr>
+        </p:nvSpPr>
+        <p:spPr/>
+        <p:txBody>
+          <a:bodyPr/>
+          <a:lstStyle/>
+          <a:p>
+            <a:r>
+              <a:rPr lang="en-US" dirty="0" smtClean="0"/>
+              <a:t>I love this constant-current transistor circuit so much I’m using it everywhere.  In this case as a LED </a:t>
+            </a:r>
+            <a:r>
+              <a:rPr lang="en-US" dirty="0" smtClean="0"/>
+              <a:t>current driver </a:t>
+            </a:r>
+            <a:r>
+              <a:rPr lang="en-US" dirty="0" smtClean="0"/>
+              <a:t>to supply ~</a:t>
+            </a:r>
+            <a:r>
+              <a:rPr lang="en-US" dirty="0" smtClean="0"/>
+              <a:t>10mA </a:t>
+            </a:r>
+            <a:r>
+              <a:rPr lang="en-US" dirty="0" smtClean="0"/>
+              <a:t>to standard </a:t>
+            </a:r>
+            <a:r>
+              <a:rPr lang="en-US" dirty="0" smtClean="0"/>
+              <a:t>5mm red/yellow</a:t>
+            </a:r>
+            <a:r>
+              <a:rPr lang="en-US" baseline="0" dirty="0" smtClean="0"/>
+              <a:t> LEDs.</a:t>
+            </a:r>
+            <a:endParaRPr lang="en-US" dirty="0"/>
+          </a:p>
+        </p:txBody>
+      </p:sp>
+      <p:sp>
+        <p:nvSpPr>
+          <p:cNvPr id="4" name="Slide Number Placeholder 3"/>
+          <p:cNvSpPr>
+            <a:spLocks noGrp="1"/>
+          </p:cNvSpPr>
+          <p:nvPr>
+            <p:ph type="sldNum" sz="quarter" idx="10"/>
+          </p:nvPr>
+        </p:nvSpPr>
+        <p:spPr/>
+        <p:txBody>
+          <a:bodyPr/>
+          <a:lstStyle/>
+          <a:p>
+            <a:fld id="{14FFAA02-00AD-7E46-9722-998A6348C4C8}" type="slidenum">
+              <a:rPr lang="en-US" smtClean="0"/>
+              <a:t>6</a:t>
+            </a:fld>
+            <a:endParaRPr lang="en-US"/>
+          </a:p>
+        </p:txBody>
+      </p:sp>
+    </p:spTree>
+    <p:extLst>
+      <p:ext uri="{BB962C8B-B14F-4D97-AF65-F5344CB8AC3E}">
+        <p14:creationId xmlns:p14="http://schemas.microsoft.com/office/powerpoint/2010/main" val="1683989268"/>
+      </p:ext>
+    </p:extLst>
+  </p:cSld>
+  <p:clrMapOvr>
+    <a:masterClrMapping/>
+  </p:clrMapOvr>
+</p:notes>
+</file>
+
+<file path=ppt/notesSlides/notesSlide7.xml><?xml version="1.0" encoding="utf-8"?>
+<p:notes xmlns:a="http://schemas.openxmlformats.org/drawingml/2006/main" xmlns:r="http://schemas.openxmlformats.org/officeDocument/2006/relationships" xmlns:p="http://schemas.openxmlformats.org/presentationml/2006/main">
+  <p:cSld>
+    <p:spTree>
+      <p:nvGrpSpPr>
+        <p:cNvPr id="1" name=""/>
+        <p:cNvGrpSpPr/>
+        <p:nvPr/>
+      </p:nvGrpSpPr>
+      <p:grpSpPr>
+        <a:xfrm>
+          <a:off x="0" y="0"/>
+          <a:ext cx="0" cy="0"/>
+          <a:chOff x="0" y="0"/>
+          <a:chExt cx="0" cy="0"/>
+        </a:xfrm>
+      </p:grpSpPr>
+      <p:sp>
+        <p:nvSpPr>
+          <p:cNvPr id="2" name="Slide Image Placeholder 1"/>
+          <p:cNvSpPr>
+            <a:spLocks noGrp="1" noRot="1" noChangeAspect="1"/>
+          </p:cNvSpPr>
+          <p:nvPr>
+            <p:ph type="sldImg"/>
+          </p:nvPr>
+        </p:nvSpPr>
+        <p:spPr>
+          <a:xfrm>
+            <a:off x="381000" y="685800"/>
+            <a:ext cx="6096000" cy="3429000"/>
+          </a:xfrm>
+        </p:spPr>
+      </p:sp>
+      <p:sp>
+        <p:nvSpPr>
+          <p:cNvPr id="3" name="Notes Placeholder 2"/>
+          <p:cNvSpPr>
+            <a:spLocks noGrp="1"/>
+          </p:cNvSpPr>
+          <p:nvPr>
+            <p:ph type="body" idx="1"/>
+          </p:nvPr>
+        </p:nvSpPr>
+        <p:spPr/>
+        <p:txBody>
+          <a:bodyPr/>
+          <a:lstStyle/>
+          <a:p>
+            <a:r>
+              <a:rPr lang="en-US" dirty="0" smtClean="0"/>
+              <a:t>LED current driver runs ~3mA into the </a:t>
+            </a:r>
+            <a:r>
+              <a:rPr lang="en-US" dirty="0" err="1" smtClean="0"/>
+              <a:t>opto</a:t>
+            </a:r>
+            <a:r>
+              <a:rPr lang="en-US" dirty="0" smtClean="0"/>
+              <a:t>-isolator</a:t>
+            </a:r>
+            <a:r>
+              <a:rPr lang="en-US" dirty="0" smtClean="0"/>
+              <a:t>.  This is the same constant-current supply,</a:t>
+            </a:r>
+            <a:r>
+              <a:rPr lang="en-US" baseline="0" dirty="0" smtClean="0"/>
+              <a:t> but with larger R2 for lower load current.</a:t>
+            </a:r>
+            <a:endParaRPr lang="en-US" dirty="0" smtClean="0"/>
+          </a:p>
+          <a:p>
+            <a:r>
+              <a:rPr lang="en-US" dirty="0" smtClean="0"/>
+              <a:t>The 47u capacitor filters out all the line noise, gives a slow rise-time for 110-baud</a:t>
+            </a:r>
+            <a:r>
+              <a:rPr lang="en-US" baseline="0" dirty="0" smtClean="0"/>
+              <a:t> operation.  (Doesn’t need to be this big!)</a:t>
+            </a:r>
+            <a:r>
+              <a:rPr lang="en-US" baseline="0" dirty="0" smtClean="0"/>
+              <a:t>.</a:t>
+            </a:r>
+          </a:p>
+          <a:p>
+            <a:endParaRPr lang="en-US" baseline="0" dirty="0" smtClean="0"/>
+          </a:p>
+          <a:p>
+            <a:r>
+              <a:rPr lang="en-US" baseline="0" dirty="0" smtClean="0"/>
+              <a:t>On the other side, Teensy receives the serial signal.  The 6N138 needs 5V power, from the Teensy</a:t>
+            </a:r>
+            <a:r>
+              <a:rPr lang="en-US" baseline="0" dirty="0" smtClean="0"/>
+              <a:t>.  The RX pin has a </a:t>
+            </a:r>
+            <a:r>
+              <a:rPr lang="en-US" baseline="0" dirty="0" err="1" smtClean="0"/>
+              <a:t>pullup</a:t>
+            </a:r>
+            <a:r>
+              <a:rPr lang="en-US" baseline="0" dirty="0" smtClean="0"/>
+              <a:t> from the </a:t>
+            </a:r>
+            <a:r>
+              <a:rPr lang="en-US" baseline="0" dirty="0" err="1" smtClean="0"/>
+              <a:t>Teensy’s</a:t>
+            </a:r>
+            <a:r>
+              <a:rPr lang="en-US" baseline="0" dirty="0" smtClean="0"/>
+              <a:t> 3.3v supply.</a:t>
+            </a:r>
+            <a:endParaRPr lang="en-US" baseline="0" dirty="0" smtClean="0"/>
+          </a:p>
+          <a:p>
+            <a:endParaRPr lang="en-US" baseline="0" dirty="0" smtClean="0"/>
+          </a:p>
+          <a:p>
+            <a:r>
+              <a:rPr lang="en-US" baseline="0" dirty="0" smtClean="0"/>
+              <a:t>NB the output is “inverted” (mark=</a:t>
+            </a:r>
+            <a:r>
+              <a:rPr lang="en-US" baseline="0" dirty="0" smtClean="0"/>
+              <a:t>low voltage, </a:t>
+            </a:r>
+            <a:r>
+              <a:rPr lang="en-US" baseline="0" dirty="0" smtClean="0"/>
+              <a:t>space=</a:t>
+            </a:r>
+            <a:r>
+              <a:rPr lang="en-US" baseline="0" dirty="0" smtClean="0"/>
+              <a:t>high, like RS232)</a:t>
+            </a:r>
+            <a:r>
+              <a:rPr lang="en-US" baseline="0" dirty="0" smtClean="0"/>
+              <a:t>, and this needs to be handled in the receiver software.</a:t>
+            </a:r>
+            <a:endParaRPr lang="en-US" dirty="0"/>
+          </a:p>
+        </p:txBody>
+      </p:sp>
+      <p:sp>
+        <p:nvSpPr>
+          <p:cNvPr id="4" name="Slide Number Placeholder 3"/>
+          <p:cNvSpPr>
+            <a:spLocks noGrp="1"/>
+          </p:cNvSpPr>
+          <p:nvPr>
+            <p:ph type="sldNum" sz="quarter" idx="10"/>
+          </p:nvPr>
+        </p:nvSpPr>
+        <p:spPr/>
+        <p:txBody>
+          <a:bodyPr/>
+          <a:lstStyle/>
+          <a:p>
+            <a:fld id="{14FFAA02-00AD-7E46-9722-998A6348C4C8}" type="slidenum">
+              <a:rPr lang="en-US" smtClean="0"/>
+              <a:t>7</a:t>
+            </a:fld>
+            <a:endParaRPr lang="en-US"/>
+          </a:p>
+        </p:txBody>
+      </p:sp>
+    </p:spTree>
+    <p:extLst>
+      <p:ext uri="{BB962C8B-B14F-4D97-AF65-F5344CB8AC3E}">
+        <p14:creationId xmlns:p14="http://schemas.microsoft.com/office/powerpoint/2010/main" val="1033679965"/>
+      </p:ext>
+    </p:extLst>
+  </p:cSld>
+  <p:clrMapOvr>
+    <a:masterClrMapping/>
+  </p:clrMapOvr>
+</p:notes>
+</file>
+
+<file path=ppt/notesSlides/notesSlide8.xml><?xml version="1.0" encoding="utf-8"?>
+<p:notes xmlns:a="http://schemas.openxmlformats.org/drawingml/2006/main" xmlns:r="http://schemas.openxmlformats.org/officeDocument/2006/relationships" xmlns:p="http://schemas.openxmlformats.org/presentationml/2006/main">
+  <p:cSld>
+    <p:spTree>
+      <p:nvGrpSpPr>
+        <p:cNvPr id="1" name=""/>
+        <p:cNvGrpSpPr/>
+        <p:nvPr/>
+      </p:nvGrpSpPr>
+      <p:grpSpPr>
+        <a:xfrm>
+          <a:off x="0" y="0"/>
+          <a:ext cx="0" cy="0"/>
+          <a:chOff x="0" y="0"/>
+          <a:chExt cx="0" cy="0"/>
+        </a:xfrm>
+      </p:grpSpPr>
+      <p:sp>
+        <p:nvSpPr>
+          <p:cNvPr id="2" name="Slide Image Placeholder 1"/>
+          <p:cNvSpPr>
+            <a:spLocks noGrp="1" noRot="1" noChangeAspect="1"/>
+          </p:cNvSpPr>
+          <p:nvPr>
+            <p:ph type="sldImg"/>
+          </p:nvPr>
+        </p:nvSpPr>
+        <p:spPr>
+          <a:xfrm>
+            <a:off x="381000" y="685800"/>
+            <a:ext cx="6096000" cy="3429000"/>
           </a:xfrm>
         </p:spPr>
       </p:sp>
@@ -861,20 +1753,41 @@
             </a:r>
             <a:r>
               <a:rPr lang="en-US" dirty="0" smtClean="0"/>
-              <a:t>-isolator LED through a small resistor.</a:t>
-            </a:r>
-          </a:p>
-          <a:p>
+              <a:t>-isolator LED through a small resistor</a:t>
+            </a:r>
             <a:r>
               <a:rPr lang="en-US" dirty="0" smtClean="0"/>
-              <a:t>The 6N138 needs a 5V supply, which we get by regulating down the 19.2V source used for the loop.</a:t>
-            </a:r>
+              <a:t>.</a:t>
+            </a:r>
+          </a:p>
+          <a:p>
+            <a:endParaRPr lang="en-US" dirty="0" smtClean="0"/>
           </a:p>
           <a:p>
             <a:r>
               <a:rPr lang="en-US" dirty="0" smtClean="0"/>
-              <a:t>Output is a switched current that can handle ~20mA or more.</a:t>
-            </a:r>
+              <a:t>On</a:t>
+            </a:r>
+            <a:r>
+              <a:rPr lang="en-US" baseline="0" dirty="0" smtClean="0"/>
+              <a:t> the loop side, the 6N138 output is buffered so that it can switch &gt;20mA.</a:t>
+            </a:r>
+            <a:endParaRPr lang="en-US" dirty="0" smtClean="0"/>
+          </a:p>
+          <a:p>
+            <a:r>
+              <a:rPr lang="en-US" dirty="0" smtClean="0"/>
+              <a:t>The 6N138 needs a 5V supply, which we get by regulating down the 19.2V source used for the </a:t>
+            </a:r>
+            <a:r>
+              <a:rPr lang="en-US" dirty="0" smtClean="0"/>
+              <a:t>loop</a:t>
+            </a:r>
+            <a:r>
+              <a:rPr lang="en-US" baseline="0" dirty="0" smtClean="0"/>
+              <a:t> (NOT from the Teensy!)</a:t>
+            </a:r>
+            <a:endParaRPr lang="en-US" dirty="0" smtClean="0"/>
           </a:p>
           <a:p>
             <a:endParaRPr lang="en-US" dirty="0" smtClean="0"/>
@@ -899,15 +1812,7 @@
             </a:pPr>
             <a:r>
               <a:rPr lang="en-US" baseline="0" dirty="0" smtClean="0"/>
-              <a:t>NB the output is “inverted” (high=mark, low</a:t>
-            </a:r>
-            <a:r>
-              <a:rPr lang="en-US" baseline="0" smtClean="0"/>
-              <a:t>=space  low</a:t>
-            </a:r>
-            <a:r>
-              <a:rPr lang="en-US" baseline="0" dirty="0" smtClean="0"/>
-              <a:t>=mark=low, space=high), and this needs to be handled in the transmitter software.</a:t>
+              <a:t>NB the output is “inverted” (high=mark, low=space  low=mark=low, space=high), and this needs to be handled in the transmitter software.</a:t>
             </a:r>
             <a:endParaRPr lang="en-US" dirty="0" smtClean="0"/>
           </a:p>
@@ -930,7 +1835,7 @@
           <a:p>
             <a:fld id="{14FFAA02-00AD-7E46-9722-998A6348C4C8}" type="slidenum">
               <a:rPr lang="en-US" smtClean="0"/>
-              <a:t>7</a:t>
+              <a:t>8</a:t>
             </a:fld>
             <a:endParaRPr lang="en-US"/>
           </a:p>
@@ -940,6 +1845,99 @@
     <p:extLst>
       <p:ext uri="{BB962C8B-B14F-4D97-AF65-F5344CB8AC3E}">
         <p14:creationId xmlns:p14="http://schemas.microsoft.com/office/powerpoint/2010/main" val="249711082"/>
+      </p:ext>
+    </p:extLst>
+  </p:cSld>
+  <p:clrMapOvr>
+    <a:masterClrMapping/>
+  </p:clrMapOvr>
+</p:notes>
+</file>
+
+<file path=ppt/notesSlides/notesSlide9.xml><?xml version="1.0" encoding="utf-8"?>
+<p:notes xmlns:a="http://schemas.openxmlformats.org/drawingml/2006/main" xmlns:r="http://schemas.openxmlformats.org/officeDocument/2006/relationships" xmlns:p="http://schemas.openxmlformats.org/presentationml/2006/main">
+  <p:cSld>
+    <p:spTree>
+      <p:nvGrpSpPr>
+        <p:cNvPr id="1" name=""/>
+        <p:cNvGrpSpPr/>
+        <p:nvPr/>
+      </p:nvGrpSpPr>
+      <p:grpSpPr>
+        <a:xfrm>
+          <a:off x="0" y="0"/>
+          <a:ext cx="0" cy="0"/>
+          <a:chOff x="0" y="0"/>
+          <a:chExt cx="0" cy="0"/>
+        </a:xfrm>
+      </p:grpSpPr>
+      <p:sp>
+        <p:nvSpPr>
+          <p:cNvPr id="2" name="Slide Image Placeholder 1"/>
+          <p:cNvSpPr>
+            <a:spLocks noGrp="1" noRot="1" noChangeAspect="1"/>
+          </p:cNvSpPr>
+          <p:nvPr>
+            <p:ph type="sldImg"/>
+          </p:nvPr>
+        </p:nvSpPr>
+        <p:spPr>
+          <a:xfrm>
+            <a:off x="381000" y="685800"/>
+            <a:ext cx="6096000" cy="3429000"/>
+          </a:xfrm>
+        </p:spPr>
+      </p:sp>
+      <p:sp>
+        <p:nvSpPr>
+          <p:cNvPr id="3" name="Notes Placeholder 2"/>
+          <p:cNvSpPr>
+            <a:spLocks noGrp="1"/>
+          </p:cNvSpPr>
+          <p:nvPr>
+            <p:ph type="body" idx="1"/>
+          </p:nvPr>
+        </p:nvSpPr>
+        <p:spPr/>
+        <p:txBody>
+          <a:bodyPr/>
+          <a:lstStyle/>
+          <a:p>
+            <a:r>
+              <a:rPr lang="en-US" dirty="0" smtClean="0"/>
+              <a:t>The current loop electronics</a:t>
+            </a:r>
+            <a:endParaRPr lang="en-US" dirty="0"/>
+          </a:p>
+        </p:txBody>
+      </p:sp>
+      <p:sp>
+        <p:nvSpPr>
+          <p:cNvPr id="4" name="Slide Number Placeholder 3"/>
+          <p:cNvSpPr>
+            <a:spLocks noGrp="1"/>
+          </p:cNvSpPr>
+          <p:nvPr>
+            <p:ph type="sldNum" sz="quarter" idx="10"/>
+          </p:nvPr>
+        </p:nvSpPr>
+        <p:spPr/>
+        <p:txBody>
+          <a:bodyPr/>
+          <a:lstStyle/>
+          <a:p>
+            <a:fld id="{14FFAA02-00AD-7E46-9722-998A6348C4C8}" type="slidenum">
+              <a:rPr lang="en-US" smtClean="0"/>
+              <a:t>9</a:t>
+            </a:fld>
+            <a:endParaRPr lang="en-US"/>
+          </a:p>
+        </p:txBody>
+      </p:sp>
+    </p:spTree>
+    <p:extLst>
+      <p:ext uri="{BB962C8B-B14F-4D97-AF65-F5344CB8AC3E}">
+        <p14:creationId xmlns:p14="http://schemas.microsoft.com/office/powerpoint/2010/main" val="2140708127"/>
       </p:ext>
     </p:extLst>
   </p:cSld>
@@ -978,8 +1976,8 @@
         </p:nvSpPr>
         <p:spPr>
           <a:xfrm>
-            <a:off x="1371600" y="882822"/>
-            <a:ext cx="8229600" cy="1878024"/>
+            <a:off x="1143000" y="841773"/>
+            <a:ext cx="6858000" cy="1790700"/>
           </a:xfrm>
         </p:spPr>
         <p:txBody>
@@ -1010,8 +2008,8 @@
         </p:nvSpPr>
         <p:spPr>
           <a:xfrm>
-            <a:off x="1371600" y="2833269"/>
-            <a:ext cx="8229600" cy="1302380"/>
+            <a:off x="1143000" y="2701531"/>
+            <a:ext cx="6858000" cy="1241822"/>
           </a:xfrm>
         </p:spPr>
         <p:txBody>
@@ -1080,7 +2078,7 @@
           <a:p>
             <a:fld id="{D91AE4C7-8FB2-A348-901D-5D98C2CBBBD4}" type="datetimeFigureOut">
               <a:rPr lang="en-US" smtClean="0"/>
-              <a:t>9/25/18</a:t>
+              <a:t>10/7/18</a:t>
             </a:fld>
             <a:endParaRPr lang="en-US"/>
           </a:p>
@@ -1250,7 +2248,7 @@
           <a:p>
             <a:fld id="{D91AE4C7-8FB2-A348-901D-5D98C2CBBBD4}" type="datetimeFigureOut">
               <a:rPr lang="en-US" smtClean="0"/>
-              <a:t>9/25/18</a:t>
+              <a:t>10/7/18</a:t>
             </a:fld>
             <a:endParaRPr lang="en-US"/>
           </a:p>
@@ -1340,8 +2338,8 @@
         </p:nvSpPr>
         <p:spPr>
           <a:xfrm>
-            <a:off x="7852412" y="287199"/>
-            <a:ext cx="2366010" cy="4571442"/>
+            <a:off x="6543681" y="273849"/>
+            <a:ext cx="1971675" cy="4358879"/>
           </a:xfrm>
         </p:spPr>
         <p:txBody>
@@ -1368,8 +2366,8 @@
         </p:nvSpPr>
         <p:spPr>
           <a:xfrm>
-            <a:off x="754383" y="287199"/>
-            <a:ext cx="6960870" cy="4571442"/>
+            <a:off x="628657" y="273849"/>
+            <a:ext cx="5800725" cy="4358879"/>
           </a:xfrm>
         </p:spPr>
         <p:txBody>
@@ -1430,7 +2428,7 @@
           <a:p>
             <a:fld id="{D91AE4C7-8FB2-A348-901D-5D98C2CBBBD4}" type="datetimeFigureOut">
               <a:rPr lang="en-US" smtClean="0"/>
-              <a:t>9/25/18</a:t>
+              <a:t>10/7/18</a:t>
             </a:fld>
             <a:endParaRPr lang="en-US"/>
           </a:p>
@@ -1600,7 +2598,7 @@
           <a:p>
             <a:fld id="{D91AE4C7-8FB2-A348-901D-5D98C2CBBBD4}" type="datetimeFigureOut">
               <a:rPr lang="en-US" smtClean="0"/>
-              <a:t>9/25/18</a:t>
+              <a:t>10/7/18</a:t>
             </a:fld>
             <a:endParaRPr lang="en-US"/>
           </a:p>
@@ -1690,8 +2688,8 @@
         </p:nvSpPr>
         <p:spPr>
           <a:xfrm>
-            <a:off x="748666" y="1344840"/>
-            <a:ext cx="9464040" cy="2243889"/>
+            <a:off x="623889" y="1282311"/>
+            <a:ext cx="7886700" cy="2139553"/>
           </a:xfrm>
         </p:spPr>
         <p:txBody>
@@ -1722,8 +2720,8 @@
         </p:nvSpPr>
         <p:spPr>
           <a:xfrm>
-            <a:off x="748666" y="3609954"/>
-            <a:ext cx="9464040" cy="1180008"/>
+            <a:off x="623889" y="3442102"/>
+            <a:ext cx="7886700" cy="1125140"/>
           </a:xfrm>
         </p:spPr>
         <p:txBody>
@@ -1846,7 +2844,7 @@
           <a:p>
             <a:fld id="{D91AE4C7-8FB2-A348-901D-5D98C2CBBBD4}" type="datetimeFigureOut">
               <a:rPr lang="en-US" smtClean="0"/>
-              <a:t>9/25/18</a:t>
+              <a:t>10/7/18</a:t>
             </a:fld>
             <a:endParaRPr lang="en-US"/>
           </a:p>
@@ -1959,8 +2957,8 @@
         </p:nvSpPr>
         <p:spPr>
           <a:xfrm>
-            <a:off x="754380" y="1435990"/>
-            <a:ext cx="4663440" cy="3422650"/>
+            <a:off x="628651" y="1369219"/>
+            <a:ext cx="3886200" cy="3263504"/>
           </a:xfrm>
         </p:spPr>
         <p:txBody>
@@ -2016,8 +3014,8 @@
         </p:nvSpPr>
         <p:spPr>
           <a:xfrm>
-            <a:off x="5554980" y="1435990"/>
-            <a:ext cx="4663440" cy="3422650"/>
+            <a:off x="4629151" y="1369219"/>
+            <a:ext cx="3886200" cy="3263504"/>
           </a:xfrm>
         </p:spPr>
         <p:txBody>
@@ -2078,7 +3076,7 @@
           <a:p>
             <a:fld id="{D91AE4C7-8FB2-A348-901D-5D98C2CBBBD4}" type="datetimeFigureOut">
               <a:rPr lang="en-US" smtClean="0"/>
-              <a:t>9/25/18</a:t>
+              <a:t>10/7/18</a:t>
             </a:fld>
             <a:endParaRPr lang="en-US"/>
           </a:p>
@@ -2168,8 +3166,8 @@
         </p:nvSpPr>
         <p:spPr>
           <a:xfrm>
-            <a:off x="755809" y="287200"/>
-            <a:ext cx="9464040" cy="1042653"/>
+            <a:off x="629842" y="273847"/>
+            <a:ext cx="7886700" cy="994172"/>
           </a:xfrm>
         </p:spPr>
         <p:txBody>
@@ -2196,8 +3194,8 @@
         </p:nvSpPr>
         <p:spPr>
           <a:xfrm>
-            <a:off x="755810" y="1322359"/>
-            <a:ext cx="4642008" cy="648068"/>
+            <a:off x="629842" y="1260873"/>
+            <a:ext cx="3868340" cy="617934"/>
           </a:xfrm>
         </p:spPr>
         <p:txBody>
@@ -2261,8 +3259,8 @@
         </p:nvSpPr>
         <p:spPr>
           <a:xfrm>
-            <a:off x="755810" y="1970429"/>
-            <a:ext cx="4642008" cy="2898201"/>
+            <a:off x="629842" y="1878812"/>
+            <a:ext cx="3868340" cy="2763440"/>
           </a:xfrm>
         </p:spPr>
         <p:txBody>
@@ -2318,8 +3316,8 @@
         </p:nvSpPr>
         <p:spPr>
           <a:xfrm>
-            <a:off x="5554983" y="1322359"/>
-            <a:ext cx="4664870" cy="648068"/>
+            <a:off x="4629153" y="1260873"/>
+            <a:ext cx="3887392" cy="617934"/>
           </a:xfrm>
         </p:spPr>
         <p:txBody>
@@ -2383,8 +3381,8 @@
         </p:nvSpPr>
         <p:spPr>
           <a:xfrm>
-            <a:off x="5554983" y="1970429"/>
-            <a:ext cx="4664870" cy="2898201"/>
+            <a:off x="4629153" y="1878812"/>
+            <a:ext cx="3887392" cy="2763440"/>
           </a:xfrm>
         </p:spPr>
         <p:txBody>
@@ -2445,7 +3443,7 @@
           <a:p>
             <a:fld id="{D91AE4C7-8FB2-A348-901D-5D98C2CBBBD4}" type="datetimeFigureOut">
               <a:rPr lang="en-US" smtClean="0"/>
-              <a:t>9/25/18</a:t>
+              <a:t>10/7/18</a:t>
             </a:fld>
             <a:endParaRPr lang="en-US"/>
           </a:p>
@@ -2563,7 +3561,7 @@
           <a:p>
             <a:fld id="{D91AE4C7-8FB2-A348-901D-5D98C2CBBBD4}" type="datetimeFigureOut">
               <a:rPr lang="en-US" smtClean="0"/>
-              <a:t>9/25/18</a:t>
+              <a:t>10/7/18</a:t>
             </a:fld>
             <a:endParaRPr lang="en-US"/>
           </a:p>
@@ -2658,7 +3656,7 @@
           <a:p>
             <a:fld id="{D91AE4C7-8FB2-A348-901D-5D98C2CBBBD4}" type="datetimeFigureOut">
               <a:rPr lang="en-US" smtClean="0"/>
-              <a:t>9/25/18</a:t>
+              <a:t>10/7/18</a:t>
             </a:fld>
             <a:endParaRPr lang="en-US"/>
           </a:p>
@@ -2748,8 +3746,8 @@
         </p:nvSpPr>
         <p:spPr>
           <a:xfrm>
-            <a:off x="755810" y="359622"/>
-            <a:ext cx="3539014" cy="1258676"/>
+            <a:off x="629843" y="342901"/>
+            <a:ext cx="2949178" cy="1200150"/>
           </a:xfrm>
         </p:spPr>
         <p:txBody>
@@ -2780,8 +3778,8 @@
         </p:nvSpPr>
         <p:spPr>
           <a:xfrm>
-            <a:off x="4664870" y="776686"/>
-            <a:ext cx="5554980" cy="3833467"/>
+            <a:off x="3887392" y="740576"/>
+            <a:ext cx="4629150" cy="3655219"/>
           </a:xfrm>
         </p:spPr>
         <p:txBody>
@@ -2865,8 +3863,8 @@
         </p:nvSpPr>
         <p:spPr>
           <a:xfrm>
-            <a:off x="755810" y="1618298"/>
-            <a:ext cx="3539014" cy="2998096"/>
+            <a:off x="629843" y="1543050"/>
+            <a:ext cx="2949178" cy="2858691"/>
           </a:xfrm>
         </p:spPr>
         <p:txBody>
@@ -2935,7 +3933,7 @@
           <a:p>
             <a:fld id="{D91AE4C7-8FB2-A348-901D-5D98C2CBBBD4}" type="datetimeFigureOut">
               <a:rPr lang="en-US" smtClean="0"/>
-              <a:t>9/25/18</a:t>
+              <a:t>10/7/18</a:t>
             </a:fld>
             <a:endParaRPr lang="en-US"/>
           </a:p>
@@ -3025,8 +4023,8 @@
         </p:nvSpPr>
         <p:spPr>
           <a:xfrm>
-            <a:off x="755810" y="359622"/>
-            <a:ext cx="3539014" cy="1258676"/>
+            <a:off x="629843" y="342901"/>
+            <a:ext cx="2949178" cy="1200150"/>
           </a:xfrm>
         </p:spPr>
         <p:txBody>
@@ -3057,8 +4055,8 @@
         </p:nvSpPr>
         <p:spPr>
           <a:xfrm>
-            <a:off x="4664870" y="776686"/>
-            <a:ext cx="5554980" cy="3833467"/>
+            <a:off x="3887392" y="740576"/>
+            <a:ext cx="4629150" cy="3655219"/>
           </a:xfrm>
         </p:spPr>
         <p:txBody>
@@ -3118,8 +4116,8 @@
         </p:nvSpPr>
         <p:spPr>
           <a:xfrm>
-            <a:off x="755810" y="1618298"/>
-            <a:ext cx="3539014" cy="2998096"/>
+            <a:off x="629843" y="1543050"/>
+            <a:ext cx="2949178" cy="2858691"/>
           </a:xfrm>
         </p:spPr>
         <p:txBody>
@@ -3188,7 +4186,7 @@
           <a:p>
             <a:fld id="{D91AE4C7-8FB2-A348-901D-5D98C2CBBBD4}" type="datetimeFigureOut">
               <a:rPr lang="en-US" smtClean="0"/>
-              <a:t>9/25/18</a:t>
+              <a:t>10/7/18</a:t>
             </a:fld>
             <a:endParaRPr lang="en-US"/>
           </a:p>
@@ -3283,8 +4281,8 @@
         </p:nvSpPr>
         <p:spPr>
           <a:xfrm>
-            <a:off x="754380" y="287200"/>
-            <a:ext cx="9464040" cy="1042653"/>
+            <a:off x="628651" y="273847"/>
+            <a:ext cx="7886700" cy="994172"/>
           </a:xfrm>
           <a:prstGeom prst="rect">
             <a:avLst/>
@@ -3316,8 +4314,8 @@
         </p:nvSpPr>
         <p:spPr>
           <a:xfrm>
-            <a:off x="754380" y="1435990"/>
-            <a:ext cx="9464040" cy="3422650"/>
+            <a:off x="628651" y="1369219"/>
+            <a:ext cx="7886700" cy="3263504"/>
           </a:xfrm>
           <a:prstGeom prst="rect">
             <a:avLst/>
@@ -3378,8 +4376,8 @@
         </p:nvSpPr>
         <p:spPr>
           <a:xfrm>
-            <a:off x="754380" y="4999741"/>
-            <a:ext cx="2468880" cy="287198"/>
+            <a:off x="628651" y="4767267"/>
+            <a:ext cx="2057400" cy="273844"/>
           </a:xfrm>
           <a:prstGeom prst="rect">
             <a:avLst/>
@@ -3401,7 +4399,7 @@
           <a:p>
             <a:fld id="{D91AE4C7-8FB2-A348-901D-5D98C2CBBBD4}" type="datetimeFigureOut">
               <a:rPr lang="en-US" smtClean="0"/>
-              <a:t>9/25/18</a:t>
+              <a:t>10/7/18</a:t>
             </a:fld>
             <a:endParaRPr lang="en-US"/>
           </a:p>
@@ -3419,8 +4417,8 @@
         </p:nvSpPr>
         <p:spPr>
           <a:xfrm>
-            <a:off x="3634740" y="4999741"/>
-            <a:ext cx="3703320" cy="287198"/>
+            <a:off x="3028952" y="4767267"/>
+            <a:ext cx="3086100" cy="273844"/>
           </a:xfrm>
           <a:prstGeom prst="rect">
             <a:avLst/>
@@ -3456,8 +4454,8 @@
         </p:nvSpPr>
         <p:spPr>
           <a:xfrm>
-            <a:off x="7749540" y="4999741"/>
-            <a:ext cx="2468880" cy="287198"/>
+            <a:off x="6457951" y="4767267"/>
+            <a:ext cx="2057400" cy="273844"/>
           </a:xfrm>
           <a:prstGeom prst="rect">
             <a:avLst/>
@@ -3854,13 +4852,25 @@
         <p:spPr/>
         <p:txBody>
           <a:bodyPr>
-            <a:normAutofit/>
+            <a:normAutofit lnSpcReduction="10000"/>
           </a:bodyPr>
           <a:lstStyle/>
           <a:p>
             <a:r>
               <a:rPr lang="en-US" dirty="0" smtClean="0"/>
-              <a:t>20mA loop USB interface for ASR33 teletype</a:t>
+              <a:t>20mA loop </a:t>
+            </a:r>
+            <a:r>
+              <a:rPr lang="en-US" dirty="0" smtClean="0"/>
+              <a:t>@ </a:t>
+            </a:r>
+            <a:r>
+              <a:rPr lang="en-US" dirty="0" smtClean="0"/>
+              <a:t>110 baud, USB serial </a:t>
+            </a:r>
+            <a:r>
+              <a:rPr lang="en-US" dirty="0" smtClean="0"/>
+              <a:t>interface for ASR33 teletype</a:t>
             </a:r>
           </a:p>
           <a:p>
@@ -3884,13 +4894,11 @@
           <a:p>
             <a:r>
               <a:rPr lang="en-US" dirty="0" smtClean="0"/>
-              <a:t>110 baud loop data</a:t>
-            </a:r>
-          </a:p>
-          <a:p>
+              <a:t>Some </a:t>
+            </a:r>
             <a:r>
               <a:rPr lang="en-US" dirty="0" smtClean="0"/>
-              <a:t>Some translation and processing in Teensy firmware (switchable)</a:t>
+              <a:t>translation and processing in Teensy firmware (switchable)</a:t>
             </a:r>
           </a:p>
           <a:p>
@@ -3925,6 +4933,29 @@
             </a:r>
           </a:p>
           <a:p>
+            <a:endParaRPr lang="en-US" dirty="0" smtClean="0"/>
+          </a:p>
+          <a:p>
+            <a:r>
+              <a:rPr lang="en-US" dirty="0"/>
+              <a:t>https://</a:t>
+            </a:r>
+            <a:r>
+              <a:rPr lang="en-US" dirty="0" err="1"/>
+              <a:t>github.com</a:t>
+            </a:r>
+            <a:r>
+              <a:rPr lang="en-US" dirty="0"/>
+              <a:t>/</a:t>
+            </a:r>
+            <a:r>
+              <a:rPr lang="en-US" dirty="0" err="1"/>
+              <a:t>hughpyle</a:t>
+            </a:r>
+            <a:r>
+              <a:rPr lang="en-US" dirty="0"/>
+              <a:t>/ASR33</a:t>
+            </a:r>
             <a:endParaRPr lang="en-US" dirty="0"/>
           </a:p>
         </p:txBody>
@@ -3961,14 +4992,14 @@
       </p:grpSpPr>
       <p:pic>
         <p:nvPicPr>
-          <p:cNvPr id="2" name="Picture 1" descr="20180921_175837.jpg"/>
+          <p:cNvPr id="2" name="Picture 1" descr="20180925_175351.jpg"/>
           <p:cNvPicPr>
             <a:picLocks noChangeAspect="1"/>
           </p:cNvPicPr>
           <p:nvPr/>
         </p:nvPicPr>
         <p:blipFill>
-          <a:blip r:embed="rId2">
+          <a:blip r:embed="rId3">
             <a:extLst>
               <a:ext uri="{28A0092B-C50C-407E-A947-70E740481C1C}">
                 <a14:useLocalDpi xmlns:a14="http://schemas.microsoft.com/office/drawing/2010/main" val="0"/>
@@ -3981,8 +5012,8 @@
         </p:blipFill>
         <p:spPr>
           <a:xfrm>
-            <a:off x="1" y="2"/>
-            <a:ext cx="9566572" cy="5394325"/>
+            <a:off x="0" y="95253"/>
+            <a:ext cx="9144000" cy="4949872"/>
           </a:xfrm>
           <a:prstGeom prst="rect">
             <a:avLst/>
@@ -3992,7 +5023,7 @@
     </p:spTree>
     <p:extLst>
       <p:ext uri="{BB962C8B-B14F-4D97-AF65-F5344CB8AC3E}">
-        <p14:creationId xmlns:p14="http://schemas.microsoft.com/office/powerpoint/2010/main" val="717546609"/>
+        <p14:creationId xmlns:p14="http://schemas.microsoft.com/office/powerpoint/2010/main" val="1158004058"/>
       </p:ext>
     </p:extLst>
   </p:cSld>
@@ -4021,14 +5052,14 @@
       </p:grpSpPr>
       <p:pic>
         <p:nvPicPr>
-          <p:cNvPr id="2" name="Picture 1" descr="20180925_175242.jpg"/>
+          <p:cNvPr id="2" name="Picture 1" descr="20180921_175837.jpg"/>
           <p:cNvPicPr>
             <a:picLocks noChangeAspect="1"/>
           </p:cNvPicPr>
           <p:nvPr/>
         </p:nvPicPr>
         <p:blipFill>
-          <a:blip r:embed="rId2">
+          <a:blip r:embed="rId3">
             <a:extLst>
               <a:ext uri="{28A0092B-C50C-407E-A947-70E740481C1C}">
                 <a14:useLocalDpi xmlns:a14="http://schemas.microsoft.com/office/drawing/2010/main" val="0"/>
@@ -4041,8 +5072,8 @@
         </p:blipFill>
         <p:spPr>
           <a:xfrm>
-            <a:off x="3166113" y="2"/>
-            <a:ext cx="4629150" cy="5394325"/>
+            <a:off x="5" y="2"/>
+            <a:ext cx="7972143" cy="5143500"/>
           </a:xfrm>
           <a:prstGeom prst="rect">
             <a:avLst/>
@@ -4052,7 +5083,7 @@
     </p:spTree>
     <p:extLst>
       <p:ext uri="{BB962C8B-B14F-4D97-AF65-F5344CB8AC3E}">
-        <p14:creationId xmlns:p14="http://schemas.microsoft.com/office/powerpoint/2010/main" val="896426546"/>
+        <p14:creationId xmlns:p14="http://schemas.microsoft.com/office/powerpoint/2010/main" val="717546609"/>
       </p:ext>
     </p:extLst>
   </p:cSld>
@@ -4081,14 +5112,14 @@
       </p:grpSpPr>
       <p:pic>
         <p:nvPicPr>
-          <p:cNvPr id="2" name="Picture 1" descr="20180925_170534.jpg"/>
+          <p:cNvPr id="2" name="Picture 1" descr="20180925_175242.jpg"/>
           <p:cNvPicPr>
             <a:picLocks noChangeAspect="1"/>
           </p:cNvPicPr>
           <p:nvPr/>
         </p:nvPicPr>
         <p:blipFill>
-          <a:blip r:embed="rId2">
+          <a:blip r:embed="rId3">
             <a:extLst>
               <a:ext uri="{28A0092B-C50C-407E-A947-70E740481C1C}">
                 <a14:useLocalDpi xmlns:a14="http://schemas.microsoft.com/office/drawing/2010/main" val="0"/>
@@ -4101,8 +5132,68 @@
         </p:blipFill>
         <p:spPr>
           <a:xfrm>
-            <a:off x="758598" y="-205237"/>
-            <a:ext cx="9246593" cy="6060943"/>
+            <a:off x="2638431" y="2"/>
+            <a:ext cx="3857625" cy="5143500"/>
+          </a:xfrm>
+          <a:prstGeom prst="rect">
+            <a:avLst/>
+          </a:prstGeom>
+        </p:spPr>
+      </p:pic>
+    </p:spTree>
+    <p:extLst>
+      <p:ext uri="{BB962C8B-B14F-4D97-AF65-F5344CB8AC3E}">
+        <p14:creationId xmlns:p14="http://schemas.microsoft.com/office/powerpoint/2010/main" val="896426546"/>
+      </p:ext>
+    </p:extLst>
+  </p:cSld>
+  <p:clrMapOvr>
+    <a:masterClrMapping/>
+  </p:clrMapOvr>
+</p:sld>
+</file>
+
+<file path=ppt/slides/slide13.xml><?xml version="1.0" encoding="utf-8"?>
+<p:sld xmlns:a="http://schemas.openxmlformats.org/drawingml/2006/main" xmlns:r="http://schemas.openxmlformats.org/officeDocument/2006/relationships" xmlns:p="http://schemas.openxmlformats.org/presentationml/2006/main">
+  <p:cSld>
+    <p:spTree>
+      <p:nvGrpSpPr>
+        <p:cNvPr id="1" name=""/>
+        <p:cNvGrpSpPr/>
+        <p:nvPr/>
+      </p:nvGrpSpPr>
+      <p:grpSpPr>
+        <a:xfrm>
+          <a:off x="0" y="0"/>
+          <a:ext cx="0" cy="0"/>
+          <a:chOff x="0" y="0"/>
+          <a:chExt cx="0" cy="0"/>
+        </a:xfrm>
+      </p:grpSpPr>
+      <p:pic>
+        <p:nvPicPr>
+          <p:cNvPr id="2" name="Picture 1" descr="20180925_170534.jpg"/>
+          <p:cNvPicPr>
+            <a:picLocks noChangeAspect="1"/>
+          </p:cNvPicPr>
+          <p:nvPr/>
+        </p:nvPicPr>
+        <p:blipFill>
+          <a:blip r:embed="rId3">
+            <a:extLst>
+              <a:ext uri="{28A0092B-C50C-407E-A947-70E740481C1C}">
+                <a14:useLocalDpi xmlns:a14="http://schemas.microsoft.com/office/drawing/2010/main" val="0"/>
+              </a:ext>
+            </a:extLst>
+          </a:blip>
+          <a:stretch>
+            <a:fillRect/>
+          </a:stretch>
+        </p:blipFill>
+        <p:spPr>
+          <a:xfrm>
+            <a:off x="632167" y="-195694"/>
+            <a:ext cx="7705494" cy="5779122"/>
           </a:xfrm>
           <a:prstGeom prst="rect">
             <a:avLst/>
@@ -4148,7 +5239,7 @@
           <p:nvPr/>
         </p:nvPicPr>
         <p:blipFill>
-          <a:blip r:embed="rId2">
+          <a:blip r:embed="rId3">
             <a:extLst>
               <a:ext uri="{28A0092B-C50C-407E-A947-70E740481C1C}">
                 <a14:useLocalDpi xmlns:a14="http://schemas.microsoft.com/office/drawing/2010/main" val="0"/>
@@ -4161,8 +5252,8 @@
         </p:blipFill>
         <p:spPr>
           <a:xfrm>
-            <a:off x="1330427" y="2"/>
-            <a:ext cx="8229600" cy="5394325"/>
+            <a:off x="1143004" y="1"/>
+            <a:ext cx="6857997" cy="5143497"/>
           </a:xfrm>
           <a:prstGeom prst="rect">
             <a:avLst/>
@@ -4201,1639 +5292,181 @@
       </p:grpSpPr>
       <p:sp>
         <p:nvSpPr>
-          <p:cNvPr id="43" name="Oval 42"/>
-          <p:cNvSpPr/>
-          <p:nvPr/>
-        </p:nvSpPr>
-        <p:spPr>
-          <a:xfrm>
-            <a:off x="3185353" y="4176598"/>
-            <a:ext cx="5060836" cy="833387"/>
-          </a:xfrm>
-          <a:prstGeom prst="ellipse">
-            <a:avLst/>
-          </a:prstGeom>
-          <a:noFill/>
-          <a:ln w="38100" cmpd="sng">
-            <a:solidFill>
-              <a:schemeClr val="accent6"/>
-            </a:solidFill>
-          </a:ln>
-        </p:spPr>
-        <p:style>
-          <a:lnRef idx="1">
-            <a:schemeClr val="accent1"/>
-          </a:lnRef>
-          <a:fillRef idx="3">
-            <a:schemeClr val="accent1"/>
-          </a:fillRef>
-          <a:effectRef idx="2">
-            <a:schemeClr val="accent1"/>
-          </a:effectRef>
-          <a:fontRef idx="minor">
-            <a:schemeClr val="lt1"/>
-          </a:fontRef>
-        </p:style>
-        <p:txBody>
-          <a:bodyPr lIns="68580" tIns="34290" rIns="68580" bIns="34290" rtlCol="0" anchor="ctr"/>
-          <a:lstStyle/>
-          <a:p>
-            <a:pPr algn="ctr"/>
-            <a:endParaRPr lang="en-US"/>
-          </a:p>
-        </p:txBody>
-      </p:sp>
-      <p:sp>
-        <p:nvSpPr>
-          <p:cNvPr id="2" name="Oval 1"/>
-          <p:cNvSpPr/>
-          <p:nvPr/>
-        </p:nvSpPr>
-        <p:spPr>
-          <a:xfrm>
-            <a:off x="3185353" y="1875670"/>
-            <a:ext cx="5060836" cy="833387"/>
-          </a:xfrm>
-          <a:prstGeom prst="ellipse">
-            <a:avLst/>
-          </a:prstGeom>
-          <a:noFill/>
-          <a:ln w="38100" cmpd="sng">
-            <a:solidFill>
-              <a:schemeClr val="accent6"/>
-            </a:solidFill>
-          </a:ln>
-        </p:spPr>
-        <p:style>
-          <a:lnRef idx="1">
-            <a:schemeClr val="accent1"/>
-          </a:lnRef>
-          <a:fillRef idx="3">
-            <a:schemeClr val="accent1"/>
-          </a:fillRef>
-          <a:effectRef idx="2">
-            <a:schemeClr val="accent1"/>
-          </a:effectRef>
-          <a:fontRef idx="minor">
-            <a:schemeClr val="lt1"/>
-          </a:fontRef>
-        </p:style>
-        <p:txBody>
-          <a:bodyPr lIns="68580" tIns="34290" rIns="68580" bIns="34290" rtlCol="0" anchor="ctr"/>
-          <a:lstStyle/>
-          <a:p>
-            <a:pPr algn="ctr"/>
-            <a:endParaRPr lang="en-US"/>
-          </a:p>
-        </p:txBody>
-      </p:sp>
-      <p:sp>
-        <p:nvSpPr>
-          <p:cNvPr id="4" name="Rectangle 3"/>
-          <p:cNvSpPr/>
-          <p:nvPr/>
-        </p:nvSpPr>
-        <p:spPr>
-          <a:xfrm>
-            <a:off x="2548786" y="1677732"/>
-            <a:ext cx="884244" cy="1201290"/>
-          </a:xfrm>
-          <a:prstGeom prst="rect">
-            <a:avLst/>
-          </a:prstGeom>
-          <a:solidFill>
-            <a:schemeClr val="bg1"/>
-          </a:solidFill>
-          <a:ln w="38100">
-            <a:solidFill>
-              <a:schemeClr val="accent1"/>
-            </a:solidFill>
-          </a:ln>
-        </p:spPr>
-        <p:style>
-          <a:lnRef idx="2">
-            <a:schemeClr val="accent1">
-              <a:shade val="50000"/>
-            </a:schemeClr>
-          </a:lnRef>
-          <a:fillRef idx="1">
-            <a:schemeClr val="accent1"/>
-          </a:fillRef>
-          <a:effectRef idx="0">
-            <a:schemeClr val="accent1"/>
-          </a:effectRef>
-          <a:fontRef idx="minor">
-            <a:schemeClr val="lt1"/>
-          </a:fontRef>
-        </p:style>
-        <p:txBody>
-          <a:bodyPr lIns="68580" tIns="34290" rIns="68580" bIns="34290" rtlCol="0" anchor="ctr"/>
-          <a:lstStyle/>
-          <a:p>
-            <a:pPr algn="ctr"/>
-            <a:r>
-              <a:rPr lang="en-US" dirty="0" smtClean="0">
-                <a:solidFill>
-                  <a:schemeClr val="tx1"/>
-                </a:solidFill>
-              </a:rPr>
-              <a:t>20mA</a:t>
-            </a:r>
-          </a:p>
-          <a:p>
-            <a:pPr algn="ctr"/>
-            <a:r>
-              <a:rPr lang="en-US" dirty="0" smtClean="0">
-                <a:solidFill>
-                  <a:schemeClr val="tx1"/>
-                </a:solidFill>
-              </a:rPr>
-              <a:t>loop supply</a:t>
-            </a:r>
-            <a:endParaRPr lang="en-US" dirty="0">
-              <a:solidFill>
-                <a:schemeClr val="tx1"/>
-              </a:solidFill>
-            </a:endParaRPr>
-          </a:p>
-        </p:txBody>
-      </p:sp>
-      <p:cxnSp>
-        <p:nvCxnSpPr>
-          <p:cNvPr id="6" name="Straight Arrow Connector 5"/>
-          <p:cNvCxnSpPr/>
-          <p:nvPr/>
-        </p:nvCxnSpPr>
-        <p:spPr>
-          <a:xfrm>
-            <a:off x="962052" y="1968490"/>
-            <a:ext cx="1569224" cy="0"/>
-          </a:xfrm>
-          <a:prstGeom prst="straightConnector1">
-            <a:avLst/>
-          </a:prstGeom>
-          <a:ln w="38100">
-            <a:solidFill>
-              <a:srgbClr val="C00000"/>
-            </a:solidFill>
-            <a:headEnd type="none"/>
-            <a:tailEnd type="none"/>
-          </a:ln>
-        </p:spPr>
-        <p:style>
-          <a:lnRef idx="1">
-            <a:schemeClr val="accent1"/>
-          </a:lnRef>
-          <a:fillRef idx="0">
-            <a:schemeClr val="accent1"/>
-          </a:fillRef>
-          <a:effectRef idx="0">
-            <a:schemeClr val="accent1"/>
-          </a:effectRef>
-          <a:fontRef idx="minor">
-            <a:schemeClr val="tx1"/>
-          </a:fontRef>
-        </p:style>
-      </p:cxnSp>
-      <p:cxnSp>
-        <p:nvCxnSpPr>
-          <p:cNvPr id="7" name="Straight Arrow Connector 6"/>
-          <p:cNvCxnSpPr/>
-          <p:nvPr/>
-        </p:nvCxnSpPr>
-        <p:spPr>
-          <a:xfrm flipH="1" flipV="1">
-            <a:off x="962054" y="2533670"/>
-            <a:ext cx="1586735" cy="2551"/>
-          </a:xfrm>
-          <a:prstGeom prst="straightConnector1">
-            <a:avLst/>
-          </a:prstGeom>
-          <a:ln w="38100">
-            <a:solidFill>
-              <a:schemeClr val="tx1"/>
-            </a:solidFill>
-            <a:headEnd type="none"/>
-            <a:tailEnd type="none"/>
-          </a:ln>
-        </p:spPr>
-        <p:style>
-          <a:lnRef idx="1">
-            <a:schemeClr val="accent1"/>
-          </a:lnRef>
-          <a:fillRef idx="0">
-            <a:schemeClr val="accent1"/>
-          </a:fillRef>
-          <a:effectRef idx="0">
-            <a:schemeClr val="accent1"/>
-          </a:effectRef>
-          <a:fontRef idx="minor">
-            <a:schemeClr val="tx1"/>
-          </a:fontRef>
-        </p:style>
-      </p:cxnSp>
-      <p:sp>
-        <p:nvSpPr>
-          <p:cNvPr id="10" name="Rectangle 9"/>
-          <p:cNvSpPr/>
-          <p:nvPr/>
-        </p:nvSpPr>
-        <p:spPr>
-          <a:xfrm>
-            <a:off x="4037118" y="1677735"/>
-            <a:ext cx="1374518" cy="558561"/>
-          </a:xfrm>
-          <a:prstGeom prst="rect">
-            <a:avLst/>
-          </a:prstGeom>
-          <a:solidFill>
-            <a:schemeClr val="bg1"/>
-          </a:solidFill>
-          <a:ln w="38100">
-            <a:solidFill>
-              <a:schemeClr val="accent1"/>
-            </a:solidFill>
-          </a:ln>
-        </p:spPr>
-        <p:style>
-          <a:lnRef idx="2">
-            <a:schemeClr val="accent1">
-              <a:shade val="50000"/>
-            </a:schemeClr>
-          </a:lnRef>
-          <a:fillRef idx="1">
-            <a:schemeClr val="accent1"/>
-          </a:fillRef>
-          <a:effectRef idx="0">
-            <a:schemeClr val="accent1"/>
-          </a:effectRef>
-          <a:fontRef idx="minor">
-            <a:schemeClr val="lt1"/>
-          </a:fontRef>
-        </p:style>
-        <p:txBody>
-          <a:bodyPr lIns="68580" tIns="34290" rIns="68580" bIns="34290" rtlCol="0" anchor="ctr"/>
-          <a:lstStyle/>
-          <a:p>
-            <a:pPr algn="ctr"/>
-            <a:r>
-              <a:rPr lang="en-US" smtClean="0">
-                <a:solidFill>
-                  <a:schemeClr val="tx1"/>
-                </a:solidFill>
-              </a:rPr>
-              <a:t>Red LED</a:t>
-            </a:r>
-            <a:endParaRPr lang="en-US" dirty="0">
-              <a:solidFill>
-                <a:schemeClr val="tx1"/>
-              </a:solidFill>
-            </a:endParaRPr>
-          </a:p>
-        </p:txBody>
-      </p:sp>
-      <p:sp>
-        <p:nvSpPr>
-          <p:cNvPr id="11" name="Rectangle 10"/>
-          <p:cNvSpPr/>
-          <p:nvPr/>
-        </p:nvSpPr>
-        <p:spPr>
-          <a:xfrm>
-            <a:off x="6015723" y="1677735"/>
-            <a:ext cx="1374518" cy="558561"/>
-          </a:xfrm>
-          <a:prstGeom prst="rect">
-            <a:avLst/>
-          </a:prstGeom>
-          <a:solidFill>
-            <a:schemeClr val="bg1"/>
-          </a:solidFill>
-          <a:ln w="38100">
-            <a:solidFill>
-              <a:schemeClr val="accent1"/>
-            </a:solidFill>
-          </a:ln>
-        </p:spPr>
-        <p:style>
-          <a:lnRef idx="2">
-            <a:schemeClr val="accent1">
-              <a:shade val="50000"/>
-            </a:schemeClr>
-          </a:lnRef>
-          <a:fillRef idx="1">
-            <a:schemeClr val="accent1"/>
-          </a:fillRef>
-          <a:effectRef idx="0">
-            <a:schemeClr val="accent1"/>
-          </a:effectRef>
-          <a:fontRef idx="minor">
-            <a:schemeClr val="lt1"/>
-          </a:fontRef>
-        </p:style>
-        <p:txBody>
-          <a:bodyPr lIns="68580" tIns="34290" rIns="68580" bIns="34290" rtlCol="0" anchor="ctr"/>
-          <a:lstStyle/>
-          <a:p>
-            <a:pPr algn="ctr"/>
-            <a:r>
-              <a:rPr lang="en-US" dirty="0" smtClean="0">
-                <a:solidFill>
-                  <a:schemeClr val="tx1"/>
-                </a:solidFill>
-              </a:rPr>
-              <a:t>Loop To Teensy</a:t>
-            </a:r>
-            <a:endParaRPr lang="en-US" dirty="0">
-              <a:solidFill>
-                <a:schemeClr val="tx1"/>
-              </a:solidFill>
-            </a:endParaRPr>
-          </a:p>
-        </p:txBody>
-      </p:sp>
-      <p:sp>
-        <p:nvSpPr>
-          <p:cNvPr id="13" name="Rectangle 12"/>
-          <p:cNvSpPr/>
-          <p:nvPr/>
-        </p:nvSpPr>
-        <p:spPr>
-          <a:xfrm>
-            <a:off x="6015723" y="985273"/>
-            <a:ext cx="1374518" cy="558561"/>
-          </a:xfrm>
-          <a:prstGeom prst="rect">
-            <a:avLst/>
-          </a:prstGeom>
-          <a:noFill/>
-          <a:ln w="38100">
-            <a:solidFill>
-              <a:schemeClr val="accent1"/>
-            </a:solidFill>
-          </a:ln>
-        </p:spPr>
-        <p:style>
-          <a:lnRef idx="2">
-            <a:schemeClr val="accent1">
-              <a:shade val="50000"/>
-            </a:schemeClr>
-          </a:lnRef>
-          <a:fillRef idx="1">
-            <a:schemeClr val="accent1"/>
-          </a:fillRef>
-          <a:effectRef idx="0">
-            <a:schemeClr val="accent1"/>
-          </a:effectRef>
-          <a:fontRef idx="minor">
-            <a:schemeClr val="lt1"/>
-          </a:fontRef>
-        </p:style>
-        <p:txBody>
-          <a:bodyPr lIns="68580" tIns="34290" rIns="68580" bIns="34290" rtlCol="0" anchor="ctr"/>
-          <a:lstStyle/>
-          <a:p>
-            <a:pPr algn="ctr"/>
-            <a:r>
-              <a:rPr lang="en-US" dirty="0" smtClean="0">
-                <a:solidFill>
-                  <a:schemeClr val="tx1"/>
-                </a:solidFill>
-              </a:rPr>
-              <a:t>Teensy RX</a:t>
-            </a:r>
-            <a:endParaRPr lang="en-US" dirty="0">
-              <a:solidFill>
-                <a:schemeClr val="tx1"/>
-              </a:solidFill>
-            </a:endParaRPr>
-          </a:p>
-        </p:txBody>
-      </p:sp>
-      <p:sp>
-        <p:nvSpPr>
-          <p:cNvPr id="14" name="Rectangle 13"/>
-          <p:cNvSpPr/>
-          <p:nvPr/>
-        </p:nvSpPr>
-        <p:spPr>
-          <a:xfrm>
-            <a:off x="7994329" y="1677732"/>
-            <a:ext cx="1643450" cy="1201291"/>
-          </a:xfrm>
-          <a:prstGeom prst="rect">
-            <a:avLst/>
-          </a:prstGeom>
-          <a:solidFill>
-            <a:schemeClr val="bg1"/>
-          </a:solidFill>
-          <a:ln w="38100">
-            <a:solidFill>
-              <a:schemeClr val="accent1"/>
-            </a:solidFill>
-          </a:ln>
-        </p:spPr>
-        <p:style>
-          <a:lnRef idx="2">
-            <a:schemeClr val="accent1">
-              <a:shade val="50000"/>
-            </a:schemeClr>
-          </a:lnRef>
-          <a:fillRef idx="1">
-            <a:schemeClr val="accent1"/>
-          </a:fillRef>
-          <a:effectRef idx="0">
-            <a:schemeClr val="accent1"/>
-          </a:effectRef>
-          <a:fontRef idx="minor">
-            <a:schemeClr val="lt1"/>
-          </a:fontRef>
-        </p:style>
-        <p:txBody>
-          <a:bodyPr lIns="68580" tIns="34290" rIns="68580" bIns="34290" rtlCol="0" anchor="ctr"/>
-          <a:lstStyle/>
-          <a:p>
-            <a:pPr algn="ctr"/>
-            <a:r>
-              <a:rPr lang="en-US" dirty="0" err="1" smtClean="0">
-                <a:solidFill>
-                  <a:schemeClr val="tx1"/>
-                </a:solidFill>
-              </a:rPr>
+          <p:cNvPr id="2" name="Title 1"/>
+          <p:cNvSpPr>
+            <a:spLocks noGrp="1"/>
+          </p:cNvSpPr>
+          <p:nvPr>
+            <p:ph type="title"/>
+          </p:nvPr>
+        </p:nvSpPr>
+        <p:spPr/>
+        <p:txBody>
+          <a:bodyPr/>
+          <a:lstStyle/>
+          <a:p>
+            <a:r>
+              <a:rPr lang="en-US" dirty="0" smtClean="0"/>
+              <a:t>Teletype </a:t>
+            </a:r>
+            <a:r>
+              <a:rPr lang="en-US" dirty="0"/>
+              <a:t>model 33 ASR (automatic send/receive)</a:t>
+            </a:r>
+          </a:p>
+        </p:txBody>
+      </p:sp>
+      <p:sp>
+        <p:nvSpPr>
+          <p:cNvPr id="3" name="Content Placeholder 2"/>
+          <p:cNvSpPr>
+            <a:spLocks noGrp="1"/>
+          </p:cNvSpPr>
+          <p:nvPr>
+            <p:ph idx="1"/>
+          </p:nvPr>
+        </p:nvSpPr>
+        <p:spPr/>
+        <p:txBody>
+          <a:bodyPr>
+            <a:normAutofit fontScale="85000" lnSpcReduction="20000"/>
+          </a:bodyPr>
+          <a:lstStyle/>
+          <a:p>
+            <a:r>
+              <a:rPr lang="en-US" dirty="0" smtClean="0"/>
+              <a:t>On </a:t>
+            </a:r>
+            <a:r>
+              <a:rPr lang="en-US" dirty="0"/>
+              <a:t>the “</a:t>
+            </a:r>
+            <a:r>
+              <a:rPr lang="en-US" dirty="0" err="1"/>
               <a:t>tty</a:t>
             </a:r>
             <a:r>
-              <a:rPr lang="en-US" dirty="0" smtClean="0">
-                <a:solidFill>
-                  <a:schemeClr val="tx1"/>
-                </a:solidFill>
-              </a:rPr>
-              <a:t> “send”</a:t>
-            </a:r>
-          </a:p>
-          <a:p>
-            <a:pPr algn="ctr"/>
-            <a:r>
-              <a:rPr lang="en-US" dirty="0" smtClean="0">
-                <a:solidFill>
-                  <a:schemeClr val="tx1"/>
-                </a:solidFill>
-              </a:rPr>
-              <a:t>(keyboard)</a:t>
-            </a:r>
-            <a:endParaRPr lang="en-US" dirty="0">
-              <a:solidFill>
-                <a:schemeClr val="tx1"/>
-              </a:solidFill>
-            </a:endParaRPr>
-          </a:p>
-        </p:txBody>
-      </p:sp>
-      <p:cxnSp>
-        <p:nvCxnSpPr>
-          <p:cNvPr id="19" name="Straight Arrow Connector 18"/>
-          <p:cNvCxnSpPr>
-            <a:stCxn id="11" idx="0"/>
-            <a:endCxn id="13" idx="2"/>
-          </p:cNvCxnSpPr>
-          <p:nvPr/>
-        </p:nvCxnSpPr>
-        <p:spPr>
-          <a:xfrm flipV="1">
-            <a:off x="6702982" y="1543834"/>
-            <a:ext cx="0" cy="133901"/>
-          </a:xfrm>
-          <a:prstGeom prst="straightConnector1">
-            <a:avLst/>
-          </a:prstGeom>
-          <a:ln w="38100">
-            <a:solidFill>
-              <a:srgbClr val="FF0000"/>
-            </a:solidFill>
-            <a:tailEnd type="triangle" w="lg" len="med"/>
-          </a:ln>
-        </p:spPr>
-        <p:style>
-          <a:lnRef idx="1">
-            <a:schemeClr val="accent1"/>
-          </a:lnRef>
-          <a:fillRef idx="0">
-            <a:schemeClr val="accent1"/>
-          </a:fillRef>
-          <a:effectRef idx="0">
-            <a:schemeClr val="accent1"/>
-          </a:effectRef>
-          <a:fontRef idx="minor">
-            <a:schemeClr val="tx1"/>
-          </a:fontRef>
-        </p:style>
-      </p:cxnSp>
-      <p:sp>
-        <p:nvSpPr>
-          <p:cNvPr id="25" name="Rectangle 24"/>
-          <p:cNvSpPr/>
-          <p:nvPr/>
-        </p:nvSpPr>
-        <p:spPr>
-          <a:xfrm>
-            <a:off x="2548786" y="3885837"/>
-            <a:ext cx="884244" cy="1201290"/>
-          </a:xfrm>
-          <a:prstGeom prst="rect">
-            <a:avLst/>
-          </a:prstGeom>
-          <a:solidFill>
-            <a:schemeClr val="bg1"/>
-          </a:solidFill>
-          <a:ln w="38100">
-            <a:solidFill>
-              <a:schemeClr val="accent1"/>
-            </a:solidFill>
-          </a:ln>
-        </p:spPr>
-        <p:style>
-          <a:lnRef idx="2">
-            <a:schemeClr val="accent1">
-              <a:shade val="50000"/>
-            </a:schemeClr>
-          </a:lnRef>
-          <a:fillRef idx="1">
-            <a:schemeClr val="accent1"/>
-          </a:fillRef>
-          <a:effectRef idx="0">
-            <a:schemeClr val="accent1"/>
-          </a:effectRef>
-          <a:fontRef idx="minor">
-            <a:schemeClr val="lt1"/>
-          </a:fontRef>
-        </p:style>
-        <p:txBody>
-          <a:bodyPr lIns="68580" tIns="34290" rIns="68580" bIns="34290" rtlCol="0" anchor="ctr"/>
-          <a:lstStyle/>
-          <a:p>
-            <a:pPr algn="ctr"/>
-            <a:r>
-              <a:rPr lang="en-US" dirty="0" smtClean="0">
-                <a:solidFill>
-                  <a:schemeClr val="tx1"/>
-                </a:solidFill>
-              </a:rPr>
-              <a:t>20mA</a:t>
-            </a:r>
-          </a:p>
-          <a:p>
-            <a:pPr algn="ctr"/>
-            <a:r>
-              <a:rPr lang="en-US" dirty="0" smtClean="0">
-                <a:solidFill>
-                  <a:schemeClr val="tx1"/>
-                </a:solidFill>
-              </a:rPr>
-              <a:t>loop supply</a:t>
-            </a:r>
-            <a:endParaRPr lang="en-US" dirty="0">
-              <a:solidFill>
-                <a:schemeClr val="tx1"/>
-              </a:solidFill>
-            </a:endParaRPr>
-          </a:p>
-        </p:txBody>
-      </p:sp>
-      <p:cxnSp>
-        <p:nvCxnSpPr>
-          <p:cNvPr id="26" name="Straight Arrow Connector 25"/>
-          <p:cNvCxnSpPr/>
-          <p:nvPr/>
-        </p:nvCxnSpPr>
-        <p:spPr>
-          <a:xfrm>
-            <a:off x="1927186" y="4176596"/>
-            <a:ext cx="604088" cy="0"/>
-          </a:xfrm>
-          <a:prstGeom prst="straightConnector1">
-            <a:avLst/>
-          </a:prstGeom>
-          <a:ln w="38100">
-            <a:solidFill>
-              <a:srgbClr val="C00000"/>
-            </a:solidFill>
-            <a:headEnd type="none"/>
-            <a:tailEnd type="none"/>
-          </a:ln>
-        </p:spPr>
-        <p:style>
-          <a:lnRef idx="1">
-            <a:schemeClr val="accent1"/>
-          </a:lnRef>
-          <a:fillRef idx="0">
-            <a:schemeClr val="accent1"/>
-          </a:fillRef>
-          <a:effectRef idx="0">
-            <a:schemeClr val="accent1"/>
-          </a:effectRef>
-          <a:fontRef idx="minor">
-            <a:schemeClr val="tx1"/>
-          </a:fontRef>
-        </p:style>
-      </p:cxnSp>
-      <p:cxnSp>
-        <p:nvCxnSpPr>
-          <p:cNvPr id="27" name="Straight Arrow Connector 26"/>
-          <p:cNvCxnSpPr/>
-          <p:nvPr/>
-        </p:nvCxnSpPr>
-        <p:spPr>
-          <a:xfrm flipH="1" flipV="1">
-            <a:off x="1669102" y="4690280"/>
-            <a:ext cx="870929" cy="3805"/>
-          </a:xfrm>
-          <a:prstGeom prst="straightConnector1">
-            <a:avLst/>
-          </a:prstGeom>
-          <a:ln w="38100">
-            <a:solidFill>
-              <a:schemeClr val="tx1"/>
-            </a:solidFill>
-            <a:headEnd type="none"/>
-            <a:tailEnd type="none"/>
-          </a:ln>
-        </p:spPr>
-        <p:style>
-          <a:lnRef idx="1">
-            <a:schemeClr val="accent1"/>
-          </a:lnRef>
-          <a:fillRef idx="0">
-            <a:schemeClr val="accent1"/>
-          </a:fillRef>
-          <a:effectRef idx="0">
-            <a:schemeClr val="accent1"/>
-          </a:effectRef>
-          <a:fontRef idx="minor">
-            <a:schemeClr val="tx1"/>
-          </a:fontRef>
-        </p:style>
-      </p:cxnSp>
-      <p:sp>
-        <p:nvSpPr>
-          <p:cNvPr id="29" name="Rectangle 28"/>
-          <p:cNvSpPr/>
-          <p:nvPr/>
-        </p:nvSpPr>
-        <p:spPr>
-          <a:xfrm>
-            <a:off x="4037118" y="3885841"/>
-            <a:ext cx="1374518" cy="558561"/>
-          </a:xfrm>
-          <a:prstGeom prst="rect">
-            <a:avLst/>
-          </a:prstGeom>
-          <a:solidFill>
-            <a:schemeClr val="bg1"/>
-          </a:solidFill>
-          <a:ln w="38100">
-            <a:solidFill>
-              <a:schemeClr val="accent1"/>
-            </a:solidFill>
-          </a:ln>
-        </p:spPr>
-        <p:style>
-          <a:lnRef idx="2">
-            <a:schemeClr val="accent1">
-              <a:shade val="50000"/>
-            </a:schemeClr>
-          </a:lnRef>
-          <a:fillRef idx="1">
-            <a:schemeClr val="accent1"/>
-          </a:fillRef>
-          <a:effectRef idx="0">
-            <a:schemeClr val="accent1"/>
-          </a:effectRef>
-          <a:fontRef idx="minor">
-            <a:schemeClr val="lt1"/>
-          </a:fontRef>
-        </p:style>
-        <p:txBody>
-          <a:bodyPr lIns="68580" tIns="34290" rIns="68580" bIns="34290" rtlCol="0" anchor="ctr"/>
-          <a:lstStyle/>
-          <a:p>
-            <a:pPr algn="ctr"/>
-            <a:r>
-              <a:rPr lang="en-US" dirty="0" smtClean="0">
-                <a:solidFill>
-                  <a:schemeClr val="tx1"/>
-                </a:solidFill>
-              </a:rPr>
-              <a:t>Yellow LED</a:t>
-            </a:r>
-            <a:endParaRPr lang="en-US" dirty="0">
-              <a:solidFill>
-                <a:schemeClr val="tx1"/>
-              </a:solidFill>
-            </a:endParaRPr>
-          </a:p>
-        </p:txBody>
-      </p:sp>
-      <p:sp>
-        <p:nvSpPr>
-          <p:cNvPr id="30" name="Rectangle 29"/>
-          <p:cNvSpPr/>
-          <p:nvPr/>
-        </p:nvSpPr>
-        <p:spPr>
-          <a:xfrm>
-            <a:off x="6015723" y="3885840"/>
-            <a:ext cx="1374518" cy="558561"/>
-          </a:xfrm>
-          <a:prstGeom prst="rect">
-            <a:avLst/>
-          </a:prstGeom>
-          <a:solidFill>
-            <a:schemeClr val="bg1"/>
-          </a:solidFill>
-          <a:ln w="38100">
-            <a:solidFill>
-              <a:schemeClr val="accent1"/>
-            </a:solidFill>
-          </a:ln>
-        </p:spPr>
-        <p:style>
-          <a:lnRef idx="2">
-            <a:schemeClr val="accent1">
-              <a:shade val="50000"/>
-            </a:schemeClr>
-          </a:lnRef>
-          <a:fillRef idx="1">
-            <a:schemeClr val="accent1"/>
-          </a:fillRef>
-          <a:effectRef idx="0">
-            <a:schemeClr val="accent1"/>
-          </a:effectRef>
-          <a:fontRef idx="minor">
-            <a:schemeClr val="lt1"/>
-          </a:fontRef>
-        </p:style>
-        <p:txBody>
-          <a:bodyPr lIns="68580" tIns="34290" rIns="68580" bIns="34290" rtlCol="0" anchor="ctr"/>
-          <a:lstStyle/>
-          <a:p>
-            <a:pPr algn="ctr"/>
-            <a:r>
-              <a:rPr lang="en-US" dirty="0" smtClean="0">
-                <a:solidFill>
-                  <a:schemeClr val="tx1"/>
-                </a:solidFill>
-              </a:rPr>
-              <a:t>Teensy To Loop</a:t>
-            </a:r>
-            <a:endParaRPr lang="en-US" dirty="0">
-              <a:solidFill>
-                <a:schemeClr val="tx1"/>
-              </a:solidFill>
-            </a:endParaRPr>
-          </a:p>
-        </p:txBody>
-      </p:sp>
-      <p:sp>
-        <p:nvSpPr>
-          <p:cNvPr id="32" name="Rectangle 31"/>
-          <p:cNvSpPr/>
-          <p:nvPr/>
-        </p:nvSpPr>
-        <p:spPr>
-          <a:xfrm>
-            <a:off x="7994329" y="3885839"/>
-            <a:ext cx="1643450" cy="1201291"/>
-          </a:xfrm>
-          <a:prstGeom prst="rect">
-            <a:avLst/>
-          </a:prstGeom>
-          <a:solidFill>
-            <a:schemeClr val="bg1"/>
-          </a:solidFill>
-          <a:ln w="38100">
-            <a:solidFill>
-              <a:schemeClr val="accent1"/>
-            </a:solidFill>
-          </a:ln>
-        </p:spPr>
-        <p:style>
-          <a:lnRef idx="2">
-            <a:schemeClr val="accent1">
-              <a:shade val="50000"/>
-            </a:schemeClr>
-          </a:lnRef>
-          <a:fillRef idx="1">
-            <a:schemeClr val="accent1"/>
-          </a:fillRef>
-          <a:effectRef idx="0">
-            <a:schemeClr val="accent1"/>
-          </a:effectRef>
-          <a:fontRef idx="minor">
-            <a:schemeClr val="lt1"/>
-          </a:fontRef>
-        </p:style>
-        <p:txBody>
-          <a:bodyPr lIns="68580" tIns="34290" rIns="68580" bIns="34290" rtlCol="0" anchor="ctr"/>
-          <a:lstStyle/>
-          <a:p>
-            <a:pPr algn="ctr"/>
-            <a:r>
-              <a:rPr lang="en-US" dirty="0" err="1" smtClean="0">
-                <a:solidFill>
-                  <a:schemeClr val="tx1"/>
-                </a:solidFill>
-              </a:rPr>
+              <a:rPr lang="en-US" dirty="0"/>
+              <a:t> send” side is a </a:t>
+            </a:r>
+            <a:r>
+              <a:rPr lang="en-US" dirty="0" smtClean="0"/>
+              <a:t>paper-tape </a:t>
+            </a:r>
+            <a:r>
+              <a:rPr lang="en-US" dirty="0"/>
+              <a:t>reader and </a:t>
+            </a:r>
+            <a:r>
+              <a:rPr lang="en-US" dirty="0" smtClean="0"/>
+              <a:t>keyboard.</a:t>
+            </a:r>
+          </a:p>
+          <a:p>
+            <a:r>
+              <a:rPr lang="en-US" dirty="0" smtClean="0"/>
+              <a:t>On </a:t>
+            </a:r>
+            <a:r>
+              <a:rPr lang="en-US" dirty="0"/>
+              <a:t>the “</a:t>
+            </a:r>
+            <a:r>
+              <a:rPr lang="en-US" dirty="0" err="1"/>
               <a:t>tty</a:t>
             </a:r>
             <a:r>
-              <a:rPr lang="en-US" dirty="0" smtClean="0">
-                <a:solidFill>
-                  <a:schemeClr val="tx1"/>
-                </a:solidFill>
-              </a:rPr>
-              <a:t> “receive”</a:t>
-            </a:r>
-          </a:p>
-          <a:p>
-            <a:pPr algn="ctr"/>
-            <a:r>
-              <a:rPr lang="en-US" dirty="0" smtClean="0">
-                <a:solidFill>
-                  <a:schemeClr val="tx1"/>
-                </a:solidFill>
-              </a:rPr>
-              <a:t>(printer)</a:t>
-            </a:r>
-            <a:endParaRPr lang="en-US" dirty="0">
-              <a:solidFill>
-                <a:schemeClr val="tx1"/>
-              </a:solidFill>
-            </a:endParaRPr>
-          </a:p>
-        </p:txBody>
-      </p:sp>
-      <p:sp>
-        <p:nvSpPr>
-          <p:cNvPr id="35" name="Rectangle 34"/>
-          <p:cNvSpPr/>
-          <p:nvPr/>
-        </p:nvSpPr>
-        <p:spPr>
-          <a:xfrm>
-            <a:off x="6015723" y="3190071"/>
-            <a:ext cx="1374518" cy="558561"/>
-          </a:xfrm>
-          <a:prstGeom prst="rect">
-            <a:avLst/>
-          </a:prstGeom>
-          <a:noFill/>
-          <a:ln w="38100">
-            <a:solidFill>
-              <a:schemeClr val="accent1"/>
-            </a:solidFill>
-          </a:ln>
-        </p:spPr>
-        <p:style>
-          <a:lnRef idx="2">
-            <a:schemeClr val="accent1">
-              <a:shade val="50000"/>
-            </a:schemeClr>
-          </a:lnRef>
-          <a:fillRef idx="1">
-            <a:schemeClr val="accent1"/>
-          </a:fillRef>
-          <a:effectRef idx="0">
-            <a:schemeClr val="accent1"/>
-          </a:effectRef>
-          <a:fontRef idx="minor">
-            <a:schemeClr val="lt1"/>
-          </a:fontRef>
-        </p:style>
-        <p:txBody>
-          <a:bodyPr lIns="68580" tIns="34290" rIns="68580" bIns="34290" rtlCol="0" anchor="ctr"/>
-          <a:lstStyle/>
-          <a:p>
-            <a:pPr algn="ctr"/>
-            <a:r>
-              <a:rPr lang="en-US" dirty="0" smtClean="0">
-                <a:solidFill>
-                  <a:schemeClr val="tx1"/>
-                </a:solidFill>
-              </a:rPr>
-              <a:t>Teensy TX</a:t>
-            </a:r>
-            <a:endParaRPr lang="en-US" dirty="0">
-              <a:solidFill>
-                <a:schemeClr val="tx1"/>
-              </a:solidFill>
-            </a:endParaRPr>
-          </a:p>
-        </p:txBody>
-      </p:sp>
-      <p:cxnSp>
-        <p:nvCxnSpPr>
-          <p:cNvPr id="37" name="Straight Arrow Connector 36"/>
-          <p:cNvCxnSpPr>
-            <a:stCxn id="35" idx="2"/>
-            <a:endCxn id="30" idx="0"/>
-          </p:cNvCxnSpPr>
-          <p:nvPr/>
-        </p:nvCxnSpPr>
-        <p:spPr>
-          <a:xfrm>
-            <a:off x="6702982" y="3748631"/>
-            <a:ext cx="0" cy="137209"/>
-          </a:xfrm>
-          <a:prstGeom prst="straightConnector1">
-            <a:avLst/>
-          </a:prstGeom>
-          <a:ln w="38100">
-            <a:solidFill>
-              <a:srgbClr val="FF0000"/>
-            </a:solidFill>
-            <a:tailEnd type="triangle" w="lg" len="med"/>
-          </a:ln>
-        </p:spPr>
-        <p:style>
-          <a:lnRef idx="1">
-            <a:schemeClr val="accent1"/>
-          </a:lnRef>
-          <a:fillRef idx="0">
-            <a:schemeClr val="accent1"/>
-          </a:fillRef>
-          <a:effectRef idx="0">
-            <a:schemeClr val="accent1"/>
-          </a:effectRef>
-          <a:fontRef idx="minor">
-            <a:schemeClr val="tx1"/>
-          </a:fontRef>
-        </p:style>
-      </p:cxnSp>
-      <p:cxnSp>
-        <p:nvCxnSpPr>
-          <p:cNvPr id="41" name="Straight Arrow Connector 40"/>
-          <p:cNvCxnSpPr/>
-          <p:nvPr/>
-        </p:nvCxnSpPr>
-        <p:spPr>
-          <a:xfrm flipH="1">
-            <a:off x="1927188" y="1968490"/>
-            <a:ext cx="8508" cy="2208106"/>
-          </a:xfrm>
-          <a:prstGeom prst="straightConnector1">
-            <a:avLst/>
-          </a:prstGeom>
-          <a:ln w="38100">
-            <a:solidFill>
-              <a:srgbClr val="C00000"/>
-            </a:solidFill>
-            <a:headEnd type="none"/>
-            <a:tailEnd type="none"/>
-          </a:ln>
-        </p:spPr>
-        <p:style>
-          <a:lnRef idx="1">
-            <a:schemeClr val="accent1"/>
-          </a:lnRef>
-          <a:fillRef idx="0">
-            <a:schemeClr val="accent1"/>
-          </a:fillRef>
-          <a:effectRef idx="0">
-            <a:schemeClr val="accent1"/>
-          </a:effectRef>
-          <a:fontRef idx="minor">
-            <a:schemeClr val="tx1"/>
-          </a:fontRef>
-        </p:style>
-      </p:cxnSp>
-      <p:cxnSp>
-        <p:nvCxnSpPr>
-          <p:cNvPr id="51" name="Straight Arrow Connector 50"/>
-          <p:cNvCxnSpPr/>
-          <p:nvPr/>
-        </p:nvCxnSpPr>
-        <p:spPr>
-          <a:xfrm flipH="1" flipV="1">
-            <a:off x="1669105" y="2533668"/>
-            <a:ext cx="2" cy="2156610"/>
-          </a:xfrm>
-          <a:prstGeom prst="straightConnector1">
-            <a:avLst/>
-          </a:prstGeom>
-          <a:ln w="38100">
-            <a:solidFill>
-              <a:schemeClr val="tx1"/>
-            </a:solidFill>
-            <a:headEnd type="none"/>
-            <a:tailEnd type="none"/>
-          </a:ln>
-        </p:spPr>
-        <p:style>
-          <a:lnRef idx="1">
-            <a:schemeClr val="accent1"/>
-          </a:lnRef>
-          <a:fillRef idx="0">
-            <a:schemeClr val="accent1"/>
-          </a:fillRef>
-          <a:effectRef idx="0">
-            <a:schemeClr val="accent1"/>
-          </a:effectRef>
-          <a:fontRef idx="minor">
-            <a:schemeClr val="tx1"/>
-          </a:fontRef>
-        </p:style>
-      </p:cxnSp>
-      <p:cxnSp>
-        <p:nvCxnSpPr>
-          <p:cNvPr id="59" name="Straight Arrow Connector 58"/>
-          <p:cNvCxnSpPr/>
-          <p:nvPr/>
-        </p:nvCxnSpPr>
-        <p:spPr>
-          <a:xfrm flipV="1">
-            <a:off x="1935698" y="3403746"/>
-            <a:ext cx="3778662" cy="1"/>
-          </a:xfrm>
-          <a:prstGeom prst="straightConnector1">
-            <a:avLst/>
-          </a:prstGeom>
-          <a:ln w="38100">
-            <a:solidFill>
-              <a:srgbClr val="C00000"/>
-            </a:solidFill>
-            <a:headEnd type="none"/>
-            <a:tailEnd type="none"/>
-          </a:ln>
-        </p:spPr>
-        <p:style>
-          <a:lnRef idx="1">
-            <a:schemeClr val="accent1"/>
-          </a:lnRef>
-          <a:fillRef idx="0">
-            <a:schemeClr val="accent1"/>
-          </a:fillRef>
-          <a:effectRef idx="0">
-            <a:schemeClr val="accent1"/>
-          </a:effectRef>
-          <a:fontRef idx="minor">
-            <a:schemeClr val="tx1"/>
-          </a:fontRef>
-        </p:style>
-      </p:cxnSp>
-      <p:cxnSp>
-        <p:nvCxnSpPr>
-          <p:cNvPr id="62" name="Straight Arrow Connector 61"/>
-          <p:cNvCxnSpPr/>
-          <p:nvPr/>
-        </p:nvCxnSpPr>
-        <p:spPr>
-          <a:xfrm flipH="1">
-            <a:off x="5714359" y="3403743"/>
-            <a:ext cx="2" cy="577421"/>
-          </a:xfrm>
-          <a:prstGeom prst="straightConnector1">
-            <a:avLst/>
-          </a:prstGeom>
-          <a:ln w="38100">
-            <a:solidFill>
-              <a:srgbClr val="C00000"/>
-            </a:solidFill>
-            <a:headEnd type="none"/>
-            <a:tailEnd type="none"/>
-          </a:ln>
-        </p:spPr>
-        <p:style>
-          <a:lnRef idx="1">
-            <a:schemeClr val="accent1"/>
-          </a:lnRef>
-          <a:fillRef idx="0">
-            <a:schemeClr val="accent1"/>
-          </a:fillRef>
-          <a:effectRef idx="0">
-            <a:schemeClr val="accent1"/>
-          </a:effectRef>
-          <a:fontRef idx="minor">
-            <a:schemeClr val="tx1"/>
-          </a:fontRef>
-        </p:style>
-      </p:cxnSp>
-      <p:cxnSp>
-        <p:nvCxnSpPr>
-          <p:cNvPr id="65" name="Straight Arrow Connector 64"/>
-          <p:cNvCxnSpPr/>
-          <p:nvPr/>
-        </p:nvCxnSpPr>
-        <p:spPr>
-          <a:xfrm flipH="1">
-            <a:off x="5714357" y="3981164"/>
-            <a:ext cx="301366" cy="0"/>
-          </a:xfrm>
-          <a:prstGeom prst="straightConnector1">
-            <a:avLst/>
-          </a:prstGeom>
-          <a:ln w="38100">
-            <a:solidFill>
-              <a:srgbClr val="C00000"/>
-            </a:solidFill>
-            <a:headEnd type="none"/>
-            <a:tailEnd type="none"/>
-          </a:ln>
-        </p:spPr>
-        <p:style>
-          <a:lnRef idx="1">
-            <a:schemeClr val="accent1"/>
-          </a:lnRef>
-          <a:fillRef idx="0">
-            <a:schemeClr val="accent1"/>
-          </a:fillRef>
-          <a:effectRef idx="0">
-            <a:schemeClr val="accent1"/>
-          </a:effectRef>
-          <a:fontRef idx="minor">
-            <a:schemeClr val="tx1"/>
-          </a:fontRef>
-        </p:style>
-      </p:cxnSp>
-      <p:sp>
-        <p:nvSpPr>
-          <p:cNvPr id="69" name="Rectangle 68"/>
-          <p:cNvSpPr/>
-          <p:nvPr/>
-        </p:nvSpPr>
-        <p:spPr>
-          <a:xfrm>
-            <a:off x="277197" y="1621827"/>
-            <a:ext cx="1109465" cy="1201290"/>
-          </a:xfrm>
-          <a:prstGeom prst="rect">
-            <a:avLst/>
-          </a:prstGeom>
-          <a:noFill/>
-          <a:ln w="38100">
-            <a:noFill/>
-          </a:ln>
-        </p:spPr>
-        <p:style>
-          <a:lnRef idx="2">
-            <a:schemeClr val="accent1">
-              <a:shade val="50000"/>
-            </a:schemeClr>
-          </a:lnRef>
-          <a:fillRef idx="1">
-            <a:schemeClr val="accent1"/>
-          </a:fillRef>
-          <a:effectRef idx="0">
-            <a:schemeClr val="accent1"/>
-          </a:effectRef>
-          <a:fontRef idx="minor">
-            <a:schemeClr val="lt1"/>
-          </a:fontRef>
-        </p:style>
-        <p:txBody>
-          <a:bodyPr lIns="68580" tIns="34290" rIns="68580" bIns="34290" rtlCol="0" anchor="ctr"/>
-          <a:lstStyle/>
-          <a:p>
-            <a:pPr algn="ctr"/>
-            <a:r>
-              <a:rPr lang="en-US" smtClean="0">
-                <a:solidFill>
-                  <a:schemeClr val="tx1"/>
-                </a:solidFill>
-              </a:rPr>
-              <a:t>19.2 VDC</a:t>
-            </a:r>
-            <a:endParaRPr lang="en-US" dirty="0">
-              <a:solidFill>
-                <a:schemeClr val="tx1"/>
-              </a:solidFill>
-            </a:endParaRPr>
-          </a:p>
-        </p:txBody>
-      </p:sp>
-      <p:sp>
-        <p:nvSpPr>
-          <p:cNvPr id="70" name="Title 69"/>
-          <p:cNvSpPr>
-            <a:spLocks noGrp="1"/>
-          </p:cNvSpPr>
-          <p:nvPr>
-            <p:ph type="title"/>
-          </p:nvPr>
-        </p:nvSpPr>
-        <p:spPr/>
-        <p:txBody>
-          <a:bodyPr/>
-          <a:lstStyle/>
-          <a:p>
+              <a:rPr lang="en-US" dirty="0"/>
+              <a:t> receive” side is a </a:t>
+            </a:r>
             <a:r>
               <a:rPr lang="en-US" dirty="0" smtClean="0"/>
-              <a:t>Overall electronics</a:t>
+              <a:t>paper-tape </a:t>
+            </a:r>
+            <a:r>
+              <a:rPr lang="en-US" dirty="0"/>
+              <a:t>punch and </a:t>
+            </a:r>
+            <a:r>
+              <a:rPr lang="en-US" dirty="0" smtClean="0"/>
+              <a:t>a printer with 72 characters per line.</a:t>
+            </a:r>
+          </a:p>
+          <a:p>
+            <a:r>
+              <a:rPr lang="en-US" dirty="0" smtClean="0"/>
+              <a:t>The </a:t>
+            </a:r>
+            <a:r>
+              <a:rPr lang="en-US" dirty="0"/>
+              <a:t>printer and keyboard use the </a:t>
+            </a:r>
+            <a:r>
+              <a:rPr lang="en-US" dirty="0" smtClean="0"/>
+              <a:t>ASCII </a:t>
+            </a:r>
+            <a:r>
+              <a:rPr lang="en-US" dirty="0"/>
+              <a:t>1963 character set (7-bit characters, no lowercase) with even parity.  Parity is not checked. </a:t>
+            </a:r>
+            <a:r>
+              <a:rPr lang="en-US" dirty="0" smtClean="0"/>
+              <a:t> The </a:t>
+            </a:r>
+            <a:r>
+              <a:rPr lang="en-US" dirty="0" err="1"/>
+              <a:t>papertape</a:t>
+            </a:r>
+            <a:r>
+              <a:rPr lang="en-US" dirty="0"/>
+              <a:t> can read and write 8-bit </a:t>
+            </a:r>
+            <a:r>
+              <a:rPr lang="en-US" dirty="0" smtClean="0"/>
+              <a:t>bytes.</a:t>
+            </a:r>
+          </a:p>
+          <a:p>
+            <a:r>
+              <a:rPr lang="en-US" dirty="0" smtClean="0"/>
+              <a:t>Escape characters include CR, LF and BEL (Return and line-feed are separate keys on the keyboard).  Some models may handle more: WRU to trigger the “here is” answerback, DC1 to enable the tape reader, DC2 to enable the tape punch.</a:t>
+            </a:r>
+          </a:p>
+          <a:p>
+            <a:r>
+              <a:rPr lang="en-US" dirty="0" smtClean="0"/>
+              <a:t>Serial</a:t>
+            </a:r>
+            <a:r>
+              <a:rPr lang="en-US" dirty="0"/>
+              <a:t>-to-parallel conversion and timing is entirely mechanical, and runs at 110 baud (10 characters per second: 1 start bit, 8 data bits, 2 stop bits). </a:t>
+            </a:r>
+            <a:endParaRPr lang="en-US" dirty="0" smtClean="0"/>
+          </a:p>
+          <a:p>
+            <a:r>
+              <a:rPr lang="en-US" dirty="0" smtClean="0"/>
+              <a:t>The interface </a:t>
+            </a:r>
+            <a:r>
+              <a:rPr lang="en-US" dirty="0"/>
+              <a:t>is a 20mA current loop</a:t>
+            </a:r>
+            <a:r>
+              <a:rPr lang="en-US" dirty="0" smtClean="0"/>
+              <a:t>.  The loop is normally closed (the SPACE value is current flowing).  The keyboard includes a BREAK key that interrupts the loop to signal out-of-band.</a:t>
             </a:r>
             <a:endParaRPr lang="en-US" dirty="0"/>
           </a:p>
-        </p:txBody>
-      </p:sp>
-      <p:cxnSp>
-        <p:nvCxnSpPr>
-          <p:cNvPr id="73" name="Straight Arrow Connector 72"/>
-          <p:cNvCxnSpPr/>
-          <p:nvPr/>
-        </p:nvCxnSpPr>
-        <p:spPr>
-          <a:xfrm>
-            <a:off x="7390240" y="1247558"/>
-            <a:ext cx="604088" cy="0"/>
-          </a:xfrm>
-          <a:prstGeom prst="straightConnector1">
-            <a:avLst/>
-          </a:prstGeom>
-          <a:ln w="38100">
-            <a:solidFill>
-              <a:schemeClr val="accent2"/>
-            </a:solidFill>
-            <a:headEnd type="diamond" w="lg" len="med"/>
-            <a:tailEnd type="triangle" w="lg" len="med"/>
-          </a:ln>
-        </p:spPr>
-        <p:style>
-          <a:lnRef idx="1">
-            <a:schemeClr val="accent1"/>
-          </a:lnRef>
-          <a:fillRef idx="0">
-            <a:schemeClr val="accent1"/>
-          </a:fillRef>
-          <a:effectRef idx="0">
-            <a:schemeClr val="accent1"/>
-          </a:effectRef>
-          <a:fontRef idx="minor">
-            <a:schemeClr val="tx1"/>
-          </a:fontRef>
-        </p:style>
-      </p:cxnSp>
-      <p:sp>
-        <p:nvSpPr>
-          <p:cNvPr id="74" name="Rectangle 73"/>
-          <p:cNvSpPr/>
-          <p:nvPr/>
-        </p:nvSpPr>
-        <p:spPr>
-          <a:xfrm>
-            <a:off x="7994327" y="1135658"/>
-            <a:ext cx="1109465" cy="226789"/>
-          </a:xfrm>
-          <a:prstGeom prst="rect">
-            <a:avLst/>
-          </a:prstGeom>
-          <a:noFill/>
-          <a:ln w="38100">
-            <a:noFill/>
-          </a:ln>
-        </p:spPr>
-        <p:style>
-          <a:lnRef idx="2">
-            <a:schemeClr val="accent1">
-              <a:shade val="50000"/>
-            </a:schemeClr>
-          </a:lnRef>
-          <a:fillRef idx="1">
-            <a:schemeClr val="accent1"/>
-          </a:fillRef>
-          <a:effectRef idx="0">
-            <a:schemeClr val="accent1"/>
-          </a:effectRef>
-          <a:fontRef idx="minor">
-            <a:schemeClr val="lt1"/>
-          </a:fontRef>
-        </p:style>
-        <p:txBody>
-          <a:bodyPr lIns="68580" tIns="34290" rIns="68580" bIns="34290" rtlCol="0" anchor="ctr"/>
-          <a:lstStyle/>
-          <a:p>
-            <a:r>
-              <a:rPr lang="en-US" dirty="0" smtClean="0">
-                <a:solidFill>
-                  <a:schemeClr val="tx1"/>
-                </a:solidFill>
-              </a:rPr>
-              <a:t>USB</a:t>
-            </a:r>
-            <a:endParaRPr lang="en-US" dirty="0">
-              <a:solidFill>
-                <a:schemeClr val="tx1"/>
-              </a:solidFill>
-            </a:endParaRPr>
-          </a:p>
-        </p:txBody>
-      </p:sp>
-      <p:cxnSp>
-        <p:nvCxnSpPr>
-          <p:cNvPr id="75" name="Straight Arrow Connector 74"/>
-          <p:cNvCxnSpPr>
-            <a:stCxn id="76" idx="1"/>
-            <a:endCxn id="35" idx="3"/>
-          </p:cNvCxnSpPr>
-          <p:nvPr/>
-        </p:nvCxnSpPr>
-        <p:spPr>
-          <a:xfrm flipH="1">
-            <a:off x="7390244" y="3462196"/>
-            <a:ext cx="604086" cy="7154"/>
-          </a:xfrm>
-          <a:prstGeom prst="straightConnector1">
-            <a:avLst/>
-          </a:prstGeom>
-          <a:ln w="38100">
-            <a:solidFill>
-              <a:schemeClr val="accent2"/>
-            </a:solidFill>
-            <a:headEnd type="diamond" w="lg" len="med"/>
-            <a:tailEnd type="triangle" w="lg" len="med"/>
-          </a:ln>
-        </p:spPr>
-        <p:style>
-          <a:lnRef idx="1">
-            <a:schemeClr val="accent1"/>
-          </a:lnRef>
-          <a:fillRef idx="0">
-            <a:schemeClr val="accent1"/>
-          </a:fillRef>
-          <a:effectRef idx="0">
-            <a:schemeClr val="accent1"/>
-          </a:effectRef>
-          <a:fontRef idx="minor">
-            <a:schemeClr val="tx1"/>
-          </a:fontRef>
-        </p:style>
-      </p:cxnSp>
-      <p:sp>
-        <p:nvSpPr>
-          <p:cNvPr id="76" name="Rectangle 75"/>
-          <p:cNvSpPr/>
-          <p:nvPr/>
-        </p:nvSpPr>
-        <p:spPr>
-          <a:xfrm>
-            <a:off x="7994327" y="3348803"/>
-            <a:ext cx="1109465" cy="226789"/>
-          </a:xfrm>
-          <a:prstGeom prst="rect">
-            <a:avLst/>
-          </a:prstGeom>
-          <a:noFill/>
-          <a:ln w="38100">
-            <a:noFill/>
-          </a:ln>
-        </p:spPr>
-        <p:style>
-          <a:lnRef idx="2">
-            <a:schemeClr val="accent1">
-              <a:shade val="50000"/>
-            </a:schemeClr>
-          </a:lnRef>
-          <a:fillRef idx="1">
-            <a:schemeClr val="accent1"/>
-          </a:fillRef>
-          <a:effectRef idx="0">
-            <a:schemeClr val="accent1"/>
-          </a:effectRef>
-          <a:fontRef idx="minor">
-            <a:schemeClr val="lt1"/>
-          </a:fontRef>
-        </p:style>
-        <p:txBody>
-          <a:bodyPr lIns="68580" tIns="34290" rIns="68580" bIns="34290" rtlCol="0" anchor="ctr"/>
-          <a:lstStyle/>
-          <a:p>
-            <a:r>
-              <a:rPr lang="en-US" dirty="0" smtClean="0">
-                <a:solidFill>
-                  <a:schemeClr val="tx1"/>
-                </a:solidFill>
-              </a:rPr>
-              <a:t>USB</a:t>
-            </a:r>
-            <a:endParaRPr lang="en-US" dirty="0">
-              <a:solidFill>
-                <a:schemeClr val="tx1"/>
-              </a:solidFill>
-            </a:endParaRPr>
-          </a:p>
-        </p:txBody>
-      </p:sp>
-      <p:sp>
-        <p:nvSpPr>
-          <p:cNvPr id="38" name="Rectangle 37"/>
-          <p:cNvSpPr/>
-          <p:nvPr/>
-        </p:nvSpPr>
-        <p:spPr>
-          <a:xfrm>
-            <a:off x="8012034" y="2422105"/>
-            <a:ext cx="537026" cy="239763"/>
-          </a:xfrm>
-          <a:prstGeom prst="rect">
-            <a:avLst/>
-          </a:prstGeom>
-          <a:noFill/>
-          <a:ln w="38100">
-            <a:noFill/>
-          </a:ln>
-        </p:spPr>
-        <p:style>
-          <a:lnRef idx="2">
-            <a:schemeClr val="accent1">
-              <a:shade val="50000"/>
-            </a:schemeClr>
-          </a:lnRef>
-          <a:fillRef idx="1">
-            <a:schemeClr val="accent1"/>
-          </a:fillRef>
-          <a:effectRef idx="0">
-            <a:schemeClr val="accent1"/>
-          </a:effectRef>
-          <a:fontRef idx="minor">
-            <a:schemeClr val="lt1"/>
-          </a:fontRef>
-        </p:style>
-        <p:txBody>
-          <a:bodyPr lIns="68580" tIns="34290" rIns="68580" bIns="34290" rtlCol="0" anchor="ctr"/>
-          <a:lstStyle/>
-          <a:p>
-            <a:r>
-              <a:rPr lang="en-US" dirty="0">
-                <a:solidFill>
-                  <a:schemeClr val="tx1"/>
-                </a:solidFill>
-              </a:rPr>
-              <a:t>3</a:t>
-            </a:r>
-          </a:p>
-        </p:txBody>
-      </p:sp>
-      <p:sp>
-        <p:nvSpPr>
-          <p:cNvPr id="39" name="Rectangle 38"/>
-          <p:cNvSpPr/>
-          <p:nvPr/>
-        </p:nvSpPr>
-        <p:spPr>
-          <a:xfrm>
-            <a:off x="8012034" y="4621895"/>
-            <a:ext cx="537026" cy="239763"/>
-          </a:xfrm>
-          <a:prstGeom prst="rect">
-            <a:avLst/>
-          </a:prstGeom>
-          <a:noFill/>
-          <a:ln w="38100">
-            <a:noFill/>
-          </a:ln>
-        </p:spPr>
-        <p:style>
-          <a:lnRef idx="2">
-            <a:schemeClr val="accent1">
-              <a:shade val="50000"/>
-            </a:schemeClr>
-          </a:lnRef>
-          <a:fillRef idx="1">
-            <a:schemeClr val="accent1"/>
-          </a:fillRef>
-          <a:effectRef idx="0">
-            <a:schemeClr val="accent1"/>
-          </a:effectRef>
-          <a:fontRef idx="minor">
-            <a:schemeClr val="lt1"/>
-          </a:fontRef>
-        </p:style>
-        <p:txBody>
-          <a:bodyPr lIns="68580" tIns="34290" rIns="68580" bIns="34290" rtlCol="0" anchor="ctr"/>
-          <a:lstStyle/>
-          <a:p>
-            <a:r>
-              <a:rPr lang="en-US" dirty="0" smtClean="0">
-                <a:solidFill>
-                  <a:schemeClr val="tx1"/>
-                </a:solidFill>
-              </a:rPr>
-              <a:t>6-</a:t>
-            </a:r>
-            <a:endParaRPr lang="en-US" dirty="0">
-              <a:solidFill>
-                <a:schemeClr val="tx1"/>
-              </a:solidFill>
-            </a:endParaRPr>
-          </a:p>
-        </p:txBody>
-      </p:sp>
-      <p:sp>
-        <p:nvSpPr>
-          <p:cNvPr id="40" name="Rectangle 39"/>
-          <p:cNvSpPr/>
-          <p:nvPr/>
-        </p:nvSpPr>
-        <p:spPr>
-          <a:xfrm>
-            <a:off x="7994328" y="4056717"/>
-            <a:ext cx="537026" cy="239763"/>
-          </a:xfrm>
-          <a:prstGeom prst="rect">
-            <a:avLst/>
-          </a:prstGeom>
-          <a:noFill/>
-          <a:ln w="38100">
-            <a:noFill/>
-          </a:ln>
-        </p:spPr>
-        <p:style>
-          <a:lnRef idx="2">
-            <a:schemeClr val="accent1">
-              <a:shade val="50000"/>
-            </a:schemeClr>
-          </a:lnRef>
-          <a:fillRef idx="1">
-            <a:schemeClr val="accent1"/>
-          </a:fillRef>
-          <a:effectRef idx="0">
-            <a:schemeClr val="accent1"/>
-          </a:effectRef>
-          <a:fontRef idx="minor">
-            <a:schemeClr val="lt1"/>
-          </a:fontRef>
-        </p:style>
-        <p:txBody>
-          <a:bodyPr lIns="68580" tIns="34290" rIns="68580" bIns="34290" rtlCol="0" anchor="ctr"/>
-          <a:lstStyle/>
-          <a:p>
-            <a:r>
-              <a:rPr lang="en-US" dirty="0" smtClean="0">
-                <a:solidFill>
-                  <a:schemeClr val="tx1"/>
-                </a:solidFill>
-              </a:rPr>
-              <a:t>7+</a:t>
-            </a:r>
-            <a:endParaRPr lang="en-US" dirty="0">
-              <a:solidFill>
-                <a:schemeClr val="tx1"/>
-              </a:solidFill>
-            </a:endParaRPr>
-          </a:p>
-        </p:txBody>
-      </p:sp>
-      <p:sp>
-        <p:nvSpPr>
-          <p:cNvPr id="42" name="Rectangle 41"/>
-          <p:cNvSpPr/>
-          <p:nvPr/>
-        </p:nvSpPr>
-        <p:spPr>
-          <a:xfrm>
-            <a:off x="8012034" y="1863777"/>
-            <a:ext cx="537026" cy="239763"/>
-          </a:xfrm>
-          <a:prstGeom prst="rect">
-            <a:avLst/>
-          </a:prstGeom>
-          <a:noFill/>
-          <a:ln w="38100">
-            <a:noFill/>
-          </a:ln>
-        </p:spPr>
-        <p:style>
-          <a:lnRef idx="2">
-            <a:schemeClr val="accent1">
-              <a:shade val="50000"/>
-            </a:schemeClr>
-          </a:lnRef>
-          <a:fillRef idx="1">
-            <a:schemeClr val="accent1"/>
-          </a:fillRef>
-          <a:effectRef idx="0">
-            <a:schemeClr val="accent1"/>
-          </a:effectRef>
-          <a:fontRef idx="minor">
-            <a:schemeClr val="lt1"/>
-          </a:fontRef>
-        </p:style>
-        <p:txBody>
-          <a:bodyPr lIns="68580" tIns="34290" rIns="68580" bIns="34290" rtlCol="0" anchor="ctr"/>
-          <a:lstStyle/>
-          <a:p>
-            <a:r>
-              <a:rPr lang="en-US" dirty="0">
-                <a:solidFill>
-                  <a:schemeClr val="tx1"/>
-                </a:solidFill>
-              </a:rPr>
-              <a:t>4</a:t>
-            </a:r>
+          <a:p>
+            <a:endParaRPr lang="en-US" dirty="0"/>
           </a:p>
         </p:txBody>
       </p:sp>
     </p:spTree>
     <p:extLst>
       <p:ext uri="{BB962C8B-B14F-4D97-AF65-F5344CB8AC3E}">
-        <p14:creationId xmlns:p14="http://schemas.microsoft.com/office/powerpoint/2010/main" val="1872264151"/>
+        <p14:creationId xmlns:p14="http://schemas.microsoft.com/office/powerpoint/2010/main" val="3606085202"/>
       </p:ext>
     </p:extLst>
   </p:cSld>
@@ -5862,37 +5495,1169 @@
       </p:grpSpPr>
       <p:sp>
         <p:nvSpPr>
-          <p:cNvPr id="2" name="Title 1"/>
-          <p:cNvSpPr>
-            <a:spLocks noGrp="1"/>
-          </p:cNvSpPr>
-          <p:nvPr>
-            <p:ph type="title"/>
-          </p:nvPr>
-        </p:nvSpPr>
-        <p:spPr/>
-        <p:txBody>
-          <a:bodyPr/>
-          <a:lstStyle/>
-          <a:p>
-            <a:r>
-              <a:rPr lang="en-US" dirty="0" smtClean="0"/>
-              <a:t>20mA loop supply</a:t>
-            </a:r>
-            <a:endParaRPr lang="en-US" dirty="0"/>
-          </a:p>
-        </p:txBody>
-      </p:sp>
-      <p:sp>
-        <p:nvSpPr>
-          <p:cNvPr id="5" name="Rectangle 4"/>
+          <p:cNvPr id="43" name="Oval 42"/>
           <p:cNvSpPr/>
           <p:nvPr/>
         </p:nvSpPr>
         <p:spPr>
           <a:xfrm>
-            <a:off x="708827" y="2726699"/>
-            <a:ext cx="1109465" cy="1201290"/>
+            <a:off x="2654465" y="3982399"/>
+            <a:ext cx="4217363" cy="794636"/>
+          </a:xfrm>
+          <a:prstGeom prst="ellipse">
+            <a:avLst/>
+          </a:prstGeom>
+          <a:noFill/>
+          <a:ln w="38100" cmpd="sng">
+            <a:solidFill>
+              <a:schemeClr val="accent6"/>
+            </a:solidFill>
+          </a:ln>
+        </p:spPr>
+        <p:style>
+          <a:lnRef idx="1">
+            <a:schemeClr val="accent1"/>
+          </a:lnRef>
+          <a:fillRef idx="3">
+            <a:schemeClr val="accent1"/>
+          </a:fillRef>
+          <a:effectRef idx="2">
+            <a:schemeClr val="accent1"/>
+          </a:effectRef>
+          <a:fontRef idx="minor">
+            <a:schemeClr val="lt1"/>
+          </a:fontRef>
+        </p:style>
+        <p:txBody>
+          <a:bodyPr lIns="68580" tIns="34290" rIns="68580" bIns="34290" rtlCol="0" anchor="ctr"/>
+          <a:lstStyle/>
+          <a:p>
+            <a:pPr algn="ctr"/>
+            <a:endParaRPr lang="en-US"/>
+          </a:p>
+        </p:txBody>
+      </p:sp>
+      <p:sp>
+        <p:nvSpPr>
+          <p:cNvPr id="2" name="Oval 1"/>
+          <p:cNvSpPr/>
+          <p:nvPr/>
+        </p:nvSpPr>
+        <p:spPr>
+          <a:xfrm>
+            <a:off x="2654465" y="1788460"/>
+            <a:ext cx="4217363" cy="794636"/>
+          </a:xfrm>
+          <a:prstGeom prst="ellipse">
+            <a:avLst/>
+          </a:prstGeom>
+          <a:noFill/>
+          <a:ln w="38100" cmpd="sng">
+            <a:solidFill>
+              <a:schemeClr val="accent6"/>
+            </a:solidFill>
+          </a:ln>
+        </p:spPr>
+        <p:style>
+          <a:lnRef idx="1">
+            <a:schemeClr val="accent1"/>
+          </a:lnRef>
+          <a:fillRef idx="3">
+            <a:schemeClr val="accent1"/>
+          </a:fillRef>
+          <a:effectRef idx="2">
+            <a:schemeClr val="accent1"/>
+          </a:effectRef>
+          <a:fontRef idx="minor">
+            <a:schemeClr val="lt1"/>
+          </a:fontRef>
+        </p:style>
+        <p:txBody>
+          <a:bodyPr lIns="68580" tIns="34290" rIns="68580" bIns="34290" rtlCol="0" anchor="ctr"/>
+          <a:lstStyle/>
+          <a:p>
+            <a:pPr algn="ctr"/>
+            <a:endParaRPr lang="en-US"/>
+          </a:p>
+        </p:txBody>
+      </p:sp>
+      <p:sp>
+        <p:nvSpPr>
+          <p:cNvPr id="4" name="Rectangle 3"/>
+          <p:cNvSpPr/>
+          <p:nvPr/>
+        </p:nvSpPr>
+        <p:spPr>
+          <a:xfrm>
+            <a:off x="2123988" y="1599724"/>
+            <a:ext cx="736870" cy="1145432"/>
+          </a:xfrm>
+          <a:prstGeom prst="rect">
+            <a:avLst/>
+          </a:prstGeom>
+          <a:solidFill>
+            <a:schemeClr val="bg1"/>
+          </a:solidFill>
+          <a:ln w="38100">
+            <a:solidFill>
+              <a:schemeClr val="accent1"/>
+            </a:solidFill>
+          </a:ln>
+        </p:spPr>
+        <p:style>
+          <a:lnRef idx="2">
+            <a:schemeClr val="accent1">
+              <a:shade val="50000"/>
+            </a:schemeClr>
+          </a:lnRef>
+          <a:fillRef idx="1">
+            <a:schemeClr val="accent1"/>
+          </a:fillRef>
+          <a:effectRef idx="0">
+            <a:schemeClr val="accent1"/>
+          </a:effectRef>
+          <a:fontRef idx="minor">
+            <a:schemeClr val="lt1"/>
+          </a:fontRef>
+        </p:style>
+        <p:txBody>
+          <a:bodyPr lIns="68580" tIns="34290" rIns="68580" bIns="34290" rtlCol="0" anchor="ctr"/>
+          <a:lstStyle/>
+          <a:p>
+            <a:pPr algn="ctr"/>
+            <a:r>
+              <a:rPr lang="en-US" dirty="0" smtClean="0">
+                <a:solidFill>
+                  <a:schemeClr val="tx1"/>
+                </a:solidFill>
+              </a:rPr>
+              <a:t>20mA</a:t>
+            </a:r>
+          </a:p>
+          <a:p>
+            <a:pPr algn="ctr"/>
+            <a:r>
+              <a:rPr lang="en-US" dirty="0" smtClean="0">
+                <a:solidFill>
+                  <a:schemeClr val="tx1"/>
+                </a:solidFill>
+              </a:rPr>
+              <a:t>loop supply</a:t>
+            </a:r>
+            <a:endParaRPr lang="en-US" dirty="0">
+              <a:solidFill>
+                <a:schemeClr val="tx1"/>
+              </a:solidFill>
+            </a:endParaRPr>
+          </a:p>
+        </p:txBody>
+      </p:sp>
+      <p:cxnSp>
+        <p:nvCxnSpPr>
+          <p:cNvPr id="6" name="Straight Arrow Connector 5"/>
+          <p:cNvCxnSpPr/>
+          <p:nvPr/>
+        </p:nvCxnSpPr>
+        <p:spPr>
+          <a:xfrm>
+            <a:off x="801714" y="1876959"/>
+            <a:ext cx="1307687" cy="0"/>
+          </a:xfrm>
+          <a:prstGeom prst="straightConnector1">
+            <a:avLst/>
+          </a:prstGeom>
+          <a:ln w="38100">
+            <a:solidFill>
+              <a:srgbClr val="C00000"/>
+            </a:solidFill>
+            <a:headEnd type="none"/>
+            <a:tailEnd type="none"/>
+          </a:ln>
+        </p:spPr>
+        <p:style>
+          <a:lnRef idx="1">
+            <a:schemeClr val="accent1"/>
+          </a:lnRef>
+          <a:fillRef idx="0">
+            <a:schemeClr val="accent1"/>
+          </a:fillRef>
+          <a:effectRef idx="0">
+            <a:schemeClr val="accent1"/>
+          </a:effectRef>
+          <a:fontRef idx="minor">
+            <a:schemeClr val="tx1"/>
+          </a:fontRef>
+        </p:style>
+      </p:cxnSp>
+      <p:cxnSp>
+        <p:nvCxnSpPr>
+          <p:cNvPr id="7" name="Straight Arrow Connector 6"/>
+          <p:cNvCxnSpPr/>
+          <p:nvPr/>
+        </p:nvCxnSpPr>
+        <p:spPr>
+          <a:xfrm flipH="1" flipV="1">
+            <a:off x="801715" y="2415863"/>
+            <a:ext cx="1322279" cy="2432"/>
+          </a:xfrm>
+          <a:prstGeom prst="straightConnector1">
+            <a:avLst/>
+          </a:prstGeom>
+          <a:ln w="38100">
+            <a:solidFill>
+              <a:schemeClr val="tx1"/>
+            </a:solidFill>
+            <a:headEnd type="none"/>
+            <a:tailEnd type="none"/>
+          </a:ln>
+        </p:spPr>
+        <p:style>
+          <a:lnRef idx="1">
+            <a:schemeClr val="accent1"/>
+          </a:lnRef>
+          <a:fillRef idx="0">
+            <a:schemeClr val="accent1"/>
+          </a:fillRef>
+          <a:effectRef idx="0">
+            <a:schemeClr val="accent1"/>
+          </a:effectRef>
+          <a:fontRef idx="minor">
+            <a:schemeClr val="tx1"/>
+          </a:fontRef>
+        </p:style>
+      </p:cxnSp>
+      <p:sp>
+        <p:nvSpPr>
+          <p:cNvPr id="10" name="Rectangle 9"/>
+          <p:cNvSpPr/>
+          <p:nvPr/>
+        </p:nvSpPr>
+        <p:spPr>
+          <a:xfrm>
+            <a:off x="3364265" y="1599728"/>
+            <a:ext cx="1145432" cy="532589"/>
+          </a:xfrm>
+          <a:prstGeom prst="rect">
+            <a:avLst/>
+          </a:prstGeom>
+          <a:solidFill>
+            <a:schemeClr val="bg1"/>
+          </a:solidFill>
+          <a:ln w="38100">
+            <a:solidFill>
+              <a:schemeClr val="accent1"/>
+            </a:solidFill>
+          </a:ln>
+        </p:spPr>
+        <p:style>
+          <a:lnRef idx="2">
+            <a:schemeClr val="accent1">
+              <a:shade val="50000"/>
+            </a:schemeClr>
+          </a:lnRef>
+          <a:fillRef idx="1">
+            <a:schemeClr val="accent1"/>
+          </a:fillRef>
+          <a:effectRef idx="0">
+            <a:schemeClr val="accent1"/>
+          </a:effectRef>
+          <a:fontRef idx="minor">
+            <a:schemeClr val="lt1"/>
+          </a:fontRef>
+        </p:style>
+        <p:txBody>
+          <a:bodyPr lIns="68580" tIns="34290" rIns="68580" bIns="34290" rtlCol="0" anchor="ctr"/>
+          <a:lstStyle/>
+          <a:p>
+            <a:pPr algn="ctr"/>
+            <a:r>
+              <a:rPr lang="en-US" smtClean="0">
+                <a:solidFill>
+                  <a:schemeClr val="tx1"/>
+                </a:solidFill>
+              </a:rPr>
+              <a:t>Red LED</a:t>
+            </a:r>
+            <a:endParaRPr lang="en-US" dirty="0">
+              <a:solidFill>
+                <a:schemeClr val="tx1"/>
+              </a:solidFill>
+            </a:endParaRPr>
+          </a:p>
+        </p:txBody>
+      </p:sp>
+      <p:sp>
+        <p:nvSpPr>
+          <p:cNvPr id="11" name="Rectangle 10"/>
+          <p:cNvSpPr/>
+          <p:nvPr/>
+        </p:nvSpPr>
+        <p:spPr>
+          <a:xfrm>
+            <a:off x="5013103" y="1599728"/>
+            <a:ext cx="1145432" cy="532589"/>
+          </a:xfrm>
+          <a:prstGeom prst="rect">
+            <a:avLst/>
+          </a:prstGeom>
+          <a:solidFill>
+            <a:schemeClr val="bg1"/>
+          </a:solidFill>
+          <a:ln w="38100">
+            <a:solidFill>
+              <a:schemeClr val="accent1"/>
+            </a:solidFill>
+          </a:ln>
+        </p:spPr>
+        <p:style>
+          <a:lnRef idx="2">
+            <a:schemeClr val="accent1">
+              <a:shade val="50000"/>
+            </a:schemeClr>
+          </a:lnRef>
+          <a:fillRef idx="1">
+            <a:schemeClr val="accent1"/>
+          </a:fillRef>
+          <a:effectRef idx="0">
+            <a:schemeClr val="accent1"/>
+          </a:effectRef>
+          <a:fontRef idx="minor">
+            <a:schemeClr val="lt1"/>
+          </a:fontRef>
+        </p:style>
+        <p:txBody>
+          <a:bodyPr lIns="68580" tIns="34290" rIns="68580" bIns="34290" rtlCol="0" anchor="ctr"/>
+          <a:lstStyle/>
+          <a:p>
+            <a:pPr algn="ctr"/>
+            <a:r>
+              <a:rPr lang="en-US" dirty="0" smtClean="0">
+                <a:solidFill>
+                  <a:schemeClr val="tx1"/>
+                </a:solidFill>
+              </a:rPr>
+              <a:t>Loop To Teensy</a:t>
+            </a:r>
+            <a:endParaRPr lang="en-US" dirty="0">
+              <a:solidFill>
+                <a:schemeClr val="tx1"/>
+              </a:solidFill>
+            </a:endParaRPr>
+          </a:p>
+        </p:txBody>
+      </p:sp>
+      <p:sp>
+        <p:nvSpPr>
+          <p:cNvPr id="13" name="Rectangle 12"/>
+          <p:cNvSpPr/>
+          <p:nvPr/>
+        </p:nvSpPr>
+        <p:spPr>
+          <a:xfrm>
+            <a:off x="5013103" y="939464"/>
+            <a:ext cx="1145432" cy="532589"/>
+          </a:xfrm>
+          <a:prstGeom prst="rect">
+            <a:avLst/>
+          </a:prstGeom>
+          <a:noFill/>
+          <a:ln w="38100">
+            <a:solidFill>
+              <a:schemeClr val="accent1"/>
+            </a:solidFill>
+          </a:ln>
+        </p:spPr>
+        <p:style>
+          <a:lnRef idx="2">
+            <a:schemeClr val="accent1">
+              <a:shade val="50000"/>
+            </a:schemeClr>
+          </a:lnRef>
+          <a:fillRef idx="1">
+            <a:schemeClr val="accent1"/>
+          </a:fillRef>
+          <a:effectRef idx="0">
+            <a:schemeClr val="accent1"/>
+          </a:effectRef>
+          <a:fontRef idx="minor">
+            <a:schemeClr val="lt1"/>
+          </a:fontRef>
+        </p:style>
+        <p:txBody>
+          <a:bodyPr lIns="68580" tIns="34290" rIns="68580" bIns="34290" rtlCol="0" anchor="ctr"/>
+          <a:lstStyle/>
+          <a:p>
+            <a:pPr algn="ctr"/>
+            <a:r>
+              <a:rPr lang="en-US" dirty="0" smtClean="0">
+                <a:solidFill>
+                  <a:schemeClr val="tx1"/>
+                </a:solidFill>
+              </a:rPr>
+              <a:t>Teensy RX</a:t>
+            </a:r>
+            <a:endParaRPr lang="en-US" dirty="0">
+              <a:solidFill>
+                <a:schemeClr val="tx1"/>
+              </a:solidFill>
+            </a:endParaRPr>
+          </a:p>
+        </p:txBody>
+      </p:sp>
+      <p:sp>
+        <p:nvSpPr>
+          <p:cNvPr id="14" name="Rectangle 13"/>
+          <p:cNvSpPr/>
+          <p:nvPr/>
+        </p:nvSpPr>
+        <p:spPr>
+          <a:xfrm>
+            <a:off x="6661943" y="1599725"/>
+            <a:ext cx="1369542" cy="1145434"/>
+          </a:xfrm>
+          <a:prstGeom prst="rect">
+            <a:avLst/>
+          </a:prstGeom>
+          <a:solidFill>
+            <a:schemeClr val="bg1"/>
+          </a:solidFill>
+          <a:ln w="38100">
+            <a:solidFill>
+              <a:schemeClr val="accent1"/>
+            </a:solidFill>
+          </a:ln>
+        </p:spPr>
+        <p:style>
+          <a:lnRef idx="2">
+            <a:schemeClr val="accent1">
+              <a:shade val="50000"/>
+            </a:schemeClr>
+          </a:lnRef>
+          <a:fillRef idx="1">
+            <a:schemeClr val="accent1"/>
+          </a:fillRef>
+          <a:effectRef idx="0">
+            <a:schemeClr val="accent1"/>
+          </a:effectRef>
+          <a:fontRef idx="minor">
+            <a:schemeClr val="lt1"/>
+          </a:fontRef>
+        </p:style>
+        <p:txBody>
+          <a:bodyPr lIns="68580" tIns="34290" rIns="68580" bIns="34290" rtlCol="0" anchor="ctr"/>
+          <a:lstStyle/>
+          <a:p>
+            <a:pPr algn="ctr"/>
+            <a:r>
+              <a:rPr lang="en-US" dirty="0" err="1" smtClean="0">
+                <a:solidFill>
+                  <a:schemeClr val="tx1"/>
+                </a:solidFill>
+              </a:rPr>
+              <a:t>tty</a:t>
+            </a:r>
+            <a:r>
+              <a:rPr lang="en-US" dirty="0" smtClean="0">
+                <a:solidFill>
+                  <a:schemeClr val="tx1"/>
+                </a:solidFill>
+              </a:rPr>
+              <a:t> “send”</a:t>
+            </a:r>
+          </a:p>
+          <a:p>
+            <a:pPr algn="ctr"/>
+            <a:r>
+              <a:rPr lang="en-US" dirty="0" smtClean="0">
+                <a:solidFill>
+                  <a:schemeClr val="tx1"/>
+                </a:solidFill>
+              </a:rPr>
+              <a:t>(keyboard)</a:t>
+            </a:r>
+            <a:endParaRPr lang="en-US" dirty="0">
+              <a:solidFill>
+                <a:schemeClr val="tx1"/>
+              </a:solidFill>
+            </a:endParaRPr>
+          </a:p>
+        </p:txBody>
+      </p:sp>
+      <p:cxnSp>
+        <p:nvCxnSpPr>
+          <p:cNvPr id="19" name="Straight Arrow Connector 18"/>
+          <p:cNvCxnSpPr>
+            <a:stCxn id="11" idx="0"/>
+            <a:endCxn id="13" idx="2"/>
+          </p:cNvCxnSpPr>
+          <p:nvPr/>
+        </p:nvCxnSpPr>
+        <p:spPr>
+          <a:xfrm flipV="1">
+            <a:off x="5585818" y="1472052"/>
+            <a:ext cx="0" cy="127675"/>
+          </a:xfrm>
+          <a:prstGeom prst="straightConnector1">
+            <a:avLst/>
+          </a:prstGeom>
+          <a:ln w="38100">
+            <a:solidFill>
+              <a:srgbClr val="FF0000"/>
+            </a:solidFill>
+            <a:tailEnd type="triangle" w="lg" len="med"/>
+          </a:ln>
+        </p:spPr>
+        <p:style>
+          <a:lnRef idx="1">
+            <a:schemeClr val="accent1"/>
+          </a:lnRef>
+          <a:fillRef idx="0">
+            <a:schemeClr val="accent1"/>
+          </a:fillRef>
+          <a:effectRef idx="0">
+            <a:schemeClr val="accent1"/>
+          </a:effectRef>
+          <a:fontRef idx="minor">
+            <a:schemeClr val="tx1"/>
+          </a:fontRef>
+        </p:style>
+      </p:cxnSp>
+      <p:sp>
+        <p:nvSpPr>
+          <p:cNvPr id="25" name="Rectangle 24"/>
+          <p:cNvSpPr/>
+          <p:nvPr/>
+        </p:nvSpPr>
+        <p:spPr>
+          <a:xfrm>
+            <a:off x="2123988" y="3705157"/>
+            <a:ext cx="736870" cy="1145432"/>
+          </a:xfrm>
+          <a:prstGeom prst="rect">
+            <a:avLst/>
+          </a:prstGeom>
+          <a:solidFill>
+            <a:schemeClr val="bg1"/>
+          </a:solidFill>
+          <a:ln w="38100">
+            <a:solidFill>
+              <a:schemeClr val="accent1"/>
+            </a:solidFill>
+          </a:ln>
+        </p:spPr>
+        <p:style>
+          <a:lnRef idx="2">
+            <a:schemeClr val="accent1">
+              <a:shade val="50000"/>
+            </a:schemeClr>
+          </a:lnRef>
+          <a:fillRef idx="1">
+            <a:schemeClr val="accent1"/>
+          </a:fillRef>
+          <a:effectRef idx="0">
+            <a:schemeClr val="accent1"/>
+          </a:effectRef>
+          <a:fontRef idx="minor">
+            <a:schemeClr val="lt1"/>
+          </a:fontRef>
+        </p:style>
+        <p:txBody>
+          <a:bodyPr lIns="68580" tIns="34290" rIns="68580" bIns="34290" rtlCol="0" anchor="ctr"/>
+          <a:lstStyle/>
+          <a:p>
+            <a:pPr algn="ctr"/>
+            <a:r>
+              <a:rPr lang="en-US" dirty="0" smtClean="0">
+                <a:solidFill>
+                  <a:schemeClr val="tx1"/>
+                </a:solidFill>
+              </a:rPr>
+              <a:t>20mA</a:t>
+            </a:r>
+          </a:p>
+          <a:p>
+            <a:pPr algn="ctr"/>
+            <a:r>
+              <a:rPr lang="en-US" dirty="0" smtClean="0">
+                <a:solidFill>
+                  <a:schemeClr val="tx1"/>
+                </a:solidFill>
+              </a:rPr>
+              <a:t>loop supply</a:t>
+            </a:r>
+            <a:endParaRPr lang="en-US" dirty="0">
+              <a:solidFill>
+                <a:schemeClr val="tx1"/>
+              </a:solidFill>
+            </a:endParaRPr>
+          </a:p>
+        </p:txBody>
+      </p:sp>
+      <p:cxnSp>
+        <p:nvCxnSpPr>
+          <p:cNvPr id="26" name="Straight Arrow Connector 25"/>
+          <p:cNvCxnSpPr/>
+          <p:nvPr/>
+        </p:nvCxnSpPr>
+        <p:spPr>
+          <a:xfrm>
+            <a:off x="1605992" y="3982393"/>
+            <a:ext cx="503407" cy="0"/>
+          </a:xfrm>
+          <a:prstGeom prst="straightConnector1">
+            <a:avLst/>
+          </a:prstGeom>
+          <a:ln w="38100">
+            <a:solidFill>
+              <a:srgbClr val="C00000"/>
+            </a:solidFill>
+            <a:headEnd type="none"/>
+            <a:tailEnd type="none"/>
+          </a:ln>
+        </p:spPr>
+        <p:style>
+          <a:lnRef idx="1">
+            <a:schemeClr val="accent1"/>
+          </a:lnRef>
+          <a:fillRef idx="0">
+            <a:schemeClr val="accent1"/>
+          </a:fillRef>
+          <a:effectRef idx="0">
+            <a:schemeClr val="accent1"/>
+          </a:effectRef>
+          <a:fontRef idx="minor">
+            <a:schemeClr val="tx1"/>
+          </a:fontRef>
+        </p:style>
+      </p:cxnSp>
+      <p:cxnSp>
+        <p:nvCxnSpPr>
+          <p:cNvPr id="27" name="Straight Arrow Connector 26"/>
+          <p:cNvCxnSpPr/>
+          <p:nvPr/>
+        </p:nvCxnSpPr>
+        <p:spPr>
+          <a:xfrm flipH="1" flipV="1">
+            <a:off x="1390919" y="4472196"/>
+            <a:ext cx="725774" cy="3628"/>
+          </a:xfrm>
+          <a:prstGeom prst="straightConnector1">
+            <a:avLst/>
+          </a:prstGeom>
+          <a:ln w="38100">
+            <a:solidFill>
+              <a:schemeClr val="tx1"/>
+            </a:solidFill>
+            <a:headEnd type="none"/>
+            <a:tailEnd type="none"/>
+          </a:ln>
+        </p:spPr>
+        <p:style>
+          <a:lnRef idx="1">
+            <a:schemeClr val="accent1"/>
+          </a:lnRef>
+          <a:fillRef idx="0">
+            <a:schemeClr val="accent1"/>
+          </a:fillRef>
+          <a:effectRef idx="0">
+            <a:schemeClr val="accent1"/>
+          </a:effectRef>
+          <a:fontRef idx="minor">
+            <a:schemeClr val="tx1"/>
+          </a:fontRef>
+        </p:style>
+      </p:cxnSp>
+      <p:sp>
+        <p:nvSpPr>
+          <p:cNvPr id="29" name="Rectangle 28"/>
+          <p:cNvSpPr/>
+          <p:nvPr/>
+        </p:nvSpPr>
+        <p:spPr>
+          <a:xfrm>
+            <a:off x="3364265" y="3705161"/>
+            <a:ext cx="1145432" cy="532589"/>
+          </a:xfrm>
+          <a:prstGeom prst="rect">
+            <a:avLst/>
+          </a:prstGeom>
+          <a:solidFill>
+            <a:schemeClr val="bg1"/>
+          </a:solidFill>
+          <a:ln w="38100">
+            <a:solidFill>
+              <a:schemeClr val="accent1"/>
+            </a:solidFill>
+          </a:ln>
+        </p:spPr>
+        <p:style>
+          <a:lnRef idx="2">
+            <a:schemeClr val="accent1">
+              <a:shade val="50000"/>
+            </a:schemeClr>
+          </a:lnRef>
+          <a:fillRef idx="1">
+            <a:schemeClr val="accent1"/>
+          </a:fillRef>
+          <a:effectRef idx="0">
+            <a:schemeClr val="accent1"/>
+          </a:effectRef>
+          <a:fontRef idx="minor">
+            <a:schemeClr val="lt1"/>
+          </a:fontRef>
+        </p:style>
+        <p:txBody>
+          <a:bodyPr lIns="68580" tIns="34290" rIns="68580" bIns="34290" rtlCol="0" anchor="ctr"/>
+          <a:lstStyle/>
+          <a:p>
+            <a:pPr algn="ctr"/>
+            <a:r>
+              <a:rPr lang="en-US" dirty="0" smtClean="0">
+                <a:solidFill>
+                  <a:schemeClr val="tx1"/>
+                </a:solidFill>
+              </a:rPr>
+              <a:t>Yellow LED</a:t>
+            </a:r>
+            <a:endParaRPr lang="en-US" dirty="0">
+              <a:solidFill>
+                <a:schemeClr val="tx1"/>
+              </a:solidFill>
+            </a:endParaRPr>
+          </a:p>
+        </p:txBody>
+      </p:sp>
+      <p:sp>
+        <p:nvSpPr>
+          <p:cNvPr id="30" name="Rectangle 29"/>
+          <p:cNvSpPr/>
+          <p:nvPr/>
+        </p:nvSpPr>
+        <p:spPr>
+          <a:xfrm>
+            <a:off x="5013103" y="3705160"/>
+            <a:ext cx="1145432" cy="532589"/>
+          </a:xfrm>
+          <a:prstGeom prst="rect">
+            <a:avLst/>
+          </a:prstGeom>
+          <a:solidFill>
+            <a:schemeClr val="bg1"/>
+          </a:solidFill>
+          <a:ln w="38100">
+            <a:solidFill>
+              <a:schemeClr val="accent1"/>
+            </a:solidFill>
+          </a:ln>
+        </p:spPr>
+        <p:style>
+          <a:lnRef idx="2">
+            <a:schemeClr val="accent1">
+              <a:shade val="50000"/>
+            </a:schemeClr>
+          </a:lnRef>
+          <a:fillRef idx="1">
+            <a:schemeClr val="accent1"/>
+          </a:fillRef>
+          <a:effectRef idx="0">
+            <a:schemeClr val="accent1"/>
+          </a:effectRef>
+          <a:fontRef idx="minor">
+            <a:schemeClr val="lt1"/>
+          </a:fontRef>
+        </p:style>
+        <p:txBody>
+          <a:bodyPr lIns="68580" tIns="34290" rIns="68580" bIns="34290" rtlCol="0" anchor="ctr"/>
+          <a:lstStyle/>
+          <a:p>
+            <a:pPr algn="ctr"/>
+            <a:r>
+              <a:rPr lang="en-US" dirty="0" smtClean="0">
+                <a:solidFill>
+                  <a:schemeClr val="tx1"/>
+                </a:solidFill>
+              </a:rPr>
+              <a:t>Teensy To Loop</a:t>
+            </a:r>
+            <a:endParaRPr lang="en-US" dirty="0">
+              <a:solidFill>
+                <a:schemeClr val="tx1"/>
+              </a:solidFill>
+            </a:endParaRPr>
+          </a:p>
+        </p:txBody>
+      </p:sp>
+      <p:sp>
+        <p:nvSpPr>
+          <p:cNvPr id="32" name="Rectangle 31"/>
+          <p:cNvSpPr/>
+          <p:nvPr/>
+        </p:nvSpPr>
+        <p:spPr>
+          <a:xfrm>
+            <a:off x="6661943" y="3705159"/>
+            <a:ext cx="1369542" cy="1145434"/>
+          </a:xfrm>
+          <a:prstGeom prst="rect">
+            <a:avLst/>
+          </a:prstGeom>
+          <a:solidFill>
+            <a:schemeClr val="bg1"/>
+          </a:solidFill>
+          <a:ln w="38100">
+            <a:solidFill>
+              <a:schemeClr val="accent1"/>
+            </a:solidFill>
+          </a:ln>
+        </p:spPr>
+        <p:style>
+          <a:lnRef idx="2">
+            <a:schemeClr val="accent1">
+              <a:shade val="50000"/>
+            </a:schemeClr>
+          </a:lnRef>
+          <a:fillRef idx="1">
+            <a:schemeClr val="accent1"/>
+          </a:fillRef>
+          <a:effectRef idx="0">
+            <a:schemeClr val="accent1"/>
+          </a:effectRef>
+          <a:fontRef idx="minor">
+            <a:schemeClr val="lt1"/>
+          </a:fontRef>
+        </p:style>
+        <p:txBody>
+          <a:bodyPr lIns="68580" tIns="34290" rIns="68580" bIns="34290" rtlCol="0" anchor="ctr"/>
+          <a:lstStyle/>
+          <a:p>
+            <a:pPr algn="ctr"/>
+            <a:r>
+              <a:rPr lang="en-US" dirty="0" err="1" smtClean="0">
+                <a:solidFill>
+                  <a:schemeClr val="tx1"/>
+                </a:solidFill>
+              </a:rPr>
+              <a:t>tty</a:t>
+            </a:r>
+            <a:r>
+              <a:rPr lang="en-US" dirty="0" smtClean="0">
+                <a:solidFill>
+                  <a:schemeClr val="tx1"/>
+                </a:solidFill>
+              </a:rPr>
+              <a:t> “receive”</a:t>
+            </a:r>
+          </a:p>
+          <a:p>
+            <a:pPr algn="ctr"/>
+            <a:r>
+              <a:rPr lang="en-US" dirty="0" smtClean="0">
+                <a:solidFill>
+                  <a:schemeClr val="tx1"/>
+                </a:solidFill>
+              </a:rPr>
+              <a:t>(printer)</a:t>
+            </a:r>
+            <a:endParaRPr lang="en-US" dirty="0">
+              <a:solidFill>
+                <a:schemeClr val="tx1"/>
+              </a:solidFill>
+            </a:endParaRPr>
+          </a:p>
+        </p:txBody>
+      </p:sp>
+      <p:sp>
+        <p:nvSpPr>
+          <p:cNvPr id="35" name="Rectangle 34"/>
+          <p:cNvSpPr/>
+          <p:nvPr/>
+        </p:nvSpPr>
+        <p:spPr>
+          <a:xfrm>
+            <a:off x="5013103" y="3041743"/>
+            <a:ext cx="1145432" cy="532589"/>
+          </a:xfrm>
+          <a:prstGeom prst="rect">
+            <a:avLst/>
+          </a:prstGeom>
+          <a:noFill/>
+          <a:ln w="38100">
+            <a:solidFill>
+              <a:schemeClr val="accent1"/>
+            </a:solidFill>
+          </a:ln>
+        </p:spPr>
+        <p:style>
+          <a:lnRef idx="2">
+            <a:schemeClr val="accent1">
+              <a:shade val="50000"/>
+            </a:schemeClr>
+          </a:lnRef>
+          <a:fillRef idx="1">
+            <a:schemeClr val="accent1"/>
+          </a:fillRef>
+          <a:effectRef idx="0">
+            <a:schemeClr val="accent1"/>
+          </a:effectRef>
+          <a:fontRef idx="minor">
+            <a:schemeClr val="lt1"/>
+          </a:fontRef>
+        </p:style>
+        <p:txBody>
+          <a:bodyPr lIns="68580" tIns="34290" rIns="68580" bIns="34290" rtlCol="0" anchor="ctr"/>
+          <a:lstStyle/>
+          <a:p>
+            <a:pPr algn="ctr"/>
+            <a:r>
+              <a:rPr lang="en-US" dirty="0" smtClean="0">
+                <a:solidFill>
+                  <a:schemeClr val="tx1"/>
+                </a:solidFill>
+              </a:rPr>
+              <a:t>Teensy TX</a:t>
+            </a:r>
+            <a:endParaRPr lang="en-US" dirty="0">
+              <a:solidFill>
+                <a:schemeClr val="tx1"/>
+              </a:solidFill>
+            </a:endParaRPr>
+          </a:p>
+        </p:txBody>
+      </p:sp>
+      <p:cxnSp>
+        <p:nvCxnSpPr>
+          <p:cNvPr id="37" name="Straight Arrow Connector 36"/>
+          <p:cNvCxnSpPr>
+            <a:stCxn id="35" idx="2"/>
+            <a:endCxn id="30" idx="0"/>
+          </p:cNvCxnSpPr>
+          <p:nvPr/>
+        </p:nvCxnSpPr>
+        <p:spPr>
+          <a:xfrm>
+            <a:off x="5585818" y="3574331"/>
+            <a:ext cx="0" cy="130829"/>
+          </a:xfrm>
+          <a:prstGeom prst="straightConnector1">
+            <a:avLst/>
+          </a:prstGeom>
+          <a:ln w="38100">
+            <a:solidFill>
+              <a:srgbClr val="FF0000"/>
+            </a:solidFill>
+            <a:tailEnd type="triangle" w="lg" len="med"/>
+          </a:ln>
+        </p:spPr>
+        <p:style>
+          <a:lnRef idx="1">
+            <a:schemeClr val="accent1"/>
+          </a:lnRef>
+          <a:fillRef idx="0">
+            <a:schemeClr val="accent1"/>
+          </a:fillRef>
+          <a:effectRef idx="0">
+            <a:schemeClr val="accent1"/>
+          </a:effectRef>
+          <a:fontRef idx="minor">
+            <a:schemeClr val="tx1"/>
+          </a:fontRef>
+        </p:style>
+      </p:cxnSp>
+      <p:cxnSp>
+        <p:nvCxnSpPr>
+          <p:cNvPr id="41" name="Straight Arrow Connector 40"/>
+          <p:cNvCxnSpPr/>
+          <p:nvPr/>
+        </p:nvCxnSpPr>
+        <p:spPr>
+          <a:xfrm flipH="1">
+            <a:off x="1605990" y="1876960"/>
+            <a:ext cx="7090" cy="2105434"/>
+          </a:xfrm>
+          <a:prstGeom prst="straightConnector1">
+            <a:avLst/>
+          </a:prstGeom>
+          <a:ln w="38100">
+            <a:solidFill>
+              <a:srgbClr val="C00000"/>
+            </a:solidFill>
+            <a:headEnd type="none"/>
+            <a:tailEnd type="none"/>
+          </a:ln>
+        </p:spPr>
+        <p:style>
+          <a:lnRef idx="1">
+            <a:schemeClr val="accent1"/>
+          </a:lnRef>
+          <a:fillRef idx="0">
+            <a:schemeClr val="accent1"/>
+          </a:fillRef>
+          <a:effectRef idx="0">
+            <a:schemeClr val="accent1"/>
+          </a:effectRef>
+          <a:fontRef idx="minor">
+            <a:schemeClr val="tx1"/>
+          </a:fontRef>
+        </p:style>
+      </p:cxnSp>
+      <p:cxnSp>
+        <p:nvCxnSpPr>
+          <p:cNvPr id="51" name="Straight Arrow Connector 50"/>
+          <p:cNvCxnSpPr/>
+          <p:nvPr/>
+        </p:nvCxnSpPr>
+        <p:spPr>
+          <a:xfrm flipH="1" flipV="1">
+            <a:off x="1390921" y="2415859"/>
+            <a:ext cx="2" cy="2056332"/>
+          </a:xfrm>
+          <a:prstGeom prst="straightConnector1">
+            <a:avLst/>
+          </a:prstGeom>
+          <a:ln w="38100">
+            <a:solidFill>
+              <a:schemeClr val="tx1"/>
+            </a:solidFill>
+            <a:headEnd type="none"/>
+            <a:tailEnd type="none"/>
+          </a:ln>
+        </p:spPr>
+        <p:style>
+          <a:lnRef idx="1">
+            <a:schemeClr val="accent1"/>
+          </a:lnRef>
+          <a:fillRef idx="0">
+            <a:schemeClr val="accent1"/>
+          </a:fillRef>
+          <a:effectRef idx="0">
+            <a:schemeClr val="accent1"/>
+          </a:effectRef>
+          <a:fontRef idx="minor">
+            <a:schemeClr val="tx1"/>
+          </a:fontRef>
+        </p:style>
+      </p:cxnSp>
+      <p:cxnSp>
+        <p:nvCxnSpPr>
+          <p:cNvPr id="59" name="Straight Arrow Connector 58"/>
+          <p:cNvCxnSpPr/>
+          <p:nvPr/>
+        </p:nvCxnSpPr>
+        <p:spPr>
+          <a:xfrm flipV="1">
+            <a:off x="1613086" y="3245483"/>
+            <a:ext cx="3148885" cy="1"/>
+          </a:xfrm>
+          <a:prstGeom prst="straightConnector1">
+            <a:avLst/>
+          </a:prstGeom>
+          <a:ln w="38100">
+            <a:solidFill>
+              <a:srgbClr val="C00000"/>
+            </a:solidFill>
+            <a:headEnd type="none"/>
+            <a:tailEnd type="none"/>
+          </a:ln>
+        </p:spPr>
+        <p:style>
+          <a:lnRef idx="1">
+            <a:schemeClr val="accent1"/>
+          </a:lnRef>
+          <a:fillRef idx="0">
+            <a:schemeClr val="accent1"/>
+          </a:fillRef>
+          <a:effectRef idx="0">
+            <a:schemeClr val="accent1"/>
+          </a:effectRef>
+          <a:fontRef idx="minor">
+            <a:schemeClr val="tx1"/>
+          </a:fontRef>
+        </p:style>
+      </p:cxnSp>
+      <p:cxnSp>
+        <p:nvCxnSpPr>
+          <p:cNvPr id="62" name="Straight Arrow Connector 61"/>
+          <p:cNvCxnSpPr/>
+          <p:nvPr/>
+        </p:nvCxnSpPr>
+        <p:spPr>
+          <a:xfrm flipH="1">
+            <a:off x="4761966" y="3245477"/>
+            <a:ext cx="2" cy="550572"/>
+          </a:xfrm>
+          <a:prstGeom prst="straightConnector1">
+            <a:avLst/>
+          </a:prstGeom>
+          <a:ln w="38100">
+            <a:solidFill>
+              <a:srgbClr val="C00000"/>
+            </a:solidFill>
+            <a:headEnd type="none"/>
+            <a:tailEnd type="none"/>
+          </a:ln>
+        </p:spPr>
+        <p:style>
+          <a:lnRef idx="1">
+            <a:schemeClr val="accent1"/>
+          </a:lnRef>
+          <a:fillRef idx="0">
+            <a:schemeClr val="accent1"/>
+          </a:fillRef>
+          <a:effectRef idx="0">
+            <a:schemeClr val="accent1"/>
+          </a:effectRef>
+          <a:fontRef idx="minor">
+            <a:schemeClr val="tx1"/>
+          </a:fontRef>
+        </p:style>
+      </p:cxnSp>
+      <p:cxnSp>
+        <p:nvCxnSpPr>
+          <p:cNvPr id="65" name="Straight Arrow Connector 64"/>
+          <p:cNvCxnSpPr/>
+          <p:nvPr/>
+        </p:nvCxnSpPr>
+        <p:spPr>
+          <a:xfrm flipH="1">
+            <a:off x="4761963" y="3796048"/>
+            <a:ext cx="251138" cy="0"/>
+          </a:xfrm>
+          <a:prstGeom prst="straightConnector1">
+            <a:avLst/>
+          </a:prstGeom>
+          <a:ln w="38100">
+            <a:solidFill>
+              <a:srgbClr val="C00000"/>
+            </a:solidFill>
+            <a:headEnd type="none"/>
+            <a:tailEnd type="none"/>
+          </a:ln>
+        </p:spPr>
+        <p:style>
+          <a:lnRef idx="1">
+            <a:schemeClr val="accent1"/>
+          </a:lnRef>
+          <a:fillRef idx="0">
+            <a:schemeClr val="accent1"/>
+          </a:fillRef>
+          <a:effectRef idx="0">
+            <a:schemeClr val="accent1"/>
+          </a:effectRef>
+          <a:fontRef idx="minor">
+            <a:schemeClr val="tx1"/>
+          </a:fontRef>
+        </p:style>
+      </p:cxnSp>
+      <p:sp>
+        <p:nvSpPr>
+          <p:cNvPr id="69" name="Rectangle 68"/>
+          <p:cNvSpPr/>
+          <p:nvPr/>
+        </p:nvSpPr>
+        <p:spPr>
+          <a:xfrm>
+            <a:off x="230999" y="1546418"/>
+            <a:ext cx="924554" cy="1145432"/>
           </a:xfrm>
           <a:prstGeom prst="rect">
             <a:avLst/>
@@ -5924,7 +6689,7 @@
           <a:p>
             <a:pPr algn="ctr"/>
             <a:r>
-              <a:rPr lang="en-US" dirty="0" smtClean="0">
+              <a:rPr lang="en-US" smtClean="0">
                 <a:solidFill>
                   <a:schemeClr val="tx1"/>
                 </a:solidFill>
@@ -5941,14 +6706,74 @@
       </p:sp>
       <p:sp>
         <p:nvSpPr>
-          <p:cNvPr id="6" name="Rectangle 5"/>
+          <p:cNvPr id="70" name="Title 69"/>
+          <p:cNvSpPr>
+            <a:spLocks noGrp="1"/>
+          </p:cNvSpPr>
+          <p:nvPr>
+            <p:ph type="title"/>
+          </p:nvPr>
+        </p:nvSpPr>
+        <p:spPr/>
+        <p:txBody>
+          <a:bodyPr/>
+          <a:lstStyle/>
+          <a:p>
+            <a:r>
+              <a:rPr lang="en-US" dirty="0" smtClean="0"/>
+              <a:t>Overall electronics</a:t>
+            </a:r>
+            <a:endParaRPr lang="en-US" dirty="0"/>
+          </a:p>
+        </p:txBody>
+      </p:sp>
+      <p:cxnSp>
+        <p:nvCxnSpPr>
+          <p:cNvPr id="73" name="Straight Arrow Connector 72"/>
+          <p:cNvCxnSpPr/>
+          <p:nvPr/>
+        </p:nvCxnSpPr>
+        <p:spPr>
+          <a:xfrm>
+            <a:off x="6158537" y="1189549"/>
+            <a:ext cx="503407" cy="0"/>
+          </a:xfrm>
+          <a:prstGeom prst="straightConnector1">
+            <a:avLst/>
+          </a:prstGeom>
+          <a:ln w="38100">
+            <a:solidFill>
+              <a:schemeClr val="accent2"/>
+            </a:solidFill>
+            <a:headEnd type="diamond" w="lg" len="med"/>
+            <a:tailEnd type="triangle" w="lg" len="med"/>
+          </a:ln>
+        </p:spPr>
+        <p:style>
+          <a:lnRef idx="1">
+            <a:schemeClr val="accent1"/>
+          </a:lnRef>
+          <a:fillRef idx="0">
+            <a:schemeClr val="accent1"/>
+          </a:fillRef>
+          <a:effectRef idx="0">
+            <a:schemeClr val="accent1"/>
+          </a:effectRef>
+          <a:fontRef idx="minor">
+            <a:schemeClr val="tx1"/>
+          </a:fontRef>
+        </p:style>
+      </p:cxnSp>
+      <p:sp>
+        <p:nvSpPr>
+          <p:cNvPr id="74" name="Rectangle 73"/>
           <p:cNvSpPr/>
           <p:nvPr/>
         </p:nvSpPr>
         <p:spPr>
           <a:xfrm>
-            <a:off x="7362718" y="1703972"/>
-            <a:ext cx="2584415" cy="1201290"/>
+            <a:off x="6661941" y="1082856"/>
+            <a:ext cx="924554" cy="216244"/>
           </a:xfrm>
           <a:prstGeom prst="rect">
             <a:avLst/>
@@ -5978,14 +6803,13 @@
           <a:bodyPr lIns="68580" tIns="34290" rIns="68580" bIns="34290" rtlCol="0" anchor="ctr"/>
           <a:lstStyle/>
           <a:p>
-            <a:pPr algn="ctr"/>
             <a:r>
               <a:rPr lang="en-US" dirty="0" smtClean="0">
                 <a:solidFill>
                   <a:schemeClr val="tx1"/>
                 </a:solidFill>
               </a:rPr>
-              <a:t>Current loop 20mA</a:t>
+              <a:t>USB</a:t>
             </a:r>
             <a:endParaRPr lang="en-US" dirty="0">
               <a:solidFill>
@@ -5995,23 +6819,29 @@
           </a:p>
         </p:txBody>
       </p:sp>
-      <p:sp>
-        <p:nvSpPr>
-          <p:cNvPr id="7" name="Right Brace 6"/>
-          <p:cNvSpPr/>
+      <p:cxnSp>
+        <p:nvCxnSpPr>
+          <p:cNvPr id="75" name="Straight Arrow Connector 74"/>
+          <p:cNvCxnSpPr>
+            <a:stCxn id="76" idx="1"/>
+            <a:endCxn id="35" idx="3"/>
+          </p:cNvCxnSpPr>
           <p:nvPr/>
-        </p:nvSpPr>
-        <p:spPr>
-          <a:xfrm>
-            <a:off x="7494722" y="1793044"/>
-            <a:ext cx="278184" cy="1023150"/>
-          </a:xfrm>
-          <a:prstGeom prst="rightBrace">
+        </p:nvCxnSpPr>
+        <p:spPr>
+          <a:xfrm flipH="1">
+            <a:off x="6158538" y="3301215"/>
+            <a:ext cx="503404" cy="6821"/>
+          </a:xfrm>
+          <a:prstGeom prst="straightConnector1">
             <a:avLst/>
           </a:prstGeom>
-          <a:ln w="31750">
-            <a:headEnd type="diamond"/>
-            <a:tailEnd type="stealth"/>
+          <a:ln w="38100">
+            <a:solidFill>
+              <a:schemeClr val="accent2"/>
+            </a:solidFill>
+            <a:headEnd type="diamond" w="lg" len="med"/>
+            <a:tailEnd type="triangle" w="lg" len="med"/>
           </a:ln>
         </p:spPr>
         <p:style>
@@ -6028,88 +6858,276 @@
             <a:schemeClr val="tx1"/>
           </a:fontRef>
         </p:style>
-        <p:txBody>
-          <a:bodyPr lIns="68580" tIns="34290" rIns="68580" bIns="34290" rtlCol="0" anchor="ctr"/>
-          <a:lstStyle/>
-          <a:p>
-            <a:pPr algn="ctr"/>
-            <a:endParaRPr lang="en-US"/>
-          </a:p>
-        </p:txBody>
-      </p:sp>
-      <p:sp>
-        <p:nvSpPr>
-          <p:cNvPr id="8" name="Right Brace 7"/>
+      </p:cxnSp>
+      <p:sp>
+        <p:nvSpPr>
+          <p:cNvPr id="76" name="Rectangle 75"/>
           <p:cNvSpPr/>
           <p:nvPr/>
         </p:nvSpPr>
         <p:spPr>
-          <a:xfrm flipH="1">
-            <a:off x="1818292" y="1793044"/>
-            <a:ext cx="287336" cy="3068602"/>
-          </a:xfrm>
-          <a:prstGeom prst="rightBrace">
-            <a:avLst/>
-          </a:prstGeom>
-          <a:ln w="31750"/>
-        </p:spPr>
-        <p:style>
-          <a:lnRef idx="1">
-            <a:schemeClr val="accent1"/>
-          </a:lnRef>
-          <a:fillRef idx="0">
-            <a:schemeClr val="accent1"/>
-          </a:fillRef>
-          <a:effectRef idx="0">
-            <a:schemeClr val="accent1"/>
-          </a:effectRef>
-          <a:fontRef idx="minor">
-            <a:schemeClr val="tx1"/>
-          </a:fontRef>
-        </p:style>
-        <p:txBody>
-          <a:bodyPr lIns="68580" tIns="34290" rIns="68580" bIns="34290" rtlCol="0" anchor="ctr"/>
-          <a:lstStyle/>
-          <a:p>
-            <a:pPr algn="ctr"/>
-            <a:endParaRPr lang="en-US"/>
-          </a:p>
-        </p:txBody>
-      </p:sp>
-      <p:pic>
-        <p:nvPicPr>
-          <p:cNvPr id="10" name="Picture 9"/>
-          <p:cNvPicPr>
-            <a:picLocks noChangeAspect="1"/>
-          </p:cNvPicPr>
-          <p:nvPr/>
-        </p:nvPicPr>
-        <p:blipFill>
-          <a:blip r:embed="rId3">
-            <a:extLst>
-              <a:ext uri="{28A0092B-C50C-407E-A947-70E740481C1C}">
-                <a14:useLocalDpi xmlns:a14="http://schemas.microsoft.com/office/drawing/2010/main" val="0"/>
-              </a:ext>
-            </a:extLst>
-          </a:blip>
-          <a:stretch>
-            <a:fillRect/>
-          </a:stretch>
-        </p:blipFill>
-        <p:spPr>
           <a:xfrm>
-            <a:off x="2178509" y="1452846"/>
-            <a:ext cx="5193362" cy="3642643"/>
+            <a:off x="6661941" y="3193094"/>
+            <a:ext cx="924554" cy="216244"/>
           </a:xfrm>
           <a:prstGeom prst="rect">
             <a:avLst/>
           </a:prstGeom>
-        </p:spPr>
-      </p:pic>
+          <a:noFill/>
+          <a:ln w="38100">
+            <a:noFill/>
+          </a:ln>
+        </p:spPr>
+        <p:style>
+          <a:lnRef idx="2">
+            <a:schemeClr val="accent1">
+              <a:shade val="50000"/>
+            </a:schemeClr>
+          </a:lnRef>
+          <a:fillRef idx="1">
+            <a:schemeClr val="accent1"/>
+          </a:fillRef>
+          <a:effectRef idx="0">
+            <a:schemeClr val="accent1"/>
+          </a:effectRef>
+          <a:fontRef idx="minor">
+            <a:schemeClr val="lt1"/>
+          </a:fontRef>
+        </p:style>
+        <p:txBody>
+          <a:bodyPr lIns="68580" tIns="34290" rIns="68580" bIns="34290" rtlCol="0" anchor="ctr"/>
+          <a:lstStyle/>
+          <a:p>
+            <a:r>
+              <a:rPr lang="en-US" dirty="0" smtClean="0">
+                <a:solidFill>
+                  <a:schemeClr val="tx1"/>
+                </a:solidFill>
+              </a:rPr>
+              <a:t>USB</a:t>
+            </a:r>
+            <a:endParaRPr lang="en-US" dirty="0">
+              <a:solidFill>
+                <a:schemeClr val="tx1"/>
+              </a:solidFill>
+            </a:endParaRPr>
+          </a:p>
+        </p:txBody>
+      </p:sp>
+      <p:sp>
+        <p:nvSpPr>
+          <p:cNvPr id="38" name="Rectangle 37"/>
+          <p:cNvSpPr/>
+          <p:nvPr/>
+        </p:nvSpPr>
+        <p:spPr>
+          <a:xfrm>
+            <a:off x="6676698" y="2309486"/>
+            <a:ext cx="447523" cy="228614"/>
+          </a:xfrm>
+          <a:prstGeom prst="rect">
+            <a:avLst/>
+          </a:prstGeom>
+          <a:noFill/>
+          <a:ln w="38100">
+            <a:noFill/>
+          </a:ln>
+        </p:spPr>
+        <p:style>
+          <a:lnRef idx="2">
+            <a:schemeClr val="accent1">
+              <a:shade val="50000"/>
+            </a:schemeClr>
+          </a:lnRef>
+          <a:fillRef idx="1">
+            <a:schemeClr val="accent1"/>
+          </a:fillRef>
+          <a:effectRef idx="0">
+            <a:schemeClr val="accent1"/>
+          </a:effectRef>
+          <a:fontRef idx="minor">
+            <a:schemeClr val="lt1"/>
+          </a:fontRef>
+        </p:style>
+        <p:txBody>
+          <a:bodyPr lIns="68580" tIns="34290" rIns="68580" bIns="34290" rtlCol="0" anchor="ctr"/>
+          <a:lstStyle/>
+          <a:p>
+            <a:r>
+              <a:rPr lang="en-US" dirty="0">
+                <a:solidFill>
+                  <a:schemeClr val="tx1"/>
+                </a:solidFill>
+              </a:rPr>
+              <a:t>3</a:t>
+            </a:r>
+          </a:p>
+        </p:txBody>
+      </p:sp>
+      <p:sp>
+        <p:nvSpPr>
+          <p:cNvPr id="39" name="Rectangle 38"/>
+          <p:cNvSpPr/>
+          <p:nvPr/>
+        </p:nvSpPr>
+        <p:spPr>
+          <a:xfrm>
+            <a:off x="6676698" y="4406991"/>
+            <a:ext cx="447523" cy="228614"/>
+          </a:xfrm>
+          <a:prstGeom prst="rect">
+            <a:avLst/>
+          </a:prstGeom>
+          <a:noFill/>
+          <a:ln w="38100">
+            <a:noFill/>
+          </a:ln>
+        </p:spPr>
+        <p:style>
+          <a:lnRef idx="2">
+            <a:schemeClr val="accent1">
+              <a:shade val="50000"/>
+            </a:schemeClr>
+          </a:lnRef>
+          <a:fillRef idx="1">
+            <a:schemeClr val="accent1"/>
+          </a:fillRef>
+          <a:effectRef idx="0">
+            <a:schemeClr val="accent1"/>
+          </a:effectRef>
+          <a:fontRef idx="minor">
+            <a:schemeClr val="lt1"/>
+          </a:fontRef>
+        </p:style>
+        <p:txBody>
+          <a:bodyPr lIns="68580" tIns="34290" rIns="68580" bIns="34290" rtlCol="0" anchor="ctr"/>
+          <a:lstStyle/>
+          <a:p>
+            <a:r>
+              <a:rPr lang="en-US" dirty="0" smtClean="0">
+                <a:solidFill>
+                  <a:schemeClr val="tx1"/>
+                </a:solidFill>
+              </a:rPr>
+              <a:t>6-</a:t>
+            </a:r>
+            <a:endParaRPr lang="en-US" dirty="0">
+              <a:solidFill>
+                <a:schemeClr val="tx1"/>
+              </a:solidFill>
+            </a:endParaRPr>
+          </a:p>
+        </p:txBody>
+      </p:sp>
+      <p:sp>
+        <p:nvSpPr>
+          <p:cNvPr id="40" name="Rectangle 39"/>
+          <p:cNvSpPr/>
+          <p:nvPr/>
+        </p:nvSpPr>
+        <p:spPr>
+          <a:xfrm>
+            <a:off x="6661943" y="3868093"/>
+            <a:ext cx="447523" cy="228614"/>
+          </a:xfrm>
+          <a:prstGeom prst="rect">
+            <a:avLst/>
+          </a:prstGeom>
+          <a:noFill/>
+          <a:ln w="38100">
+            <a:noFill/>
+          </a:ln>
+        </p:spPr>
+        <p:style>
+          <a:lnRef idx="2">
+            <a:schemeClr val="accent1">
+              <a:shade val="50000"/>
+            </a:schemeClr>
+          </a:lnRef>
+          <a:fillRef idx="1">
+            <a:schemeClr val="accent1"/>
+          </a:fillRef>
+          <a:effectRef idx="0">
+            <a:schemeClr val="accent1"/>
+          </a:effectRef>
+          <a:fontRef idx="minor">
+            <a:schemeClr val="lt1"/>
+          </a:fontRef>
+        </p:style>
+        <p:txBody>
+          <a:bodyPr lIns="68580" tIns="34290" rIns="68580" bIns="34290" rtlCol="0" anchor="ctr"/>
+          <a:lstStyle/>
+          <a:p>
+            <a:r>
+              <a:rPr lang="en-US" dirty="0" smtClean="0">
+                <a:solidFill>
+                  <a:schemeClr val="tx1"/>
+                </a:solidFill>
+              </a:rPr>
+              <a:t>7+</a:t>
+            </a:r>
+            <a:endParaRPr lang="en-US" dirty="0">
+              <a:solidFill>
+                <a:schemeClr val="tx1"/>
+              </a:solidFill>
+            </a:endParaRPr>
+          </a:p>
+        </p:txBody>
+      </p:sp>
+      <p:sp>
+        <p:nvSpPr>
+          <p:cNvPr id="42" name="Rectangle 41"/>
+          <p:cNvSpPr/>
+          <p:nvPr/>
+        </p:nvSpPr>
+        <p:spPr>
+          <a:xfrm>
+            <a:off x="6676698" y="1777120"/>
+            <a:ext cx="447523" cy="228614"/>
+          </a:xfrm>
+          <a:prstGeom prst="rect">
+            <a:avLst/>
+          </a:prstGeom>
+          <a:noFill/>
+          <a:ln w="38100">
+            <a:noFill/>
+          </a:ln>
+        </p:spPr>
+        <p:style>
+          <a:lnRef idx="2">
+            <a:schemeClr val="accent1">
+              <a:shade val="50000"/>
+            </a:schemeClr>
+          </a:lnRef>
+          <a:fillRef idx="1">
+            <a:schemeClr val="accent1"/>
+          </a:fillRef>
+          <a:effectRef idx="0">
+            <a:schemeClr val="accent1"/>
+          </a:effectRef>
+          <a:fontRef idx="minor">
+            <a:schemeClr val="lt1"/>
+          </a:fontRef>
+        </p:style>
+        <p:txBody>
+          <a:bodyPr lIns="68580" tIns="34290" rIns="68580" bIns="34290" rtlCol="0" anchor="ctr"/>
+          <a:lstStyle/>
+          <a:p>
+            <a:r>
+              <a:rPr lang="en-US" dirty="0">
+                <a:solidFill>
+                  <a:schemeClr val="tx1"/>
+                </a:solidFill>
+              </a:rPr>
+              <a:t>4</a:t>
+            </a:r>
+          </a:p>
+        </p:txBody>
+      </p:sp>
     </p:spTree>
     <p:extLst>
       <p:ext uri="{BB962C8B-B14F-4D97-AF65-F5344CB8AC3E}">
-        <p14:creationId xmlns:p14="http://schemas.microsoft.com/office/powerpoint/2010/main" val="1831957934"/>
+        <p14:creationId xmlns:p14="http://schemas.microsoft.com/office/powerpoint/2010/main" val="1872264151"/>
       </p:ext>
     </p:extLst>
   </p:cSld>
@@ -6153,7 +7171,7 @@
           <a:p>
             <a:r>
               <a:rPr lang="en-US" dirty="0" smtClean="0"/>
-              <a:t>LED driver (~10mA)</a:t>
+              <a:t>20mA loop supply</a:t>
             </a:r>
             <a:endParaRPr lang="en-US" dirty="0"/>
           </a:p>
@@ -6161,14 +7179,14 @@
       </p:sp>
       <p:sp>
         <p:nvSpPr>
-          <p:cNvPr id="4" name="Rectangle 3"/>
+          <p:cNvPr id="5" name="Rectangle 4"/>
           <p:cNvSpPr/>
           <p:nvPr/>
         </p:nvSpPr>
         <p:spPr>
           <a:xfrm>
-            <a:off x="1385691" y="2559361"/>
-            <a:ext cx="1337732" cy="1201290"/>
+            <a:off x="590690" y="2599917"/>
+            <a:ext cx="924554" cy="1145432"/>
           </a:xfrm>
           <a:prstGeom prst="rect">
             <a:avLst/>
@@ -6198,14 +7216,14 @@
           <a:bodyPr lIns="68580" tIns="34290" rIns="68580" bIns="34290" rtlCol="0" anchor="ctr"/>
           <a:lstStyle/>
           <a:p>
-            <a:pPr algn="r"/>
-            <a:r>
-              <a:rPr lang="en-US" smtClean="0">
+            <a:pPr algn="ctr"/>
+            <a:r>
+              <a:rPr lang="en-US" dirty="0" smtClean="0">
                 <a:solidFill>
                   <a:schemeClr val="tx1"/>
                 </a:solidFill>
               </a:rPr>
-              <a:t>Current loop</a:t>
+              <a:t>19.2 VDC</a:t>
             </a:r>
             <a:endParaRPr lang="en-US" dirty="0">
               <a:solidFill>
@@ -6217,14 +7235,70 @@
       </p:sp>
       <p:sp>
         <p:nvSpPr>
-          <p:cNvPr id="5" name="Right Brace 4"/>
+          <p:cNvPr id="6" name="Rectangle 5"/>
           <p:cNvSpPr/>
           <p:nvPr/>
         </p:nvSpPr>
         <p:spPr>
-          <a:xfrm flipH="1">
-            <a:off x="2821328" y="1329852"/>
-            <a:ext cx="314648" cy="3664332"/>
+          <a:xfrm>
+            <a:off x="6135604" y="1624744"/>
+            <a:ext cx="2153679" cy="1145432"/>
+          </a:xfrm>
+          <a:prstGeom prst="rect">
+            <a:avLst/>
+          </a:prstGeom>
+          <a:noFill/>
+          <a:ln w="38100">
+            <a:noFill/>
+          </a:ln>
+        </p:spPr>
+        <p:style>
+          <a:lnRef idx="2">
+            <a:schemeClr val="accent1">
+              <a:shade val="50000"/>
+            </a:schemeClr>
+          </a:lnRef>
+          <a:fillRef idx="1">
+            <a:schemeClr val="accent1"/>
+          </a:fillRef>
+          <a:effectRef idx="0">
+            <a:schemeClr val="accent1"/>
+          </a:effectRef>
+          <a:fontRef idx="minor">
+            <a:schemeClr val="lt1"/>
+          </a:fontRef>
+        </p:style>
+        <p:txBody>
+          <a:bodyPr lIns="68580" tIns="34290" rIns="68580" bIns="34290" rtlCol="0" anchor="ctr"/>
+          <a:lstStyle/>
+          <a:p>
+            <a:pPr algn="ctr"/>
+            <a:r>
+              <a:rPr lang="en-US" dirty="0" smtClean="0">
+                <a:solidFill>
+                  <a:schemeClr val="tx1"/>
+                </a:solidFill>
+              </a:rPr>
+              <a:t>Current loop 20mA</a:t>
+            </a:r>
+            <a:endParaRPr lang="en-US" dirty="0">
+              <a:solidFill>
+                <a:schemeClr val="tx1"/>
+              </a:solidFill>
+            </a:endParaRPr>
+          </a:p>
+        </p:txBody>
+      </p:sp>
+      <p:sp>
+        <p:nvSpPr>
+          <p:cNvPr id="7" name="Right Brace 6"/>
+          <p:cNvSpPr/>
+          <p:nvPr/>
+        </p:nvSpPr>
+        <p:spPr>
+          <a:xfrm>
+            <a:off x="6245603" y="1709672"/>
+            <a:ext cx="231820" cy="975576"/>
           </a:xfrm>
           <a:prstGeom prst="rightBrace">
             <a:avLst/>
@@ -6257,9 +7331,48 @@
           </a:p>
         </p:txBody>
       </p:sp>
+      <p:sp>
+        <p:nvSpPr>
+          <p:cNvPr id="8" name="Right Brace 7"/>
+          <p:cNvSpPr/>
+          <p:nvPr/>
+        </p:nvSpPr>
+        <p:spPr>
+          <a:xfrm flipH="1">
+            <a:off x="1515248" y="1709672"/>
+            <a:ext cx="239447" cy="2925918"/>
+          </a:xfrm>
+          <a:prstGeom prst="rightBrace">
+            <a:avLst/>
+          </a:prstGeom>
+          <a:ln w="31750"/>
+        </p:spPr>
+        <p:style>
+          <a:lnRef idx="1">
+            <a:schemeClr val="accent1"/>
+          </a:lnRef>
+          <a:fillRef idx="0">
+            <a:schemeClr val="accent1"/>
+          </a:fillRef>
+          <a:effectRef idx="0">
+            <a:schemeClr val="accent1"/>
+          </a:effectRef>
+          <a:fontRef idx="minor">
+            <a:schemeClr val="tx1"/>
+          </a:fontRef>
+        </p:style>
+        <p:txBody>
+          <a:bodyPr lIns="68580" tIns="34290" rIns="68580" bIns="34290" rtlCol="0" anchor="ctr"/>
+          <a:lstStyle/>
+          <a:p>
+            <a:pPr algn="ctr"/>
+            <a:endParaRPr lang="en-US"/>
+          </a:p>
+        </p:txBody>
+      </p:sp>
       <p:pic>
         <p:nvPicPr>
-          <p:cNvPr id="3" name="Picture 2" descr="Screen Shot 2018-09-22 at 1.06.18 PM.png"/>
+          <p:cNvPr id="10" name="Picture 9"/>
           <p:cNvPicPr>
             <a:picLocks noChangeAspect="1"/>
           </p:cNvPicPr>
@@ -6279,8 +7392,8 @@
         </p:blipFill>
         <p:spPr>
           <a:xfrm>
-            <a:off x="3308894" y="1309465"/>
-            <a:ext cx="3835380" cy="3684718"/>
+            <a:off x="1815424" y="1385296"/>
+            <a:ext cx="4327802" cy="3473267"/>
           </a:xfrm>
           <a:prstGeom prst="rect">
             <a:avLst/>
@@ -6290,7 +7403,7 @@
     </p:spTree>
     <p:extLst>
       <p:ext uri="{BB962C8B-B14F-4D97-AF65-F5344CB8AC3E}">
-        <p14:creationId xmlns:p14="http://schemas.microsoft.com/office/powerpoint/2010/main" val="1033114882"/>
+        <p14:creationId xmlns:p14="http://schemas.microsoft.com/office/powerpoint/2010/main" val="1831957934"/>
       </p:ext>
     </p:extLst>
   </p:cSld>
@@ -6334,7 +7447,7 @@
           <a:p>
             <a:r>
               <a:rPr lang="en-US" dirty="0" smtClean="0"/>
-              <a:t>Loop to Teensy</a:t>
+              <a:t>LED driver (~10mA)</a:t>
             </a:r>
             <a:endParaRPr lang="en-US" dirty="0"/>
           </a:p>
@@ -6348,8 +7461,8 @@
         </p:nvSpPr>
         <p:spPr>
           <a:xfrm>
-            <a:off x="8443022" y="1396242"/>
-            <a:ext cx="1652380" cy="306944"/>
+            <a:off x="1154746" y="2440358"/>
+            <a:ext cx="1114777" cy="1145432"/>
           </a:xfrm>
           <a:prstGeom prst="rect">
             <a:avLst/>
@@ -6379,211 +7492,6 @@
           <a:bodyPr lIns="68580" tIns="34290" rIns="68580" bIns="34290" rtlCol="0" anchor="ctr"/>
           <a:lstStyle/>
           <a:p>
-            <a:r>
-              <a:rPr lang="en-US" dirty="0" smtClean="0">
-                <a:solidFill>
-                  <a:schemeClr val="tx1"/>
-                </a:solidFill>
-              </a:rPr>
-              <a:t>Teensy 5V</a:t>
-            </a:r>
-          </a:p>
-        </p:txBody>
-      </p:sp>
-      <p:sp>
-        <p:nvSpPr>
-          <p:cNvPr id="5" name="Rectangle 4"/>
-          <p:cNvSpPr/>
-          <p:nvPr/>
-        </p:nvSpPr>
-        <p:spPr>
-          <a:xfrm>
-            <a:off x="8443021" y="4567196"/>
-            <a:ext cx="1652380" cy="306944"/>
-          </a:xfrm>
-          <a:prstGeom prst="rect">
-            <a:avLst/>
-          </a:prstGeom>
-          <a:noFill/>
-          <a:ln w="38100">
-            <a:noFill/>
-          </a:ln>
-        </p:spPr>
-        <p:style>
-          <a:lnRef idx="2">
-            <a:schemeClr val="accent1">
-              <a:shade val="50000"/>
-            </a:schemeClr>
-          </a:lnRef>
-          <a:fillRef idx="1">
-            <a:schemeClr val="accent1"/>
-          </a:fillRef>
-          <a:effectRef idx="0">
-            <a:schemeClr val="accent1"/>
-          </a:effectRef>
-          <a:fontRef idx="minor">
-            <a:schemeClr val="lt1"/>
-          </a:fontRef>
-        </p:style>
-        <p:txBody>
-          <a:bodyPr lIns="68580" tIns="34290" rIns="68580" bIns="34290" rtlCol="0" anchor="ctr"/>
-          <a:lstStyle/>
-          <a:p>
-            <a:r>
-              <a:rPr lang="en-US" smtClean="0">
-                <a:solidFill>
-                  <a:schemeClr val="tx1"/>
-                </a:solidFill>
-              </a:rPr>
-              <a:t>Teensy GND</a:t>
-            </a:r>
-            <a:endParaRPr lang="en-US" dirty="0" smtClean="0">
-              <a:solidFill>
-                <a:schemeClr val="tx1"/>
-              </a:solidFill>
-            </a:endParaRPr>
-          </a:p>
-        </p:txBody>
-      </p:sp>
-      <p:sp>
-        <p:nvSpPr>
-          <p:cNvPr id="6" name="Rectangle 5"/>
-          <p:cNvSpPr/>
-          <p:nvPr/>
-        </p:nvSpPr>
-        <p:spPr>
-          <a:xfrm>
-            <a:off x="8443022" y="1769575"/>
-            <a:ext cx="1652380" cy="306944"/>
-          </a:xfrm>
-          <a:prstGeom prst="rect">
-            <a:avLst/>
-          </a:prstGeom>
-          <a:noFill/>
-          <a:ln w="38100">
-            <a:noFill/>
-          </a:ln>
-        </p:spPr>
-        <p:style>
-          <a:lnRef idx="2">
-            <a:schemeClr val="accent1">
-              <a:shade val="50000"/>
-            </a:schemeClr>
-          </a:lnRef>
-          <a:fillRef idx="1">
-            <a:schemeClr val="accent1"/>
-          </a:fillRef>
-          <a:effectRef idx="0">
-            <a:schemeClr val="accent1"/>
-          </a:effectRef>
-          <a:fontRef idx="minor">
-            <a:schemeClr val="lt1"/>
-          </a:fontRef>
-        </p:style>
-        <p:txBody>
-          <a:bodyPr lIns="68580" tIns="34290" rIns="68580" bIns="34290" rtlCol="0" anchor="ctr"/>
-          <a:lstStyle/>
-          <a:p>
-            <a:r>
-              <a:rPr lang="en-US" dirty="0" smtClean="0">
-                <a:solidFill>
-                  <a:schemeClr val="tx1"/>
-                </a:solidFill>
-              </a:rPr>
-              <a:t>Teensy 3.3V</a:t>
-            </a:r>
-          </a:p>
-        </p:txBody>
-      </p:sp>
-      <p:sp>
-        <p:nvSpPr>
-          <p:cNvPr id="7" name="Rectangle 6"/>
-          <p:cNvSpPr/>
-          <p:nvPr/>
-        </p:nvSpPr>
-        <p:spPr>
-          <a:xfrm>
-            <a:off x="8443022" y="2620475"/>
-            <a:ext cx="2293350" cy="306944"/>
-          </a:xfrm>
-          <a:prstGeom prst="rect">
-            <a:avLst/>
-          </a:prstGeom>
-          <a:noFill/>
-          <a:ln w="38100">
-            <a:noFill/>
-          </a:ln>
-        </p:spPr>
-        <p:style>
-          <a:lnRef idx="2">
-            <a:schemeClr val="accent1">
-              <a:shade val="50000"/>
-            </a:schemeClr>
-          </a:lnRef>
-          <a:fillRef idx="1">
-            <a:schemeClr val="accent1"/>
-          </a:fillRef>
-          <a:effectRef idx="0">
-            <a:schemeClr val="accent1"/>
-          </a:effectRef>
-          <a:fontRef idx="minor">
-            <a:schemeClr val="lt1"/>
-          </a:fontRef>
-        </p:style>
-        <p:txBody>
-          <a:bodyPr lIns="68580" tIns="34290" rIns="68580" bIns="34290" rtlCol="0" anchor="ctr"/>
-          <a:lstStyle/>
-          <a:p>
-            <a:r>
-              <a:rPr lang="en-US" dirty="0" smtClean="0">
-                <a:solidFill>
-                  <a:schemeClr val="tx1"/>
-                </a:solidFill>
-              </a:rPr>
-              <a:t>Teensy RX (pin 20)</a:t>
-            </a:r>
-          </a:p>
-        </p:txBody>
-      </p:sp>
-      <p:sp>
-        <p:nvSpPr>
-          <p:cNvPr id="8" name="Rectangle 7"/>
-          <p:cNvSpPr/>
-          <p:nvPr/>
-        </p:nvSpPr>
-        <p:spPr>
-          <a:xfrm>
-            <a:off x="41137" y="2517293"/>
-            <a:ext cx="1337732" cy="1201290"/>
-          </a:xfrm>
-          <a:prstGeom prst="rect">
-            <a:avLst/>
-          </a:prstGeom>
-          <a:noFill/>
-          <a:ln w="38100">
-            <a:noFill/>
-          </a:ln>
-        </p:spPr>
-        <p:style>
-          <a:lnRef idx="2">
-            <a:schemeClr val="accent1">
-              <a:shade val="50000"/>
-            </a:schemeClr>
-          </a:lnRef>
-          <a:fillRef idx="1">
-            <a:schemeClr val="accent1"/>
-          </a:fillRef>
-          <a:effectRef idx="0">
-            <a:schemeClr val="accent1"/>
-          </a:effectRef>
-          <a:fontRef idx="minor">
-            <a:schemeClr val="lt1"/>
-          </a:fontRef>
-        </p:style>
-        <p:txBody>
-          <a:bodyPr lIns="68580" tIns="34290" rIns="68580" bIns="34290" rtlCol="0" anchor="ctr"/>
-          <a:lstStyle/>
-          <a:p>
             <a:pPr algn="r"/>
             <a:r>
               <a:rPr lang="en-US" smtClean="0">
@@ -6603,14 +7511,14 @@
       </p:sp>
       <p:sp>
         <p:nvSpPr>
-          <p:cNvPr id="9" name="Right Brace 8"/>
+          <p:cNvPr id="5" name="Right Brace 4"/>
           <p:cNvSpPr/>
           <p:nvPr/>
         </p:nvSpPr>
         <p:spPr>
           <a:xfrm flipH="1">
-            <a:off x="1476774" y="1549713"/>
-            <a:ext cx="314648" cy="3170956"/>
+            <a:off x="2351111" y="1268018"/>
+            <a:ext cx="262207" cy="3493948"/>
           </a:xfrm>
           <a:prstGeom prst="rightBrace">
             <a:avLst/>
@@ -6645,7 +7553,7 @@
       </p:sp>
       <p:pic>
         <p:nvPicPr>
-          <p:cNvPr id="12" name="Picture 11" descr="Screen Shot 2018-09-24 at 3.21.58 PM.png"/>
+          <p:cNvPr id="3" name="Picture 2" descr="Screen Shot 2018-09-22 at 1.06.18 PM.png"/>
           <p:cNvPicPr>
             <a:picLocks noChangeAspect="1"/>
           </p:cNvPicPr>
@@ -6665,8 +7573,8 @@
         </p:blipFill>
         <p:spPr>
           <a:xfrm>
-            <a:off x="1962248" y="1396244"/>
-            <a:ext cx="6480770" cy="3477899"/>
+            <a:off x="2757412" y="1248580"/>
+            <a:ext cx="3196150" cy="3513386"/>
           </a:xfrm>
           <a:prstGeom prst="rect">
             <a:avLst/>
@@ -6676,7 +7584,7 @@
     </p:spTree>
     <p:extLst>
       <p:ext uri="{BB962C8B-B14F-4D97-AF65-F5344CB8AC3E}">
-        <p14:creationId xmlns:p14="http://schemas.microsoft.com/office/powerpoint/2010/main" val="1209945124"/>
+        <p14:creationId xmlns:p14="http://schemas.microsoft.com/office/powerpoint/2010/main" val="1033114882"/>
       </p:ext>
     </p:extLst>
   </p:cSld>
@@ -6720,15 +7628,318 @@
           <a:p>
             <a:r>
               <a:rPr lang="en-US" dirty="0" smtClean="0"/>
-              <a:t>Teensy To Loop</a:t>
+              <a:t>Loop to Teensy</a:t>
             </a:r>
             <a:endParaRPr lang="en-US" dirty="0"/>
+          </a:p>
+        </p:txBody>
+      </p:sp>
+      <p:sp>
+        <p:nvSpPr>
+          <p:cNvPr id="4" name="Rectangle 3"/>
+          <p:cNvSpPr/>
+          <p:nvPr/>
+        </p:nvSpPr>
+        <p:spPr>
+          <a:xfrm>
+            <a:off x="7035856" y="1331322"/>
+            <a:ext cx="1376983" cy="292672"/>
+          </a:xfrm>
+          <a:prstGeom prst="rect">
+            <a:avLst/>
+          </a:prstGeom>
+          <a:noFill/>
+          <a:ln w="38100">
+            <a:noFill/>
+          </a:ln>
+        </p:spPr>
+        <p:style>
+          <a:lnRef idx="2">
+            <a:schemeClr val="accent1">
+              <a:shade val="50000"/>
+            </a:schemeClr>
+          </a:lnRef>
+          <a:fillRef idx="1">
+            <a:schemeClr val="accent1"/>
+          </a:fillRef>
+          <a:effectRef idx="0">
+            <a:schemeClr val="accent1"/>
+          </a:effectRef>
+          <a:fontRef idx="minor">
+            <a:schemeClr val="lt1"/>
+          </a:fontRef>
+        </p:style>
+        <p:txBody>
+          <a:bodyPr lIns="68580" tIns="34290" rIns="68580" bIns="34290" rtlCol="0" anchor="ctr"/>
+          <a:lstStyle/>
+          <a:p>
+            <a:r>
+              <a:rPr lang="en-US" dirty="0" smtClean="0">
+                <a:solidFill>
+                  <a:schemeClr val="tx1"/>
+                </a:solidFill>
+              </a:rPr>
+              <a:t>Teensy 5V</a:t>
+            </a:r>
+          </a:p>
+        </p:txBody>
+      </p:sp>
+      <p:sp>
+        <p:nvSpPr>
+          <p:cNvPr id="5" name="Rectangle 4"/>
+          <p:cNvSpPr/>
+          <p:nvPr/>
+        </p:nvSpPr>
+        <p:spPr>
+          <a:xfrm>
+            <a:off x="7035855" y="4354834"/>
+            <a:ext cx="1376983" cy="292672"/>
+          </a:xfrm>
+          <a:prstGeom prst="rect">
+            <a:avLst/>
+          </a:prstGeom>
+          <a:noFill/>
+          <a:ln w="38100">
+            <a:noFill/>
+          </a:ln>
+        </p:spPr>
+        <p:style>
+          <a:lnRef idx="2">
+            <a:schemeClr val="accent1">
+              <a:shade val="50000"/>
+            </a:schemeClr>
+          </a:lnRef>
+          <a:fillRef idx="1">
+            <a:schemeClr val="accent1"/>
+          </a:fillRef>
+          <a:effectRef idx="0">
+            <a:schemeClr val="accent1"/>
+          </a:effectRef>
+          <a:fontRef idx="minor">
+            <a:schemeClr val="lt1"/>
+          </a:fontRef>
+        </p:style>
+        <p:txBody>
+          <a:bodyPr lIns="68580" tIns="34290" rIns="68580" bIns="34290" rtlCol="0" anchor="ctr"/>
+          <a:lstStyle/>
+          <a:p>
+            <a:r>
+              <a:rPr lang="en-US" smtClean="0">
+                <a:solidFill>
+                  <a:schemeClr val="tx1"/>
+                </a:solidFill>
+              </a:rPr>
+              <a:t>Teensy GND</a:t>
+            </a:r>
+            <a:endParaRPr lang="en-US" dirty="0" smtClean="0">
+              <a:solidFill>
+                <a:schemeClr val="tx1"/>
+              </a:solidFill>
+            </a:endParaRPr>
+          </a:p>
+        </p:txBody>
+      </p:sp>
+      <p:sp>
+        <p:nvSpPr>
+          <p:cNvPr id="6" name="Rectangle 5"/>
+          <p:cNvSpPr/>
+          <p:nvPr/>
+        </p:nvSpPr>
+        <p:spPr>
+          <a:xfrm>
+            <a:off x="7035856" y="1687297"/>
+            <a:ext cx="1376983" cy="292672"/>
+          </a:xfrm>
+          <a:prstGeom prst="rect">
+            <a:avLst/>
+          </a:prstGeom>
+          <a:noFill/>
+          <a:ln w="38100">
+            <a:noFill/>
+          </a:ln>
+        </p:spPr>
+        <p:style>
+          <a:lnRef idx="2">
+            <a:schemeClr val="accent1">
+              <a:shade val="50000"/>
+            </a:schemeClr>
+          </a:lnRef>
+          <a:fillRef idx="1">
+            <a:schemeClr val="accent1"/>
+          </a:fillRef>
+          <a:effectRef idx="0">
+            <a:schemeClr val="accent1"/>
+          </a:effectRef>
+          <a:fontRef idx="minor">
+            <a:schemeClr val="lt1"/>
+          </a:fontRef>
+        </p:style>
+        <p:txBody>
+          <a:bodyPr lIns="68580" tIns="34290" rIns="68580" bIns="34290" rtlCol="0" anchor="ctr"/>
+          <a:lstStyle/>
+          <a:p>
+            <a:r>
+              <a:rPr lang="en-US" dirty="0" smtClean="0">
+                <a:solidFill>
+                  <a:schemeClr val="tx1"/>
+                </a:solidFill>
+              </a:rPr>
+              <a:t>Teensy 3.3V</a:t>
+            </a:r>
+          </a:p>
+        </p:txBody>
+      </p:sp>
+      <p:sp>
+        <p:nvSpPr>
+          <p:cNvPr id="7" name="Rectangle 6"/>
+          <p:cNvSpPr/>
+          <p:nvPr/>
+        </p:nvSpPr>
+        <p:spPr>
+          <a:xfrm>
+            <a:off x="7035854" y="2498630"/>
+            <a:ext cx="1911124" cy="292672"/>
+          </a:xfrm>
+          <a:prstGeom prst="rect">
+            <a:avLst/>
+          </a:prstGeom>
+          <a:noFill/>
+          <a:ln w="38100">
+            <a:noFill/>
+          </a:ln>
+        </p:spPr>
+        <p:style>
+          <a:lnRef idx="2">
+            <a:schemeClr val="accent1">
+              <a:shade val="50000"/>
+            </a:schemeClr>
+          </a:lnRef>
+          <a:fillRef idx="1">
+            <a:schemeClr val="accent1"/>
+          </a:fillRef>
+          <a:effectRef idx="0">
+            <a:schemeClr val="accent1"/>
+          </a:effectRef>
+          <a:fontRef idx="minor">
+            <a:schemeClr val="lt1"/>
+          </a:fontRef>
+        </p:style>
+        <p:txBody>
+          <a:bodyPr lIns="68580" tIns="34290" rIns="68580" bIns="34290" rtlCol="0" anchor="ctr"/>
+          <a:lstStyle/>
+          <a:p>
+            <a:r>
+              <a:rPr lang="en-US" dirty="0" smtClean="0">
+                <a:solidFill>
+                  <a:schemeClr val="tx1"/>
+                </a:solidFill>
+              </a:rPr>
+              <a:t>Teensy RX (pin 20)</a:t>
+            </a:r>
+          </a:p>
+        </p:txBody>
+      </p:sp>
+      <p:sp>
+        <p:nvSpPr>
+          <p:cNvPr id="8" name="Rectangle 7"/>
+          <p:cNvSpPr/>
+          <p:nvPr/>
+        </p:nvSpPr>
+        <p:spPr>
+          <a:xfrm>
+            <a:off x="34285" y="2400248"/>
+            <a:ext cx="1114777" cy="1145432"/>
+          </a:xfrm>
+          <a:prstGeom prst="rect">
+            <a:avLst/>
+          </a:prstGeom>
+          <a:noFill/>
+          <a:ln w="38100">
+            <a:noFill/>
+          </a:ln>
+        </p:spPr>
+        <p:style>
+          <a:lnRef idx="2">
+            <a:schemeClr val="accent1">
+              <a:shade val="50000"/>
+            </a:schemeClr>
+          </a:lnRef>
+          <a:fillRef idx="1">
+            <a:schemeClr val="accent1"/>
+          </a:fillRef>
+          <a:effectRef idx="0">
+            <a:schemeClr val="accent1"/>
+          </a:effectRef>
+          <a:fontRef idx="minor">
+            <a:schemeClr val="lt1"/>
+          </a:fontRef>
+        </p:style>
+        <p:txBody>
+          <a:bodyPr lIns="68580" tIns="34290" rIns="68580" bIns="34290" rtlCol="0" anchor="ctr"/>
+          <a:lstStyle/>
+          <a:p>
+            <a:pPr algn="r"/>
+            <a:r>
+              <a:rPr lang="en-US" smtClean="0">
+                <a:solidFill>
+                  <a:schemeClr val="tx1"/>
+                </a:solidFill>
+              </a:rPr>
+              <a:t>Current loop</a:t>
+            </a:r>
+            <a:endParaRPr lang="en-US" dirty="0">
+              <a:solidFill>
+                <a:schemeClr val="tx1"/>
+              </a:solidFill>
+            </a:endParaRPr>
+          </a:p>
+        </p:txBody>
+      </p:sp>
+      <p:sp>
+        <p:nvSpPr>
+          <p:cNvPr id="9" name="Right Brace 8"/>
+          <p:cNvSpPr/>
+          <p:nvPr/>
+        </p:nvSpPr>
+        <p:spPr>
+          <a:xfrm flipH="1">
+            <a:off x="1230649" y="1477658"/>
+            <a:ext cx="262207" cy="3023513"/>
+          </a:xfrm>
+          <a:prstGeom prst="rightBrace">
+            <a:avLst/>
+          </a:prstGeom>
+          <a:ln w="31750">
+            <a:headEnd type="diamond"/>
+            <a:tailEnd type="stealth"/>
+          </a:ln>
+        </p:spPr>
+        <p:style>
+          <a:lnRef idx="1">
+            <a:schemeClr val="accent1"/>
+          </a:lnRef>
+          <a:fillRef idx="0">
+            <a:schemeClr val="accent1"/>
+          </a:fillRef>
+          <a:effectRef idx="0">
+            <a:schemeClr val="accent1"/>
+          </a:effectRef>
+          <a:fontRef idx="minor">
+            <a:schemeClr val="tx1"/>
+          </a:fontRef>
+        </p:style>
+        <p:txBody>
+          <a:bodyPr lIns="68580" tIns="34290" rIns="68580" bIns="34290" rtlCol="0" anchor="ctr"/>
+          <a:lstStyle/>
+          <a:p>
+            <a:pPr algn="ctr"/>
+            <a:endParaRPr lang="en-US"/>
           </a:p>
         </p:txBody>
       </p:sp>
       <p:pic>
         <p:nvPicPr>
-          <p:cNvPr id="4" name="Picture 3"/>
+          <p:cNvPr id="12" name="Picture 11" descr="Screen Shot 2018-09-24 at 3.21.58 PM.png"/>
           <p:cNvPicPr>
             <a:picLocks noChangeAspect="1"/>
           </p:cNvPicPr>
@@ -6748,298 +7959,18 @@
         </p:blipFill>
         <p:spPr>
           <a:xfrm>
-            <a:off x="2208748" y="1401814"/>
-            <a:ext cx="7163855" cy="3744325"/>
+            <a:off x="1635210" y="1331322"/>
+            <a:ext cx="5400643" cy="3316184"/>
           </a:xfrm>
           <a:prstGeom prst="rect">
             <a:avLst/>
           </a:prstGeom>
         </p:spPr>
       </p:pic>
-      <p:sp>
-        <p:nvSpPr>
-          <p:cNvPr id="5" name="Rectangle 4"/>
-          <p:cNvSpPr/>
-          <p:nvPr/>
-        </p:nvSpPr>
-        <p:spPr>
-          <a:xfrm>
-            <a:off x="9903211" y="3000638"/>
-            <a:ext cx="1638974" cy="1201290"/>
-          </a:xfrm>
-          <a:prstGeom prst="rect">
-            <a:avLst/>
-          </a:prstGeom>
-          <a:noFill/>
-          <a:ln w="38100">
-            <a:noFill/>
-          </a:ln>
-        </p:spPr>
-        <p:style>
-          <a:lnRef idx="2">
-            <a:schemeClr val="accent1">
-              <a:shade val="50000"/>
-            </a:schemeClr>
-          </a:lnRef>
-          <a:fillRef idx="1">
-            <a:schemeClr val="accent1"/>
-          </a:fillRef>
-          <a:effectRef idx="0">
-            <a:schemeClr val="accent1"/>
-          </a:effectRef>
-          <a:fontRef idx="minor">
-            <a:schemeClr val="lt1"/>
-          </a:fontRef>
-        </p:style>
-        <p:txBody>
-          <a:bodyPr lIns="68580" tIns="34290" rIns="68580" bIns="34290" rtlCol="0" anchor="ctr"/>
-          <a:lstStyle/>
-          <a:p>
-            <a:r>
-              <a:rPr lang="en-US" dirty="0" smtClean="0">
-                <a:solidFill>
-                  <a:schemeClr val="tx1"/>
-                </a:solidFill>
-              </a:rPr>
-              <a:t>Current</a:t>
-            </a:r>
-          </a:p>
-          <a:p>
-            <a:r>
-              <a:rPr lang="en-US" dirty="0" smtClean="0">
-                <a:solidFill>
-                  <a:schemeClr val="tx1"/>
-                </a:solidFill>
-              </a:rPr>
-              <a:t>loop</a:t>
-            </a:r>
-            <a:endParaRPr lang="en-US" dirty="0">
-              <a:solidFill>
-                <a:schemeClr val="tx1"/>
-              </a:solidFill>
-            </a:endParaRPr>
-          </a:p>
-        </p:txBody>
-      </p:sp>
-      <p:sp>
-        <p:nvSpPr>
-          <p:cNvPr id="6" name="Right Brace 5"/>
-          <p:cNvSpPr/>
-          <p:nvPr/>
-        </p:nvSpPr>
-        <p:spPr>
-          <a:xfrm>
-            <a:off x="9504611" y="2451506"/>
-            <a:ext cx="266594" cy="2350204"/>
-          </a:xfrm>
-          <a:prstGeom prst="rightBrace">
-            <a:avLst/>
-          </a:prstGeom>
-          <a:ln w="31750">
-            <a:headEnd type="diamond"/>
-            <a:tailEnd type="stealth"/>
-          </a:ln>
-        </p:spPr>
-        <p:style>
-          <a:lnRef idx="1">
-            <a:schemeClr val="accent1"/>
-          </a:lnRef>
-          <a:fillRef idx="0">
-            <a:schemeClr val="accent1"/>
-          </a:fillRef>
-          <a:effectRef idx="0">
-            <a:schemeClr val="accent1"/>
-          </a:effectRef>
-          <a:fontRef idx="minor">
-            <a:schemeClr val="tx1"/>
-          </a:fontRef>
-        </p:style>
-        <p:txBody>
-          <a:bodyPr lIns="68580" tIns="34290" rIns="68580" bIns="34290" rtlCol="0" anchor="ctr"/>
-          <a:lstStyle/>
-          <a:p>
-            <a:pPr algn="ctr"/>
-            <a:endParaRPr lang="en-US"/>
-          </a:p>
-        </p:txBody>
-      </p:sp>
-      <p:sp>
-        <p:nvSpPr>
-          <p:cNvPr id="7" name="Rectangle 6"/>
-          <p:cNvSpPr/>
-          <p:nvPr/>
-        </p:nvSpPr>
-        <p:spPr>
-          <a:xfrm>
-            <a:off x="556370" y="1779876"/>
-            <a:ext cx="1652380" cy="560199"/>
-          </a:xfrm>
-          <a:prstGeom prst="rect">
-            <a:avLst/>
-          </a:prstGeom>
-          <a:noFill/>
-          <a:ln w="38100">
-            <a:noFill/>
-          </a:ln>
-        </p:spPr>
-        <p:style>
-          <a:lnRef idx="2">
-            <a:schemeClr val="accent1">
-              <a:shade val="50000"/>
-            </a:schemeClr>
-          </a:lnRef>
-          <a:fillRef idx="1">
-            <a:schemeClr val="accent1"/>
-          </a:fillRef>
-          <a:effectRef idx="0">
-            <a:schemeClr val="accent1"/>
-          </a:effectRef>
-          <a:fontRef idx="minor">
-            <a:schemeClr val="lt1"/>
-          </a:fontRef>
-        </p:style>
-        <p:txBody>
-          <a:bodyPr lIns="68580" tIns="34290" rIns="68580" bIns="34290" rtlCol="0" anchor="ctr"/>
-          <a:lstStyle/>
-          <a:p>
-            <a:pPr algn="r"/>
-            <a:r>
-              <a:rPr lang="en-US" dirty="0" smtClean="0">
-                <a:solidFill>
-                  <a:schemeClr val="tx1"/>
-                </a:solidFill>
-              </a:rPr>
-              <a:t>19.2 VDC</a:t>
-            </a:r>
-            <a:br>
-              <a:rPr lang="en-US" dirty="0" smtClean="0">
-                <a:solidFill>
-                  <a:schemeClr val="tx1"/>
-                </a:solidFill>
-              </a:rPr>
-            </a:br>
-            <a:r>
-              <a:rPr lang="en-US" dirty="0" smtClean="0">
-                <a:solidFill>
-                  <a:schemeClr val="tx1"/>
-                </a:solidFill>
-              </a:rPr>
-              <a:t>(@ loop supply)</a:t>
-            </a:r>
-            <a:endParaRPr lang="en-US" dirty="0">
-              <a:solidFill>
-                <a:schemeClr val="tx1"/>
-              </a:solidFill>
-            </a:endParaRPr>
-          </a:p>
-        </p:txBody>
-      </p:sp>
-      <p:sp>
-        <p:nvSpPr>
-          <p:cNvPr id="9" name="Rectangle 8"/>
-          <p:cNvSpPr/>
-          <p:nvPr/>
-        </p:nvSpPr>
-        <p:spPr>
-          <a:xfrm>
-            <a:off x="5" y="3473134"/>
-            <a:ext cx="2076738" cy="306944"/>
-          </a:xfrm>
-          <a:prstGeom prst="rect">
-            <a:avLst/>
-          </a:prstGeom>
-          <a:noFill/>
-          <a:ln w="38100">
-            <a:noFill/>
-          </a:ln>
-        </p:spPr>
-        <p:style>
-          <a:lnRef idx="2">
-            <a:schemeClr val="accent1">
-              <a:shade val="50000"/>
-            </a:schemeClr>
-          </a:lnRef>
-          <a:fillRef idx="1">
-            <a:schemeClr val="accent1"/>
-          </a:fillRef>
-          <a:effectRef idx="0">
-            <a:schemeClr val="accent1"/>
-          </a:effectRef>
-          <a:fontRef idx="minor">
-            <a:schemeClr val="lt1"/>
-          </a:fontRef>
-        </p:style>
-        <p:txBody>
-          <a:bodyPr lIns="68580" tIns="34290" rIns="68580" bIns="34290" rtlCol="0" anchor="ctr"/>
-          <a:lstStyle/>
-          <a:p>
-            <a:pPr algn="r"/>
-            <a:r>
-              <a:rPr lang="en-US" dirty="0" smtClean="0">
-                <a:solidFill>
-                  <a:schemeClr val="tx1"/>
-                </a:solidFill>
-              </a:rPr>
-              <a:t>Teensy TX (pin 21)</a:t>
-            </a:r>
-          </a:p>
-        </p:txBody>
-      </p:sp>
-      <p:sp>
-        <p:nvSpPr>
-          <p:cNvPr id="10" name="Rectangle 9"/>
-          <p:cNvSpPr/>
-          <p:nvPr/>
-        </p:nvSpPr>
-        <p:spPr>
-          <a:xfrm>
-            <a:off x="422429" y="3988085"/>
-            <a:ext cx="1652380" cy="306944"/>
-          </a:xfrm>
-          <a:prstGeom prst="rect">
-            <a:avLst/>
-          </a:prstGeom>
-          <a:noFill/>
-          <a:ln w="38100">
-            <a:noFill/>
-          </a:ln>
-        </p:spPr>
-        <p:style>
-          <a:lnRef idx="2">
-            <a:schemeClr val="accent1">
-              <a:shade val="50000"/>
-            </a:schemeClr>
-          </a:lnRef>
-          <a:fillRef idx="1">
-            <a:schemeClr val="accent1"/>
-          </a:fillRef>
-          <a:effectRef idx="0">
-            <a:schemeClr val="accent1"/>
-          </a:effectRef>
-          <a:fontRef idx="minor">
-            <a:schemeClr val="lt1"/>
-          </a:fontRef>
-        </p:style>
-        <p:txBody>
-          <a:bodyPr lIns="68580" tIns="34290" rIns="68580" bIns="34290" rtlCol="0" anchor="ctr"/>
-          <a:lstStyle/>
-          <a:p>
-            <a:pPr algn="r"/>
-            <a:r>
-              <a:rPr lang="en-US" dirty="0" smtClean="0">
-                <a:solidFill>
-                  <a:schemeClr val="tx1"/>
-                </a:solidFill>
-              </a:rPr>
-              <a:t>Teensy GND</a:t>
-            </a:r>
-          </a:p>
-        </p:txBody>
-      </p:sp>
     </p:spTree>
     <p:extLst>
       <p:ext uri="{BB962C8B-B14F-4D97-AF65-F5344CB8AC3E}">
-        <p14:creationId xmlns:p14="http://schemas.microsoft.com/office/powerpoint/2010/main" val="1902217840"/>
+        <p14:creationId xmlns:p14="http://schemas.microsoft.com/office/powerpoint/2010/main" val="1209945124"/>
       </p:ext>
     </p:extLst>
   </p:cSld>
@@ -7068,157 +7999,37 @@
       </p:grpSpPr>
       <p:sp>
         <p:nvSpPr>
-          <p:cNvPr id="3" name="Rectangle 2"/>
-          <p:cNvSpPr/>
-          <p:nvPr/>
-        </p:nvSpPr>
-        <p:spPr>
-          <a:xfrm>
-            <a:off x="9333925" y="1141596"/>
-            <a:ext cx="2208260" cy="3060333"/>
-          </a:xfrm>
-          <a:prstGeom prst="rect">
-            <a:avLst/>
-          </a:prstGeom>
-          <a:noFill/>
-          <a:ln w="38100">
-            <a:noFill/>
-          </a:ln>
-        </p:spPr>
-        <p:style>
-          <a:lnRef idx="2">
-            <a:schemeClr val="accent1">
-              <a:shade val="50000"/>
-            </a:schemeClr>
-          </a:lnRef>
-          <a:fillRef idx="1">
-            <a:schemeClr val="accent1"/>
-          </a:fillRef>
-          <a:effectRef idx="0">
-            <a:schemeClr val="accent1"/>
-          </a:effectRef>
-          <a:fontRef idx="minor">
-            <a:schemeClr val="lt1"/>
-          </a:fontRef>
-        </p:style>
-        <p:txBody>
-          <a:bodyPr lIns="68580" tIns="34290" rIns="68580" bIns="34290" rtlCol="0" anchor="ctr"/>
-          <a:lstStyle/>
-          <a:p>
-            <a:r>
-              <a:rPr lang="en-US" sz="1500" dirty="0">
-                <a:solidFill>
-                  <a:schemeClr val="tx1"/>
-                </a:solidFill>
-              </a:rPr>
-              <a:t>VIN +19.2</a:t>
-            </a:r>
-          </a:p>
-          <a:p>
-            <a:r>
-              <a:rPr lang="en-US" sz="1500" dirty="0">
-                <a:solidFill>
-                  <a:schemeClr val="tx1"/>
-                </a:solidFill>
-              </a:rPr>
-              <a:t>TTY 7 +RECEIVE</a:t>
-            </a:r>
-          </a:p>
-          <a:p>
-            <a:r>
-              <a:rPr lang="en-US" sz="1500" dirty="0">
-                <a:solidFill>
-                  <a:schemeClr val="tx1"/>
-                </a:solidFill>
-              </a:rPr>
-              <a:t>VIN GND</a:t>
-            </a:r>
-          </a:p>
-          <a:p>
-            <a:r>
-              <a:rPr lang="en-US" sz="1500" dirty="0">
-                <a:solidFill>
-                  <a:schemeClr val="tx1"/>
-                </a:solidFill>
-              </a:rPr>
-              <a:t>TTY 6 </a:t>
-            </a:r>
-            <a:r>
-              <a:rPr lang="mr-IN" sz="1500" dirty="0">
-                <a:solidFill>
-                  <a:schemeClr val="tx1"/>
-                </a:solidFill>
-              </a:rPr>
-              <a:t>–</a:t>
-            </a:r>
-            <a:r>
-              <a:rPr lang="en-US" sz="1500" dirty="0">
-                <a:solidFill>
-                  <a:schemeClr val="tx1"/>
-                </a:solidFill>
-              </a:rPr>
-              <a:t>RECEIVE</a:t>
-            </a:r>
-          </a:p>
-          <a:p>
-            <a:r>
-              <a:rPr lang="en-US" sz="1500" dirty="0">
-                <a:solidFill>
-                  <a:schemeClr val="tx1"/>
-                </a:solidFill>
-              </a:rPr>
-              <a:t>n/c</a:t>
-            </a:r>
-          </a:p>
-          <a:p>
-            <a:r>
-              <a:rPr lang="en-US" sz="1500" dirty="0">
-                <a:solidFill>
-                  <a:schemeClr val="tx1"/>
-                </a:solidFill>
-              </a:rPr>
-              <a:t>TTY 3 SEND</a:t>
-            </a:r>
-          </a:p>
-          <a:p>
-            <a:r>
-              <a:rPr lang="en-US" sz="1500" dirty="0">
-                <a:solidFill>
-                  <a:schemeClr val="tx1"/>
-                </a:solidFill>
-              </a:rPr>
-              <a:t>TTY 4 SEND</a:t>
-            </a:r>
-          </a:p>
-          <a:p>
-            <a:r>
-              <a:rPr lang="en-US" sz="1500" dirty="0">
-                <a:solidFill>
-                  <a:schemeClr val="tx1"/>
-                </a:solidFill>
-              </a:rPr>
-              <a:t>VIN GND</a:t>
-            </a:r>
-          </a:p>
-          <a:p>
-            <a:endParaRPr lang="en-US" sz="1500" dirty="0">
-              <a:solidFill>
-                <a:schemeClr val="tx1"/>
-              </a:solidFill>
-            </a:endParaRPr>
+          <p:cNvPr id="2" name="Title 1"/>
+          <p:cNvSpPr>
+            <a:spLocks noGrp="1"/>
+          </p:cNvSpPr>
+          <p:nvPr>
+            <p:ph type="title"/>
+          </p:nvPr>
+        </p:nvSpPr>
+        <p:spPr/>
+        <p:txBody>
+          <a:bodyPr/>
+          <a:lstStyle/>
+          <a:p>
+            <a:r>
+              <a:rPr lang="en-US" dirty="0" smtClean="0"/>
+              <a:t>Teensy To Loop</a:t>
+            </a:r>
+            <a:endParaRPr lang="en-US" dirty="0"/>
           </a:p>
         </p:txBody>
       </p:sp>
       <p:pic>
         <p:nvPicPr>
-          <p:cNvPr id="5" name="Picture 4" descr="20180925_180111.jpg"/>
+          <p:cNvPr id="4" name="Picture 3"/>
           <p:cNvPicPr>
             <a:picLocks noChangeAspect="1"/>
           </p:cNvPicPr>
           <p:nvPr/>
         </p:nvPicPr>
         <p:blipFill>
-          <a:blip r:embed="rId2">
+          <a:blip r:embed="rId3">
             <a:extLst>
               <a:ext uri="{28A0092B-C50C-407E-A947-70E740481C1C}">
                 <a14:useLocalDpi xmlns:a14="http://schemas.microsoft.com/office/drawing/2010/main" val="0"/>
@@ -7231,18 +8042,298 @@
         </p:blipFill>
         <p:spPr>
           <a:xfrm>
-            <a:off x="3" y="2"/>
-            <a:ext cx="9333926" cy="5394325"/>
+            <a:off x="1840628" y="1336634"/>
+            <a:ext cx="5969879" cy="3570221"/>
           </a:xfrm>
           <a:prstGeom prst="rect">
             <a:avLst/>
           </a:prstGeom>
         </p:spPr>
       </p:pic>
+      <p:sp>
+        <p:nvSpPr>
+          <p:cNvPr id="5" name="Rectangle 4"/>
+          <p:cNvSpPr/>
+          <p:nvPr/>
+        </p:nvSpPr>
+        <p:spPr>
+          <a:xfrm>
+            <a:off x="8252676" y="2861118"/>
+            <a:ext cx="1365812" cy="1145432"/>
+          </a:xfrm>
+          <a:prstGeom prst="rect">
+            <a:avLst/>
+          </a:prstGeom>
+          <a:noFill/>
+          <a:ln w="38100">
+            <a:noFill/>
+          </a:ln>
+        </p:spPr>
+        <p:style>
+          <a:lnRef idx="2">
+            <a:schemeClr val="accent1">
+              <a:shade val="50000"/>
+            </a:schemeClr>
+          </a:lnRef>
+          <a:fillRef idx="1">
+            <a:schemeClr val="accent1"/>
+          </a:fillRef>
+          <a:effectRef idx="0">
+            <a:schemeClr val="accent1"/>
+          </a:effectRef>
+          <a:fontRef idx="minor">
+            <a:schemeClr val="lt1"/>
+          </a:fontRef>
+        </p:style>
+        <p:txBody>
+          <a:bodyPr lIns="68580" tIns="34290" rIns="68580" bIns="34290" rtlCol="0" anchor="ctr"/>
+          <a:lstStyle/>
+          <a:p>
+            <a:r>
+              <a:rPr lang="en-US" dirty="0" smtClean="0">
+                <a:solidFill>
+                  <a:schemeClr val="tx1"/>
+                </a:solidFill>
+              </a:rPr>
+              <a:t>Current</a:t>
+            </a:r>
+          </a:p>
+          <a:p>
+            <a:r>
+              <a:rPr lang="en-US" dirty="0" smtClean="0">
+                <a:solidFill>
+                  <a:schemeClr val="tx1"/>
+                </a:solidFill>
+              </a:rPr>
+              <a:t>loop</a:t>
+            </a:r>
+            <a:endParaRPr lang="en-US" dirty="0">
+              <a:solidFill>
+                <a:schemeClr val="tx1"/>
+              </a:solidFill>
+            </a:endParaRPr>
+          </a:p>
+        </p:txBody>
+      </p:sp>
+      <p:sp>
+        <p:nvSpPr>
+          <p:cNvPr id="6" name="Right Brace 5"/>
+          <p:cNvSpPr/>
+          <p:nvPr/>
+        </p:nvSpPr>
+        <p:spPr>
+          <a:xfrm>
+            <a:off x="7920512" y="2337520"/>
+            <a:ext cx="222163" cy="2240924"/>
+          </a:xfrm>
+          <a:prstGeom prst="rightBrace">
+            <a:avLst/>
+          </a:prstGeom>
+          <a:ln w="31750">
+            <a:headEnd type="diamond"/>
+            <a:tailEnd type="stealth"/>
+          </a:ln>
+        </p:spPr>
+        <p:style>
+          <a:lnRef idx="1">
+            <a:schemeClr val="accent1"/>
+          </a:lnRef>
+          <a:fillRef idx="0">
+            <a:schemeClr val="accent1"/>
+          </a:fillRef>
+          <a:effectRef idx="0">
+            <a:schemeClr val="accent1"/>
+          </a:effectRef>
+          <a:fontRef idx="minor">
+            <a:schemeClr val="tx1"/>
+          </a:fontRef>
+        </p:style>
+        <p:txBody>
+          <a:bodyPr lIns="68580" tIns="34290" rIns="68580" bIns="34290" rtlCol="0" anchor="ctr"/>
+          <a:lstStyle/>
+          <a:p>
+            <a:pPr algn="ctr"/>
+            <a:endParaRPr lang="en-US"/>
+          </a:p>
+        </p:txBody>
+      </p:sp>
+      <p:sp>
+        <p:nvSpPr>
+          <p:cNvPr id="7" name="Rectangle 6"/>
+          <p:cNvSpPr/>
+          <p:nvPr/>
+        </p:nvSpPr>
+        <p:spPr>
+          <a:xfrm>
+            <a:off x="463646" y="1697119"/>
+            <a:ext cx="1376983" cy="534151"/>
+          </a:xfrm>
+          <a:prstGeom prst="rect">
+            <a:avLst/>
+          </a:prstGeom>
+          <a:noFill/>
+          <a:ln w="38100">
+            <a:noFill/>
+          </a:ln>
+        </p:spPr>
+        <p:style>
+          <a:lnRef idx="2">
+            <a:schemeClr val="accent1">
+              <a:shade val="50000"/>
+            </a:schemeClr>
+          </a:lnRef>
+          <a:fillRef idx="1">
+            <a:schemeClr val="accent1"/>
+          </a:fillRef>
+          <a:effectRef idx="0">
+            <a:schemeClr val="accent1"/>
+          </a:effectRef>
+          <a:fontRef idx="minor">
+            <a:schemeClr val="lt1"/>
+          </a:fontRef>
+        </p:style>
+        <p:txBody>
+          <a:bodyPr lIns="68580" tIns="34290" rIns="68580" bIns="34290" rtlCol="0" anchor="ctr"/>
+          <a:lstStyle/>
+          <a:p>
+            <a:pPr algn="r"/>
+            <a:r>
+              <a:rPr lang="en-US" dirty="0" smtClean="0">
+                <a:solidFill>
+                  <a:schemeClr val="tx1"/>
+                </a:solidFill>
+              </a:rPr>
+              <a:t>19.2 VDC</a:t>
+            </a:r>
+            <a:br>
+              <a:rPr lang="en-US" dirty="0" smtClean="0">
+                <a:solidFill>
+                  <a:schemeClr val="tx1"/>
+                </a:solidFill>
+              </a:rPr>
+            </a:br>
+            <a:r>
+              <a:rPr lang="en-US" dirty="0" smtClean="0">
+                <a:solidFill>
+                  <a:schemeClr val="tx1"/>
+                </a:solidFill>
+              </a:rPr>
+              <a:t>(@ loop supply)</a:t>
+            </a:r>
+            <a:endParaRPr lang="en-US" dirty="0">
+              <a:solidFill>
+                <a:schemeClr val="tx1"/>
+              </a:solidFill>
+            </a:endParaRPr>
+          </a:p>
+        </p:txBody>
+      </p:sp>
+      <p:sp>
+        <p:nvSpPr>
+          <p:cNvPr id="9" name="Rectangle 8"/>
+          <p:cNvSpPr/>
+          <p:nvPr/>
+        </p:nvSpPr>
+        <p:spPr>
+          <a:xfrm>
+            <a:off x="8" y="3311644"/>
+            <a:ext cx="1730615" cy="292672"/>
+          </a:xfrm>
+          <a:prstGeom prst="rect">
+            <a:avLst/>
+          </a:prstGeom>
+          <a:noFill/>
+          <a:ln w="38100">
+            <a:noFill/>
+          </a:ln>
+        </p:spPr>
+        <p:style>
+          <a:lnRef idx="2">
+            <a:schemeClr val="accent1">
+              <a:shade val="50000"/>
+            </a:schemeClr>
+          </a:lnRef>
+          <a:fillRef idx="1">
+            <a:schemeClr val="accent1"/>
+          </a:fillRef>
+          <a:effectRef idx="0">
+            <a:schemeClr val="accent1"/>
+          </a:effectRef>
+          <a:fontRef idx="minor">
+            <a:schemeClr val="lt1"/>
+          </a:fontRef>
+        </p:style>
+        <p:txBody>
+          <a:bodyPr lIns="68580" tIns="34290" rIns="68580" bIns="34290" rtlCol="0" anchor="ctr"/>
+          <a:lstStyle/>
+          <a:p>
+            <a:pPr algn="r"/>
+            <a:r>
+              <a:rPr lang="en-US" dirty="0" smtClean="0">
+                <a:solidFill>
+                  <a:schemeClr val="tx1"/>
+                </a:solidFill>
+              </a:rPr>
+              <a:t>Teensy TX (pin 21)</a:t>
+            </a:r>
+          </a:p>
+        </p:txBody>
+      </p:sp>
+      <p:sp>
+        <p:nvSpPr>
+          <p:cNvPr id="10" name="Rectangle 9"/>
+          <p:cNvSpPr/>
+          <p:nvPr/>
+        </p:nvSpPr>
+        <p:spPr>
+          <a:xfrm>
+            <a:off x="352028" y="3802650"/>
+            <a:ext cx="1376983" cy="292672"/>
+          </a:xfrm>
+          <a:prstGeom prst="rect">
+            <a:avLst/>
+          </a:prstGeom>
+          <a:noFill/>
+          <a:ln w="38100">
+            <a:noFill/>
+          </a:ln>
+        </p:spPr>
+        <p:style>
+          <a:lnRef idx="2">
+            <a:schemeClr val="accent1">
+              <a:shade val="50000"/>
+            </a:schemeClr>
+          </a:lnRef>
+          <a:fillRef idx="1">
+            <a:schemeClr val="accent1"/>
+          </a:fillRef>
+          <a:effectRef idx="0">
+            <a:schemeClr val="accent1"/>
+          </a:effectRef>
+          <a:fontRef idx="minor">
+            <a:schemeClr val="lt1"/>
+          </a:fontRef>
+        </p:style>
+        <p:txBody>
+          <a:bodyPr lIns="68580" tIns="34290" rIns="68580" bIns="34290" rtlCol="0" anchor="ctr"/>
+          <a:lstStyle/>
+          <a:p>
+            <a:pPr algn="r"/>
+            <a:r>
+              <a:rPr lang="en-US" dirty="0" smtClean="0">
+                <a:solidFill>
+                  <a:schemeClr val="tx1"/>
+                </a:solidFill>
+              </a:rPr>
+              <a:t>Teensy GND</a:t>
+            </a:r>
+          </a:p>
+        </p:txBody>
+      </p:sp>
     </p:spTree>
     <p:extLst>
       <p:ext uri="{BB962C8B-B14F-4D97-AF65-F5344CB8AC3E}">
-        <p14:creationId xmlns:p14="http://schemas.microsoft.com/office/powerpoint/2010/main" val="1166969792"/>
+        <p14:creationId xmlns:p14="http://schemas.microsoft.com/office/powerpoint/2010/main" val="1902217840"/>
       </p:ext>
     </p:extLst>
   </p:cSld>
@@ -7269,16 +8360,159 @@
           <a:chExt cx="0" cy="0"/>
         </a:xfrm>
       </p:grpSpPr>
+      <p:sp>
+        <p:nvSpPr>
+          <p:cNvPr id="3" name="Rectangle 2"/>
+          <p:cNvSpPr/>
+          <p:nvPr/>
+        </p:nvSpPr>
+        <p:spPr>
+          <a:xfrm>
+            <a:off x="7778275" y="1088515"/>
+            <a:ext cx="1840217" cy="2918034"/>
+          </a:xfrm>
+          <a:prstGeom prst="rect">
+            <a:avLst/>
+          </a:prstGeom>
+          <a:noFill/>
+          <a:ln w="38100">
+            <a:noFill/>
+          </a:ln>
+        </p:spPr>
+        <p:style>
+          <a:lnRef idx="2">
+            <a:schemeClr val="accent1">
+              <a:shade val="50000"/>
+            </a:schemeClr>
+          </a:lnRef>
+          <a:fillRef idx="1">
+            <a:schemeClr val="accent1"/>
+          </a:fillRef>
+          <a:effectRef idx="0">
+            <a:schemeClr val="accent1"/>
+          </a:effectRef>
+          <a:fontRef idx="minor">
+            <a:schemeClr val="lt1"/>
+          </a:fontRef>
+        </p:style>
+        <p:txBody>
+          <a:bodyPr lIns="68580" tIns="34290" rIns="68580" bIns="34290" rtlCol="0" anchor="ctr"/>
+          <a:lstStyle/>
+          <a:p>
+            <a:r>
+              <a:rPr lang="en-US" sz="1500" dirty="0">
+                <a:solidFill>
+                  <a:schemeClr val="tx1"/>
+                </a:solidFill>
+              </a:rPr>
+              <a:t>VIN +19.2</a:t>
+            </a:r>
+          </a:p>
+          <a:p>
+            <a:r>
+              <a:rPr lang="en-US" sz="1500" dirty="0">
+                <a:solidFill>
+                  <a:schemeClr val="tx1"/>
+                </a:solidFill>
+              </a:rPr>
+              <a:t>TTY 7 +RECEIVE</a:t>
+            </a:r>
+          </a:p>
+          <a:p>
+            <a:r>
+              <a:rPr lang="en-US" sz="1500" dirty="0">
+                <a:solidFill>
+                  <a:schemeClr val="tx1"/>
+                </a:solidFill>
+              </a:rPr>
+              <a:t>VIN GND</a:t>
+            </a:r>
+          </a:p>
+          <a:p>
+            <a:r>
+              <a:rPr lang="en-US" sz="1500" dirty="0">
+                <a:solidFill>
+                  <a:schemeClr val="tx1"/>
+                </a:solidFill>
+              </a:rPr>
+              <a:t>TTY 6 </a:t>
+            </a:r>
+            <a:r>
+              <a:rPr lang="mr-IN" sz="1500" dirty="0">
+                <a:solidFill>
+                  <a:schemeClr val="tx1"/>
+                </a:solidFill>
+              </a:rPr>
+              <a:t>–</a:t>
+            </a:r>
+            <a:r>
+              <a:rPr lang="en-US" sz="1500" dirty="0">
+                <a:solidFill>
+                  <a:schemeClr val="tx1"/>
+                </a:solidFill>
+              </a:rPr>
+              <a:t>RECEIVE</a:t>
+            </a:r>
+          </a:p>
+          <a:p>
+            <a:r>
+              <a:rPr lang="en-US" sz="1500" dirty="0">
+                <a:solidFill>
+                  <a:schemeClr val="tx1"/>
+                </a:solidFill>
+              </a:rPr>
+              <a:t>n/c</a:t>
+            </a:r>
+          </a:p>
+          <a:p>
+            <a:r>
+              <a:rPr lang="en-US" sz="1500" dirty="0">
+                <a:solidFill>
+                  <a:schemeClr val="tx1"/>
+                </a:solidFill>
+              </a:rPr>
+              <a:t>TTY 3 SEND</a:t>
+            </a:r>
+          </a:p>
+          <a:p>
+            <a:r>
+              <a:rPr lang="en-US" sz="1500" dirty="0">
+                <a:solidFill>
+                  <a:schemeClr val="tx1"/>
+                </a:solidFill>
+              </a:rPr>
+              <a:t>TTY 4 SEND</a:t>
+            </a:r>
+          </a:p>
+          <a:p>
+            <a:r>
+              <a:rPr lang="en-US" sz="1500" dirty="0">
+                <a:solidFill>
+                  <a:schemeClr val="tx1"/>
+                </a:solidFill>
+              </a:rPr>
+              <a:t>VIN GND</a:t>
+            </a:r>
+          </a:p>
+          <a:p>
+            <a:endParaRPr lang="en-US" sz="1500" dirty="0">
+              <a:solidFill>
+                <a:schemeClr val="tx1"/>
+              </a:solidFill>
+            </a:endParaRPr>
+          </a:p>
+        </p:txBody>
+      </p:sp>
       <p:pic>
         <p:nvPicPr>
-          <p:cNvPr id="2" name="Picture 1" descr="20180925_175351.jpg"/>
+          <p:cNvPr id="5" name="Picture 4" descr="20180925_180111.jpg"/>
           <p:cNvPicPr>
             <a:picLocks noChangeAspect="1"/>
           </p:cNvPicPr>
           <p:nvPr/>
         </p:nvPicPr>
         <p:blipFill>
-          <a:blip r:embed="rId2">
+          <a:blip r:embed="rId3">
             <a:extLst>
               <a:ext uri="{28A0092B-C50C-407E-A947-70E740481C1C}">
                 <a14:useLocalDpi xmlns:a14="http://schemas.microsoft.com/office/drawing/2010/main" val="0"/>
@@ -7291,8 +8525,8 @@
         </p:blipFill>
         <p:spPr>
           <a:xfrm>
-            <a:off x="0" y="99895"/>
-            <a:ext cx="10972800" cy="5191254"/>
+            <a:off x="2" y="2"/>
+            <a:ext cx="7778272" cy="5143500"/>
           </a:xfrm>
           <a:prstGeom prst="rect">
             <a:avLst/>
@@ -7302,7 +8536,7 @@
     </p:spTree>
     <p:extLst>
       <p:ext uri="{BB962C8B-B14F-4D97-AF65-F5344CB8AC3E}">
-        <p14:creationId xmlns:p14="http://schemas.microsoft.com/office/powerpoint/2010/main" val="1158004058"/>
+        <p14:creationId xmlns:p14="http://schemas.microsoft.com/office/powerpoint/2010/main" val="1166969792"/>
       </p:ext>
     </p:extLst>
   </p:cSld>
@@ -7567,7 +8801,7 @@
   <a:extraClrSchemeLst/>
   <a:extLst>
     <a:ext uri="{05A4C25C-085E-4340-85A3-A5531E510DB2}">
-      <thm15:themeFamily xmlns="" xmlns:thm15="http://schemas.microsoft.com/office/thememl/2012/main" name="Office Theme" id="{62F939B6-93AF-4DB8-9C6B-D6C7DFDC589F}" vid="{4A3C46E8-61CC-4603-A589-7422A47A8E4A}"/>
+      <thm15:themeFamily xmlns:thm15="http://schemas.microsoft.com/office/thememl/2012/main" xmlns="" name="Office Theme" id="{62F939B6-93AF-4DB8-9C6B-D6C7DFDC589F}" vid="{4A3C46E8-61CC-4603-A589-7422A47A8E4A}"/>
     </a:ext>
   </a:extLst>
 </a:theme>
